--- a/Sprint 3/Abgabe-Dateien/Sptrint 3 Präsentation.pptx
+++ b/Sprint 3/Abgabe-Dateien/Sptrint 3 Präsentation.pptx
@@ -2,18 +2,20 @@
 <file path=ppt/presentation.xml><?xml version="1.0" encoding="utf-8"?>
 <p:presentation xmlns:a="http://schemas.openxmlformats.org/drawingml/2006/main" xmlns:r="http://schemas.openxmlformats.org/officeDocument/2006/relationships" xmlns:p="http://schemas.openxmlformats.org/presentationml/2006/main" saveSubsetFonts="1">
   <p:sldMasterIdLst>
-    <p:sldMasterId id="2147483648" r:id="rId1"/>
+    <p:sldMasterId id="2147483660" r:id="rId1"/>
   </p:sldMasterIdLst>
   <p:sldIdLst>
     <p:sldId id="256" r:id="rId2"/>
+    <p:sldId id="257" r:id="rId3"/>
+    <p:sldId id="258" r:id="rId4"/>
   </p:sldIdLst>
   <p:sldSz cx="12192000" cy="6858000"/>
   <p:notesSz cx="6858000" cy="9144000"/>
   <p:defaultTextStyle>
     <a:defPPr>
-      <a:defRPr lang="de-DE"/>
+      <a:defRPr lang="en-US"/>
     </a:defPPr>
-    <a:lvl1pPr marL="0" algn="l" defTabSz="914400" rtl="0" eaLnBrk="1" latinLnBrk="0" hangingPunct="1">
+    <a:lvl1pPr marL="0" algn="l" defTabSz="457200" rtl="0" eaLnBrk="1" latinLnBrk="0" hangingPunct="1">
       <a:defRPr sz="1800" kern="1200">
         <a:solidFill>
           <a:schemeClr val="tx1"/>
@@ -23,7 +25,7 @@
         <a:cs typeface="+mn-cs"/>
       </a:defRPr>
     </a:lvl1pPr>
-    <a:lvl2pPr marL="457200" algn="l" defTabSz="914400" rtl="0" eaLnBrk="1" latinLnBrk="0" hangingPunct="1">
+    <a:lvl2pPr marL="457200" algn="l" defTabSz="457200" rtl="0" eaLnBrk="1" latinLnBrk="0" hangingPunct="1">
       <a:defRPr sz="1800" kern="1200">
         <a:solidFill>
           <a:schemeClr val="tx1"/>
@@ -33,7 +35,7 @@
         <a:cs typeface="+mn-cs"/>
       </a:defRPr>
     </a:lvl2pPr>
-    <a:lvl3pPr marL="914400" algn="l" defTabSz="914400" rtl="0" eaLnBrk="1" latinLnBrk="0" hangingPunct="1">
+    <a:lvl3pPr marL="914400" algn="l" defTabSz="457200" rtl="0" eaLnBrk="1" latinLnBrk="0" hangingPunct="1">
       <a:defRPr sz="1800" kern="1200">
         <a:solidFill>
           <a:schemeClr val="tx1"/>
@@ -43,7 +45,7 @@
         <a:cs typeface="+mn-cs"/>
       </a:defRPr>
     </a:lvl3pPr>
-    <a:lvl4pPr marL="1371600" algn="l" defTabSz="914400" rtl="0" eaLnBrk="1" latinLnBrk="0" hangingPunct="1">
+    <a:lvl4pPr marL="1371600" algn="l" defTabSz="457200" rtl="0" eaLnBrk="1" latinLnBrk="0" hangingPunct="1">
       <a:defRPr sz="1800" kern="1200">
         <a:solidFill>
           <a:schemeClr val="tx1"/>
@@ -53,7 +55,7 @@
         <a:cs typeface="+mn-cs"/>
       </a:defRPr>
     </a:lvl4pPr>
-    <a:lvl5pPr marL="1828800" algn="l" defTabSz="914400" rtl="0" eaLnBrk="1" latinLnBrk="0" hangingPunct="1">
+    <a:lvl5pPr marL="1828800" algn="l" defTabSz="457200" rtl="0" eaLnBrk="1" latinLnBrk="0" hangingPunct="1">
       <a:defRPr sz="1800" kern="1200">
         <a:solidFill>
           <a:schemeClr val="tx1"/>
@@ -63,7 +65,7 @@
         <a:cs typeface="+mn-cs"/>
       </a:defRPr>
     </a:lvl5pPr>
-    <a:lvl6pPr marL="2286000" algn="l" defTabSz="914400" rtl="0" eaLnBrk="1" latinLnBrk="0" hangingPunct="1">
+    <a:lvl6pPr marL="2286000" algn="l" defTabSz="457200" rtl="0" eaLnBrk="1" latinLnBrk="0" hangingPunct="1">
       <a:defRPr sz="1800" kern="1200">
         <a:solidFill>
           <a:schemeClr val="tx1"/>
@@ -73,7 +75,7 @@
         <a:cs typeface="+mn-cs"/>
       </a:defRPr>
     </a:lvl6pPr>
-    <a:lvl7pPr marL="2743200" algn="l" defTabSz="914400" rtl="0" eaLnBrk="1" latinLnBrk="0" hangingPunct="1">
+    <a:lvl7pPr marL="2743200" algn="l" defTabSz="457200" rtl="0" eaLnBrk="1" latinLnBrk="0" hangingPunct="1">
       <a:defRPr sz="1800" kern="1200">
         <a:solidFill>
           <a:schemeClr val="tx1"/>
@@ -83,7 +85,7 @@
         <a:cs typeface="+mn-cs"/>
       </a:defRPr>
     </a:lvl7pPr>
-    <a:lvl8pPr marL="3200400" algn="l" defTabSz="914400" rtl="0" eaLnBrk="1" latinLnBrk="0" hangingPunct="1">
+    <a:lvl8pPr marL="3200400" algn="l" defTabSz="457200" rtl="0" eaLnBrk="1" latinLnBrk="0" hangingPunct="1">
       <a:defRPr sz="1800" kern="1200">
         <a:solidFill>
           <a:schemeClr val="tx1"/>
@@ -93,7 +95,7 @@
         <a:cs typeface="+mn-cs"/>
       </a:defRPr>
     </a:lvl8pPr>
-    <a:lvl9pPr marL="3657600" algn="l" defTabSz="914400" rtl="0" eaLnBrk="1" latinLnBrk="0" hangingPunct="1">
+    <a:lvl9pPr marL="3657600" algn="l" defTabSz="457200" rtl="0" eaLnBrk="1" latinLnBrk="0" hangingPunct="1">
       <a:defRPr sz="1800" kern="1200">
         <a:solidFill>
           <a:schemeClr val="tx1"/>
@@ -113,7 +115,7 @@
 </file>
 
 <file path=ppt/slideLayouts/slideLayout1.xml><?xml version="1.0" encoding="utf-8"?>
-<p:sldLayout xmlns:a="http://schemas.openxmlformats.org/drawingml/2006/main" xmlns:r="http://schemas.openxmlformats.org/officeDocument/2006/relationships" xmlns:p="http://schemas.openxmlformats.org/presentationml/2006/main" type="title" preserve="1">
+<p:sldLayout xmlns:a="http://schemas.openxmlformats.org/drawingml/2006/main" xmlns:r="http://schemas.openxmlformats.org/officeDocument/2006/relationships" xmlns:p="http://schemas.openxmlformats.org/presentationml/2006/main" showMasterSp="0" type="title" preserve="1">
   <p:cSld name="Titelfolie">
     <p:spTree>
       <p:nvGrpSpPr>
@@ -129,15 +131,539 @@
           <a:chExt cx="0" cy="0"/>
         </a:xfrm>
       </p:grpSpPr>
-      <p:sp>
-        <p:nvSpPr>
-          <p:cNvPr id="2" name="Titel 1">
-            <a:extLst>
-              <a:ext uri="{FF2B5EF4-FFF2-40B4-BE49-F238E27FC236}">
-                <a16:creationId xmlns:a16="http://schemas.microsoft.com/office/drawing/2014/main" id="{A596737F-F737-4FA9-A5B2-B3EA7B4C05C1}"/>
-              </a:ext>
-            </a:extLst>
-          </p:cNvPr>
+      <p:grpSp>
+        <p:nvGrpSpPr>
+          <p:cNvPr id="7" name="Group 6"/>
+          <p:cNvGrpSpPr/>
+          <p:nvPr/>
+        </p:nvGrpSpPr>
+        <p:grpSpPr>
+          <a:xfrm>
+            <a:off x="0" y="-8467"/>
+            <a:ext cx="12192000" cy="6866467"/>
+            <a:chOff x="0" y="-8467"/>
+            <a:chExt cx="12192000" cy="6866467"/>
+          </a:xfrm>
+        </p:grpSpPr>
+        <p:cxnSp>
+          <p:nvCxnSpPr>
+            <p:cNvPr id="32" name="Straight Connector 31"/>
+            <p:cNvCxnSpPr/>
+            <p:nvPr/>
+          </p:nvCxnSpPr>
+          <p:spPr>
+            <a:xfrm>
+              <a:off x="9371012" y="0"/>
+              <a:ext cx="1219200" cy="6858000"/>
+            </a:xfrm>
+            <a:prstGeom prst="line">
+              <a:avLst/>
+            </a:prstGeom>
+            <a:ln w="9525">
+              <a:solidFill>
+                <a:schemeClr val="bg1">
+                  <a:lumMod val="75000"/>
+                </a:schemeClr>
+              </a:solidFill>
+            </a:ln>
+          </p:spPr>
+          <p:style>
+            <a:lnRef idx="2">
+              <a:schemeClr val="accent1"/>
+            </a:lnRef>
+            <a:fillRef idx="0">
+              <a:schemeClr val="accent1"/>
+            </a:fillRef>
+            <a:effectRef idx="1">
+              <a:schemeClr val="accent1"/>
+            </a:effectRef>
+            <a:fontRef idx="minor">
+              <a:schemeClr val="tx1"/>
+            </a:fontRef>
+          </p:style>
+        </p:cxnSp>
+        <p:cxnSp>
+          <p:nvCxnSpPr>
+            <p:cNvPr id="21" name="Straight Connector 20"/>
+            <p:cNvCxnSpPr/>
+            <p:nvPr/>
+          </p:nvCxnSpPr>
+          <p:spPr>
+            <a:xfrm flipH="1">
+              <a:off x="7425267" y="3681413"/>
+              <a:ext cx="4763558" cy="3176587"/>
+            </a:xfrm>
+            <a:prstGeom prst="line">
+              <a:avLst/>
+            </a:prstGeom>
+            <a:ln w="9525">
+              <a:solidFill>
+                <a:schemeClr val="bg1">
+                  <a:lumMod val="85000"/>
+                </a:schemeClr>
+              </a:solidFill>
+            </a:ln>
+          </p:spPr>
+          <p:style>
+            <a:lnRef idx="2">
+              <a:schemeClr val="accent1"/>
+            </a:lnRef>
+            <a:fillRef idx="0">
+              <a:schemeClr val="accent1"/>
+            </a:fillRef>
+            <a:effectRef idx="1">
+              <a:schemeClr val="accent1"/>
+            </a:effectRef>
+            <a:fontRef idx="minor">
+              <a:schemeClr val="tx1"/>
+            </a:fontRef>
+          </p:style>
+        </p:cxnSp>
+        <p:sp>
+          <p:nvSpPr>
+            <p:cNvPr id="24" name="Rectangle 23"/>
+            <p:cNvSpPr/>
+            <p:nvPr/>
+          </p:nvSpPr>
+          <p:spPr>
+            <a:xfrm>
+              <a:off x="9181476" y="-8467"/>
+              <a:ext cx="3007349" cy="6866467"/>
+            </a:xfrm>
+            <a:custGeom>
+              <a:avLst/>
+              <a:gdLst/>
+              <a:ahLst/>
+              <a:cxnLst/>
+              <a:rect l="l" t="t" r="r" b="b"/>
+              <a:pathLst>
+                <a:path w="3007349" h="6866467">
+                  <a:moveTo>
+                    <a:pt x="2045532" y="0"/>
+                  </a:moveTo>
+                  <a:lnTo>
+                    <a:pt x="3007349" y="0"/>
+                  </a:lnTo>
+                  <a:lnTo>
+                    <a:pt x="3007349" y="6866467"/>
+                  </a:lnTo>
+                  <a:lnTo>
+                    <a:pt x="0" y="6866467"/>
+                  </a:lnTo>
+                  <a:lnTo>
+                    <a:pt x="2045532" y="0"/>
+                  </a:lnTo>
+                  <a:close/>
+                </a:path>
+              </a:pathLst>
+            </a:custGeom>
+            <a:solidFill>
+              <a:schemeClr val="accent1">
+                <a:alpha val="30000"/>
+              </a:schemeClr>
+            </a:solidFill>
+            <a:ln>
+              <a:noFill/>
+            </a:ln>
+            <a:effectLst/>
+          </p:spPr>
+          <p:style>
+            <a:lnRef idx="1">
+              <a:schemeClr val="accent1"/>
+            </a:lnRef>
+            <a:fillRef idx="3">
+              <a:schemeClr val="accent1"/>
+            </a:fillRef>
+            <a:effectRef idx="2">
+              <a:schemeClr val="accent1"/>
+            </a:effectRef>
+            <a:fontRef idx="minor">
+              <a:schemeClr val="lt1"/>
+            </a:fontRef>
+          </p:style>
+        </p:sp>
+        <p:sp>
+          <p:nvSpPr>
+            <p:cNvPr id="26" name="Rectangle 25"/>
+            <p:cNvSpPr/>
+            <p:nvPr/>
+          </p:nvSpPr>
+          <p:spPr>
+            <a:xfrm>
+              <a:off x="9603442" y="-8467"/>
+              <a:ext cx="2588558" cy="6866467"/>
+            </a:xfrm>
+            <a:custGeom>
+              <a:avLst/>
+              <a:gdLst/>
+              <a:ahLst/>
+              <a:cxnLst/>
+              <a:rect l="l" t="t" r="r" b="b"/>
+              <a:pathLst>
+                <a:path w="2573311" h="6866467">
+                  <a:moveTo>
+                    <a:pt x="0" y="0"/>
+                  </a:moveTo>
+                  <a:lnTo>
+                    <a:pt x="2573311" y="0"/>
+                  </a:lnTo>
+                  <a:lnTo>
+                    <a:pt x="2573311" y="6866467"/>
+                  </a:lnTo>
+                  <a:lnTo>
+                    <a:pt x="1202336" y="6866467"/>
+                  </a:lnTo>
+                  <a:lnTo>
+                    <a:pt x="0" y="0"/>
+                  </a:lnTo>
+                  <a:close/>
+                </a:path>
+              </a:pathLst>
+            </a:custGeom>
+            <a:solidFill>
+              <a:schemeClr val="accent1">
+                <a:alpha val="20000"/>
+              </a:schemeClr>
+            </a:solidFill>
+            <a:ln>
+              <a:noFill/>
+            </a:ln>
+            <a:effectLst/>
+          </p:spPr>
+          <p:style>
+            <a:lnRef idx="1">
+              <a:schemeClr val="accent1"/>
+            </a:lnRef>
+            <a:fillRef idx="3">
+              <a:schemeClr val="accent1"/>
+            </a:fillRef>
+            <a:effectRef idx="2">
+              <a:schemeClr val="accent1"/>
+            </a:effectRef>
+            <a:fontRef idx="minor">
+              <a:schemeClr val="lt1"/>
+            </a:fontRef>
+          </p:style>
+        </p:sp>
+        <p:sp>
+          <p:nvSpPr>
+            <p:cNvPr id="27" name="Isosceles Triangle 26"/>
+            <p:cNvSpPr/>
+            <p:nvPr/>
+          </p:nvSpPr>
+          <p:spPr>
+            <a:xfrm>
+              <a:off x="8932333" y="3048000"/>
+              <a:ext cx="3259667" cy="3810000"/>
+            </a:xfrm>
+            <a:prstGeom prst="triangle">
+              <a:avLst>
+                <a:gd name="adj" fmla="val 100000"/>
+              </a:avLst>
+            </a:prstGeom>
+            <a:solidFill>
+              <a:schemeClr val="accent2">
+                <a:alpha val="72000"/>
+              </a:schemeClr>
+            </a:solidFill>
+            <a:ln>
+              <a:noFill/>
+            </a:ln>
+            <a:effectLst/>
+          </p:spPr>
+          <p:style>
+            <a:lnRef idx="1">
+              <a:schemeClr val="accent1"/>
+            </a:lnRef>
+            <a:fillRef idx="3">
+              <a:schemeClr val="accent1"/>
+            </a:fillRef>
+            <a:effectRef idx="2">
+              <a:schemeClr val="accent1"/>
+            </a:effectRef>
+            <a:fontRef idx="minor">
+              <a:schemeClr val="lt1"/>
+            </a:fontRef>
+          </p:style>
+        </p:sp>
+        <p:sp>
+          <p:nvSpPr>
+            <p:cNvPr id="28" name="Rectangle 27"/>
+            <p:cNvSpPr/>
+            <p:nvPr/>
+          </p:nvSpPr>
+          <p:spPr>
+            <a:xfrm>
+              <a:off x="9334500" y="-8467"/>
+              <a:ext cx="2854326" cy="6866467"/>
+            </a:xfrm>
+            <a:custGeom>
+              <a:avLst/>
+              <a:gdLst/>
+              <a:ahLst/>
+              <a:cxnLst/>
+              <a:rect l="l" t="t" r="r" b="b"/>
+              <a:pathLst>
+                <a:path w="2858013" h="6866467">
+                  <a:moveTo>
+                    <a:pt x="0" y="0"/>
+                  </a:moveTo>
+                  <a:lnTo>
+                    <a:pt x="2858013" y="0"/>
+                  </a:lnTo>
+                  <a:lnTo>
+                    <a:pt x="2858013" y="6866467"/>
+                  </a:lnTo>
+                  <a:lnTo>
+                    <a:pt x="2473942" y="6866467"/>
+                  </a:lnTo>
+                  <a:lnTo>
+                    <a:pt x="0" y="0"/>
+                  </a:lnTo>
+                  <a:close/>
+                </a:path>
+              </a:pathLst>
+            </a:custGeom>
+            <a:solidFill>
+              <a:schemeClr val="accent2">
+                <a:lumMod val="75000"/>
+                <a:alpha val="70000"/>
+              </a:schemeClr>
+            </a:solidFill>
+            <a:ln>
+              <a:noFill/>
+            </a:ln>
+            <a:effectLst/>
+          </p:spPr>
+          <p:style>
+            <a:lnRef idx="1">
+              <a:schemeClr val="accent1"/>
+            </a:lnRef>
+            <a:fillRef idx="3">
+              <a:schemeClr val="accent1"/>
+            </a:fillRef>
+            <a:effectRef idx="2">
+              <a:schemeClr val="accent1"/>
+            </a:effectRef>
+            <a:fontRef idx="minor">
+              <a:schemeClr val="lt1"/>
+            </a:fontRef>
+          </p:style>
+        </p:sp>
+        <p:sp>
+          <p:nvSpPr>
+            <p:cNvPr id="29" name="Rectangle 28"/>
+            <p:cNvSpPr/>
+            <p:nvPr/>
+          </p:nvSpPr>
+          <p:spPr>
+            <a:xfrm>
+              <a:off x="10898730" y="-8467"/>
+              <a:ext cx="1290094" cy="6866467"/>
+            </a:xfrm>
+            <a:custGeom>
+              <a:avLst/>
+              <a:gdLst/>
+              <a:ahLst/>
+              <a:cxnLst/>
+              <a:rect l="l" t="t" r="r" b="b"/>
+              <a:pathLst>
+                <a:path w="1290094" h="6858000">
+                  <a:moveTo>
+                    <a:pt x="1019735" y="0"/>
+                  </a:moveTo>
+                  <a:lnTo>
+                    <a:pt x="1290094" y="0"/>
+                  </a:lnTo>
+                  <a:lnTo>
+                    <a:pt x="1290094" y="6858000"/>
+                  </a:lnTo>
+                  <a:lnTo>
+                    <a:pt x="0" y="6858000"/>
+                  </a:lnTo>
+                  <a:lnTo>
+                    <a:pt x="1019735" y="0"/>
+                  </a:lnTo>
+                  <a:close/>
+                </a:path>
+              </a:pathLst>
+            </a:custGeom>
+            <a:solidFill>
+              <a:schemeClr val="accent1">
+                <a:lumMod val="60000"/>
+                <a:lumOff val="40000"/>
+                <a:alpha val="70000"/>
+              </a:schemeClr>
+            </a:solidFill>
+            <a:ln>
+              <a:noFill/>
+            </a:ln>
+            <a:effectLst/>
+          </p:spPr>
+          <p:style>
+            <a:lnRef idx="1">
+              <a:schemeClr val="accent1"/>
+            </a:lnRef>
+            <a:fillRef idx="3">
+              <a:schemeClr val="accent1"/>
+            </a:fillRef>
+            <a:effectRef idx="2">
+              <a:schemeClr val="accent1"/>
+            </a:effectRef>
+            <a:fontRef idx="minor">
+              <a:schemeClr val="lt1"/>
+            </a:fontRef>
+          </p:style>
+        </p:sp>
+        <p:sp>
+          <p:nvSpPr>
+            <p:cNvPr id="30" name="Rectangle 29"/>
+            <p:cNvSpPr/>
+            <p:nvPr/>
+          </p:nvSpPr>
+          <p:spPr>
+            <a:xfrm>
+              <a:off x="10938999" y="-8467"/>
+              <a:ext cx="1249825" cy="6866467"/>
+            </a:xfrm>
+            <a:custGeom>
+              <a:avLst/>
+              <a:gdLst/>
+              <a:ahLst/>
+              <a:cxnLst/>
+              <a:rect l="l" t="t" r="r" b="b"/>
+              <a:pathLst>
+                <a:path w="1249825" h="6858000">
+                  <a:moveTo>
+                    <a:pt x="0" y="0"/>
+                  </a:moveTo>
+                  <a:lnTo>
+                    <a:pt x="1249825" y="0"/>
+                  </a:lnTo>
+                  <a:lnTo>
+                    <a:pt x="1249825" y="6858000"/>
+                  </a:lnTo>
+                  <a:lnTo>
+                    <a:pt x="1109382" y="6858000"/>
+                  </a:lnTo>
+                  <a:lnTo>
+                    <a:pt x="0" y="0"/>
+                  </a:lnTo>
+                  <a:close/>
+                </a:path>
+              </a:pathLst>
+            </a:custGeom>
+            <a:solidFill>
+              <a:schemeClr val="accent1">
+                <a:alpha val="65000"/>
+              </a:schemeClr>
+            </a:solidFill>
+            <a:ln>
+              <a:noFill/>
+            </a:ln>
+            <a:effectLst/>
+          </p:spPr>
+          <p:style>
+            <a:lnRef idx="1">
+              <a:schemeClr val="accent1"/>
+            </a:lnRef>
+            <a:fillRef idx="3">
+              <a:schemeClr val="accent1"/>
+            </a:fillRef>
+            <a:effectRef idx="2">
+              <a:schemeClr val="accent1"/>
+            </a:effectRef>
+            <a:fontRef idx="minor">
+              <a:schemeClr val="lt1"/>
+            </a:fontRef>
+          </p:style>
+        </p:sp>
+        <p:sp>
+          <p:nvSpPr>
+            <p:cNvPr id="31" name="Isosceles Triangle 30"/>
+            <p:cNvSpPr/>
+            <p:nvPr/>
+          </p:nvSpPr>
+          <p:spPr>
+            <a:xfrm>
+              <a:off x="10371666" y="3589867"/>
+              <a:ext cx="1817159" cy="3268133"/>
+            </a:xfrm>
+            <a:prstGeom prst="triangle">
+              <a:avLst>
+                <a:gd name="adj" fmla="val 100000"/>
+              </a:avLst>
+            </a:prstGeom>
+            <a:solidFill>
+              <a:schemeClr val="accent1">
+                <a:alpha val="80000"/>
+              </a:schemeClr>
+            </a:solidFill>
+            <a:ln>
+              <a:noFill/>
+            </a:ln>
+            <a:effectLst/>
+          </p:spPr>
+          <p:style>
+            <a:lnRef idx="1">
+              <a:schemeClr val="accent1"/>
+            </a:lnRef>
+            <a:fillRef idx="3">
+              <a:schemeClr val="accent1"/>
+            </a:fillRef>
+            <a:effectRef idx="2">
+              <a:schemeClr val="accent1"/>
+            </a:effectRef>
+            <a:fontRef idx="minor">
+              <a:schemeClr val="lt1"/>
+            </a:fontRef>
+          </p:style>
+        </p:sp>
+        <p:sp>
+          <p:nvSpPr>
+            <p:cNvPr id="19" name="Isosceles Triangle 18"/>
+            <p:cNvSpPr/>
+            <p:nvPr/>
+          </p:nvSpPr>
+          <p:spPr>
+            <a:xfrm rot="10800000">
+              <a:off x="0" y="0"/>
+              <a:ext cx="842596" cy="5666154"/>
+            </a:xfrm>
+            <a:prstGeom prst="triangle">
+              <a:avLst>
+                <a:gd name="adj" fmla="val 100000"/>
+              </a:avLst>
+            </a:prstGeom>
+            <a:solidFill>
+              <a:schemeClr val="accent1">
+                <a:alpha val="85000"/>
+              </a:schemeClr>
+            </a:solidFill>
+            <a:ln>
+              <a:noFill/>
+            </a:ln>
+            <a:effectLst/>
+          </p:spPr>
+          <p:style>
+            <a:lnRef idx="1">
+              <a:schemeClr val="accent1"/>
+            </a:lnRef>
+            <a:fillRef idx="3">
+              <a:schemeClr val="accent1"/>
+            </a:fillRef>
+            <a:effectRef idx="2">
+              <a:schemeClr val="accent1"/>
+            </a:effectRef>
+            <a:fontRef idx="minor">
+              <a:schemeClr val="lt1"/>
+            </a:fontRef>
+          </p:style>
+        </p:sp>
+      </p:grpSp>
+      <p:sp>
+        <p:nvSpPr>
+          <p:cNvPr id="2" name="Title 1"/>
           <p:cNvSpPr>
             <a:spLocks noGrp="1"/>
           </p:cNvSpPr>
@@ -147,15 +673,21 @@
         </p:nvSpPr>
         <p:spPr>
           <a:xfrm>
-            <a:off x="1524000" y="1122363"/>
-            <a:ext cx="9144000" cy="2387600"/>
+            <a:off x="1507067" y="2404534"/>
+            <a:ext cx="7766936" cy="1646302"/>
           </a:xfrm>
         </p:spPr>
         <p:txBody>
-          <a:bodyPr anchor="b"/>
+          <a:bodyPr anchor="b">
+            <a:noAutofit/>
+          </a:bodyPr>
           <a:lstStyle>
-            <a:lvl1pPr algn="ctr">
-              <a:defRPr sz="6000"/>
+            <a:lvl1pPr algn="r">
+              <a:defRPr sz="5400">
+                <a:solidFill>
+                  <a:schemeClr val="accent1"/>
+                </a:solidFill>
+              </a:defRPr>
             </a:lvl1pPr>
           </a:lstStyle>
           <a:p>
@@ -163,18 +695,13 @@
               <a:rPr lang="de-DE"/>
               <a:t>Mastertitelformat bearbeiten</a:t>
             </a:r>
-          </a:p>
-        </p:txBody>
-      </p:sp>
-      <p:sp>
-        <p:nvSpPr>
-          <p:cNvPr id="3" name="Untertitel 2">
-            <a:extLst>
-              <a:ext uri="{FF2B5EF4-FFF2-40B4-BE49-F238E27FC236}">
-                <a16:creationId xmlns:a16="http://schemas.microsoft.com/office/drawing/2014/main" id="{5C54AF07-35E4-4B7B-A59A-D2632C3E8C3D}"/>
-              </a:ext>
-            </a:extLst>
-          </p:cNvPr>
+            <a:endParaRPr lang="en-US" dirty="0"/>
+          </a:p>
+        </p:txBody>
+      </p:sp>
+      <p:sp>
+        <p:nvSpPr>
+          <p:cNvPr id="3" name="Subtitle 2"/>
           <p:cNvSpPr>
             <a:spLocks noGrp="1"/>
           </p:cNvSpPr>
@@ -184,48 +711,103 @@
         </p:nvSpPr>
         <p:spPr>
           <a:xfrm>
-            <a:off x="1524000" y="3602038"/>
-            <a:ext cx="9144000" cy="1655762"/>
+            <a:off x="1507067" y="4050833"/>
+            <a:ext cx="7766936" cy="1096899"/>
           </a:xfrm>
         </p:spPr>
         <p:txBody>
-          <a:bodyPr/>
+          <a:bodyPr anchor="t"/>
           <a:lstStyle>
-            <a:lvl1pPr marL="0" indent="0" algn="ctr">
-              <a:buNone/>
-              <a:defRPr sz="2400"/>
+            <a:lvl1pPr marL="0" indent="0" algn="r">
+              <a:buNone/>
+              <a:defRPr>
+                <a:solidFill>
+                  <a:schemeClr val="tx1">
+                    <a:lumMod val="50000"/>
+                    <a:lumOff val="50000"/>
+                  </a:schemeClr>
+                </a:solidFill>
+              </a:defRPr>
             </a:lvl1pPr>
             <a:lvl2pPr marL="457200" indent="0" algn="ctr">
               <a:buNone/>
-              <a:defRPr sz="2000"/>
+              <a:defRPr>
+                <a:solidFill>
+                  <a:schemeClr val="tx1">
+                    <a:tint val="75000"/>
+                  </a:schemeClr>
+                </a:solidFill>
+              </a:defRPr>
             </a:lvl2pPr>
             <a:lvl3pPr marL="914400" indent="0" algn="ctr">
               <a:buNone/>
-              <a:defRPr sz="1800"/>
+              <a:defRPr>
+                <a:solidFill>
+                  <a:schemeClr val="tx1">
+                    <a:tint val="75000"/>
+                  </a:schemeClr>
+                </a:solidFill>
+              </a:defRPr>
             </a:lvl3pPr>
             <a:lvl4pPr marL="1371600" indent="0" algn="ctr">
               <a:buNone/>
-              <a:defRPr sz="1600"/>
+              <a:defRPr>
+                <a:solidFill>
+                  <a:schemeClr val="tx1">
+                    <a:tint val="75000"/>
+                  </a:schemeClr>
+                </a:solidFill>
+              </a:defRPr>
             </a:lvl4pPr>
             <a:lvl5pPr marL="1828800" indent="0" algn="ctr">
               <a:buNone/>
-              <a:defRPr sz="1600"/>
+              <a:defRPr>
+                <a:solidFill>
+                  <a:schemeClr val="tx1">
+                    <a:tint val="75000"/>
+                  </a:schemeClr>
+                </a:solidFill>
+              </a:defRPr>
             </a:lvl5pPr>
             <a:lvl6pPr marL="2286000" indent="0" algn="ctr">
               <a:buNone/>
-              <a:defRPr sz="1600"/>
+              <a:defRPr>
+                <a:solidFill>
+                  <a:schemeClr val="tx1">
+                    <a:tint val="75000"/>
+                  </a:schemeClr>
+                </a:solidFill>
+              </a:defRPr>
             </a:lvl6pPr>
             <a:lvl7pPr marL="2743200" indent="0" algn="ctr">
               <a:buNone/>
-              <a:defRPr sz="1600"/>
+              <a:defRPr>
+                <a:solidFill>
+                  <a:schemeClr val="tx1">
+                    <a:tint val="75000"/>
+                  </a:schemeClr>
+                </a:solidFill>
+              </a:defRPr>
             </a:lvl7pPr>
             <a:lvl8pPr marL="3200400" indent="0" algn="ctr">
               <a:buNone/>
-              <a:defRPr sz="1600"/>
+              <a:defRPr>
+                <a:solidFill>
+                  <a:schemeClr val="tx1">
+                    <a:tint val="75000"/>
+                  </a:schemeClr>
+                </a:solidFill>
+              </a:defRPr>
             </a:lvl8pPr>
             <a:lvl9pPr marL="3657600" indent="0" algn="ctr">
               <a:buNone/>
-              <a:defRPr sz="1600"/>
+              <a:defRPr>
+                <a:solidFill>
+                  <a:schemeClr val="tx1">
+                    <a:tint val="75000"/>
+                  </a:schemeClr>
+                </a:solidFill>
+              </a:defRPr>
             </a:lvl9pPr>
           </a:lstStyle>
           <a:p>
@@ -233,18 +815,13 @@
               <a:rPr lang="de-DE"/>
               <a:t>Master-Untertitelformat bearbeiten</a:t>
             </a:r>
-          </a:p>
-        </p:txBody>
-      </p:sp>
-      <p:sp>
-        <p:nvSpPr>
-          <p:cNvPr id="4" name="Datumsplatzhalter 3">
-            <a:extLst>
-              <a:ext uri="{FF2B5EF4-FFF2-40B4-BE49-F238E27FC236}">
-                <a16:creationId xmlns:a16="http://schemas.microsoft.com/office/drawing/2014/main" id="{D8935C02-38E2-40CC-8E21-4433EEC8C223}"/>
-              </a:ext>
-            </a:extLst>
-          </p:cNvPr>
+            <a:endParaRPr lang="en-US" dirty="0"/>
+          </a:p>
+        </p:txBody>
+      </p:sp>
+      <p:sp>
+        <p:nvSpPr>
+          <p:cNvPr id="4" name="Date Placeholder 3"/>
           <p:cNvSpPr>
             <a:spLocks noGrp="1"/>
           </p:cNvSpPr>
@@ -259,7 +836,7 @@
           <a:p>
             <a:fld id="{C02FA18B-CDC5-4D54-8389-595747D46EF2}" type="datetimeFigureOut">
               <a:rPr lang="de-DE" smtClean="0"/>
-              <a:t>01.06.2021</a:t>
+              <a:t>02.06.2021</a:t>
             </a:fld>
             <a:endParaRPr lang="de-DE"/>
           </a:p>
@@ -267,13 +844,7 @@
       </p:sp>
       <p:sp>
         <p:nvSpPr>
-          <p:cNvPr id="5" name="Fußzeilenplatzhalter 4">
-            <a:extLst>
-              <a:ext uri="{FF2B5EF4-FFF2-40B4-BE49-F238E27FC236}">
-                <a16:creationId xmlns:a16="http://schemas.microsoft.com/office/drawing/2014/main" id="{91CE1F83-75E1-49DB-983E-164D74D31129}"/>
-              </a:ext>
-            </a:extLst>
-          </p:cNvPr>
+          <p:cNvPr id="5" name="Footer Placeholder 4"/>
           <p:cNvSpPr>
             <a:spLocks noGrp="1"/>
           </p:cNvSpPr>
@@ -292,13 +863,7 @@
       </p:sp>
       <p:sp>
         <p:nvSpPr>
-          <p:cNvPr id="6" name="Foliennummernplatzhalter 5">
-            <a:extLst>
-              <a:ext uri="{FF2B5EF4-FFF2-40B4-BE49-F238E27FC236}">
-                <a16:creationId xmlns:a16="http://schemas.microsoft.com/office/drawing/2014/main" id="{F8280369-ED09-4550-8767-5DED3AA7EEAC}"/>
-              </a:ext>
-            </a:extLst>
-          </p:cNvPr>
+          <p:cNvPr id="6" name="Slide Number Placeholder 5"/>
           <p:cNvSpPr>
             <a:spLocks noGrp="1"/>
           </p:cNvSpPr>
@@ -322,7 +887,7 @@
     </p:spTree>
     <p:extLst>
       <p:ext uri="{BB962C8B-B14F-4D97-AF65-F5344CB8AC3E}">
-        <p14:creationId xmlns:p14="http://schemas.microsoft.com/office/powerpoint/2010/main" val="3629805146"/>
+        <p14:creationId xmlns:p14="http://schemas.microsoft.com/office/powerpoint/2010/main" val="3025544217"/>
       </p:ext>
     </p:extLst>
   </p:cSld>
@@ -333,6 +898,1619 @@
 </file>
 
 <file path=ppt/slideLayouts/slideLayout10.xml><?xml version="1.0" encoding="utf-8"?>
+<p:sldLayout xmlns:a="http://schemas.openxmlformats.org/drawingml/2006/main" xmlns:r="http://schemas.openxmlformats.org/officeDocument/2006/relationships" xmlns:p="http://schemas.openxmlformats.org/presentationml/2006/main" preserve="1">
+  <p:cSld name="Titel und Beschriftung">
+    <p:spTree>
+      <p:nvGrpSpPr>
+        <p:cNvPr id="1" name=""/>
+        <p:cNvGrpSpPr/>
+        <p:nvPr/>
+      </p:nvGrpSpPr>
+      <p:grpSpPr>
+        <a:xfrm>
+          <a:off x="0" y="0"/>
+          <a:ext cx="0" cy="0"/>
+          <a:chOff x="0" y="0"/>
+          <a:chExt cx="0" cy="0"/>
+        </a:xfrm>
+      </p:grpSpPr>
+      <p:sp>
+        <p:nvSpPr>
+          <p:cNvPr id="2" name="Title 1"/>
+          <p:cNvSpPr>
+            <a:spLocks noGrp="1"/>
+          </p:cNvSpPr>
+          <p:nvPr>
+            <p:ph type="title"/>
+          </p:nvPr>
+        </p:nvSpPr>
+        <p:spPr>
+          <a:xfrm>
+            <a:off x="677335" y="609600"/>
+            <a:ext cx="8596668" cy="3403600"/>
+          </a:xfrm>
+        </p:spPr>
+        <p:txBody>
+          <a:bodyPr anchor="ctr">
+            <a:normAutofit/>
+          </a:bodyPr>
+          <a:lstStyle>
+            <a:lvl1pPr algn="l">
+              <a:defRPr sz="4400" b="0" cap="none"/>
+            </a:lvl1pPr>
+          </a:lstStyle>
+          <a:p>
+            <a:r>
+              <a:rPr lang="de-DE"/>
+              <a:t>Mastertitelformat bearbeiten</a:t>
+            </a:r>
+            <a:endParaRPr lang="en-US" dirty="0"/>
+          </a:p>
+        </p:txBody>
+      </p:sp>
+      <p:sp>
+        <p:nvSpPr>
+          <p:cNvPr id="3" name="Text Placeholder 2"/>
+          <p:cNvSpPr>
+            <a:spLocks noGrp="1"/>
+          </p:cNvSpPr>
+          <p:nvPr>
+            <p:ph type="body" idx="1"/>
+          </p:nvPr>
+        </p:nvSpPr>
+        <p:spPr>
+          <a:xfrm>
+            <a:off x="677335" y="4470400"/>
+            <a:ext cx="8596668" cy="1570962"/>
+          </a:xfrm>
+        </p:spPr>
+        <p:txBody>
+          <a:bodyPr anchor="ctr">
+            <a:normAutofit/>
+          </a:bodyPr>
+          <a:lstStyle>
+            <a:lvl1pPr marL="0" indent="0" algn="l">
+              <a:buNone/>
+              <a:defRPr sz="1800">
+                <a:solidFill>
+                  <a:schemeClr val="tx1">
+                    <a:lumMod val="75000"/>
+                    <a:lumOff val="25000"/>
+                  </a:schemeClr>
+                </a:solidFill>
+              </a:defRPr>
+            </a:lvl1pPr>
+            <a:lvl2pPr marL="457200" indent="0">
+              <a:buNone/>
+              <a:defRPr sz="1800">
+                <a:solidFill>
+                  <a:schemeClr val="tx1">
+                    <a:tint val="75000"/>
+                  </a:schemeClr>
+                </a:solidFill>
+              </a:defRPr>
+            </a:lvl2pPr>
+            <a:lvl3pPr marL="914400" indent="0">
+              <a:buNone/>
+              <a:defRPr sz="1600">
+                <a:solidFill>
+                  <a:schemeClr val="tx1">
+                    <a:tint val="75000"/>
+                  </a:schemeClr>
+                </a:solidFill>
+              </a:defRPr>
+            </a:lvl3pPr>
+            <a:lvl4pPr marL="1371600" indent="0">
+              <a:buNone/>
+              <a:defRPr sz="1400">
+                <a:solidFill>
+                  <a:schemeClr val="tx1">
+                    <a:tint val="75000"/>
+                  </a:schemeClr>
+                </a:solidFill>
+              </a:defRPr>
+            </a:lvl4pPr>
+            <a:lvl5pPr marL="1828800" indent="0">
+              <a:buNone/>
+              <a:defRPr sz="1400">
+                <a:solidFill>
+                  <a:schemeClr val="tx1">
+                    <a:tint val="75000"/>
+                  </a:schemeClr>
+                </a:solidFill>
+              </a:defRPr>
+            </a:lvl5pPr>
+            <a:lvl6pPr marL="2286000" indent="0">
+              <a:buNone/>
+              <a:defRPr sz="1400">
+                <a:solidFill>
+                  <a:schemeClr val="tx1">
+                    <a:tint val="75000"/>
+                  </a:schemeClr>
+                </a:solidFill>
+              </a:defRPr>
+            </a:lvl6pPr>
+            <a:lvl7pPr marL="2743200" indent="0">
+              <a:buNone/>
+              <a:defRPr sz="1400">
+                <a:solidFill>
+                  <a:schemeClr val="tx1">
+                    <a:tint val="75000"/>
+                  </a:schemeClr>
+                </a:solidFill>
+              </a:defRPr>
+            </a:lvl7pPr>
+            <a:lvl8pPr marL="3200400" indent="0">
+              <a:buNone/>
+              <a:defRPr sz="1400">
+                <a:solidFill>
+                  <a:schemeClr val="tx1">
+                    <a:tint val="75000"/>
+                  </a:schemeClr>
+                </a:solidFill>
+              </a:defRPr>
+            </a:lvl8pPr>
+            <a:lvl9pPr marL="3657600" indent="0">
+              <a:buNone/>
+              <a:defRPr sz="1400">
+                <a:solidFill>
+                  <a:schemeClr val="tx1">
+                    <a:tint val="75000"/>
+                  </a:schemeClr>
+                </a:solidFill>
+              </a:defRPr>
+            </a:lvl9pPr>
+          </a:lstStyle>
+          <a:p>
+            <a:pPr lvl="0"/>
+            <a:r>
+              <a:rPr lang="de-DE"/>
+              <a:t>Mastertextformat bearbeiten</a:t>
+            </a:r>
+          </a:p>
+        </p:txBody>
+      </p:sp>
+      <p:sp>
+        <p:nvSpPr>
+          <p:cNvPr id="4" name="Date Placeholder 3"/>
+          <p:cNvSpPr>
+            <a:spLocks noGrp="1"/>
+          </p:cNvSpPr>
+          <p:nvPr>
+            <p:ph type="dt" sz="half" idx="10"/>
+          </p:nvPr>
+        </p:nvSpPr>
+        <p:spPr/>
+        <p:txBody>
+          <a:bodyPr/>
+          <a:lstStyle/>
+          <a:p>
+            <a:fld id="{C02FA18B-CDC5-4D54-8389-595747D46EF2}" type="datetimeFigureOut">
+              <a:rPr lang="de-DE" smtClean="0"/>
+              <a:t>02.06.2021</a:t>
+            </a:fld>
+            <a:endParaRPr lang="de-DE"/>
+          </a:p>
+        </p:txBody>
+      </p:sp>
+      <p:sp>
+        <p:nvSpPr>
+          <p:cNvPr id="5" name="Footer Placeholder 4"/>
+          <p:cNvSpPr>
+            <a:spLocks noGrp="1"/>
+          </p:cNvSpPr>
+          <p:nvPr>
+            <p:ph type="ftr" sz="quarter" idx="11"/>
+          </p:nvPr>
+        </p:nvSpPr>
+        <p:spPr/>
+        <p:txBody>
+          <a:bodyPr/>
+          <a:lstStyle/>
+          <a:p>
+            <a:endParaRPr lang="de-DE"/>
+          </a:p>
+        </p:txBody>
+      </p:sp>
+      <p:sp>
+        <p:nvSpPr>
+          <p:cNvPr id="6" name="Slide Number Placeholder 5"/>
+          <p:cNvSpPr>
+            <a:spLocks noGrp="1"/>
+          </p:cNvSpPr>
+          <p:nvPr>
+            <p:ph type="sldNum" sz="quarter" idx="12"/>
+          </p:nvPr>
+        </p:nvSpPr>
+        <p:spPr/>
+        <p:txBody>
+          <a:bodyPr/>
+          <a:lstStyle/>
+          <a:p>
+            <a:fld id="{C61F37ED-5467-426A-B239-7B988E6EDD3E}" type="slidenum">
+              <a:rPr lang="de-DE" smtClean="0"/>
+              <a:t>‹Nr.›</a:t>
+            </a:fld>
+            <a:endParaRPr lang="de-DE"/>
+          </a:p>
+        </p:txBody>
+      </p:sp>
+    </p:spTree>
+    <p:extLst>
+      <p:ext uri="{BB962C8B-B14F-4D97-AF65-F5344CB8AC3E}">
+        <p14:creationId xmlns:p14="http://schemas.microsoft.com/office/powerpoint/2010/main" val="2931753501"/>
+      </p:ext>
+    </p:extLst>
+  </p:cSld>
+  <p:clrMapOvr>
+    <a:masterClrMapping/>
+  </p:clrMapOvr>
+</p:sldLayout>
+</file>
+
+<file path=ppt/slideLayouts/slideLayout11.xml><?xml version="1.0" encoding="utf-8"?>
+<p:sldLayout xmlns:a="http://schemas.openxmlformats.org/drawingml/2006/main" xmlns:r="http://schemas.openxmlformats.org/officeDocument/2006/relationships" xmlns:p="http://schemas.openxmlformats.org/presentationml/2006/main" preserve="1">
+  <p:cSld name="Zitat mit Beschriftung">
+    <p:spTree>
+      <p:nvGrpSpPr>
+        <p:cNvPr id="1" name=""/>
+        <p:cNvGrpSpPr/>
+        <p:nvPr/>
+      </p:nvGrpSpPr>
+      <p:grpSpPr>
+        <a:xfrm>
+          <a:off x="0" y="0"/>
+          <a:ext cx="0" cy="0"/>
+          <a:chOff x="0" y="0"/>
+          <a:chExt cx="0" cy="0"/>
+        </a:xfrm>
+      </p:grpSpPr>
+      <p:sp>
+        <p:nvSpPr>
+          <p:cNvPr id="2" name="Title 1"/>
+          <p:cNvSpPr>
+            <a:spLocks noGrp="1"/>
+          </p:cNvSpPr>
+          <p:nvPr>
+            <p:ph type="title"/>
+          </p:nvPr>
+        </p:nvSpPr>
+        <p:spPr>
+          <a:xfrm>
+            <a:off x="931334" y="609600"/>
+            <a:ext cx="8094134" cy="3022600"/>
+          </a:xfrm>
+        </p:spPr>
+        <p:txBody>
+          <a:bodyPr anchor="ctr">
+            <a:normAutofit/>
+          </a:bodyPr>
+          <a:lstStyle>
+            <a:lvl1pPr algn="l">
+              <a:defRPr sz="4400" b="0" cap="none"/>
+            </a:lvl1pPr>
+          </a:lstStyle>
+          <a:p>
+            <a:r>
+              <a:rPr lang="de-DE"/>
+              <a:t>Mastertitelformat bearbeiten</a:t>
+            </a:r>
+            <a:endParaRPr lang="en-US" dirty="0"/>
+          </a:p>
+        </p:txBody>
+      </p:sp>
+      <p:sp>
+        <p:nvSpPr>
+          <p:cNvPr id="23" name="Text Placeholder 9"/>
+          <p:cNvSpPr>
+            <a:spLocks noGrp="1"/>
+          </p:cNvSpPr>
+          <p:nvPr>
+            <p:ph type="body" sz="quarter" idx="13"/>
+          </p:nvPr>
+        </p:nvSpPr>
+        <p:spPr>
+          <a:xfrm>
+            <a:off x="1366139" y="3632200"/>
+            <a:ext cx="7224524" cy="381000"/>
+          </a:xfrm>
+        </p:spPr>
+        <p:txBody>
+          <a:bodyPr anchor="ctr">
+            <a:noAutofit/>
+          </a:bodyPr>
+          <a:lstStyle>
+            <a:lvl1pPr marL="0" indent="0">
+              <a:buFontTx/>
+              <a:buNone/>
+              <a:defRPr sz="1600">
+                <a:solidFill>
+                  <a:schemeClr val="tx1">
+                    <a:lumMod val="50000"/>
+                    <a:lumOff val="50000"/>
+                  </a:schemeClr>
+                </a:solidFill>
+              </a:defRPr>
+            </a:lvl1pPr>
+            <a:lvl2pPr marL="457200" indent="0">
+              <a:buFontTx/>
+              <a:buNone/>
+              <a:defRPr/>
+            </a:lvl2pPr>
+            <a:lvl3pPr marL="914400" indent="0">
+              <a:buFontTx/>
+              <a:buNone/>
+              <a:defRPr/>
+            </a:lvl3pPr>
+            <a:lvl4pPr marL="1371600" indent="0">
+              <a:buFontTx/>
+              <a:buNone/>
+              <a:defRPr/>
+            </a:lvl4pPr>
+            <a:lvl5pPr marL="1828800" indent="0">
+              <a:buFontTx/>
+              <a:buNone/>
+              <a:defRPr/>
+            </a:lvl5pPr>
+          </a:lstStyle>
+          <a:p>
+            <a:pPr lvl="0"/>
+            <a:r>
+              <a:rPr lang="de-DE"/>
+              <a:t>Mastertextformat bearbeiten</a:t>
+            </a:r>
+          </a:p>
+        </p:txBody>
+      </p:sp>
+      <p:sp>
+        <p:nvSpPr>
+          <p:cNvPr id="3" name="Text Placeholder 2"/>
+          <p:cNvSpPr>
+            <a:spLocks noGrp="1"/>
+          </p:cNvSpPr>
+          <p:nvPr>
+            <p:ph type="body" idx="1"/>
+          </p:nvPr>
+        </p:nvSpPr>
+        <p:spPr>
+          <a:xfrm>
+            <a:off x="677335" y="4470400"/>
+            <a:ext cx="8596668" cy="1570962"/>
+          </a:xfrm>
+        </p:spPr>
+        <p:txBody>
+          <a:bodyPr anchor="ctr">
+            <a:normAutofit/>
+          </a:bodyPr>
+          <a:lstStyle>
+            <a:lvl1pPr marL="0" indent="0" algn="l">
+              <a:buNone/>
+              <a:defRPr sz="1800">
+                <a:solidFill>
+                  <a:schemeClr val="tx1">
+                    <a:lumMod val="75000"/>
+                    <a:lumOff val="25000"/>
+                  </a:schemeClr>
+                </a:solidFill>
+              </a:defRPr>
+            </a:lvl1pPr>
+            <a:lvl2pPr marL="457200" indent="0">
+              <a:buNone/>
+              <a:defRPr sz="1800">
+                <a:solidFill>
+                  <a:schemeClr val="tx1">
+                    <a:tint val="75000"/>
+                  </a:schemeClr>
+                </a:solidFill>
+              </a:defRPr>
+            </a:lvl2pPr>
+            <a:lvl3pPr marL="914400" indent="0">
+              <a:buNone/>
+              <a:defRPr sz="1600">
+                <a:solidFill>
+                  <a:schemeClr val="tx1">
+                    <a:tint val="75000"/>
+                  </a:schemeClr>
+                </a:solidFill>
+              </a:defRPr>
+            </a:lvl3pPr>
+            <a:lvl4pPr marL="1371600" indent="0">
+              <a:buNone/>
+              <a:defRPr sz="1400">
+                <a:solidFill>
+                  <a:schemeClr val="tx1">
+                    <a:tint val="75000"/>
+                  </a:schemeClr>
+                </a:solidFill>
+              </a:defRPr>
+            </a:lvl4pPr>
+            <a:lvl5pPr marL="1828800" indent="0">
+              <a:buNone/>
+              <a:defRPr sz="1400">
+                <a:solidFill>
+                  <a:schemeClr val="tx1">
+                    <a:tint val="75000"/>
+                  </a:schemeClr>
+                </a:solidFill>
+              </a:defRPr>
+            </a:lvl5pPr>
+            <a:lvl6pPr marL="2286000" indent="0">
+              <a:buNone/>
+              <a:defRPr sz="1400">
+                <a:solidFill>
+                  <a:schemeClr val="tx1">
+                    <a:tint val="75000"/>
+                  </a:schemeClr>
+                </a:solidFill>
+              </a:defRPr>
+            </a:lvl6pPr>
+            <a:lvl7pPr marL="2743200" indent="0">
+              <a:buNone/>
+              <a:defRPr sz="1400">
+                <a:solidFill>
+                  <a:schemeClr val="tx1">
+                    <a:tint val="75000"/>
+                  </a:schemeClr>
+                </a:solidFill>
+              </a:defRPr>
+            </a:lvl7pPr>
+            <a:lvl8pPr marL="3200400" indent="0">
+              <a:buNone/>
+              <a:defRPr sz="1400">
+                <a:solidFill>
+                  <a:schemeClr val="tx1">
+                    <a:tint val="75000"/>
+                  </a:schemeClr>
+                </a:solidFill>
+              </a:defRPr>
+            </a:lvl8pPr>
+            <a:lvl9pPr marL="3657600" indent="0">
+              <a:buNone/>
+              <a:defRPr sz="1400">
+                <a:solidFill>
+                  <a:schemeClr val="tx1">
+                    <a:tint val="75000"/>
+                  </a:schemeClr>
+                </a:solidFill>
+              </a:defRPr>
+            </a:lvl9pPr>
+          </a:lstStyle>
+          <a:p>
+            <a:pPr lvl="0"/>
+            <a:r>
+              <a:rPr lang="de-DE"/>
+              <a:t>Mastertextformat bearbeiten</a:t>
+            </a:r>
+          </a:p>
+        </p:txBody>
+      </p:sp>
+      <p:sp>
+        <p:nvSpPr>
+          <p:cNvPr id="4" name="Date Placeholder 3"/>
+          <p:cNvSpPr>
+            <a:spLocks noGrp="1"/>
+          </p:cNvSpPr>
+          <p:nvPr>
+            <p:ph type="dt" sz="half" idx="10"/>
+          </p:nvPr>
+        </p:nvSpPr>
+        <p:spPr/>
+        <p:txBody>
+          <a:bodyPr/>
+          <a:lstStyle/>
+          <a:p>
+            <a:fld id="{C02FA18B-CDC5-4D54-8389-595747D46EF2}" type="datetimeFigureOut">
+              <a:rPr lang="de-DE" smtClean="0"/>
+              <a:t>02.06.2021</a:t>
+            </a:fld>
+            <a:endParaRPr lang="de-DE"/>
+          </a:p>
+        </p:txBody>
+      </p:sp>
+      <p:sp>
+        <p:nvSpPr>
+          <p:cNvPr id="5" name="Footer Placeholder 4"/>
+          <p:cNvSpPr>
+            <a:spLocks noGrp="1"/>
+          </p:cNvSpPr>
+          <p:nvPr>
+            <p:ph type="ftr" sz="quarter" idx="11"/>
+          </p:nvPr>
+        </p:nvSpPr>
+        <p:spPr/>
+        <p:txBody>
+          <a:bodyPr/>
+          <a:lstStyle/>
+          <a:p>
+            <a:endParaRPr lang="de-DE"/>
+          </a:p>
+        </p:txBody>
+      </p:sp>
+      <p:sp>
+        <p:nvSpPr>
+          <p:cNvPr id="6" name="Slide Number Placeholder 5"/>
+          <p:cNvSpPr>
+            <a:spLocks noGrp="1"/>
+          </p:cNvSpPr>
+          <p:nvPr>
+            <p:ph type="sldNum" sz="quarter" idx="12"/>
+          </p:nvPr>
+        </p:nvSpPr>
+        <p:spPr/>
+        <p:txBody>
+          <a:bodyPr/>
+          <a:lstStyle/>
+          <a:p>
+            <a:fld id="{C61F37ED-5467-426A-B239-7B988E6EDD3E}" type="slidenum">
+              <a:rPr lang="de-DE" smtClean="0"/>
+              <a:t>‹Nr.›</a:t>
+            </a:fld>
+            <a:endParaRPr lang="de-DE"/>
+          </a:p>
+        </p:txBody>
+      </p:sp>
+      <p:sp>
+        <p:nvSpPr>
+          <p:cNvPr id="20" name="TextBox 19"/>
+          <p:cNvSpPr txBox="1"/>
+          <p:nvPr/>
+        </p:nvSpPr>
+        <p:spPr>
+          <a:xfrm>
+            <a:off x="541870" y="790378"/>
+            <a:ext cx="609600" cy="584776"/>
+          </a:xfrm>
+          <a:prstGeom prst="rect">
+            <a:avLst/>
+          </a:prstGeom>
+        </p:spPr>
+        <p:txBody>
+          <a:bodyPr vert="horz" lIns="91440" tIns="45720" rIns="91440" bIns="45720" rtlCol="0" anchor="ctr">
+            <a:noAutofit/>
+          </a:bodyPr>
+          <a:lstStyle/>
+          <a:p>
+            <a:pPr lvl="0"/>
+            <a:r>
+              <a:rPr lang="en-US" sz="8000" baseline="0" dirty="0">
+                <a:ln w="3175" cmpd="sng">
+                  <a:noFill/>
+                </a:ln>
+                <a:solidFill>
+                  <a:schemeClr val="accent1">
+                    <a:lumMod val="60000"/>
+                    <a:lumOff val="40000"/>
+                  </a:schemeClr>
+                </a:solidFill>
+                <a:effectLst/>
+                <a:latin typeface="Arial"/>
+              </a:rPr>
+              <a:t>“</a:t>
+            </a:r>
+          </a:p>
+        </p:txBody>
+      </p:sp>
+      <p:sp>
+        <p:nvSpPr>
+          <p:cNvPr id="22" name="TextBox 21"/>
+          <p:cNvSpPr txBox="1"/>
+          <p:nvPr/>
+        </p:nvSpPr>
+        <p:spPr>
+          <a:xfrm>
+            <a:off x="8893011" y="2886556"/>
+            <a:ext cx="609600" cy="584776"/>
+          </a:xfrm>
+          <a:prstGeom prst="rect">
+            <a:avLst/>
+          </a:prstGeom>
+        </p:spPr>
+        <p:txBody>
+          <a:bodyPr vert="horz" lIns="91440" tIns="45720" rIns="91440" bIns="45720" rtlCol="0" anchor="ctr">
+            <a:noAutofit/>
+          </a:bodyPr>
+          <a:lstStyle/>
+          <a:p>
+            <a:pPr lvl="0"/>
+            <a:r>
+              <a:rPr lang="en-US" sz="8000" baseline="0" dirty="0">
+                <a:ln w="3175" cmpd="sng">
+                  <a:noFill/>
+                </a:ln>
+                <a:solidFill>
+                  <a:schemeClr val="accent1">
+                    <a:lumMod val="60000"/>
+                    <a:lumOff val="40000"/>
+                  </a:schemeClr>
+                </a:solidFill>
+                <a:latin typeface="Arial"/>
+              </a:rPr>
+              <a:t>”</a:t>
+            </a:r>
+            <a:endParaRPr lang="en-US" dirty="0">
+              <a:solidFill>
+                <a:schemeClr val="accent1">
+                  <a:lumMod val="60000"/>
+                  <a:lumOff val="40000"/>
+                </a:schemeClr>
+              </a:solidFill>
+              <a:latin typeface="Arial"/>
+            </a:endParaRPr>
+          </a:p>
+        </p:txBody>
+      </p:sp>
+    </p:spTree>
+    <p:extLst>
+      <p:ext uri="{BB962C8B-B14F-4D97-AF65-F5344CB8AC3E}">
+        <p14:creationId xmlns:p14="http://schemas.microsoft.com/office/powerpoint/2010/main" val="2348713753"/>
+      </p:ext>
+    </p:extLst>
+  </p:cSld>
+  <p:clrMapOvr>
+    <a:masterClrMapping/>
+  </p:clrMapOvr>
+</p:sldLayout>
+</file>
+
+<file path=ppt/slideLayouts/slideLayout12.xml><?xml version="1.0" encoding="utf-8"?>
+<p:sldLayout xmlns:a="http://schemas.openxmlformats.org/drawingml/2006/main" xmlns:r="http://schemas.openxmlformats.org/officeDocument/2006/relationships" xmlns:p="http://schemas.openxmlformats.org/presentationml/2006/main" preserve="1">
+  <p:cSld name="Namenskarte">
+    <p:spTree>
+      <p:nvGrpSpPr>
+        <p:cNvPr id="1" name=""/>
+        <p:cNvGrpSpPr/>
+        <p:nvPr/>
+      </p:nvGrpSpPr>
+      <p:grpSpPr>
+        <a:xfrm>
+          <a:off x="0" y="0"/>
+          <a:ext cx="0" cy="0"/>
+          <a:chOff x="0" y="0"/>
+          <a:chExt cx="0" cy="0"/>
+        </a:xfrm>
+      </p:grpSpPr>
+      <p:sp>
+        <p:nvSpPr>
+          <p:cNvPr id="2" name="Title 1"/>
+          <p:cNvSpPr>
+            <a:spLocks noGrp="1"/>
+          </p:cNvSpPr>
+          <p:nvPr>
+            <p:ph type="title"/>
+          </p:nvPr>
+        </p:nvSpPr>
+        <p:spPr>
+          <a:xfrm>
+            <a:off x="677335" y="1931988"/>
+            <a:ext cx="8596668" cy="2595460"/>
+          </a:xfrm>
+        </p:spPr>
+        <p:txBody>
+          <a:bodyPr anchor="b">
+            <a:normAutofit/>
+          </a:bodyPr>
+          <a:lstStyle>
+            <a:lvl1pPr algn="l">
+              <a:defRPr sz="4400" b="0" cap="none"/>
+            </a:lvl1pPr>
+          </a:lstStyle>
+          <a:p>
+            <a:r>
+              <a:rPr lang="de-DE"/>
+              <a:t>Mastertitelformat bearbeiten</a:t>
+            </a:r>
+            <a:endParaRPr lang="en-US" dirty="0"/>
+          </a:p>
+        </p:txBody>
+      </p:sp>
+      <p:sp>
+        <p:nvSpPr>
+          <p:cNvPr id="3" name="Text Placeholder 2"/>
+          <p:cNvSpPr>
+            <a:spLocks noGrp="1"/>
+          </p:cNvSpPr>
+          <p:nvPr>
+            <p:ph type="body" idx="1"/>
+          </p:nvPr>
+        </p:nvSpPr>
+        <p:spPr>
+          <a:xfrm>
+            <a:off x="677335" y="4527448"/>
+            <a:ext cx="8596668" cy="1513914"/>
+          </a:xfrm>
+        </p:spPr>
+        <p:txBody>
+          <a:bodyPr anchor="t">
+            <a:normAutofit/>
+          </a:bodyPr>
+          <a:lstStyle>
+            <a:lvl1pPr marL="0" indent="0" algn="l">
+              <a:buNone/>
+              <a:defRPr sz="1800">
+                <a:solidFill>
+                  <a:schemeClr val="tx1">
+                    <a:lumMod val="75000"/>
+                    <a:lumOff val="25000"/>
+                  </a:schemeClr>
+                </a:solidFill>
+              </a:defRPr>
+            </a:lvl1pPr>
+            <a:lvl2pPr marL="457200" indent="0">
+              <a:buNone/>
+              <a:defRPr sz="1800">
+                <a:solidFill>
+                  <a:schemeClr val="tx1">
+                    <a:tint val="75000"/>
+                  </a:schemeClr>
+                </a:solidFill>
+              </a:defRPr>
+            </a:lvl2pPr>
+            <a:lvl3pPr marL="914400" indent="0">
+              <a:buNone/>
+              <a:defRPr sz="1600">
+                <a:solidFill>
+                  <a:schemeClr val="tx1">
+                    <a:tint val="75000"/>
+                  </a:schemeClr>
+                </a:solidFill>
+              </a:defRPr>
+            </a:lvl3pPr>
+            <a:lvl4pPr marL="1371600" indent="0">
+              <a:buNone/>
+              <a:defRPr sz="1400">
+                <a:solidFill>
+                  <a:schemeClr val="tx1">
+                    <a:tint val="75000"/>
+                  </a:schemeClr>
+                </a:solidFill>
+              </a:defRPr>
+            </a:lvl4pPr>
+            <a:lvl5pPr marL="1828800" indent="0">
+              <a:buNone/>
+              <a:defRPr sz="1400">
+                <a:solidFill>
+                  <a:schemeClr val="tx1">
+                    <a:tint val="75000"/>
+                  </a:schemeClr>
+                </a:solidFill>
+              </a:defRPr>
+            </a:lvl5pPr>
+            <a:lvl6pPr marL="2286000" indent="0">
+              <a:buNone/>
+              <a:defRPr sz="1400">
+                <a:solidFill>
+                  <a:schemeClr val="tx1">
+                    <a:tint val="75000"/>
+                  </a:schemeClr>
+                </a:solidFill>
+              </a:defRPr>
+            </a:lvl6pPr>
+            <a:lvl7pPr marL="2743200" indent="0">
+              <a:buNone/>
+              <a:defRPr sz="1400">
+                <a:solidFill>
+                  <a:schemeClr val="tx1">
+                    <a:tint val="75000"/>
+                  </a:schemeClr>
+                </a:solidFill>
+              </a:defRPr>
+            </a:lvl7pPr>
+            <a:lvl8pPr marL="3200400" indent="0">
+              <a:buNone/>
+              <a:defRPr sz="1400">
+                <a:solidFill>
+                  <a:schemeClr val="tx1">
+                    <a:tint val="75000"/>
+                  </a:schemeClr>
+                </a:solidFill>
+              </a:defRPr>
+            </a:lvl8pPr>
+            <a:lvl9pPr marL="3657600" indent="0">
+              <a:buNone/>
+              <a:defRPr sz="1400">
+                <a:solidFill>
+                  <a:schemeClr val="tx1">
+                    <a:tint val="75000"/>
+                  </a:schemeClr>
+                </a:solidFill>
+              </a:defRPr>
+            </a:lvl9pPr>
+          </a:lstStyle>
+          <a:p>
+            <a:pPr lvl="0"/>
+            <a:r>
+              <a:rPr lang="de-DE"/>
+              <a:t>Mastertextformat bearbeiten</a:t>
+            </a:r>
+          </a:p>
+        </p:txBody>
+      </p:sp>
+      <p:sp>
+        <p:nvSpPr>
+          <p:cNvPr id="4" name="Date Placeholder 3"/>
+          <p:cNvSpPr>
+            <a:spLocks noGrp="1"/>
+          </p:cNvSpPr>
+          <p:nvPr>
+            <p:ph type="dt" sz="half" idx="10"/>
+          </p:nvPr>
+        </p:nvSpPr>
+        <p:spPr/>
+        <p:txBody>
+          <a:bodyPr/>
+          <a:lstStyle/>
+          <a:p>
+            <a:fld id="{C02FA18B-CDC5-4D54-8389-595747D46EF2}" type="datetimeFigureOut">
+              <a:rPr lang="de-DE" smtClean="0"/>
+              <a:t>02.06.2021</a:t>
+            </a:fld>
+            <a:endParaRPr lang="de-DE"/>
+          </a:p>
+        </p:txBody>
+      </p:sp>
+      <p:sp>
+        <p:nvSpPr>
+          <p:cNvPr id="5" name="Footer Placeholder 4"/>
+          <p:cNvSpPr>
+            <a:spLocks noGrp="1"/>
+          </p:cNvSpPr>
+          <p:nvPr>
+            <p:ph type="ftr" sz="quarter" idx="11"/>
+          </p:nvPr>
+        </p:nvSpPr>
+        <p:spPr/>
+        <p:txBody>
+          <a:bodyPr/>
+          <a:lstStyle/>
+          <a:p>
+            <a:endParaRPr lang="de-DE"/>
+          </a:p>
+        </p:txBody>
+      </p:sp>
+      <p:sp>
+        <p:nvSpPr>
+          <p:cNvPr id="6" name="Slide Number Placeholder 5"/>
+          <p:cNvSpPr>
+            <a:spLocks noGrp="1"/>
+          </p:cNvSpPr>
+          <p:nvPr>
+            <p:ph type="sldNum" sz="quarter" idx="12"/>
+          </p:nvPr>
+        </p:nvSpPr>
+        <p:spPr/>
+        <p:txBody>
+          <a:bodyPr/>
+          <a:lstStyle/>
+          <a:p>
+            <a:fld id="{C61F37ED-5467-426A-B239-7B988E6EDD3E}" type="slidenum">
+              <a:rPr lang="de-DE" smtClean="0"/>
+              <a:t>‹Nr.›</a:t>
+            </a:fld>
+            <a:endParaRPr lang="de-DE"/>
+          </a:p>
+        </p:txBody>
+      </p:sp>
+    </p:spTree>
+    <p:extLst>
+      <p:ext uri="{BB962C8B-B14F-4D97-AF65-F5344CB8AC3E}">
+        <p14:creationId xmlns:p14="http://schemas.microsoft.com/office/powerpoint/2010/main" val="891727169"/>
+      </p:ext>
+    </p:extLst>
+  </p:cSld>
+  <p:clrMapOvr>
+    <a:masterClrMapping/>
+  </p:clrMapOvr>
+</p:sldLayout>
+</file>
+
+<file path=ppt/slideLayouts/slideLayout13.xml><?xml version="1.0" encoding="utf-8"?>
+<p:sldLayout xmlns:a="http://schemas.openxmlformats.org/drawingml/2006/main" xmlns:r="http://schemas.openxmlformats.org/officeDocument/2006/relationships" xmlns:p="http://schemas.openxmlformats.org/presentationml/2006/main" preserve="1">
+  <p:cSld name="Namenskarte für Zitat">
+    <p:spTree>
+      <p:nvGrpSpPr>
+        <p:cNvPr id="1" name=""/>
+        <p:cNvGrpSpPr/>
+        <p:nvPr/>
+      </p:nvGrpSpPr>
+      <p:grpSpPr>
+        <a:xfrm>
+          <a:off x="0" y="0"/>
+          <a:ext cx="0" cy="0"/>
+          <a:chOff x="0" y="0"/>
+          <a:chExt cx="0" cy="0"/>
+        </a:xfrm>
+      </p:grpSpPr>
+      <p:sp>
+        <p:nvSpPr>
+          <p:cNvPr id="2" name="Title 1"/>
+          <p:cNvSpPr>
+            <a:spLocks noGrp="1"/>
+          </p:cNvSpPr>
+          <p:nvPr>
+            <p:ph type="title"/>
+          </p:nvPr>
+        </p:nvSpPr>
+        <p:spPr>
+          <a:xfrm>
+            <a:off x="931334" y="609600"/>
+            <a:ext cx="8094134" cy="3022600"/>
+          </a:xfrm>
+        </p:spPr>
+        <p:txBody>
+          <a:bodyPr anchor="ctr">
+            <a:normAutofit/>
+          </a:bodyPr>
+          <a:lstStyle>
+            <a:lvl1pPr algn="l">
+              <a:defRPr sz="4400" b="0" cap="none"/>
+            </a:lvl1pPr>
+          </a:lstStyle>
+          <a:p>
+            <a:r>
+              <a:rPr lang="de-DE"/>
+              <a:t>Mastertitelformat bearbeiten</a:t>
+            </a:r>
+            <a:endParaRPr lang="en-US" dirty="0"/>
+          </a:p>
+        </p:txBody>
+      </p:sp>
+      <p:sp>
+        <p:nvSpPr>
+          <p:cNvPr id="23" name="Text Placeholder 9"/>
+          <p:cNvSpPr>
+            <a:spLocks noGrp="1"/>
+          </p:cNvSpPr>
+          <p:nvPr>
+            <p:ph type="body" sz="quarter" idx="13"/>
+          </p:nvPr>
+        </p:nvSpPr>
+        <p:spPr>
+          <a:xfrm>
+            <a:off x="677332" y="4013200"/>
+            <a:ext cx="8596669" cy="514248"/>
+          </a:xfrm>
+        </p:spPr>
+        <p:txBody>
+          <a:bodyPr anchor="b">
+            <a:noAutofit/>
+          </a:bodyPr>
+          <a:lstStyle>
+            <a:lvl1pPr marL="0" indent="0">
+              <a:buFontTx/>
+              <a:buNone/>
+              <a:defRPr sz="2400">
+                <a:solidFill>
+                  <a:schemeClr val="tx1">
+                    <a:lumMod val="75000"/>
+                    <a:lumOff val="25000"/>
+                  </a:schemeClr>
+                </a:solidFill>
+              </a:defRPr>
+            </a:lvl1pPr>
+            <a:lvl2pPr marL="457200" indent="0">
+              <a:buFontTx/>
+              <a:buNone/>
+              <a:defRPr/>
+            </a:lvl2pPr>
+            <a:lvl3pPr marL="914400" indent="0">
+              <a:buFontTx/>
+              <a:buNone/>
+              <a:defRPr/>
+            </a:lvl3pPr>
+            <a:lvl4pPr marL="1371600" indent="0">
+              <a:buFontTx/>
+              <a:buNone/>
+              <a:defRPr/>
+            </a:lvl4pPr>
+            <a:lvl5pPr marL="1828800" indent="0">
+              <a:buFontTx/>
+              <a:buNone/>
+              <a:defRPr/>
+            </a:lvl5pPr>
+          </a:lstStyle>
+          <a:p>
+            <a:pPr lvl="0"/>
+            <a:r>
+              <a:rPr lang="de-DE"/>
+              <a:t>Mastertextformat bearbeiten</a:t>
+            </a:r>
+          </a:p>
+        </p:txBody>
+      </p:sp>
+      <p:sp>
+        <p:nvSpPr>
+          <p:cNvPr id="3" name="Text Placeholder 2"/>
+          <p:cNvSpPr>
+            <a:spLocks noGrp="1"/>
+          </p:cNvSpPr>
+          <p:nvPr>
+            <p:ph type="body" idx="1"/>
+          </p:nvPr>
+        </p:nvSpPr>
+        <p:spPr>
+          <a:xfrm>
+            <a:off x="677335" y="4527448"/>
+            <a:ext cx="8596668" cy="1513914"/>
+          </a:xfrm>
+        </p:spPr>
+        <p:txBody>
+          <a:bodyPr anchor="t">
+            <a:normAutofit/>
+          </a:bodyPr>
+          <a:lstStyle>
+            <a:lvl1pPr marL="0" indent="0" algn="l">
+              <a:buNone/>
+              <a:defRPr sz="1800">
+                <a:solidFill>
+                  <a:schemeClr val="tx1">
+                    <a:lumMod val="50000"/>
+                    <a:lumOff val="50000"/>
+                  </a:schemeClr>
+                </a:solidFill>
+              </a:defRPr>
+            </a:lvl1pPr>
+            <a:lvl2pPr marL="457200" indent="0">
+              <a:buNone/>
+              <a:defRPr sz="1800">
+                <a:solidFill>
+                  <a:schemeClr val="tx1">
+                    <a:tint val="75000"/>
+                  </a:schemeClr>
+                </a:solidFill>
+              </a:defRPr>
+            </a:lvl2pPr>
+            <a:lvl3pPr marL="914400" indent="0">
+              <a:buNone/>
+              <a:defRPr sz="1600">
+                <a:solidFill>
+                  <a:schemeClr val="tx1">
+                    <a:tint val="75000"/>
+                  </a:schemeClr>
+                </a:solidFill>
+              </a:defRPr>
+            </a:lvl3pPr>
+            <a:lvl4pPr marL="1371600" indent="0">
+              <a:buNone/>
+              <a:defRPr sz="1400">
+                <a:solidFill>
+                  <a:schemeClr val="tx1">
+                    <a:tint val="75000"/>
+                  </a:schemeClr>
+                </a:solidFill>
+              </a:defRPr>
+            </a:lvl4pPr>
+            <a:lvl5pPr marL="1828800" indent="0">
+              <a:buNone/>
+              <a:defRPr sz="1400">
+                <a:solidFill>
+                  <a:schemeClr val="tx1">
+                    <a:tint val="75000"/>
+                  </a:schemeClr>
+                </a:solidFill>
+              </a:defRPr>
+            </a:lvl5pPr>
+            <a:lvl6pPr marL="2286000" indent="0">
+              <a:buNone/>
+              <a:defRPr sz="1400">
+                <a:solidFill>
+                  <a:schemeClr val="tx1">
+                    <a:tint val="75000"/>
+                  </a:schemeClr>
+                </a:solidFill>
+              </a:defRPr>
+            </a:lvl6pPr>
+            <a:lvl7pPr marL="2743200" indent="0">
+              <a:buNone/>
+              <a:defRPr sz="1400">
+                <a:solidFill>
+                  <a:schemeClr val="tx1">
+                    <a:tint val="75000"/>
+                  </a:schemeClr>
+                </a:solidFill>
+              </a:defRPr>
+            </a:lvl7pPr>
+            <a:lvl8pPr marL="3200400" indent="0">
+              <a:buNone/>
+              <a:defRPr sz="1400">
+                <a:solidFill>
+                  <a:schemeClr val="tx1">
+                    <a:tint val="75000"/>
+                  </a:schemeClr>
+                </a:solidFill>
+              </a:defRPr>
+            </a:lvl8pPr>
+            <a:lvl9pPr marL="3657600" indent="0">
+              <a:buNone/>
+              <a:defRPr sz="1400">
+                <a:solidFill>
+                  <a:schemeClr val="tx1">
+                    <a:tint val="75000"/>
+                  </a:schemeClr>
+                </a:solidFill>
+              </a:defRPr>
+            </a:lvl9pPr>
+          </a:lstStyle>
+          <a:p>
+            <a:pPr lvl="0"/>
+            <a:r>
+              <a:rPr lang="de-DE"/>
+              <a:t>Mastertextformat bearbeiten</a:t>
+            </a:r>
+          </a:p>
+        </p:txBody>
+      </p:sp>
+      <p:sp>
+        <p:nvSpPr>
+          <p:cNvPr id="4" name="Date Placeholder 3"/>
+          <p:cNvSpPr>
+            <a:spLocks noGrp="1"/>
+          </p:cNvSpPr>
+          <p:nvPr>
+            <p:ph type="dt" sz="half" idx="10"/>
+          </p:nvPr>
+        </p:nvSpPr>
+        <p:spPr/>
+        <p:txBody>
+          <a:bodyPr/>
+          <a:lstStyle/>
+          <a:p>
+            <a:fld id="{C02FA18B-CDC5-4D54-8389-595747D46EF2}" type="datetimeFigureOut">
+              <a:rPr lang="de-DE" smtClean="0"/>
+              <a:t>02.06.2021</a:t>
+            </a:fld>
+            <a:endParaRPr lang="de-DE"/>
+          </a:p>
+        </p:txBody>
+      </p:sp>
+      <p:sp>
+        <p:nvSpPr>
+          <p:cNvPr id="5" name="Footer Placeholder 4"/>
+          <p:cNvSpPr>
+            <a:spLocks noGrp="1"/>
+          </p:cNvSpPr>
+          <p:nvPr>
+            <p:ph type="ftr" sz="quarter" idx="11"/>
+          </p:nvPr>
+        </p:nvSpPr>
+        <p:spPr/>
+        <p:txBody>
+          <a:bodyPr/>
+          <a:lstStyle/>
+          <a:p>
+            <a:endParaRPr lang="de-DE"/>
+          </a:p>
+        </p:txBody>
+      </p:sp>
+      <p:sp>
+        <p:nvSpPr>
+          <p:cNvPr id="6" name="Slide Number Placeholder 5"/>
+          <p:cNvSpPr>
+            <a:spLocks noGrp="1"/>
+          </p:cNvSpPr>
+          <p:nvPr>
+            <p:ph type="sldNum" sz="quarter" idx="12"/>
+          </p:nvPr>
+        </p:nvSpPr>
+        <p:spPr/>
+        <p:txBody>
+          <a:bodyPr/>
+          <a:lstStyle/>
+          <a:p>
+            <a:fld id="{C61F37ED-5467-426A-B239-7B988E6EDD3E}" type="slidenum">
+              <a:rPr lang="de-DE" smtClean="0"/>
+              <a:t>‹Nr.›</a:t>
+            </a:fld>
+            <a:endParaRPr lang="de-DE"/>
+          </a:p>
+        </p:txBody>
+      </p:sp>
+      <p:sp>
+        <p:nvSpPr>
+          <p:cNvPr id="24" name="TextBox 23"/>
+          <p:cNvSpPr txBox="1"/>
+          <p:nvPr/>
+        </p:nvSpPr>
+        <p:spPr>
+          <a:xfrm>
+            <a:off x="541870" y="790378"/>
+            <a:ext cx="609600" cy="584776"/>
+          </a:xfrm>
+          <a:prstGeom prst="rect">
+            <a:avLst/>
+          </a:prstGeom>
+        </p:spPr>
+        <p:txBody>
+          <a:bodyPr vert="horz" lIns="91440" tIns="45720" rIns="91440" bIns="45720" rtlCol="0" anchor="ctr">
+            <a:noAutofit/>
+          </a:bodyPr>
+          <a:lstStyle/>
+          <a:p>
+            <a:pPr lvl="0"/>
+            <a:r>
+              <a:rPr lang="en-US" sz="8000" baseline="0" dirty="0">
+                <a:ln w="3175" cmpd="sng">
+                  <a:noFill/>
+                </a:ln>
+                <a:solidFill>
+                  <a:schemeClr val="accent1">
+                    <a:lumMod val="60000"/>
+                    <a:lumOff val="40000"/>
+                  </a:schemeClr>
+                </a:solidFill>
+                <a:effectLst/>
+                <a:latin typeface="Arial"/>
+              </a:rPr>
+              <a:t>“</a:t>
+            </a:r>
+          </a:p>
+        </p:txBody>
+      </p:sp>
+      <p:sp>
+        <p:nvSpPr>
+          <p:cNvPr id="25" name="TextBox 24"/>
+          <p:cNvSpPr txBox="1"/>
+          <p:nvPr/>
+        </p:nvSpPr>
+        <p:spPr>
+          <a:xfrm>
+            <a:off x="8893011" y="2886556"/>
+            <a:ext cx="609600" cy="584776"/>
+          </a:xfrm>
+          <a:prstGeom prst="rect">
+            <a:avLst/>
+          </a:prstGeom>
+        </p:spPr>
+        <p:txBody>
+          <a:bodyPr vert="horz" lIns="91440" tIns="45720" rIns="91440" bIns="45720" rtlCol="0" anchor="ctr">
+            <a:noAutofit/>
+          </a:bodyPr>
+          <a:lstStyle/>
+          <a:p>
+            <a:pPr lvl="0"/>
+            <a:r>
+              <a:rPr lang="en-US" sz="8000" baseline="0" dirty="0">
+                <a:ln w="3175" cmpd="sng">
+                  <a:noFill/>
+                </a:ln>
+                <a:solidFill>
+                  <a:schemeClr val="accent1">
+                    <a:lumMod val="60000"/>
+                    <a:lumOff val="40000"/>
+                  </a:schemeClr>
+                </a:solidFill>
+                <a:effectLst/>
+                <a:latin typeface="Arial"/>
+              </a:rPr>
+              <a:t>”</a:t>
+            </a:r>
+          </a:p>
+        </p:txBody>
+      </p:sp>
+    </p:spTree>
+    <p:extLst>
+      <p:ext uri="{BB962C8B-B14F-4D97-AF65-F5344CB8AC3E}">
+        <p14:creationId xmlns:p14="http://schemas.microsoft.com/office/powerpoint/2010/main" val="2498620054"/>
+      </p:ext>
+    </p:extLst>
+  </p:cSld>
+  <p:clrMapOvr>
+    <a:masterClrMapping/>
+  </p:clrMapOvr>
+</p:sldLayout>
+</file>
+
+<file path=ppt/slideLayouts/slideLayout14.xml><?xml version="1.0" encoding="utf-8"?>
+<p:sldLayout xmlns:a="http://schemas.openxmlformats.org/drawingml/2006/main" xmlns:r="http://schemas.openxmlformats.org/officeDocument/2006/relationships" xmlns:p="http://schemas.openxmlformats.org/presentationml/2006/main" preserve="1">
+  <p:cSld name="Wahr oder Falsch">
+    <p:spTree>
+      <p:nvGrpSpPr>
+        <p:cNvPr id="1" name=""/>
+        <p:cNvGrpSpPr/>
+        <p:nvPr/>
+      </p:nvGrpSpPr>
+      <p:grpSpPr>
+        <a:xfrm>
+          <a:off x="0" y="0"/>
+          <a:ext cx="0" cy="0"/>
+          <a:chOff x="0" y="0"/>
+          <a:chExt cx="0" cy="0"/>
+        </a:xfrm>
+      </p:grpSpPr>
+      <p:sp>
+        <p:nvSpPr>
+          <p:cNvPr id="2" name="Title 1"/>
+          <p:cNvSpPr>
+            <a:spLocks noGrp="1"/>
+          </p:cNvSpPr>
+          <p:nvPr>
+            <p:ph type="title"/>
+          </p:nvPr>
+        </p:nvSpPr>
+        <p:spPr>
+          <a:xfrm>
+            <a:off x="685799" y="609600"/>
+            <a:ext cx="8588203" cy="3022600"/>
+          </a:xfrm>
+        </p:spPr>
+        <p:txBody>
+          <a:bodyPr anchor="ctr">
+            <a:normAutofit/>
+          </a:bodyPr>
+          <a:lstStyle>
+            <a:lvl1pPr algn="l">
+              <a:defRPr sz="4400" b="0" cap="none"/>
+            </a:lvl1pPr>
+          </a:lstStyle>
+          <a:p>
+            <a:r>
+              <a:rPr lang="de-DE"/>
+              <a:t>Mastertitelformat bearbeiten</a:t>
+            </a:r>
+            <a:endParaRPr lang="en-US" dirty="0"/>
+          </a:p>
+        </p:txBody>
+      </p:sp>
+      <p:sp>
+        <p:nvSpPr>
+          <p:cNvPr id="23" name="Text Placeholder 9"/>
+          <p:cNvSpPr>
+            <a:spLocks noGrp="1"/>
+          </p:cNvSpPr>
+          <p:nvPr>
+            <p:ph type="body" sz="quarter" idx="13"/>
+          </p:nvPr>
+        </p:nvSpPr>
+        <p:spPr>
+          <a:xfrm>
+            <a:off x="677332" y="4013200"/>
+            <a:ext cx="8596669" cy="514248"/>
+          </a:xfrm>
+        </p:spPr>
+        <p:txBody>
+          <a:bodyPr anchor="b">
+            <a:noAutofit/>
+          </a:bodyPr>
+          <a:lstStyle>
+            <a:lvl1pPr marL="0" indent="0">
+              <a:buFontTx/>
+              <a:buNone/>
+              <a:defRPr sz="2400">
+                <a:solidFill>
+                  <a:schemeClr val="accent1"/>
+                </a:solidFill>
+              </a:defRPr>
+            </a:lvl1pPr>
+            <a:lvl2pPr marL="457200" indent="0">
+              <a:buFontTx/>
+              <a:buNone/>
+              <a:defRPr/>
+            </a:lvl2pPr>
+            <a:lvl3pPr marL="914400" indent="0">
+              <a:buFontTx/>
+              <a:buNone/>
+              <a:defRPr/>
+            </a:lvl3pPr>
+            <a:lvl4pPr marL="1371600" indent="0">
+              <a:buFontTx/>
+              <a:buNone/>
+              <a:defRPr/>
+            </a:lvl4pPr>
+            <a:lvl5pPr marL="1828800" indent="0">
+              <a:buFontTx/>
+              <a:buNone/>
+              <a:defRPr/>
+            </a:lvl5pPr>
+          </a:lstStyle>
+          <a:p>
+            <a:pPr lvl="0"/>
+            <a:r>
+              <a:rPr lang="de-DE"/>
+              <a:t>Mastertextformat bearbeiten</a:t>
+            </a:r>
+          </a:p>
+        </p:txBody>
+      </p:sp>
+      <p:sp>
+        <p:nvSpPr>
+          <p:cNvPr id="3" name="Text Placeholder 2"/>
+          <p:cNvSpPr>
+            <a:spLocks noGrp="1"/>
+          </p:cNvSpPr>
+          <p:nvPr>
+            <p:ph type="body" idx="1"/>
+          </p:nvPr>
+        </p:nvSpPr>
+        <p:spPr>
+          <a:xfrm>
+            <a:off x="677335" y="4527448"/>
+            <a:ext cx="8596668" cy="1513914"/>
+          </a:xfrm>
+        </p:spPr>
+        <p:txBody>
+          <a:bodyPr anchor="t">
+            <a:normAutofit/>
+          </a:bodyPr>
+          <a:lstStyle>
+            <a:lvl1pPr marL="0" indent="0" algn="l">
+              <a:buNone/>
+              <a:defRPr sz="1800">
+                <a:solidFill>
+                  <a:schemeClr val="tx1">
+                    <a:lumMod val="50000"/>
+                    <a:lumOff val="50000"/>
+                  </a:schemeClr>
+                </a:solidFill>
+              </a:defRPr>
+            </a:lvl1pPr>
+            <a:lvl2pPr marL="457200" indent="0">
+              <a:buNone/>
+              <a:defRPr sz="1800">
+                <a:solidFill>
+                  <a:schemeClr val="tx1">
+                    <a:tint val="75000"/>
+                  </a:schemeClr>
+                </a:solidFill>
+              </a:defRPr>
+            </a:lvl2pPr>
+            <a:lvl3pPr marL="914400" indent="0">
+              <a:buNone/>
+              <a:defRPr sz="1600">
+                <a:solidFill>
+                  <a:schemeClr val="tx1">
+                    <a:tint val="75000"/>
+                  </a:schemeClr>
+                </a:solidFill>
+              </a:defRPr>
+            </a:lvl3pPr>
+            <a:lvl4pPr marL="1371600" indent="0">
+              <a:buNone/>
+              <a:defRPr sz="1400">
+                <a:solidFill>
+                  <a:schemeClr val="tx1">
+                    <a:tint val="75000"/>
+                  </a:schemeClr>
+                </a:solidFill>
+              </a:defRPr>
+            </a:lvl4pPr>
+            <a:lvl5pPr marL="1828800" indent="0">
+              <a:buNone/>
+              <a:defRPr sz="1400">
+                <a:solidFill>
+                  <a:schemeClr val="tx1">
+                    <a:tint val="75000"/>
+                  </a:schemeClr>
+                </a:solidFill>
+              </a:defRPr>
+            </a:lvl5pPr>
+            <a:lvl6pPr marL="2286000" indent="0">
+              <a:buNone/>
+              <a:defRPr sz="1400">
+                <a:solidFill>
+                  <a:schemeClr val="tx1">
+                    <a:tint val="75000"/>
+                  </a:schemeClr>
+                </a:solidFill>
+              </a:defRPr>
+            </a:lvl6pPr>
+            <a:lvl7pPr marL="2743200" indent="0">
+              <a:buNone/>
+              <a:defRPr sz="1400">
+                <a:solidFill>
+                  <a:schemeClr val="tx1">
+                    <a:tint val="75000"/>
+                  </a:schemeClr>
+                </a:solidFill>
+              </a:defRPr>
+            </a:lvl7pPr>
+            <a:lvl8pPr marL="3200400" indent="0">
+              <a:buNone/>
+              <a:defRPr sz="1400">
+                <a:solidFill>
+                  <a:schemeClr val="tx1">
+                    <a:tint val="75000"/>
+                  </a:schemeClr>
+                </a:solidFill>
+              </a:defRPr>
+            </a:lvl8pPr>
+            <a:lvl9pPr marL="3657600" indent="0">
+              <a:buNone/>
+              <a:defRPr sz="1400">
+                <a:solidFill>
+                  <a:schemeClr val="tx1">
+                    <a:tint val="75000"/>
+                  </a:schemeClr>
+                </a:solidFill>
+              </a:defRPr>
+            </a:lvl9pPr>
+          </a:lstStyle>
+          <a:p>
+            <a:pPr lvl="0"/>
+            <a:r>
+              <a:rPr lang="de-DE"/>
+              <a:t>Mastertextformat bearbeiten</a:t>
+            </a:r>
+          </a:p>
+        </p:txBody>
+      </p:sp>
+      <p:sp>
+        <p:nvSpPr>
+          <p:cNvPr id="4" name="Date Placeholder 3"/>
+          <p:cNvSpPr>
+            <a:spLocks noGrp="1"/>
+          </p:cNvSpPr>
+          <p:nvPr>
+            <p:ph type="dt" sz="half" idx="10"/>
+          </p:nvPr>
+        </p:nvSpPr>
+        <p:spPr/>
+        <p:txBody>
+          <a:bodyPr/>
+          <a:lstStyle/>
+          <a:p>
+            <a:fld id="{C02FA18B-CDC5-4D54-8389-595747D46EF2}" type="datetimeFigureOut">
+              <a:rPr lang="de-DE" smtClean="0"/>
+              <a:t>02.06.2021</a:t>
+            </a:fld>
+            <a:endParaRPr lang="de-DE"/>
+          </a:p>
+        </p:txBody>
+      </p:sp>
+      <p:sp>
+        <p:nvSpPr>
+          <p:cNvPr id="5" name="Footer Placeholder 4"/>
+          <p:cNvSpPr>
+            <a:spLocks noGrp="1"/>
+          </p:cNvSpPr>
+          <p:nvPr>
+            <p:ph type="ftr" sz="quarter" idx="11"/>
+          </p:nvPr>
+        </p:nvSpPr>
+        <p:spPr/>
+        <p:txBody>
+          <a:bodyPr/>
+          <a:lstStyle/>
+          <a:p>
+            <a:endParaRPr lang="de-DE"/>
+          </a:p>
+        </p:txBody>
+      </p:sp>
+      <p:sp>
+        <p:nvSpPr>
+          <p:cNvPr id="6" name="Slide Number Placeholder 5"/>
+          <p:cNvSpPr>
+            <a:spLocks noGrp="1"/>
+          </p:cNvSpPr>
+          <p:nvPr>
+            <p:ph type="sldNum" sz="quarter" idx="12"/>
+          </p:nvPr>
+        </p:nvSpPr>
+        <p:spPr/>
+        <p:txBody>
+          <a:bodyPr/>
+          <a:lstStyle/>
+          <a:p>
+            <a:fld id="{C61F37ED-5467-426A-B239-7B988E6EDD3E}" type="slidenum">
+              <a:rPr lang="de-DE" smtClean="0"/>
+              <a:t>‹Nr.›</a:t>
+            </a:fld>
+            <a:endParaRPr lang="de-DE"/>
+          </a:p>
+        </p:txBody>
+      </p:sp>
+    </p:spTree>
+    <p:extLst>
+      <p:ext uri="{BB962C8B-B14F-4D97-AF65-F5344CB8AC3E}">
+        <p14:creationId xmlns:p14="http://schemas.microsoft.com/office/powerpoint/2010/main" val="3599763192"/>
+      </p:ext>
+    </p:extLst>
+  </p:cSld>
+  <p:clrMapOvr>
+    <a:masterClrMapping/>
+  </p:clrMapOvr>
+</p:sldLayout>
+</file>
+
+<file path=ppt/slideLayouts/slideLayout15.xml><?xml version="1.0" encoding="utf-8"?>
 <p:sldLayout xmlns:a="http://schemas.openxmlformats.org/drawingml/2006/main" xmlns:r="http://schemas.openxmlformats.org/officeDocument/2006/relationships" xmlns:p="http://schemas.openxmlformats.org/presentationml/2006/main" type="vertTx" preserve="1">
   <p:cSld name="Titel und vertikaler Text">
     <p:spTree>
@@ -351,13 +2529,7 @@
       </p:grpSpPr>
       <p:sp>
         <p:nvSpPr>
-          <p:cNvPr id="2" name="Titel 1">
-            <a:extLst>
-              <a:ext uri="{FF2B5EF4-FFF2-40B4-BE49-F238E27FC236}">
-                <a16:creationId xmlns:a16="http://schemas.microsoft.com/office/drawing/2014/main" id="{1115BE17-9FEE-4BCB-A421-CEB1102E891D}"/>
-              </a:ext>
-            </a:extLst>
-          </p:cNvPr>
+          <p:cNvPr id="2" name="Title 1"/>
           <p:cNvSpPr>
             <a:spLocks noGrp="1"/>
           </p:cNvSpPr>
@@ -374,18 +2546,13 @@
               <a:rPr lang="de-DE"/>
               <a:t>Mastertitelformat bearbeiten</a:t>
             </a:r>
-          </a:p>
-        </p:txBody>
-      </p:sp>
-      <p:sp>
-        <p:nvSpPr>
-          <p:cNvPr id="3" name="Vertikaler Textplatzhalter 2">
-            <a:extLst>
-              <a:ext uri="{FF2B5EF4-FFF2-40B4-BE49-F238E27FC236}">
-                <a16:creationId xmlns:a16="http://schemas.microsoft.com/office/drawing/2014/main" id="{1C75B043-FFED-414F-8506-69ADA170C583}"/>
-              </a:ext>
-            </a:extLst>
-          </p:cNvPr>
+            <a:endParaRPr lang="en-US" dirty="0"/>
+          </a:p>
+        </p:txBody>
+      </p:sp>
+      <p:sp>
+        <p:nvSpPr>
+          <p:cNvPr id="3" name="Vertical Text Placeholder 2"/>
           <p:cNvSpPr>
             <a:spLocks noGrp="1"/>
           </p:cNvSpPr>
@@ -431,18 +2598,13 @@
               <a:rPr lang="de-DE"/>
               <a:t>Fünfte Ebene</a:t>
             </a:r>
-          </a:p>
-        </p:txBody>
-      </p:sp>
-      <p:sp>
-        <p:nvSpPr>
-          <p:cNvPr id="4" name="Datumsplatzhalter 3">
-            <a:extLst>
-              <a:ext uri="{FF2B5EF4-FFF2-40B4-BE49-F238E27FC236}">
-                <a16:creationId xmlns:a16="http://schemas.microsoft.com/office/drawing/2014/main" id="{94C1366E-DAC0-448E-B278-8D460714BABE}"/>
-              </a:ext>
-            </a:extLst>
-          </p:cNvPr>
+            <a:endParaRPr lang="en-US" dirty="0"/>
+          </a:p>
+        </p:txBody>
+      </p:sp>
+      <p:sp>
+        <p:nvSpPr>
+          <p:cNvPr id="4" name="Date Placeholder 3"/>
           <p:cNvSpPr>
             <a:spLocks noGrp="1"/>
           </p:cNvSpPr>
@@ -457,7 +2619,7 @@
           <a:p>
             <a:fld id="{C02FA18B-CDC5-4D54-8389-595747D46EF2}" type="datetimeFigureOut">
               <a:rPr lang="de-DE" smtClean="0"/>
-              <a:t>01.06.2021</a:t>
+              <a:t>02.06.2021</a:t>
             </a:fld>
             <a:endParaRPr lang="de-DE"/>
           </a:p>
@@ -465,13 +2627,7 @@
       </p:sp>
       <p:sp>
         <p:nvSpPr>
-          <p:cNvPr id="5" name="Fußzeilenplatzhalter 4">
-            <a:extLst>
-              <a:ext uri="{FF2B5EF4-FFF2-40B4-BE49-F238E27FC236}">
-                <a16:creationId xmlns:a16="http://schemas.microsoft.com/office/drawing/2014/main" id="{A625D7F9-2065-40A2-AAAC-2C0FC8FD4541}"/>
-              </a:ext>
-            </a:extLst>
-          </p:cNvPr>
+          <p:cNvPr id="5" name="Footer Placeholder 4"/>
           <p:cNvSpPr>
             <a:spLocks noGrp="1"/>
           </p:cNvSpPr>
@@ -490,13 +2646,7 @@
       </p:sp>
       <p:sp>
         <p:nvSpPr>
-          <p:cNvPr id="6" name="Foliennummernplatzhalter 5">
-            <a:extLst>
-              <a:ext uri="{FF2B5EF4-FFF2-40B4-BE49-F238E27FC236}">
-                <a16:creationId xmlns:a16="http://schemas.microsoft.com/office/drawing/2014/main" id="{31671DAD-439A-4B3E-9B9F-0A55BDEA9934}"/>
-              </a:ext>
-            </a:extLst>
-          </p:cNvPr>
+          <p:cNvPr id="6" name="Slide Number Placeholder 5"/>
           <p:cNvSpPr>
             <a:spLocks noGrp="1"/>
           </p:cNvSpPr>
@@ -520,7 +2670,7 @@
     </p:spTree>
     <p:extLst>
       <p:ext uri="{BB962C8B-B14F-4D97-AF65-F5344CB8AC3E}">
-        <p14:creationId xmlns:p14="http://schemas.microsoft.com/office/powerpoint/2010/main" val="3792769026"/>
+        <p14:creationId xmlns:p14="http://schemas.microsoft.com/office/powerpoint/2010/main" val="1543603271"/>
       </p:ext>
     </p:extLst>
   </p:cSld>
@@ -530,7 +2680,7 @@
 </p:sldLayout>
 </file>
 
-<file path=ppt/slideLayouts/slideLayout11.xml><?xml version="1.0" encoding="utf-8"?>
+<file path=ppt/slideLayouts/slideLayout16.xml><?xml version="1.0" encoding="utf-8"?>
 <p:sldLayout xmlns:a="http://schemas.openxmlformats.org/drawingml/2006/main" xmlns:r="http://schemas.openxmlformats.org/officeDocument/2006/relationships" xmlns:p="http://schemas.openxmlformats.org/presentationml/2006/main" type="vertTitleAndTx" preserve="1">
   <p:cSld name="Vertikaler Titel und Text">
     <p:spTree>
@@ -549,13 +2699,7 @@
       </p:grpSpPr>
       <p:sp>
         <p:nvSpPr>
-          <p:cNvPr id="2" name="Vertikaler Titel 1">
-            <a:extLst>
-              <a:ext uri="{FF2B5EF4-FFF2-40B4-BE49-F238E27FC236}">
-                <a16:creationId xmlns:a16="http://schemas.microsoft.com/office/drawing/2014/main" id="{E6E581B2-971E-4217-BEF5-661C768AB824}"/>
-              </a:ext>
-            </a:extLst>
-          </p:cNvPr>
+          <p:cNvPr id="2" name="Vertical Title 1"/>
           <p:cNvSpPr>
             <a:spLocks noGrp="1"/>
           </p:cNvSpPr>
@@ -565,47 +2709,42 @@
         </p:nvSpPr>
         <p:spPr>
           <a:xfrm>
-            <a:off x="8724900" y="365125"/>
-            <a:ext cx="2628900" cy="5811838"/>
+            <a:off x="7967673" y="609599"/>
+            <a:ext cx="1304743" cy="5251451"/>
           </a:xfrm>
         </p:spPr>
         <p:txBody>
+          <a:bodyPr vert="eaVert" anchor="ctr"/>
+          <a:lstStyle/>
+          <a:p>
+            <a:r>
+              <a:rPr lang="de-DE"/>
+              <a:t>Mastertitelformat bearbeiten</a:t>
+            </a:r>
+            <a:endParaRPr lang="en-US" dirty="0"/>
+          </a:p>
+        </p:txBody>
+      </p:sp>
+      <p:sp>
+        <p:nvSpPr>
+          <p:cNvPr id="3" name="Vertical Text Placeholder 2"/>
+          <p:cNvSpPr>
+            <a:spLocks noGrp="1"/>
+          </p:cNvSpPr>
+          <p:nvPr>
+            <p:ph type="body" orient="vert" idx="1"/>
+          </p:nvPr>
+        </p:nvSpPr>
+        <p:spPr>
+          <a:xfrm>
+            <a:off x="677335" y="609600"/>
+            <a:ext cx="7060150" cy="5251450"/>
+          </a:xfrm>
+        </p:spPr>
+        <p:txBody>
           <a:bodyPr vert="eaVert"/>
           <a:lstStyle/>
           <a:p>
-            <a:r>
-              <a:rPr lang="de-DE"/>
-              <a:t>Mastertitelformat bearbeiten</a:t>
-            </a:r>
-          </a:p>
-        </p:txBody>
-      </p:sp>
-      <p:sp>
-        <p:nvSpPr>
-          <p:cNvPr id="3" name="Vertikaler Textplatzhalter 2">
-            <a:extLst>
-              <a:ext uri="{FF2B5EF4-FFF2-40B4-BE49-F238E27FC236}">
-                <a16:creationId xmlns:a16="http://schemas.microsoft.com/office/drawing/2014/main" id="{689EB7CA-0303-4335-B620-B23A258EAA9C}"/>
-              </a:ext>
-            </a:extLst>
-          </p:cNvPr>
-          <p:cNvSpPr>
-            <a:spLocks noGrp="1"/>
-          </p:cNvSpPr>
-          <p:nvPr>
-            <p:ph type="body" orient="vert" idx="1"/>
-          </p:nvPr>
-        </p:nvSpPr>
-        <p:spPr>
-          <a:xfrm>
-            <a:off x="838200" y="365125"/>
-            <a:ext cx="7734300" cy="5811838"/>
-          </a:xfrm>
-        </p:spPr>
-        <p:txBody>
-          <a:bodyPr vert="eaVert"/>
-          <a:lstStyle/>
-          <a:p>
             <a:pPr lvl="0"/>
             <a:r>
               <a:rPr lang="de-DE"/>
@@ -639,18 +2778,13 @@
               <a:rPr lang="de-DE"/>
               <a:t>Fünfte Ebene</a:t>
             </a:r>
-          </a:p>
-        </p:txBody>
-      </p:sp>
-      <p:sp>
-        <p:nvSpPr>
-          <p:cNvPr id="4" name="Datumsplatzhalter 3">
-            <a:extLst>
-              <a:ext uri="{FF2B5EF4-FFF2-40B4-BE49-F238E27FC236}">
-                <a16:creationId xmlns:a16="http://schemas.microsoft.com/office/drawing/2014/main" id="{17F41E82-96FA-4FE8-940C-7B5F0C9A1F5D}"/>
-              </a:ext>
-            </a:extLst>
-          </p:cNvPr>
+            <a:endParaRPr lang="en-US" dirty="0"/>
+          </a:p>
+        </p:txBody>
+      </p:sp>
+      <p:sp>
+        <p:nvSpPr>
+          <p:cNvPr id="4" name="Date Placeholder 3"/>
           <p:cNvSpPr>
             <a:spLocks noGrp="1"/>
           </p:cNvSpPr>
@@ -665,7 +2799,7 @@
           <a:p>
             <a:fld id="{C02FA18B-CDC5-4D54-8389-595747D46EF2}" type="datetimeFigureOut">
               <a:rPr lang="de-DE" smtClean="0"/>
-              <a:t>01.06.2021</a:t>
+              <a:t>02.06.2021</a:t>
             </a:fld>
             <a:endParaRPr lang="de-DE"/>
           </a:p>
@@ -673,13 +2807,7 @@
       </p:sp>
       <p:sp>
         <p:nvSpPr>
-          <p:cNvPr id="5" name="Fußzeilenplatzhalter 4">
-            <a:extLst>
-              <a:ext uri="{FF2B5EF4-FFF2-40B4-BE49-F238E27FC236}">
-                <a16:creationId xmlns:a16="http://schemas.microsoft.com/office/drawing/2014/main" id="{96BF5A79-5EBF-42D4-830C-01692C53097F}"/>
-              </a:ext>
-            </a:extLst>
-          </p:cNvPr>
+          <p:cNvPr id="5" name="Footer Placeholder 4"/>
           <p:cNvSpPr>
             <a:spLocks noGrp="1"/>
           </p:cNvSpPr>
@@ -698,13 +2826,7 @@
       </p:sp>
       <p:sp>
         <p:nvSpPr>
-          <p:cNvPr id="6" name="Foliennummernplatzhalter 5">
-            <a:extLst>
-              <a:ext uri="{FF2B5EF4-FFF2-40B4-BE49-F238E27FC236}">
-                <a16:creationId xmlns:a16="http://schemas.microsoft.com/office/drawing/2014/main" id="{EAA591BE-0440-4809-913E-EB38C5CCBB1D}"/>
-              </a:ext>
-            </a:extLst>
-          </p:cNvPr>
+          <p:cNvPr id="6" name="Slide Number Placeholder 5"/>
           <p:cNvSpPr>
             <a:spLocks noGrp="1"/>
           </p:cNvSpPr>
@@ -728,7 +2850,7 @@
     </p:spTree>
     <p:extLst>
       <p:ext uri="{BB962C8B-B14F-4D97-AF65-F5344CB8AC3E}">
-        <p14:creationId xmlns:p14="http://schemas.microsoft.com/office/powerpoint/2010/main" val="1190390889"/>
+        <p14:creationId xmlns:p14="http://schemas.microsoft.com/office/powerpoint/2010/main" val="490875133"/>
       </p:ext>
     </p:extLst>
   </p:cSld>
@@ -757,18 +2879,41 @@
       </p:grpSpPr>
       <p:sp>
         <p:nvSpPr>
-          <p:cNvPr id="2" name="Titel 1">
-            <a:extLst>
-              <a:ext uri="{FF2B5EF4-FFF2-40B4-BE49-F238E27FC236}">
-                <a16:creationId xmlns:a16="http://schemas.microsoft.com/office/drawing/2014/main" id="{32922794-C295-4D83-9CC6-AF0CA24F2485}"/>
-              </a:ext>
-            </a:extLst>
-          </p:cNvPr>
+          <p:cNvPr id="2" name="Title 1"/>
           <p:cNvSpPr>
             <a:spLocks noGrp="1"/>
           </p:cNvSpPr>
           <p:nvPr>
             <p:ph type="title"/>
+          </p:nvPr>
+        </p:nvSpPr>
+        <p:spPr/>
+        <p:txBody>
+          <a:bodyPr>
+            <a:normAutofit/>
+          </a:bodyPr>
+          <a:lstStyle>
+            <a:lvl1pPr>
+              <a:defRPr sz="3600"/>
+            </a:lvl1pPr>
+          </a:lstStyle>
+          <a:p>
+            <a:r>
+              <a:rPr lang="de-DE"/>
+              <a:t>Mastertitelformat bearbeiten</a:t>
+            </a:r>
+            <a:endParaRPr lang="en-US" dirty="0"/>
+          </a:p>
+        </p:txBody>
+      </p:sp>
+      <p:sp>
+        <p:nvSpPr>
+          <p:cNvPr id="3" name="Content Placeholder 2"/>
+          <p:cNvSpPr>
+            <a:spLocks noGrp="1"/>
+          </p:cNvSpPr>
+          <p:nvPr>
+            <p:ph idx="1"/>
           </p:nvPr>
         </p:nvSpPr>
         <p:spPr/>
@@ -776,27 +2921,51 @@
           <a:bodyPr/>
           <a:lstStyle/>
           <a:p>
-            <a:r>
-              <a:rPr lang="de-DE"/>
-              <a:t>Mastertitelformat bearbeiten</a:t>
-            </a:r>
-          </a:p>
-        </p:txBody>
-      </p:sp>
-      <p:sp>
-        <p:nvSpPr>
-          <p:cNvPr id="3" name="Inhaltsplatzhalter 2">
-            <a:extLst>
-              <a:ext uri="{FF2B5EF4-FFF2-40B4-BE49-F238E27FC236}">
-                <a16:creationId xmlns:a16="http://schemas.microsoft.com/office/drawing/2014/main" id="{C974EC66-A2AD-4B62-BFC4-7F7882D73931}"/>
-              </a:ext>
-            </a:extLst>
-          </p:cNvPr>
-          <p:cNvSpPr>
-            <a:spLocks noGrp="1"/>
-          </p:cNvSpPr>
-          <p:nvPr>
-            <p:ph idx="1"/>
+            <a:pPr lvl="0"/>
+            <a:r>
+              <a:rPr lang="de-DE"/>
+              <a:t>Mastertextformat bearbeiten</a:t>
+            </a:r>
+          </a:p>
+          <a:p>
+            <a:pPr lvl="1"/>
+            <a:r>
+              <a:rPr lang="de-DE"/>
+              <a:t>Zweite Ebene</a:t>
+            </a:r>
+          </a:p>
+          <a:p>
+            <a:pPr lvl="2"/>
+            <a:r>
+              <a:rPr lang="de-DE"/>
+              <a:t>Dritte Ebene</a:t>
+            </a:r>
+          </a:p>
+          <a:p>
+            <a:pPr lvl="3"/>
+            <a:r>
+              <a:rPr lang="de-DE"/>
+              <a:t>Vierte Ebene</a:t>
+            </a:r>
+          </a:p>
+          <a:p>
+            <a:pPr lvl="4"/>
+            <a:r>
+              <a:rPr lang="de-DE"/>
+              <a:t>Fünfte Ebene</a:t>
+            </a:r>
+            <a:endParaRPr lang="en-US" dirty="0"/>
+          </a:p>
+        </p:txBody>
+      </p:sp>
+      <p:sp>
+        <p:nvSpPr>
+          <p:cNvPr id="4" name="Date Placeholder 3"/>
+          <p:cNvSpPr>
+            <a:spLocks noGrp="1"/>
+          </p:cNvSpPr>
+          <p:nvPr>
+            <p:ph type="dt" sz="half" idx="10"/>
           </p:nvPr>
         </p:nvSpPr>
         <p:spPr/>
@@ -804,56 +2973,22 @@
           <a:bodyPr/>
           <a:lstStyle/>
           <a:p>
-            <a:pPr lvl="0"/>
-            <a:r>
-              <a:rPr lang="de-DE"/>
-              <a:t>Mastertextformat bearbeiten</a:t>
-            </a:r>
-          </a:p>
-          <a:p>
-            <a:pPr lvl="1"/>
-            <a:r>
-              <a:rPr lang="de-DE"/>
-              <a:t>Zweite Ebene</a:t>
-            </a:r>
-          </a:p>
-          <a:p>
-            <a:pPr lvl="2"/>
-            <a:r>
-              <a:rPr lang="de-DE"/>
-              <a:t>Dritte Ebene</a:t>
-            </a:r>
-          </a:p>
-          <a:p>
-            <a:pPr lvl="3"/>
-            <a:r>
-              <a:rPr lang="de-DE"/>
-              <a:t>Vierte Ebene</a:t>
-            </a:r>
-          </a:p>
-          <a:p>
-            <a:pPr lvl="4"/>
-            <a:r>
-              <a:rPr lang="de-DE"/>
-              <a:t>Fünfte Ebene</a:t>
-            </a:r>
-          </a:p>
-        </p:txBody>
-      </p:sp>
-      <p:sp>
-        <p:nvSpPr>
-          <p:cNvPr id="4" name="Datumsplatzhalter 3">
-            <a:extLst>
-              <a:ext uri="{FF2B5EF4-FFF2-40B4-BE49-F238E27FC236}">
-                <a16:creationId xmlns:a16="http://schemas.microsoft.com/office/drawing/2014/main" id="{51E2C8D2-9739-40E0-8843-FA578D70FC9C}"/>
-              </a:ext>
-            </a:extLst>
-          </p:cNvPr>
-          <p:cNvSpPr>
-            <a:spLocks noGrp="1"/>
-          </p:cNvSpPr>
-          <p:nvPr>
-            <p:ph type="dt" sz="half" idx="10"/>
+            <a:fld id="{C02FA18B-CDC5-4D54-8389-595747D46EF2}" type="datetimeFigureOut">
+              <a:rPr lang="de-DE" smtClean="0"/>
+              <a:t>02.06.2021</a:t>
+            </a:fld>
+            <a:endParaRPr lang="de-DE"/>
+          </a:p>
+        </p:txBody>
+      </p:sp>
+      <p:sp>
+        <p:nvSpPr>
+          <p:cNvPr id="5" name="Footer Placeholder 4"/>
+          <p:cNvSpPr>
+            <a:spLocks noGrp="1"/>
+          </p:cNvSpPr>
+          <p:nvPr>
+            <p:ph type="ftr" sz="quarter" idx="11"/>
           </p:nvPr>
         </p:nvSpPr>
         <p:spPr/>
@@ -861,48 +2996,13 @@
           <a:bodyPr/>
           <a:lstStyle/>
           <a:p>
-            <a:fld id="{C02FA18B-CDC5-4D54-8389-595747D46EF2}" type="datetimeFigureOut">
-              <a:rPr lang="de-DE" smtClean="0"/>
-              <a:t>01.06.2021</a:t>
-            </a:fld>
             <a:endParaRPr lang="de-DE"/>
           </a:p>
         </p:txBody>
       </p:sp>
       <p:sp>
         <p:nvSpPr>
-          <p:cNvPr id="5" name="Fußzeilenplatzhalter 4">
-            <a:extLst>
-              <a:ext uri="{FF2B5EF4-FFF2-40B4-BE49-F238E27FC236}">
-                <a16:creationId xmlns:a16="http://schemas.microsoft.com/office/drawing/2014/main" id="{821BD850-2F98-4156-8DA0-F12067E377FF}"/>
-              </a:ext>
-            </a:extLst>
-          </p:cNvPr>
-          <p:cNvSpPr>
-            <a:spLocks noGrp="1"/>
-          </p:cNvSpPr>
-          <p:nvPr>
-            <p:ph type="ftr" sz="quarter" idx="11"/>
-          </p:nvPr>
-        </p:nvSpPr>
-        <p:spPr/>
-        <p:txBody>
-          <a:bodyPr/>
-          <a:lstStyle/>
-          <a:p>
-            <a:endParaRPr lang="de-DE"/>
-          </a:p>
-        </p:txBody>
-      </p:sp>
-      <p:sp>
-        <p:nvSpPr>
-          <p:cNvPr id="6" name="Foliennummernplatzhalter 5">
-            <a:extLst>
-              <a:ext uri="{FF2B5EF4-FFF2-40B4-BE49-F238E27FC236}">
-                <a16:creationId xmlns:a16="http://schemas.microsoft.com/office/drawing/2014/main" id="{A723E8BD-C17C-4B02-BCFD-85464F446855}"/>
-              </a:ext>
-            </a:extLst>
-          </p:cNvPr>
+          <p:cNvPr id="6" name="Slide Number Placeholder 5"/>
           <p:cNvSpPr>
             <a:spLocks noGrp="1"/>
           </p:cNvSpPr>
@@ -926,7 +3026,7 @@
     </p:spTree>
     <p:extLst>
       <p:ext uri="{BB962C8B-B14F-4D97-AF65-F5344CB8AC3E}">
-        <p14:creationId xmlns:p14="http://schemas.microsoft.com/office/powerpoint/2010/main" val="4180088500"/>
+        <p14:creationId xmlns:p14="http://schemas.microsoft.com/office/powerpoint/2010/main" val="1441856398"/>
       </p:ext>
     </p:extLst>
   </p:cSld>
@@ -955,13 +3055,7 @@
       </p:grpSpPr>
       <p:sp>
         <p:nvSpPr>
-          <p:cNvPr id="2" name="Titel 1">
-            <a:extLst>
-              <a:ext uri="{FF2B5EF4-FFF2-40B4-BE49-F238E27FC236}">
-                <a16:creationId xmlns:a16="http://schemas.microsoft.com/office/drawing/2014/main" id="{B1DCDC35-03FD-4AD1-BAF0-2B4D52ACC1F0}"/>
-              </a:ext>
-            </a:extLst>
-          </p:cNvPr>
+          <p:cNvPr id="2" name="Title 1"/>
           <p:cNvSpPr>
             <a:spLocks noGrp="1"/>
           </p:cNvSpPr>
@@ -971,15 +3065,15 @@
         </p:nvSpPr>
         <p:spPr>
           <a:xfrm>
-            <a:off x="831850" y="1709738"/>
-            <a:ext cx="10515600" cy="2852737"/>
+            <a:off x="677335" y="2700867"/>
+            <a:ext cx="8596668" cy="1826581"/>
           </a:xfrm>
         </p:spPr>
         <p:txBody>
           <a:bodyPr anchor="b"/>
           <a:lstStyle>
-            <a:lvl1pPr>
-              <a:defRPr sz="6000"/>
+            <a:lvl1pPr algn="l">
+              <a:defRPr sz="4000" b="0" cap="none"/>
             </a:lvl1pPr>
           </a:lstStyle>
           <a:p>
@@ -987,18 +3081,13 @@
               <a:rPr lang="de-DE"/>
               <a:t>Mastertitelformat bearbeiten</a:t>
             </a:r>
-          </a:p>
-        </p:txBody>
-      </p:sp>
-      <p:sp>
-        <p:nvSpPr>
-          <p:cNvPr id="3" name="Textplatzhalter 2">
-            <a:extLst>
-              <a:ext uri="{FF2B5EF4-FFF2-40B4-BE49-F238E27FC236}">
-                <a16:creationId xmlns:a16="http://schemas.microsoft.com/office/drawing/2014/main" id="{3838E54B-5E24-4744-A775-527A05061681}"/>
-              </a:ext>
-            </a:extLst>
-          </p:cNvPr>
+            <a:endParaRPr lang="en-US" dirty="0"/>
+          </a:p>
+        </p:txBody>
+      </p:sp>
+      <p:sp>
+        <p:nvSpPr>
+          <p:cNvPr id="3" name="Text Placeholder 2"/>
           <p:cNvSpPr>
             <a:spLocks noGrp="1"/>
           </p:cNvSpPr>
@@ -1008,102 +3097,103 @@
         </p:nvSpPr>
         <p:spPr>
           <a:xfrm>
-            <a:off x="831850" y="4589463"/>
-            <a:ext cx="10515600" cy="1500187"/>
+            <a:off x="677335" y="4527448"/>
+            <a:ext cx="8596668" cy="860400"/>
           </a:xfrm>
         </p:spPr>
         <p:txBody>
-          <a:bodyPr/>
+          <a:bodyPr anchor="t"/>
           <a:lstStyle>
-            <a:lvl1pPr marL="0" indent="0">
-              <a:buNone/>
-              <a:defRPr sz="2400">
+            <a:lvl1pPr marL="0" indent="0" algn="l">
+              <a:buNone/>
+              <a:defRPr sz="2000">
+                <a:solidFill>
+                  <a:schemeClr val="tx1">
+                    <a:lumMod val="50000"/>
+                    <a:lumOff val="50000"/>
+                  </a:schemeClr>
+                </a:solidFill>
+              </a:defRPr>
+            </a:lvl1pPr>
+            <a:lvl2pPr marL="457200" indent="0">
+              <a:buNone/>
+              <a:defRPr sz="1800">
                 <a:solidFill>
                   <a:schemeClr val="tx1">
                     <a:tint val="75000"/>
                   </a:schemeClr>
                 </a:solidFill>
               </a:defRPr>
-            </a:lvl1pPr>
-            <a:lvl2pPr marL="457200" indent="0">
-              <a:buNone/>
-              <a:defRPr sz="2000">
+            </a:lvl2pPr>
+            <a:lvl3pPr marL="914400" indent="0">
+              <a:buNone/>
+              <a:defRPr sz="1600">
                 <a:solidFill>
                   <a:schemeClr val="tx1">
                     <a:tint val="75000"/>
                   </a:schemeClr>
                 </a:solidFill>
               </a:defRPr>
-            </a:lvl2pPr>
-            <a:lvl3pPr marL="914400" indent="0">
-              <a:buNone/>
-              <a:defRPr sz="1800">
+            </a:lvl3pPr>
+            <a:lvl4pPr marL="1371600" indent="0">
+              <a:buNone/>
+              <a:defRPr sz="1400">
                 <a:solidFill>
                   <a:schemeClr val="tx1">
                     <a:tint val="75000"/>
                   </a:schemeClr>
                 </a:solidFill>
               </a:defRPr>
-            </a:lvl3pPr>
-            <a:lvl4pPr marL="1371600" indent="0">
-              <a:buNone/>
-              <a:defRPr sz="1600">
+            </a:lvl4pPr>
+            <a:lvl5pPr marL="1828800" indent="0">
+              <a:buNone/>
+              <a:defRPr sz="1400">
                 <a:solidFill>
                   <a:schemeClr val="tx1">
                     <a:tint val="75000"/>
                   </a:schemeClr>
                 </a:solidFill>
               </a:defRPr>
-            </a:lvl4pPr>
-            <a:lvl5pPr marL="1828800" indent="0">
-              <a:buNone/>
-              <a:defRPr sz="1600">
+            </a:lvl5pPr>
+            <a:lvl6pPr marL="2286000" indent="0">
+              <a:buNone/>
+              <a:defRPr sz="1400">
                 <a:solidFill>
                   <a:schemeClr val="tx1">
                     <a:tint val="75000"/>
                   </a:schemeClr>
                 </a:solidFill>
               </a:defRPr>
-            </a:lvl5pPr>
-            <a:lvl6pPr marL="2286000" indent="0">
-              <a:buNone/>
-              <a:defRPr sz="1600">
+            </a:lvl6pPr>
+            <a:lvl7pPr marL="2743200" indent="0">
+              <a:buNone/>
+              <a:defRPr sz="1400">
                 <a:solidFill>
                   <a:schemeClr val="tx1">
                     <a:tint val="75000"/>
                   </a:schemeClr>
                 </a:solidFill>
               </a:defRPr>
-            </a:lvl6pPr>
-            <a:lvl7pPr marL="2743200" indent="0">
-              <a:buNone/>
-              <a:defRPr sz="1600">
+            </a:lvl7pPr>
+            <a:lvl8pPr marL="3200400" indent="0">
+              <a:buNone/>
+              <a:defRPr sz="1400">
                 <a:solidFill>
                   <a:schemeClr val="tx1">
                     <a:tint val="75000"/>
                   </a:schemeClr>
                 </a:solidFill>
               </a:defRPr>
-            </a:lvl7pPr>
-            <a:lvl8pPr marL="3200400" indent="0">
-              <a:buNone/>
-              <a:defRPr sz="1600">
+            </a:lvl8pPr>
+            <a:lvl9pPr marL="3657600" indent="0">
+              <a:buNone/>
+              <a:defRPr sz="1400">
                 <a:solidFill>
                   <a:schemeClr val="tx1">
                     <a:tint val="75000"/>
                   </a:schemeClr>
                 </a:solidFill>
               </a:defRPr>
-            </a:lvl8pPr>
-            <a:lvl9pPr marL="3657600" indent="0">
-              <a:buNone/>
-              <a:defRPr sz="1600">
-                <a:solidFill>
-                  <a:schemeClr val="tx1">
-                    <a:tint val="75000"/>
-                  </a:schemeClr>
-                </a:solidFill>
-              </a:defRPr>
             </a:lvl9pPr>
           </a:lstStyle>
           <a:p>
@@ -1117,13 +3207,7 @@
       </p:sp>
       <p:sp>
         <p:nvSpPr>
-          <p:cNvPr id="4" name="Datumsplatzhalter 3">
-            <a:extLst>
-              <a:ext uri="{FF2B5EF4-FFF2-40B4-BE49-F238E27FC236}">
-                <a16:creationId xmlns:a16="http://schemas.microsoft.com/office/drawing/2014/main" id="{7C68A1BC-FF1F-44AC-9130-E3240C11F007}"/>
-              </a:ext>
-            </a:extLst>
-          </p:cNvPr>
+          <p:cNvPr id="4" name="Date Placeholder 3"/>
           <p:cNvSpPr>
             <a:spLocks noGrp="1"/>
           </p:cNvSpPr>
@@ -1138,7 +3222,7 @@
           <a:p>
             <a:fld id="{C02FA18B-CDC5-4D54-8389-595747D46EF2}" type="datetimeFigureOut">
               <a:rPr lang="de-DE" smtClean="0"/>
-              <a:t>01.06.2021</a:t>
+              <a:t>02.06.2021</a:t>
             </a:fld>
             <a:endParaRPr lang="de-DE"/>
           </a:p>
@@ -1146,13 +3230,7 @@
       </p:sp>
       <p:sp>
         <p:nvSpPr>
-          <p:cNvPr id="5" name="Fußzeilenplatzhalter 4">
-            <a:extLst>
-              <a:ext uri="{FF2B5EF4-FFF2-40B4-BE49-F238E27FC236}">
-                <a16:creationId xmlns:a16="http://schemas.microsoft.com/office/drawing/2014/main" id="{78966553-2894-4D90-B030-B4C4F8986DE9}"/>
-              </a:ext>
-            </a:extLst>
-          </p:cNvPr>
+          <p:cNvPr id="5" name="Footer Placeholder 4"/>
           <p:cNvSpPr>
             <a:spLocks noGrp="1"/>
           </p:cNvSpPr>
@@ -1171,13 +3249,7 @@
       </p:sp>
       <p:sp>
         <p:nvSpPr>
-          <p:cNvPr id="6" name="Foliennummernplatzhalter 5">
-            <a:extLst>
-              <a:ext uri="{FF2B5EF4-FFF2-40B4-BE49-F238E27FC236}">
-                <a16:creationId xmlns:a16="http://schemas.microsoft.com/office/drawing/2014/main" id="{6BD8966D-2D90-45EF-A8B3-7253DC4931CD}"/>
-              </a:ext>
-            </a:extLst>
-          </p:cNvPr>
+          <p:cNvPr id="6" name="Slide Number Placeholder 5"/>
           <p:cNvSpPr>
             <a:spLocks noGrp="1"/>
           </p:cNvSpPr>
@@ -1201,7 +3273,7 @@
     </p:spTree>
     <p:extLst>
       <p:ext uri="{BB962C8B-B14F-4D97-AF65-F5344CB8AC3E}">
-        <p14:creationId xmlns:p14="http://schemas.microsoft.com/office/powerpoint/2010/main" val="3034362857"/>
+        <p14:creationId xmlns:p14="http://schemas.microsoft.com/office/powerpoint/2010/main" val="1890373140"/>
       </p:ext>
     </p:extLst>
   </p:cSld>
@@ -1230,13 +3302,7 @@
       </p:grpSpPr>
       <p:sp>
         <p:nvSpPr>
-          <p:cNvPr id="2" name="Titel 1">
-            <a:extLst>
-              <a:ext uri="{FF2B5EF4-FFF2-40B4-BE49-F238E27FC236}">
-                <a16:creationId xmlns:a16="http://schemas.microsoft.com/office/drawing/2014/main" id="{C4A54531-2BE8-4EF0-92DF-423B50BFBD57}"/>
-              </a:ext>
-            </a:extLst>
-          </p:cNvPr>
+          <p:cNvPr id="2" name="Title 1"/>
           <p:cNvSpPr>
             <a:spLocks noGrp="1"/>
           </p:cNvSpPr>
@@ -1253,18 +3319,13 @@
               <a:rPr lang="de-DE"/>
               <a:t>Mastertitelformat bearbeiten</a:t>
             </a:r>
-          </a:p>
-        </p:txBody>
-      </p:sp>
-      <p:sp>
-        <p:nvSpPr>
-          <p:cNvPr id="3" name="Inhaltsplatzhalter 2">
-            <a:extLst>
-              <a:ext uri="{FF2B5EF4-FFF2-40B4-BE49-F238E27FC236}">
-                <a16:creationId xmlns:a16="http://schemas.microsoft.com/office/drawing/2014/main" id="{CD6B5D9A-32E3-4D23-951B-CE0BD5C4CFD2}"/>
-              </a:ext>
-            </a:extLst>
-          </p:cNvPr>
+            <a:endParaRPr lang="en-US" dirty="0"/>
+          </a:p>
+        </p:txBody>
+      </p:sp>
+      <p:sp>
+        <p:nvSpPr>
+          <p:cNvPr id="3" name="Content Placeholder 2"/>
           <p:cNvSpPr>
             <a:spLocks noGrp="1"/>
           </p:cNvSpPr>
@@ -1274,8 +3335,8 @@
         </p:nvSpPr>
         <p:spPr>
           <a:xfrm>
-            <a:off x="838200" y="1825625"/>
-            <a:ext cx="5181600" cy="4351338"/>
+            <a:off x="677334" y="2160589"/>
+            <a:ext cx="4184035" cy="3880772"/>
           </a:xfrm>
         </p:spPr>
         <p:txBody>
@@ -1315,18 +3376,13 @@
               <a:rPr lang="de-DE"/>
               <a:t>Fünfte Ebene</a:t>
             </a:r>
-          </a:p>
-        </p:txBody>
-      </p:sp>
-      <p:sp>
-        <p:nvSpPr>
-          <p:cNvPr id="4" name="Inhaltsplatzhalter 3">
-            <a:extLst>
-              <a:ext uri="{FF2B5EF4-FFF2-40B4-BE49-F238E27FC236}">
-                <a16:creationId xmlns:a16="http://schemas.microsoft.com/office/drawing/2014/main" id="{9692EF0D-CF07-4D35-A9F2-654085C5849E}"/>
-              </a:ext>
-            </a:extLst>
-          </p:cNvPr>
+            <a:endParaRPr lang="en-US" dirty="0"/>
+          </a:p>
+        </p:txBody>
+      </p:sp>
+      <p:sp>
+        <p:nvSpPr>
+          <p:cNvPr id="4" name="Content Placeholder 3"/>
           <p:cNvSpPr>
             <a:spLocks noGrp="1"/>
           </p:cNvSpPr>
@@ -1336,8 +3392,8 @@
         </p:nvSpPr>
         <p:spPr>
           <a:xfrm>
-            <a:off x="6172200" y="1825625"/>
-            <a:ext cx="5181600" cy="4351338"/>
+            <a:off x="5089970" y="2160589"/>
+            <a:ext cx="4184034" cy="3880773"/>
           </a:xfrm>
         </p:spPr>
         <p:txBody>
@@ -1377,18 +3433,13 @@
               <a:rPr lang="de-DE"/>
               <a:t>Fünfte Ebene</a:t>
             </a:r>
-          </a:p>
-        </p:txBody>
-      </p:sp>
-      <p:sp>
-        <p:nvSpPr>
-          <p:cNvPr id="5" name="Datumsplatzhalter 4">
-            <a:extLst>
-              <a:ext uri="{FF2B5EF4-FFF2-40B4-BE49-F238E27FC236}">
-                <a16:creationId xmlns:a16="http://schemas.microsoft.com/office/drawing/2014/main" id="{BC4E2836-EE38-4666-BE9E-104501EFFDE1}"/>
-              </a:ext>
-            </a:extLst>
-          </p:cNvPr>
+            <a:endParaRPr lang="en-US" dirty="0"/>
+          </a:p>
+        </p:txBody>
+      </p:sp>
+      <p:sp>
+        <p:nvSpPr>
+          <p:cNvPr id="5" name="Date Placeholder 4"/>
           <p:cNvSpPr>
             <a:spLocks noGrp="1"/>
           </p:cNvSpPr>
@@ -1403,7 +3454,7 @@
           <a:p>
             <a:fld id="{C02FA18B-CDC5-4D54-8389-595747D46EF2}" type="datetimeFigureOut">
               <a:rPr lang="de-DE" smtClean="0"/>
-              <a:t>01.06.2021</a:t>
+              <a:t>02.06.2021</a:t>
             </a:fld>
             <a:endParaRPr lang="de-DE"/>
           </a:p>
@@ -1411,13 +3462,7 @@
       </p:sp>
       <p:sp>
         <p:nvSpPr>
-          <p:cNvPr id="6" name="Fußzeilenplatzhalter 5">
-            <a:extLst>
-              <a:ext uri="{FF2B5EF4-FFF2-40B4-BE49-F238E27FC236}">
-                <a16:creationId xmlns:a16="http://schemas.microsoft.com/office/drawing/2014/main" id="{CB61AB79-8F1A-4619-BD56-51C2E5B27677}"/>
-              </a:ext>
-            </a:extLst>
-          </p:cNvPr>
+          <p:cNvPr id="6" name="Footer Placeholder 5"/>
           <p:cNvSpPr>
             <a:spLocks noGrp="1"/>
           </p:cNvSpPr>
@@ -1436,13 +3481,7 @@
       </p:sp>
       <p:sp>
         <p:nvSpPr>
-          <p:cNvPr id="7" name="Foliennummernplatzhalter 6">
-            <a:extLst>
-              <a:ext uri="{FF2B5EF4-FFF2-40B4-BE49-F238E27FC236}">
-                <a16:creationId xmlns:a16="http://schemas.microsoft.com/office/drawing/2014/main" id="{6463417C-435E-4E7E-9249-65E6CAADF1B3}"/>
-              </a:ext>
-            </a:extLst>
-          </p:cNvPr>
+          <p:cNvPr id="7" name="Slide Number Placeholder 6"/>
           <p:cNvSpPr>
             <a:spLocks noGrp="1"/>
           </p:cNvSpPr>
@@ -1466,7 +3505,7 @@
     </p:spTree>
     <p:extLst>
       <p:ext uri="{BB962C8B-B14F-4D97-AF65-F5344CB8AC3E}">
-        <p14:creationId xmlns:p14="http://schemas.microsoft.com/office/powerpoint/2010/main" val="158280920"/>
+        <p14:creationId xmlns:p14="http://schemas.microsoft.com/office/powerpoint/2010/main" val="2630668612"/>
       </p:ext>
     </p:extLst>
   </p:cSld>
@@ -1495,65 +3534,55 @@
       </p:grpSpPr>
       <p:sp>
         <p:nvSpPr>
-          <p:cNvPr id="2" name="Titel 1">
-            <a:extLst>
-              <a:ext uri="{FF2B5EF4-FFF2-40B4-BE49-F238E27FC236}">
-                <a16:creationId xmlns:a16="http://schemas.microsoft.com/office/drawing/2014/main" id="{3570D509-2B5D-4D8C-BBB8-227F0990A630}"/>
-              </a:ext>
-            </a:extLst>
-          </p:cNvPr>
+          <p:cNvPr id="2" name="Title 1"/>
           <p:cNvSpPr>
             <a:spLocks noGrp="1"/>
           </p:cNvSpPr>
           <p:nvPr>
             <p:ph type="title"/>
+          </p:nvPr>
+        </p:nvSpPr>
+        <p:spPr/>
+        <p:txBody>
+          <a:bodyPr/>
+          <a:lstStyle>
+            <a:lvl1pPr>
+              <a:defRPr/>
+            </a:lvl1pPr>
+          </a:lstStyle>
+          <a:p>
+            <a:r>
+              <a:rPr lang="de-DE"/>
+              <a:t>Mastertitelformat bearbeiten</a:t>
+            </a:r>
+            <a:endParaRPr lang="en-US" dirty="0"/>
+          </a:p>
+        </p:txBody>
+      </p:sp>
+      <p:sp>
+        <p:nvSpPr>
+          <p:cNvPr id="3" name="Text Placeholder 2"/>
+          <p:cNvSpPr>
+            <a:spLocks noGrp="1"/>
+          </p:cNvSpPr>
+          <p:nvPr>
+            <p:ph type="body" idx="1"/>
           </p:nvPr>
         </p:nvSpPr>
         <p:spPr>
           <a:xfrm>
-            <a:off x="839788" y="365125"/>
-            <a:ext cx="10515600" cy="1325563"/>
+            <a:off x="675745" y="2160983"/>
+            <a:ext cx="4185623" cy="576262"/>
           </a:xfrm>
         </p:spPr>
         <p:txBody>
-          <a:bodyPr/>
-          <a:lstStyle/>
-          <a:p>
-            <a:r>
-              <a:rPr lang="de-DE"/>
-              <a:t>Mastertitelformat bearbeiten</a:t>
-            </a:r>
-          </a:p>
-        </p:txBody>
-      </p:sp>
-      <p:sp>
-        <p:nvSpPr>
-          <p:cNvPr id="3" name="Textplatzhalter 2">
-            <a:extLst>
-              <a:ext uri="{FF2B5EF4-FFF2-40B4-BE49-F238E27FC236}">
-                <a16:creationId xmlns:a16="http://schemas.microsoft.com/office/drawing/2014/main" id="{8A84F91C-64CF-4367-94CD-E8E2FB8B9583}"/>
-              </a:ext>
-            </a:extLst>
-          </p:cNvPr>
-          <p:cNvSpPr>
-            <a:spLocks noGrp="1"/>
-          </p:cNvSpPr>
-          <p:nvPr>
-            <p:ph type="body" idx="1"/>
-          </p:nvPr>
-        </p:nvSpPr>
-        <p:spPr>
-          <a:xfrm>
-            <a:off x="839788" y="1681163"/>
-            <a:ext cx="5157787" cy="823912"/>
-          </a:xfrm>
-        </p:spPr>
-        <p:txBody>
-          <a:bodyPr anchor="b"/>
+          <a:bodyPr anchor="b">
+            <a:noAutofit/>
+          </a:bodyPr>
           <a:lstStyle>
             <a:lvl1pPr marL="0" indent="0">
               <a:buNone/>
-              <a:defRPr sz="2400" b="1"/>
+              <a:defRPr sz="2400" b="0"/>
             </a:lvl1pPr>
             <a:lvl2pPr marL="457200" indent="0">
               <a:buNone/>
@@ -1599,13 +3628,7 @@
       </p:sp>
       <p:sp>
         <p:nvSpPr>
-          <p:cNvPr id="4" name="Inhaltsplatzhalter 3">
-            <a:extLst>
-              <a:ext uri="{FF2B5EF4-FFF2-40B4-BE49-F238E27FC236}">
-                <a16:creationId xmlns:a16="http://schemas.microsoft.com/office/drawing/2014/main" id="{28A85CAE-1691-4A57-B597-C05626F59D1D}"/>
-              </a:ext>
-            </a:extLst>
-          </p:cNvPr>
+          <p:cNvPr id="4" name="Content Placeholder 3"/>
           <p:cNvSpPr>
             <a:spLocks noGrp="1"/>
           </p:cNvSpPr>
@@ -1615,12 +3638,14 @@
         </p:nvSpPr>
         <p:spPr>
           <a:xfrm>
-            <a:off x="839788" y="2505075"/>
-            <a:ext cx="5157787" cy="3684588"/>
+            <a:off x="675745" y="2737245"/>
+            <a:ext cx="4185623" cy="3304117"/>
           </a:xfrm>
         </p:spPr>
         <p:txBody>
-          <a:bodyPr/>
+          <a:bodyPr>
+            <a:normAutofit/>
+          </a:bodyPr>
           <a:lstStyle/>
           <a:p>
             <a:pPr lvl="0"/>
@@ -1656,18 +3681,13 @@
               <a:rPr lang="de-DE"/>
               <a:t>Fünfte Ebene</a:t>
             </a:r>
-          </a:p>
-        </p:txBody>
-      </p:sp>
-      <p:sp>
-        <p:nvSpPr>
-          <p:cNvPr id="5" name="Textplatzhalter 4">
-            <a:extLst>
-              <a:ext uri="{FF2B5EF4-FFF2-40B4-BE49-F238E27FC236}">
-                <a16:creationId xmlns:a16="http://schemas.microsoft.com/office/drawing/2014/main" id="{574C5BCB-FE8E-448D-9C4F-4A012AD6C0BB}"/>
-              </a:ext>
-            </a:extLst>
-          </p:cNvPr>
+            <a:endParaRPr lang="en-US" dirty="0"/>
+          </a:p>
+        </p:txBody>
+      </p:sp>
+      <p:sp>
+        <p:nvSpPr>
+          <p:cNvPr id="5" name="Text Placeholder 4"/>
           <p:cNvSpPr>
             <a:spLocks noGrp="1"/>
           </p:cNvSpPr>
@@ -1677,16 +3697,18 @@
         </p:nvSpPr>
         <p:spPr>
           <a:xfrm>
-            <a:off x="6172200" y="1681163"/>
-            <a:ext cx="5183188" cy="823912"/>
+            <a:off x="5088383" y="2160983"/>
+            <a:ext cx="4185618" cy="576262"/>
           </a:xfrm>
         </p:spPr>
         <p:txBody>
-          <a:bodyPr anchor="b"/>
+          <a:bodyPr anchor="b">
+            <a:noAutofit/>
+          </a:bodyPr>
           <a:lstStyle>
             <a:lvl1pPr marL="0" indent="0">
               <a:buNone/>
-              <a:defRPr sz="2400" b="1"/>
+              <a:defRPr sz="2400" b="0"/>
             </a:lvl1pPr>
             <a:lvl2pPr marL="457200" indent="0">
               <a:buNone/>
@@ -1732,13 +3754,7 @@
       </p:sp>
       <p:sp>
         <p:nvSpPr>
-          <p:cNvPr id="6" name="Inhaltsplatzhalter 5">
-            <a:extLst>
-              <a:ext uri="{FF2B5EF4-FFF2-40B4-BE49-F238E27FC236}">
-                <a16:creationId xmlns:a16="http://schemas.microsoft.com/office/drawing/2014/main" id="{5821D24E-F0CB-496B-9DEC-FB448262086D}"/>
-              </a:ext>
-            </a:extLst>
-          </p:cNvPr>
+          <p:cNvPr id="6" name="Content Placeholder 5"/>
           <p:cNvSpPr>
             <a:spLocks noGrp="1"/>
           </p:cNvSpPr>
@@ -1748,64 +3764,84 @@
         </p:nvSpPr>
         <p:spPr>
           <a:xfrm>
-            <a:off x="6172200" y="2505075"/>
-            <a:ext cx="5183188" cy="3684588"/>
+            <a:off x="5088384" y="2737245"/>
+            <a:ext cx="4185617" cy="3304117"/>
           </a:xfrm>
         </p:spPr>
         <p:txBody>
+          <a:bodyPr>
+            <a:normAutofit/>
+          </a:bodyPr>
+          <a:lstStyle/>
+          <a:p>
+            <a:pPr lvl="0"/>
+            <a:r>
+              <a:rPr lang="de-DE"/>
+              <a:t>Mastertextformat bearbeiten</a:t>
+            </a:r>
+          </a:p>
+          <a:p>
+            <a:pPr lvl="1"/>
+            <a:r>
+              <a:rPr lang="de-DE"/>
+              <a:t>Zweite Ebene</a:t>
+            </a:r>
+          </a:p>
+          <a:p>
+            <a:pPr lvl="2"/>
+            <a:r>
+              <a:rPr lang="de-DE"/>
+              <a:t>Dritte Ebene</a:t>
+            </a:r>
+          </a:p>
+          <a:p>
+            <a:pPr lvl="3"/>
+            <a:r>
+              <a:rPr lang="de-DE"/>
+              <a:t>Vierte Ebene</a:t>
+            </a:r>
+          </a:p>
+          <a:p>
+            <a:pPr lvl="4"/>
+            <a:r>
+              <a:rPr lang="de-DE"/>
+              <a:t>Fünfte Ebene</a:t>
+            </a:r>
+            <a:endParaRPr lang="en-US" dirty="0"/>
+          </a:p>
+        </p:txBody>
+      </p:sp>
+      <p:sp>
+        <p:nvSpPr>
+          <p:cNvPr id="7" name="Date Placeholder 6"/>
+          <p:cNvSpPr>
+            <a:spLocks noGrp="1"/>
+          </p:cNvSpPr>
+          <p:nvPr>
+            <p:ph type="dt" sz="half" idx="10"/>
+          </p:nvPr>
+        </p:nvSpPr>
+        <p:spPr/>
+        <p:txBody>
           <a:bodyPr/>
           <a:lstStyle/>
           <a:p>
-            <a:pPr lvl="0"/>
-            <a:r>
-              <a:rPr lang="de-DE"/>
-              <a:t>Mastertextformat bearbeiten</a:t>
-            </a:r>
-          </a:p>
-          <a:p>
-            <a:pPr lvl="1"/>
-            <a:r>
-              <a:rPr lang="de-DE"/>
-              <a:t>Zweite Ebene</a:t>
-            </a:r>
-          </a:p>
-          <a:p>
-            <a:pPr lvl="2"/>
-            <a:r>
-              <a:rPr lang="de-DE"/>
-              <a:t>Dritte Ebene</a:t>
-            </a:r>
-          </a:p>
-          <a:p>
-            <a:pPr lvl="3"/>
-            <a:r>
-              <a:rPr lang="de-DE"/>
-              <a:t>Vierte Ebene</a:t>
-            </a:r>
-          </a:p>
-          <a:p>
-            <a:pPr lvl="4"/>
-            <a:r>
-              <a:rPr lang="de-DE"/>
-              <a:t>Fünfte Ebene</a:t>
-            </a:r>
-          </a:p>
-        </p:txBody>
-      </p:sp>
-      <p:sp>
-        <p:nvSpPr>
-          <p:cNvPr id="7" name="Datumsplatzhalter 6">
-            <a:extLst>
-              <a:ext uri="{FF2B5EF4-FFF2-40B4-BE49-F238E27FC236}">
-                <a16:creationId xmlns:a16="http://schemas.microsoft.com/office/drawing/2014/main" id="{E1E1D11F-DAE2-488C-84C0-9059415B5608}"/>
-              </a:ext>
-            </a:extLst>
-          </p:cNvPr>
-          <p:cNvSpPr>
-            <a:spLocks noGrp="1"/>
-          </p:cNvSpPr>
-          <p:nvPr>
-            <p:ph type="dt" sz="half" idx="10"/>
+            <a:fld id="{C02FA18B-CDC5-4D54-8389-595747D46EF2}" type="datetimeFigureOut">
+              <a:rPr lang="de-DE" smtClean="0"/>
+              <a:t>02.06.2021</a:t>
+            </a:fld>
+            <a:endParaRPr lang="de-DE"/>
+          </a:p>
+        </p:txBody>
+      </p:sp>
+      <p:sp>
+        <p:nvSpPr>
+          <p:cNvPr id="8" name="Footer Placeholder 7"/>
+          <p:cNvSpPr>
+            <a:spLocks noGrp="1"/>
+          </p:cNvSpPr>
+          <p:nvPr>
+            <p:ph type="ftr" sz="quarter" idx="11"/>
           </p:nvPr>
         </p:nvSpPr>
         <p:spPr/>
@@ -1813,48 +3849,13 @@
           <a:bodyPr/>
           <a:lstStyle/>
           <a:p>
-            <a:fld id="{C02FA18B-CDC5-4D54-8389-595747D46EF2}" type="datetimeFigureOut">
-              <a:rPr lang="de-DE" smtClean="0"/>
-              <a:t>01.06.2021</a:t>
-            </a:fld>
             <a:endParaRPr lang="de-DE"/>
           </a:p>
         </p:txBody>
       </p:sp>
       <p:sp>
         <p:nvSpPr>
-          <p:cNvPr id="8" name="Fußzeilenplatzhalter 7">
-            <a:extLst>
-              <a:ext uri="{FF2B5EF4-FFF2-40B4-BE49-F238E27FC236}">
-                <a16:creationId xmlns:a16="http://schemas.microsoft.com/office/drawing/2014/main" id="{D84BE757-2235-4FB3-B1A8-1B84884A1EED}"/>
-              </a:ext>
-            </a:extLst>
-          </p:cNvPr>
-          <p:cNvSpPr>
-            <a:spLocks noGrp="1"/>
-          </p:cNvSpPr>
-          <p:nvPr>
-            <p:ph type="ftr" sz="quarter" idx="11"/>
-          </p:nvPr>
-        </p:nvSpPr>
-        <p:spPr/>
-        <p:txBody>
-          <a:bodyPr/>
-          <a:lstStyle/>
-          <a:p>
-            <a:endParaRPr lang="de-DE"/>
-          </a:p>
-        </p:txBody>
-      </p:sp>
-      <p:sp>
-        <p:nvSpPr>
-          <p:cNvPr id="9" name="Foliennummernplatzhalter 8">
-            <a:extLst>
-              <a:ext uri="{FF2B5EF4-FFF2-40B4-BE49-F238E27FC236}">
-                <a16:creationId xmlns:a16="http://schemas.microsoft.com/office/drawing/2014/main" id="{0F8C3F82-DB24-4743-99CC-F9E423A27729}"/>
-              </a:ext>
-            </a:extLst>
-          </p:cNvPr>
+          <p:cNvPr id="9" name="Slide Number Placeholder 8"/>
           <p:cNvSpPr>
             <a:spLocks noGrp="1"/>
           </p:cNvSpPr>
@@ -1878,7 +3879,7 @@
     </p:spTree>
     <p:extLst>
       <p:ext uri="{BB962C8B-B14F-4D97-AF65-F5344CB8AC3E}">
-        <p14:creationId xmlns:p14="http://schemas.microsoft.com/office/powerpoint/2010/main" val="3063451886"/>
+        <p14:creationId xmlns:p14="http://schemas.microsoft.com/office/powerpoint/2010/main" val="3169957294"/>
       </p:ext>
     </p:extLst>
   </p:cSld>
@@ -1907,13 +3908,7 @@
       </p:grpSpPr>
       <p:sp>
         <p:nvSpPr>
-          <p:cNvPr id="2" name="Titel 1">
-            <a:extLst>
-              <a:ext uri="{FF2B5EF4-FFF2-40B4-BE49-F238E27FC236}">
-                <a16:creationId xmlns:a16="http://schemas.microsoft.com/office/drawing/2014/main" id="{6C66C02D-CAED-420D-A918-065B01FA7F51}"/>
-              </a:ext>
-            </a:extLst>
-          </p:cNvPr>
+          <p:cNvPr id="2" name="Title 1"/>
           <p:cNvSpPr>
             <a:spLocks noGrp="1"/>
           </p:cNvSpPr>
@@ -1921,7 +3916,12 @@
             <p:ph type="title"/>
           </p:nvPr>
         </p:nvSpPr>
-        <p:spPr/>
+        <p:spPr>
+          <a:xfrm>
+            <a:off x="677334" y="609600"/>
+            <a:ext cx="8596668" cy="1320800"/>
+          </a:xfrm>
+        </p:spPr>
         <p:txBody>
           <a:bodyPr/>
           <a:lstStyle/>
@@ -1930,18 +3930,13 @@
               <a:rPr lang="de-DE"/>
               <a:t>Mastertitelformat bearbeiten</a:t>
             </a:r>
-          </a:p>
-        </p:txBody>
-      </p:sp>
-      <p:sp>
-        <p:nvSpPr>
-          <p:cNvPr id="3" name="Datumsplatzhalter 2">
-            <a:extLst>
-              <a:ext uri="{FF2B5EF4-FFF2-40B4-BE49-F238E27FC236}">
-                <a16:creationId xmlns:a16="http://schemas.microsoft.com/office/drawing/2014/main" id="{EAD75675-1EAA-4A6C-A6F6-34DCCA65FC60}"/>
-              </a:ext>
-            </a:extLst>
-          </p:cNvPr>
+            <a:endParaRPr lang="en-US" dirty="0"/>
+          </a:p>
+        </p:txBody>
+      </p:sp>
+      <p:sp>
+        <p:nvSpPr>
+          <p:cNvPr id="3" name="Date Placeholder 2"/>
           <p:cNvSpPr>
             <a:spLocks noGrp="1"/>
           </p:cNvSpPr>
@@ -1956,7 +3951,7 @@
           <a:p>
             <a:fld id="{C02FA18B-CDC5-4D54-8389-595747D46EF2}" type="datetimeFigureOut">
               <a:rPr lang="de-DE" smtClean="0"/>
-              <a:t>01.06.2021</a:t>
+              <a:t>02.06.2021</a:t>
             </a:fld>
             <a:endParaRPr lang="de-DE"/>
           </a:p>
@@ -1964,13 +3959,7 @@
       </p:sp>
       <p:sp>
         <p:nvSpPr>
-          <p:cNvPr id="4" name="Fußzeilenplatzhalter 3">
-            <a:extLst>
-              <a:ext uri="{FF2B5EF4-FFF2-40B4-BE49-F238E27FC236}">
-                <a16:creationId xmlns:a16="http://schemas.microsoft.com/office/drawing/2014/main" id="{153B4F7D-B42D-4D73-94A4-83115953559A}"/>
-              </a:ext>
-            </a:extLst>
-          </p:cNvPr>
+          <p:cNvPr id="4" name="Footer Placeholder 3"/>
           <p:cNvSpPr>
             <a:spLocks noGrp="1"/>
           </p:cNvSpPr>
@@ -1989,13 +3978,7 @@
       </p:sp>
       <p:sp>
         <p:nvSpPr>
-          <p:cNvPr id="5" name="Foliennummernplatzhalter 4">
-            <a:extLst>
-              <a:ext uri="{FF2B5EF4-FFF2-40B4-BE49-F238E27FC236}">
-                <a16:creationId xmlns:a16="http://schemas.microsoft.com/office/drawing/2014/main" id="{5F9880F3-115C-482D-8290-20612EC72CBF}"/>
-              </a:ext>
-            </a:extLst>
-          </p:cNvPr>
+          <p:cNvPr id="5" name="Slide Number Placeholder 4"/>
           <p:cNvSpPr>
             <a:spLocks noGrp="1"/>
           </p:cNvSpPr>
@@ -2019,7 +4002,7 @@
     </p:spTree>
     <p:extLst>
       <p:ext uri="{BB962C8B-B14F-4D97-AF65-F5344CB8AC3E}">
-        <p14:creationId xmlns:p14="http://schemas.microsoft.com/office/powerpoint/2010/main" val="895102939"/>
+        <p14:creationId xmlns:p14="http://schemas.microsoft.com/office/powerpoint/2010/main" val="3357378488"/>
       </p:ext>
     </p:extLst>
   </p:cSld>
@@ -2048,13 +4031,7 @@
       </p:grpSpPr>
       <p:sp>
         <p:nvSpPr>
-          <p:cNvPr id="2" name="Datumsplatzhalter 1">
-            <a:extLst>
-              <a:ext uri="{FF2B5EF4-FFF2-40B4-BE49-F238E27FC236}">
-                <a16:creationId xmlns:a16="http://schemas.microsoft.com/office/drawing/2014/main" id="{E57E8843-DE87-4ED2-A7AC-B4B52A35083C}"/>
-              </a:ext>
-            </a:extLst>
-          </p:cNvPr>
+          <p:cNvPr id="2" name="Date Placeholder 1"/>
           <p:cNvSpPr>
             <a:spLocks noGrp="1"/>
           </p:cNvSpPr>
@@ -2069,7 +4046,7 @@
           <a:p>
             <a:fld id="{C02FA18B-CDC5-4D54-8389-595747D46EF2}" type="datetimeFigureOut">
               <a:rPr lang="de-DE" smtClean="0"/>
-              <a:t>01.06.2021</a:t>
+              <a:t>02.06.2021</a:t>
             </a:fld>
             <a:endParaRPr lang="de-DE"/>
           </a:p>
@@ -2077,13 +4054,7 @@
       </p:sp>
       <p:sp>
         <p:nvSpPr>
-          <p:cNvPr id="3" name="Fußzeilenplatzhalter 2">
-            <a:extLst>
-              <a:ext uri="{FF2B5EF4-FFF2-40B4-BE49-F238E27FC236}">
-                <a16:creationId xmlns:a16="http://schemas.microsoft.com/office/drawing/2014/main" id="{FEA4A337-70E9-4CD1-95A5-F332676B1B9D}"/>
-              </a:ext>
-            </a:extLst>
-          </p:cNvPr>
+          <p:cNvPr id="3" name="Footer Placeholder 2"/>
           <p:cNvSpPr>
             <a:spLocks noGrp="1"/>
           </p:cNvSpPr>
@@ -2102,13 +4073,7 @@
       </p:sp>
       <p:sp>
         <p:nvSpPr>
-          <p:cNvPr id="4" name="Foliennummernplatzhalter 3">
-            <a:extLst>
-              <a:ext uri="{FF2B5EF4-FFF2-40B4-BE49-F238E27FC236}">
-                <a16:creationId xmlns:a16="http://schemas.microsoft.com/office/drawing/2014/main" id="{88D2DC59-98C1-4257-9DCF-2D4A4CF725B8}"/>
-              </a:ext>
-            </a:extLst>
-          </p:cNvPr>
+          <p:cNvPr id="4" name="Slide Number Placeholder 3"/>
           <p:cNvSpPr>
             <a:spLocks noGrp="1"/>
           </p:cNvSpPr>
@@ -2132,7 +4097,7 @@
     </p:spTree>
     <p:extLst>
       <p:ext uri="{BB962C8B-B14F-4D97-AF65-F5344CB8AC3E}">
-        <p14:creationId xmlns:p14="http://schemas.microsoft.com/office/powerpoint/2010/main" val="706430732"/>
+        <p14:creationId xmlns:p14="http://schemas.microsoft.com/office/powerpoint/2010/main" val="2313439609"/>
       </p:ext>
     </p:extLst>
   </p:cSld>
@@ -2161,13 +4126,7 @@
       </p:grpSpPr>
       <p:sp>
         <p:nvSpPr>
-          <p:cNvPr id="2" name="Titel 1">
-            <a:extLst>
-              <a:ext uri="{FF2B5EF4-FFF2-40B4-BE49-F238E27FC236}">
-                <a16:creationId xmlns:a16="http://schemas.microsoft.com/office/drawing/2014/main" id="{FA912259-2865-47E7-9183-11ABB7BCF7D3}"/>
-              </a:ext>
-            </a:extLst>
-          </p:cNvPr>
+          <p:cNvPr id="2" name="Title 1"/>
           <p:cNvSpPr>
             <a:spLocks noGrp="1"/>
           </p:cNvSpPr>
@@ -2177,15 +4136,17 @@
         </p:nvSpPr>
         <p:spPr>
           <a:xfrm>
-            <a:off x="839788" y="457200"/>
-            <a:ext cx="3932237" cy="1600200"/>
+            <a:off x="677334" y="1498604"/>
+            <a:ext cx="3854528" cy="1278466"/>
           </a:xfrm>
         </p:spPr>
         <p:txBody>
-          <a:bodyPr anchor="b"/>
+          <a:bodyPr anchor="b">
+            <a:normAutofit/>
+          </a:bodyPr>
           <a:lstStyle>
             <a:lvl1pPr>
-              <a:defRPr sz="3200"/>
+              <a:defRPr sz="2000"/>
             </a:lvl1pPr>
           </a:lstStyle>
           <a:p>
@@ -2193,18 +4154,13 @@
               <a:rPr lang="de-DE"/>
               <a:t>Mastertitelformat bearbeiten</a:t>
             </a:r>
-          </a:p>
-        </p:txBody>
-      </p:sp>
-      <p:sp>
-        <p:nvSpPr>
-          <p:cNvPr id="3" name="Inhaltsplatzhalter 2">
-            <a:extLst>
-              <a:ext uri="{FF2B5EF4-FFF2-40B4-BE49-F238E27FC236}">
-                <a16:creationId xmlns:a16="http://schemas.microsoft.com/office/drawing/2014/main" id="{536532AA-24D3-4005-856A-271C6600C9B1}"/>
-              </a:ext>
-            </a:extLst>
-          </p:cNvPr>
+            <a:endParaRPr lang="en-US" dirty="0"/>
+          </a:p>
+        </p:txBody>
+      </p:sp>
+      <p:sp>
+        <p:nvSpPr>
+          <p:cNvPr id="3" name="Content Placeholder 2"/>
           <p:cNvSpPr>
             <a:spLocks noGrp="1"/>
           </p:cNvSpPr>
@@ -2214,41 +4170,15 @@
         </p:nvSpPr>
         <p:spPr>
           <a:xfrm>
-            <a:off x="5183188" y="987425"/>
-            <a:ext cx="6172200" cy="4873625"/>
+            <a:off x="4760461" y="514924"/>
+            <a:ext cx="4513541" cy="5526437"/>
           </a:xfrm>
         </p:spPr>
         <p:txBody>
-          <a:bodyPr/>
-          <a:lstStyle>
-            <a:lvl1pPr>
-              <a:defRPr sz="3200"/>
-            </a:lvl1pPr>
-            <a:lvl2pPr>
-              <a:defRPr sz="2800"/>
-            </a:lvl2pPr>
-            <a:lvl3pPr>
-              <a:defRPr sz="2400"/>
-            </a:lvl3pPr>
-            <a:lvl4pPr>
-              <a:defRPr sz="2000"/>
-            </a:lvl4pPr>
-            <a:lvl5pPr>
-              <a:defRPr sz="2000"/>
-            </a:lvl5pPr>
-            <a:lvl6pPr>
-              <a:defRPr sz="2000"/>
-            </a:lvl6pPr>
-            <a:lvl7pPr>
-              <a:defRPr sz="2000"/>
-            </a:lvl7pPr>
-            <a:lvl8pPr>
-              <a:defRPr sz="2000"/>
-            </a:lvl8pPr>
-            <a:lvl9pPr>
-              <a:defRPr sz="2000"/>
-            </a:lvl9pPr>
-          </a:lstStyle>
+          <a:bodyPr>
+            <a:normAutofit/>
+          </a:bodyPr>
+          <a:lstStyle/>
           <a:p>
             <a:pPr lvl="0"/>
             <a:r>
@@ -2283,18 +4213,13 @@
               <a:rPr lang="de-DE"/>
               <a:t>Fünfte Ebene</a:t>
             </a:r>
-          </a:p>
-        </p:txBody>
-      </p:sp>
-      <p:sp>
-        <p:nvSpPr>
-          <p:cNvPr id="4" name="Textplatzhalter 3">
-            <a:extLst>
-              <a:ext uri="{FF2B5EF4-FFF2-40B4-BE49-F238E27FC236}">
-                <a16:creationId xmlns:a16="http://schemas.microsoft.com/office/drawing/2014/main" id="{ECA9F6F2-F64C-45A8-8230-3D40AE4AD973}"/>
-              </a:ext>
-            </a:extLst>
-          </p:cNvPr>
+            <a:endParaRPr lang="en-US" dirty="0"/>
+          </a:p>
+        </p:txBody>
+      </p:sp>
+      <p:sp>
+        <p:nvSpPr>
+          <p:cNvPr id="4" name="Text Placeholder 3"/>
           <p:cNvSpPr>
             <a:spLocks noGrp="1"/>
           </p:cNvSpPr>
@@ -2304,46 +4229,48 @@
         </p:nvSpPr>
         <p:spPr>
           <a:xfrm>
-            <a:off x="839788" y="2057400"/>
-            <a:ext cx="3932237" cy="3811588"/>
+            <a:off x="677334" y="2777069"/>
+            <a:ext cx="3854528" cy="2584449"/>
           </a:xfrm>
         </p:spPr>
         <p:txBody>
-          <a:bodyPr/>
+          <a:bodyPr>
+            <a:normAutofit/>
+          </a:bodyPr>
           <a:lstStyle>
             <a:lvl1pPr marL="0" indent="0">
               <a:buNone/>
-              <a:defRPr sz="1600"/>
+              <a:defRPr sz="1400"/>
             </a:lvl1pPr>
-            <a:lvl2pPr marL="457200" indent="0">
+            <a:lvl2pPr marL="457063" indent="0">
               <a:buNone/>
               <a:defRPr sz="1400"/>
             </a:lvl2pPr>
-            <a:lvl3pPr marL="914400" indent="0">
+            <a:lvl3pPr marL="914126" indent="0">
               <a:buNone/>
               <a:defRPr sz="1200"/>
             </a:lvl3pPr>
-            <a:lvl4pPr marL="1371600" indent="0">
+            <a:lvl4pPr marL="1371189" indent="0">
               <a:buNone/>
               <a:defRPr sz="1000"/>
             </a:lvl4pPr>
-            <a:lvl5pPr marL="1828800" indent="0">
+            <a:lvl5pPr marL="1828251" indent="0">
               <a:buNone/>
               <a:defRPr sz="1000"/>
             </a:lvl5pPr>
-            <a:lvl6pPr marL="2286000" indent="0">
+            <a:lvl6pPr marL="2285314" indent="0">
               <a:buNone/>
               <a:defRPr sz="1000"/>
             </a:lvl6pPr>
-            <a:lvl7pPr marL="2743200" indent="0">
+            <a:lvl7pPr marL="2742377" indent="0">
               <a:buNone/>
               <a:defRPr sz="1000"/>
             </a:lvl7pPr>
-            <a:lvl8pPr marL="3200400" indent="0">
+            <a:lvl8pPr marL="3199440" indent="0">
               <a:buNone/>
               <a:defRPr sz="1000"/>
             </a:lvl8pPr>
-            <a:lvl9pPr marL="3657600" indent="0">
+            <a:lvl9pPr marL="3656503" indent="0">
               <a:buNone/>
               <a:defRPr sz="1000"/>
             </a:lvl9pPr>
@@ -2359,13 +4286,7 @@
       </p:sp>
       <p:sp>
         <p:nvSpPr>
-          <p:cNvPr id="5" name="Datumsplatzhalter 4">
-            <a:extLst>
-              <a:ext uri="{FF2B5EF4-FFF2-40B4-BE49-F238E27FC236}">
-                <a16:creationId xmlns:a16="http://schemas.microsoft.com/office/drawing/2014/main" id="{62671054-AC2A-41CB-A895-FE62182BA399}"/>
-              </a:ext>
-            </a:extLst>
-          </p:cNvPr>
+          <p:cNvPr id="5" name="Date Placeholder 4"/>
           <p:cNvSpPr>
             <a:spLocks noGrp="1"/>
           </p:cNvSpPr>
@@ -2380,7 +4301,7 @@
           <a:p>
             <a:fld id="{C02FA18B-CDC5-4D54-8389-595747D46EF2}" type="datetimeFigureOut">
               <a:rPr lang="de-DE" smtClean="0"/>
-              <a:t>01.06.2021</a:t>
+              <a:t>02.06.2021</a:t>
             </a:fld>
             <a:endParaRPr lang="de-DE"/>
           </a:p>
@@ -2388,13 +4309,7 @@
       </p:sp>
       <p:sp>
         <p:nvSpPr>
-          <p:cNvPr id="6" name="Fußzeilenplatzhalter 5">
-            <a:extLst>
-              <a:ext uri="{FF2B5EF4-FFF2-40B4-BE49-F238E27FC236}">
-                <a16:creationId xmlns:a16="http://schemas.microsoft.com/office/drawing/2014/main" id="{80E0E490-EEB9-4381-8AE9-E2D7301F945D}"/>
-              </a:ext>
-            </a:extLst>
-          </p:cNvPr>
+          <p:cNvPr id="6" name="Footer Placeholder 5"/>
           <p:cNvSpPr>
             <a:spLocks noGrp="1"/>
           </p:cNvSpPr>
@@ -2413,13 +4328,7 @@
       </p:sp>
       <p:sp>
         <p:nvSpPr>
-          <p:cNvPr id="7" name="Foliennummernplatzhalter 6">
-            <a:extLst>
-              <a:ext uri="{FF2B5EF4-FFF2-40B4-BE49-F238E27FC236}">
-                <a16:creationId xmlns:a16="http://schemas.microsoft.com/office/drawing/2014/main" id="{1B52366B-3674-4646-842C-48A97298F72C}"/>
-              </a:ext>
-            </a:extLst>
-          </p:cNvPr>
+          <p:cNvPr id="7" name="Slide Number Placeholder 6"/>
           <p:cNvSpPr>
             <a:spLocks noGrp="1"/>
           </p:cNvSpPr>
@@ -2443,7 +4352,7 @@
     </p:spTree>
     <p:extLst>
       <p:ext uri="{BB962C8B-B14F-4D97-AF65-F5344CB8AC3E}">
-        <p14:creationId xmlns:p14="http://schemas.microsoft.com/office/powerpoint/2010/main" val="56114037"/>
+        <p14:creationId xmlns:p14="http://schemas.microsoft.com/office/powerpoint/2010/main" val="2980274392"/>
       </p:ext>
     </p:extLst>
   </p:cSld>
@@ -2472,13 +4381,7 @@
       </p:grpSpPr>
       <p:sp>
         <p:nvSpPr>
-          <p:cNvPr id="2" name="Titel 1">
-            <a:extLst>
-              <a:ext uri="{FF2B5EF4-FFF2-40B4-BE49-F238E27FC236}">
-                <a16:creationId xmlns:a16="http://schemas.microsoft.com/office/drawing/2014/main" id="{469A3E2B-D899-4876-914E-7BE066C8AD69}"/>
-              </a:ext>
-            </a:extLst>
-          </p:cNvPr>
+          <p:cNvPr id="2" name="Title 1"/>
           <p:cNvSpPr>
             <a:spLocks noGrp="1"/>
           </p:cNvSpPr>
@@ -2488,15 +4391,17 @@
         </p:nvSpPr>
         <p:spPr>
           <a:xfrm>
-            <a:off x="839788" y="457200"/>
-            <a:ext cx="3932237" cy="1600200"/>
+            <a:off x="677334" y="4800600"/>
+            <a:ext cx="8596667" cy="566738"/>
           </a:xfrm>
         </p:spPr>
         <p:txBody>
-          <a:bodyPr anchor="b"/>
+          <a:bodyPr anchor="b">
+            <a:normAutofit/>
+          </a:bodyPr>
           <a:lstStyle>
-            <a:lvl1pPr>
-              <a:defRPr sz="3200"/>
+            <a:lvl1pPr algn="l">
+              <a:defRPr sz="2400" b="0"/>
             </a:lvl1pPr>
           </a:lstStyle>
           <a:p>
@@ -2504,20 +4409,15 @@
               <a:rPr lang="de-DE"/>
               <a:t>Mastertitelformat bearbeiten</a:t>
             </a:r>
-          </a:p>
-        </p:txBody>
-      </p:sp>
-      <p:sp>
-        <p:nvSpPr>
-          <p:cNvPr id="3" name="Bildplatzhalter 2">
-            <a:extLst>
-              <a:ext uri="{FF2B5EF4-FFF2-40B4-BE49-F238E27FC236}">
-                <a16:creationId xmlns:a16="http://schemas.microsoft.com/office/drawing/2014/main" id="{11663062-D29C-4190-BB3F-C4AC84FB9D17}"/>
-              </a:ext>
-            </a:extLst>
-          </p:cNvPr>
-          <p:cNvSpPr>
-            <a:spLocks noGrp="1"/>
+            <a:endParaRPr lang="en-US" dirty="0"/>
+          </a:p>
+        </p:txBody>
+      </p:sp>
+      <p:sp>
+        <p:nvSpPr>
+          <p:cNvPr id="3" name="Picture Placeholder 2"/>
+          <p:cNvSpPr>
+            <a:spLocks noGrp="1" noChangeAspect="1"/>
           </p:cNvSpPr>
           <p:nvPr>
             <p:ph type="pic" idx="1"/>
@@ -2525,118 +4425,120 @@
         </p:nvSpPr>
         <p:spPr>
           <a:xfrm>
-            <a:off x="5183188" y="987425"/>
-            <a:ext cx="6172200" cy="4873625"/>
+            <a:off x="677334" y="609600"/>
+            <a:ext cx="8596668" cy="3845718"/>
           </a:xfrm>
         </p:spPr>
         <p:txBody>
-          <a:bodyPr/>
+          <a:bodyPr anchor="t">
+            <a:normAutofit/>
+          </a:bodyPr>
           <a:lstStyle>
-            <a:lvl1pPr marL="0" indent="0">
-              <a:buNone/>
-              <a:defRPr sz="3200"/>
-            </a:lvl1pPr>
-            <a:lvl2pPr marL="457200" indent="0">
-              <a:buNone/>
-              <a:defRPr sz="2800"/>
-            </a:lvl2pPr>
-            <a:lvl3pPr marL="914400" indent="0">
-              <a:buNone/>
-              <a:defRPr sz="2400"/>
-            </a:lvl3pPr>
-            <a:lvl4pPr marL="1371600" indent="0">
-              <a:buNone/>
-              <a:defRPr sz="2000"/>
-            </a:lvl4pPr>
-            <a:lvl5pPr marL="1828800" indent="0">
-              <a:buNone/>
-              <a:defRPr sz="2000"/>
-            </a:lvl5pPr>
-            <a:lvl6pPr marL="2286000" indent="0">
-              <a:buNone/>
-              <a:defRPr sz="2000"/>
-            </a:lvl6pPr>
-            <a:lvl7pPr marL="2743200" indent="0">
-              <a:buNone/>
-              <a:defRPr sz="2000"/>
-            </a:lvl7pPr>
-            <a:lvl8pPr marL="3200400" indent="0">
-              <a:buNone/>
-              <a:defRPr sz="2000"/>
-            </a:lvl8pPr>
-            <a:lvl9pPr marL="3657600" indent="0">
-              <a:buNone/>
-              <a:defRPr sz="2000"/>
-            </a:lvl9pPr>
-          </a:lstStyle>
-          <a:p>
-            <a:endParaRPr lang="de-DE"/>
-          </a:p>
-        </p:txBody>
-      </p:sp>
-      <p:sp>
-        <p:nvSpPr>
-          <p:cNvPr id="4" name="Textplatzhalter 3">
-            <a:extLst>
-              <a:ext uri="{FF2B5EF4-FFF2-40B4-BE49-F238E27FC236}">
-                <a16:creationId xmlns:a16="http://schemas.microsoft.com/office/drawing/2014/main" id="{7F36D980-34EE-4A29-B630-E4FDD11BD433}"/>
-              </a:ext>
-            </a:extLst>
-          </p:cNvPr>
-          <p:cNvSpPr>
-            <a:spLocks noGrp="1"/>
-          </p:cNvSpPr>
-          <p:nvPr>
-            <p:ph type="body" sz="half" idx="2"/>
-          </p:nvPr>
-        </p:nvSpPr>
-        <p:spPr>
-          <a:xfrm>
-            <a:off x="839788" y="2057400"/>
-            <a:ext cx="3932237" cy="3811588"/>
-          </a:xfrm>
-        </p:spPr>
-        <p:txBody>
-          <a:bodyPr/>
-          <a:lstStyle>
-            <a:lvl1pPr marL="0" indent="0">
+            <a:lvl1pPr marL="0" indent="0" algn="ctr">
               <a:buNone/>
               <a:defRPr sz="1600"/>
             </a:lvl1pPr>
             <a:lvl2pPr marL="457200" indent="0">
               <a:buNone/>
-              <a:defRPr sz="1400"/>
+              <a:defRPr sz="1600"/>
             </a:lvl2pPr>
             <a:lvl3pPr marL="914400" indent="0">
               <a:buNone/>
-              <a:defRPr sz="1200"/>
+              <a:defRPr sz="1600"/>
             </a:lvl3pPr>
             <a:lvl4pPr marL="1371600" indent="0">
               <a:buNone/>
-              <a:defRPr sz="1000"/>
+              <a:defRPr sz="1600"/>
             </a:lvl4pPr>
             <a:lvl5pPr marL="1828800" indent="0">
               <a:buNone/>
-              <a:defRPr sz="1000"/>
+              <a:defRPr sz="1600"/>
             </a:lvl5pPr>
             <a:lvl6pPr marL="2286000" indent="0">
               <a:buNone/>
-              <a:defRPr sz="1000"/>
+              <a:defRPr sz="1600"/>
             </a:lvl6pPr>
             <a:lvl7pPr marL="2743200" indent="0">
               <a:buNone/>
-              <a:defRPr sz="1000"/>
+              <a:defRPr sz="1600"/>
             </a:lvl7pPr>
             <a:lvl8pPr marL="3200400" indent="0">
               <a:buNone/>
-              <a:defRPr sz="1000"/>
+              <a:defRPr sz="1600"/>
             </a:lvl8pPr>
             <a:lvl9pPr marL="3657600" indent="0">
               <a:buNone/>
-              <a:defRPr sz="1000"/>
+              <a:defRPr sz="1600"/>
             </a:lvl9pPr>
           </a:lstStyle>
           <a:p>
+            <a:r>
+              <a:rPr lang="de-DE"/>
+              <a:t>Bild durch Klicken auf Symbol hinzufügen</a:t>
+            </a:r>
+            <a:endParaRPr lang="en-US" dirty="0"/>
+          </a:p>
+        </p:txBody>
+      </p:sp>
+      <p:sp>
+        <p:nvSpPr>
+          <p:cNvPr id="4" name="Text Placeholder 3"/>
+          <p:cNvSpPr>
+            <a:spLocks noGrp="1"/>
+          </p:cNvSpPr>
+          <p:nvPr>
+            <p:ph type="body" sz="half" idx="2"/>
+          </p:nvPr>
+        </p:nvSpPr>
+        <p:spPr>
+          <a:xfrm>
+            <a:off x="677334" y="5367338"/>
+            <a:ext cx="8596667" cy="674024"/>
+          </a:xfrm>
+        </p:spPr>
+        <p:txBody>
+          <a:bodyPr>
+            <a:normAutofit/>
+          </a:bodyPr>
+          <a:lstStyle>
+            <a:lvl1pPr marL="0" indent="0">
+              <a:buNone/>
+              <a:defRPr sz="1200"/>
+            </a:lvl1pPr>
+            <a:lvl2pPr marL="457200" indent="0">
+              <a:buNone/>
+              <a:defRPr sz="1200"/>
+            </a:lvl2pPr>
+            <a:lvl3pPr marL="914400" indent="0">
+              <a:buNone/>
+              <a:defRPr sz="1000"/>
+            </a:lvl3pPr>
+            <a:lvl4pPr marL="1371600" indent="0">
+              <a:buNone/>
+              <a:defRPr sz="900"/>
+            </a:lvl4pPr>
+            <a:lvl5pPr marL="1828800" indent="0">
+              <a:buNone/>
+              <a:defRPr sz="900"/>
+            </a:lvl5pPr>
+            <a:lvl6pPr marL="2286000" indent="0">
+              <a:buNone/>
+              <a:defRPr sz="900"/>
+            </a:lvl6pPr>
+            <a:lvl7pPr marL="2743200" indent="0">
+              <a:buNone/>
+              <a:defRPr sz="900"/>
+            </a:lvl7pPr>
+            <a:lvl8pPr marL="3200400" indent="0">
+              <a:buNone/>
+              <a:defRPr sz="900"/>
+            </a:lvl8pPr>
+            <a:lvl9pPr marL="3657600" indent="0">
+              <a:buNone/>
+              <a:defRPr sz="900"/>
+            </a:lvl9pPr>
+          </a:lstStyle>
+          <a:p>
             <a:pPr lvl="0"/>
             <a:r>
               <a:rPr lang="de-DE"/>
@@ -2647,13 +4549,7 @@
       </p:sp>
       <p:sp>
         <p:nvSpPr>
-          <p:cNvPr id="5" name="Datumsplatzhalter 4">
-            <a:extLst>
-              <a:ext uri="{FF2B5EF4-FFF2-40B4-BE49-F238E27FC236}">
-                <a16:creationId xmlns:a16="http://schemas.microsoft.com/office/drawing/2014/main" id="{6880504A-EBEA-4B7C-AEFA-36B9C7578B2E}"/>
-              </a:ext>
-            </a:extLst>
-          </p:cNvPr>
+          <p:cNvPr id="5" name="Date Placeholder 4"/>
           <p:cNvSpPr>
             <a:spLocks noGrp="1"/>
           </p:cNvSpPr>
@@ -2668,7 +4564,7 @@
           <a:p>
             <a:fld id="{C02FA18B-CDC5-4D54-8389-595747D46EF2}" type="datetimeFigureOut">
               <a:rPr lang="de-DE" smtClean="0"/>
-              <a:t>01.06.2021</a:t>
+              <a:t>02.06.2021</a:t>
             </a:fld>
             <a:endParaRPr lang="de-DE"/>
           </a:p>
@@ -2676,13 +4572,7 @@
       </p:sp>
       <p:sp>
         <p:nvSpPr>
-          <p:cNvPr id="6" name="Fußzeilenplatzhalter 5">
-            <a:extLst>
-              <a:ext uri="{FF2B5EF4-FFF2-40B4-BE49-F238E27FC236}">
-                <a16:creationId xmlns:a16="http://schemas.microsoft.com/office/drawing/2014/main" id="{6C5CD0D8-AA98-4C28-9208-D0C5729F74C8}"/>
-              </a:ext>
-            </a:extLst>
-          </p:cNvPr>
+          <p:cNvPr id="6" name="Footer Placeholder 5"/>
           <p:cNvSpPr>
             <a:spLocks noGrp="1"/>
           </p:cNvSpPr>
@@ -2701,13 +4591,7 @@
       </p:sp>
       <p:sp>
         <p:nvSpPr>
-          <p:cNvPr id="7" name="Foliennummernplatzhalter 6">
-            <a:extLst>
-              <a:ext uri="{FF2B5EF4-FFF2-40B4-BE49-F238E27FC236}">
-                <a16:creationId xmlns:a16="http://schemas.microsoft.com/office/drawing/2014/main" id="{479817CA-92C6-4ED1-A1DA-AD346B849689}"/>
-              </a:ext>
-            </a:extLst>
-          </p:cNvPr>
+          <p:cNvPr id="7" name="Slide Number Placeholder 6"/>
           <p:cNvSpPr>
             <a:spLocks noGrp="1"/>
           </p:cNvSpPr>
@@ -2731,7 +4615,7 @@
     </p:spTree>
     <p:extLst>
       <p:ext uri="{BB962C8B-B14F-4D97-AF65-F5344CB8AC3E}">
-        <p14:creationId xmlns:p14="http://schemas.microsoft.com/office/powerpoint/2010/main" val="219378594"/>
+        <p14:creationId xmlns:p14="http://schemas.microsoft.com/office/powerpoint/2010/main" val="2023977424"/>
       </p:ext>
     </p:extLst>
   </p:cSld>
@@ -2763,15 +4647,539 @@
           <a:chExt cx="0" cy="0"/>
         </a:xfrm>
       </p:grpSpPr>
-      <p:sp>
-        <p:nvSpPr>
-          <p:cNvPr id="2" name="Titelplatzhalter 1">
-            <a:extLst>
-              <a:ext uri="{FF2B5EF4-FFF2-40B4-BE49-F238E27FC236}">
-                <a16:creationId xmlns:a16="http://schemas.microsoft.com/office/drawing/2014/main" id="{FE92A3C3-D32F-4781-87BC-79CA44D5F030}"/>
-              </a:ext>
-            </a:extLst>
-          </p:cNvPr>
+      <p:grpSp>
+        <p:nvGrpSpPr>
+          <p:cNvPr id="7" name="Group 6"/>
+          <p:cNvGrpSpPr/>
+          <p:nvPr/>
+        </p:nvGrpSpPr>
+        <p:grpSpPr>
+          <a:xfrm>
+            <a:off x="0" y="-8467"/>
+            <a:ext cx="12192000" cy="6866467"/>
+            <a:chOff x="0" y="-8467"/>
+            <a:chExt cx="12192000" cy="6866467"/>
+          </a:xfrm>
+        </p:grpSpPr>
+        <p:cxnSp>
+          <p:nvCxnSpPr>
+            <p:cNvPr id="20" name="Straight Connector 19"/>
+            <p:cNvCxnSpPr/>
+            <p:nvPr/>
+          </p:nvCxnSpPr>
+          <p:spPr>
+            <a:xfrm>
+              <a:off x="9371012" y="0"/>
+              <a:ext cx="1219200" cy="6858000"/>
+            </a:xfrm>
+            <a:prstGeom prst="line">
+              <a:avLst/>
+            </a:prstGeom>
+            <a:ln w="9525">
+              <a:solidFill>
+                <a:schemeClr val="bg1">
+                  <a:lumMod val="75000"/>
+                </a:schemeClr>
+              </a:solidFill>
+            </a:ln>
+          </p:spPr>
+          <p:style>
+            <a:lnRef idx="2">
+              <a:schemeClr val="accent1"/>
+            </a:lnRef>
+            <a:fillRef idx="0">
+              <a:schemeClr val="accent1"/>
+            </a:fillRef>
+            <a:effectRef idx="1">
+              <a:schemeClr val="accent1"/>
+            </a:effectRef>
+            <a:fontRef idx="minor">
+              <a:schemeClr val="tx1"/>
+            </a:fontRef>
+          </p:style>
+        </p:cxnSp>
+        <p:cxnSp>
+          <p:nvCxnSpPr>
+            <p:cNvPr id="21" name="Straight Connector 20"/>
+            <p:cNvCxnSpPr/>
+            <p:nvPr/>
+          </p:nvCxnSpPr>
+          <p:spPr>
+            <a:xfrm flipH="1">
+              <a:off x="7425267" y="3681413"/>
+              <a:ext cx="4763558" cy="3176587"/>
+            </a:xfrm>
+            <a:prstGeom prst="line">
+              <a:avLst/>
+            </a:prstGeom>
+            <a:ln w="9525">
+              <a:solidFill>
+                <a:schemeClr val="bg1">
+                  <a:lumMod val="85000"/>
+                </a:schemeClr>
+              </a:solidFill>
+            </a:ln>
+          </p:spPr>
+          <p:style>
+            <a:lnRef idx="2">
+              <a:schemeClr val="accent1"/>
+            </a:lnRef>
+            <a:fillRef idx="0">
+              <a:schemeClr val="accent1"/>
+            </a:fillRef>
+            <a:effectRef idx="1">
+              <a:schemeClr val="accent1"/>
+            </a:effectRef>
+            <a:fontRef idx="minor">
+              <a:schemeClr val="tx1"/>
+            </a:fontRef>
+          </p:style>
+        </p:cxnSp>
+        <p:sp>
+          <p:nvSpPr>
+            <p:cNvPr id="22" name="Rectangle 23"/>
+            <p:cNvSpPr/>
+            <p:nvPr/>
+          </p:nvSpPr>
+          <p:spPr>
+            <a:xfrm>
+              <a:off x="9181476" y="-8467"/>
+              <a:ext cx="3007349" cy="6866467"/>
+            </a:xfrm>
+            <a:custGeom>
+              <a:avLst/>
+              <a:gdLst/>
+              <a:ahLst/>
+              <a:cxnLst/>
+              <a:rect l="l" t="t" r="r" b="b"/>
+              <a:pathLst>
+                <a:path w="3007349" h="6866467">
+                  <a:moveTo>
+                    <a:pt x="2045532" y="0"/>
+                  </a:moveTo>
+                  <a:lnTo>
+                    <a:pt x="3007349" y="0"/>
+                  </a:lnTo>
+                  <a:lnTo>
+                    <a:pt x="3007349" y="6866467"/>
+                  </a:lnTo>
+                  <a:lnTo>
+                    <a:pt x="0" y="6866467"/>
+                  </a:lnTo>
+                  <a:lnTo>
+                    <a:pt x="2045532" y="0"/>
+                  </a:lnTo>
+                  <a:close/>
+                </a:path>
+              </a:pathLst>
+            </a:custGeom>
+            <a:solidFill>
+              <a:schemeClr val="accent1">
+                <a:alpha val="30000"/>
+              </a:schemeClr>
+            </a:solidFill>
+            <a:ln>
+              <a:noFill/>
+            </a:ln>
+            <a:effectLst/>
+          </p:spPr>
+          <p:style>
+            <a:lnRef idx="1">
+              <a:schemeClr val="accent1"/>
+            </a:lnRef>
+            <a:fillRef idx="3">
+              <a:schemeClr val="accent1"/>
+            </a:fillRef>
+            <a:effectRef idx="2">
+              <a:schemeClr val="accent1"/>
+            </a:effectRef>
+            <a:fontRef idx="minor">
+              <a:schemeClr val="lt1"/>
+            </a:fontRef>
+          </p:style>
+        </p:sp>
+        <p:sp>
+          <p:nvSpPr>
+            <p:cNvPr id="23" name="Rectangle 25"/>
+            <p:cNvSpPr/>
+            <p:nvPr/>
+          </p:nvSpPr>
+          <p:spPr>
+            <a:xfrm>
+              <a:off x="9603442" y="-8467"/>
+              <a:ext cx="2588558" cy="6866467"/>
+            </a:xfrm>
+            <a:custGeom>
+              <a:avLst/>
+              <a:gdLst/>
+              <a:ahLst/>
+              <a:cxnLst/>
+              <a:rect l="l" t="t" r="r" b="b"/>
+              <a:pathLst>
+                <a:path w="2573311" h="6866467">
+                  <a:moveTo>
+                    <a:pt x="0" y="0"/>
+                  </a:moveTo>
+                  <a:lnTo>
+                    <a:pt x="2573311" y="0"/>
+                  </a:lnTo>
+                  <a:lnTo>
+                    <a:pt x="2573311" y="6866467"/>
+                  </a:lnTo>
+                  <a:lnTo>
+                    <a:pt x="1202336" y="6866467"/>
+                  </a:lnTo>
+                  <a:lnTo>
+                    <a:pt x="0" y="0"/>
+                  </a:lnTo>
+                  <a:close/>
+                </a:path>
+              </a:pathLst>
+            </a:custGeom>
+            <a:solidFill>
+              <a:schemeClr val="accent1">
+                <a:alpha val="20000"/>
+              </a:schemeClr>
+            </a:solidFill>
+            <a:ln>
+              <a:noFill/>
+            </a:ln>
+            <a:effectLst/>
+          </p:spPr>
+          <p:style>
+            <a:lnRef idx="1">
+              <a:schemeClr val="accent1"/>
+            </a:lnRef>
+            <a:fillRef idx="3">
+              <a:schemeClr val="accent1"/>
+            </a:fillRef>
+            <a:effectRef idx="2">
+              <a:schemeClr val="accent1"/>
+            </a:effectRef>
+            <a:fontRef idx="minor">
+              <a:schemeClr val="lt1"/>
+            </a:fontRef>
+          </p:style>
+        </p:sp>
+        <p:sp>
+          <p:nvSpPr>
+            <p:cNvPr id="24" name="Isosceles Triangle 23"/>
+            <p:cNvSpPr/>
+            <p:nvPr/>
+          </p:nvSpPr>
+          <p:spPr>
+            <a:xfrm>
+              <a:off x="8932333" y="3048000"/>
+              <a:ext cx="3259667" cy="3810000"/>
+            </a:xfrm>
+            <a:prstGeom prst="triangle">
+              <a:avLst>
+                <a:gd name="adj" fmla="val 100000"/>
+              </a:avLst>
+            </a:prstGeom>
+            <a:solidFill>
+              <a:schemeClr val="accent2">
+                <a:alpha val="72000"/>
+              </a:schemeClr>
+            </a:solidFill>
+            <a:ln>
+              <a:noFill/>
+            </a:ln>
+            <a:effectLst/>
+          </p:spPr>
+          <p:style>
+            <a:lnRef idx="1">
+              <a:schemeClr val="accent1"/>
+            </a:lnRef>
+            <a:fillRef idx="3">
+              <a:schemeClr val="accent1"/>
+            </a:fillRef>
+            <a:effectRef idx="2">
+              <a:schemeClr val="accent1"/>
+            </a:effectRef>
+            <a:fontRef idx="minor">
+              <a:schemeClr val="lt1"/>
+            </a:fontRef>
+          </p:style>
+        </p:sp>
+        <p:sp>
+          <p:nvSpPr>
+            <p:cNvPr id="25" name="Rectangle 27"/>
+            <p:cNvSpPr/>
+            <p:nvPr/>
+          </p:nvSpPr>
+          <p:spPr>
+            <a:xfrm>
+              <a:off x="9334500" y="-8467"/>
+              <a:ext cx="2854326" cy="6866467"/>
+            </a:xfrm>
+            <a:custGeom>
+              <a:avLst/>
+              <a:gdLst/>
+              <a:ahLst/>
+              <a:cxnLst/>
+              <a:rect l="l" t="t" r="r" b="b"/>
+              <a:pathLst>
+                <a:path w="2858013" h="6866467">
+                  <a:moveTo>
+                    <a:pt x="0" y="0"/>
+                  </a:moveTo>
+                  <a:lnTo>
+                    <a:pt x="2858013" y="0"/>
+                  </a:lnTo>
+                  <a:lnTo>
+                    <a:pt x="2858013" y="6866467"/>
+                  </a:lnTo>
+                  <a:lnTo>
+                    <a:pt x="2473942" y="6866467"/>
+                  </a:lnTo>
+                  <a:lnTo>
+                    <a:pt x="0" y="0"/>
+                  </a:lnTo>
+                  <a:close/>
+                </a:path>
+              </a:pathLst>
+            </a:custGeom>
+            <a:solidFill>
+              <a:schemeClr val="accent2">
+                <a:lumMod val="75000"/>
+                <a:alpha val="70000"/>
+              </a:schemeClr>
+            </a:solidFill>
+            <a:ln>
+              <a:noFill/>
+            </a:ln>
+            <a:effectLst/>
+          </p:spPr>
+          <p:style>
+            <a:lnRef idx="1">
+              <a:schemeClr val="accent1"/>
+            </a:lnRef>
+            <a:fillRef idx="3">
+              <a:schemeClr val="accent1"/>
+            </a:fillRef>
+            <a:effectRef idx="2">
+              <a:schemeClr val="accent1"/>
+            </a:effectRef>
+            <a:fontRef idx="minor">
+              <a:schemeClr val="lt1"/>
+            </a:fontRef>
+          </p:style>
+        </p:sp>
+        <p:sp>
+          <p:nvSpPr>
+            <p:cNvPr id="26" name="Rectangle 28"/>
+            <p:cNvSpPr/>
+            <p:nvPr/>
+          </p:nvSpPr>
+          <p:spPr>
+            <a:xfrm>
+              <a:off x="10898730" y="-8467"/>
+              <a:ext cx="1290094" cy="6866467"/>
+            </a:xfrm>
+            <a:custGeom>
+              <a:avLst/>
+              <a:gdLst/>
+              <a:ahLst/>
+              <a:cxnLst/>
+              <a:rect l="l" t="t" r="r" b="b"/>
+              <a:pathLst>
+                <a:path w="1290094" h="6858000">
+                  <a:moveTo>
+                    <a:pt x="1019735" y="0"/>
+                  </a:moveTo>
+                  <a:lnTo>
+                    <a:pt x="1290094" y="0"/>
+                  </a:lnTo>
+                  <a:lnTo>
+                    <a:pt x="1290094" y="6858000"/>
+                  </a:lnTo>
+                  <a:lnTo>
+                    <a:pt x="0" y="6858000"/>
+                  </a:lnTo>
+                  <a:lnTo>
+                    <a:pt x="1019735" y="0"/>
+                  </a:lnTo>
+                  <a:close/>
+                </a:path>
+              </a:pathLst>
+            </a:custGeom>
+            <a:solidFill>
+              <a:schemeClr val="accent1">
+                <a:lumMod val="60000"/>
+                <a:lumOff val="40000"/>
+                <a:alpha val="70000"/>
+              </a:schemeClr>
+            </a:solidFill>
+            <a:ln>
+              <a:noFill/>
+            </a:ln>
+            <a:effectLst/>
+          </p:spPr>
+          <p:style>
+            <a:lnRef idx="1">
+              <a:schemeClr val="accent1"/>
+            </a:lnRef>
+            <a:fillRef idx="3">
+              <a:schemeClr val="accent1"/>
+            </a:fillRef>
+            <a:effectRef idx="2">
+              <a:schemeClr val="accent1"/>
+            </a:effectRef>
+            <a:fontRef idx="minor">
+              <a:schemeClr val="lt1"/>
+            </a:fontRef>
+          </p:style>
+        </p:sp>
+        <p:sp>
+          <p:nvSpPr>
+            <p:cNvPr id="27" name="Rectangle 29"/>
+            <p:cNvSpPr/>
+            <p:nvPr/>
+          </p:nvSpPr>
+          <p:spPr>
+            <a:xfrm>
+              <a:off x="10938999" y="-8467"/>
+              <a:ext cx="1249825" cy="6866467"/>
+            </a:xfrm>
+            <a:custGeom>
+              <a:avLst/>
+              <a:gdLst/>
+              <a:ahLst/>
+              <a:cxnLst/>
+              <a:rect l="l" t="t" r="r" b="b"/>
+              <a:pathLst>
+                <a:path w="1249825" h="6858000">
+                  <a:moveTo>
+                    <a:pt x="0" y="0"/>
+                  </a:moveTo>
+                  <a:lnTo>
+                    <a:pt x="1249825" y="0"/>
+                  </a:lnTo>
+                  <a:lnTo>
+                    <a:pt x="1249825" y="6858000"/>
+                  </a:lnTo>
+                  <a:lnTo>
+                    <a:pt x="1109382" y="6858000"/>
+                  </a:lnTo>
+                  <a:lnTo>
+                    <a:pt x="0" y="0"/>
+                  </a:lnTo>
+                  <a:close/>
+                </a:path>
+              </a:pathLst>
+            </a:custGeom>
+            <a:solidFill>
+              <a:schemeClr val="accent1">
+                <a:alpha val="65000"/>
+              </a:schemeClr>
+            </a:solidFill>
+            <a:ln>
+              <a:noFill/>
+            </a:ln>
+            <a:effectLst/>
+          </p:spPr>
+          <p:style>
+            <a:lnRef idx="1">
+              <a:schemeClr val="accent1"/>
+            </a:lnRef>
+            <a:fillRef idx="3">
+              <a:schemeClr val="accent1"/>
+            </a:fillRef>
+            <a:effectRef idx="2">
+              <a:schemeClr val="accent1"/>
+            </a:effectRef>
+            <a:fontRef idx="minor">
+              <a:schemeClr val="lt1"/>
+            </a:fontRef>
+          </p:style>
+        </p:sp>
+        <p:sp>
+          <p:nvSpPr>
+            <p:cNvPr id="28" name="Isosceles Triangle 27"/>
+            <p:cNvSpPr/>
+            <p:nvPr/>
+          </p:nvSpPr>
+          <p:spPr>
+            <a:xfrm>
+              <a:off x="10371666" y="3589867"/>
+              <a:ext cx="1817159" cy="3268133"/>
+            </a:xfrm>
+            <a:prstGeom prst="triangle">
+              <a:avLst>
+                <a:gd name="adj" fmla="val 100000"/>
+              </a:avLst>
+            </a:prstGeom>
+            <a:solidFill>
+              <a:schemeClr val="accent1">
+                <a:alpha val="80000"/>
+              </a:schemeClr>
+            </a:solidFill>
+            <a:ln>
+              <a:noFill/>
+            </a:ln>
+            <a:effectLst/>
+          </p:spPr>
+          <p:style>
+            <a:lnRef idx="1">
+              <a:schemeClr val="accent1"/>
+            </a:lnRef>
+            <a:fillRef idx="3">
+              <a:schemeClr val="accent1"/>
+            </a:fillRef>
+            <a:effectRef idx="2">
+              <a:schemeClr val="accent1"/>
+            </a:effectRef>
+            <a:fontRef idx="minor">
+              <a:schemeClr val="lt1"/>
+            </a:fontRef>
+          </p:style>
+        </p:sp>
+        <p:sp>
+          <p:nvSpPr>
+            <p:cNvPr id="29" name="Isosceles Triangle 28"/>
+            <p:cNvSpPr/>
+            <p:nvPr/>
+          </p:nvSpPr>
+          <p:spPr>
+            <a:xfrm>
+              <a:off x="0" y="4013200"/>
+              <a:ext cx="448733" cy="2844800"/>
+            </a:xfrm>
+            <a:prstGeom prst="triangle">
+              <a:avLst>
+                <a:gd name="adj" fmla="val 0"/>
+              </a:avLst>
+            </a:prstGeom>
+            <a:solidFill>
+              <a:schemeClr val="accent1">
+                <a:alpha val="85000"/>
+              </a:schemeClr>
+            </a:solidFill>
+            <a:ln>
+              <a:noFill/>
+            </a:ln>
+            <a:effectLst/>
+          </p:spPr>
+          <p:style>
+            <a:lnRef idx="1">
+              <a:schemeClr val="accent1"/>
+            </a:lnRef>
+            <a:fillRef idx="3">
+              <a:schemeClr val="accent1"/>
+            </a:fillRef>
+            <a:effectRef idx="2">
+              <a:schemeClr val="accent1"/>
+            </a:effectRef>
+            <a:fontRef idx="minor">
+              <a:schemeClr val="lt1"/>
+            </a:fontRef>
+          </p:style>
+        </p:sp>
+      </p:grpSp>
+      <p:sp>
+        <p:nvSpPr>
+          <p:cNvPr id="2" name="Title Placeholder 1"/>
           <p:cNvSpPr>
             <a:spLocks noGrp="1"/>
           </p:cNvSpPr>
@@ -2781,15 +5189,15 @@
         </p:nvSpPr>
         <p:spPr>
           <a:xfrm>
-            <a:off x="838200" y="365125"/>
-            <a:ext cx="10515600" cy="1325563"/>
+            <a:off x="677334" y="609600"/>
+            <a:ext cx="8596668" cy="1320800"/>
           </a:xfrm>
           <a:prstGeom prst="rect">
             <a:avLst/>
           </a:prstGeom>
         </p:spPr>
         <p:txBody>
-          <a:bodyPr vert="horz" lIns="91440" tIns="45720" rIns="91440" bIns="45720" rtlCol="0" anchor="ctr">
+          <a:bodyPr vert="horz" lIns="91440" tIns="45720" rIns="91440" bIns="45720" rtlCol="0" anchor="t">
             <a:normAutofit/>
           </a:bodyPr>
           <a:lstStyle/>
@@ -2798,18 +5206,13 @@
               <a:rPr lang="de-DE"/>
               <a:t>Mastertitelformat bearbeiten</a:t>
             </a:r>
-          </a:p>
-        </p:txBody>
-      </p:sp>
-      <p:sp>
-        <p:nvSpPr>
-          <p:cNvPr id="3" name="Textplatzhalter 2">
-            <a:extLst>
-              <a:ext uri="{FF2B5EF4-FFF2-40B4-BE49-F238E27FC236}">
-                <a16:creationId xmlns:a16="http://schemas.microsoft.com/office/drawing/2014/main" id="{788DBE4F-CEA8-40B6-8E99-BFBB05D2A737}"/>
-              </a:ext>
-            </a:extLst>
-          </p:cNvPr>
+            <a:endParaRPr lang="en-US" dirty="0"/>
+          </a:p>
+        </p:txBody>
+      </p:sp>
+      <p:sp>
+        <p:nvSpPr>
+          <p:cNvPr id="3" name="Text Placeholder 2"/>
           <p:cNvSpPr>
             <a:spLocks noGrp="1"/>
           </p:cNvSpPr>
@@ -2819,8 +5222,8 @@
         </p:nvSpPr>
         <p:spPr>
           <a:xfrm>
-            <a:off x="838200" y="1825625"/>
-            <a:ext cx="10515600" cy="4351338"/>
+            <a:off x="677334" y="2160589"/>
+            <a:ext cx="8596668" cy="3880773"/>
           </a:xfrm>
           <a:prstGeom prst="rect">
             <a:avLst/>
@@ -2865,18 +5268,13 @@
               <a:rPr lang="de-DE"/>
               <a:t>Fünfte Ebene</a:t>
             </a:r>
-          </a:p>
-        </p:txBody>
-      </p:sp>
-      <p:sp>
-        <p:nvSpPr>
-          <p:cNvPr id="4" name="Datumsplatzhalter 3">
-            <a:extLst>
-              <a:ext uri="{FF2B5EF4-FFF2-40B4-BE49-F238E27FC236}">
-                <a16:creationId xmlns:a16="http://schemas.microsoft.com/office/drawing/2014/main" id="{BFA42548-D20B-49D5-9A0F-A76A51C557E7}"/>
-              </a:ext>
-            </a:extLst>
-          </p:cNvPr>
+            <a:endParaRPr lang="en-US" dirty="0"/>
+          </a:p>
+        </p:txBody>
+      </p:sp>
+      <p:sp>
+        <p:nvSpPr>
+          <p:cNvPr id="4" name="Date Placeholder 3"/>
           <p:cNvSpPr>
             <a:spLocks noGrp="1"/>
           </p:cNvSpPr>
@@ -2886,8 +5284,8 @@
         </p:nvSpPr>
         <p:spPr>
           <a:xfrm>
-            <a:off x="838200" y="6356350"/>
-            <a:ext cx="2743200" cy="365125"/>
+            <a:off x="7205133" y="6041362"/>
+            <a:ext cx="911939" cy="365125"/>
           </a:xfrm>
           <a:prstGeom prst="rect">
             <a:avLst/>
@@ -2896,8 +5294,8 @@
         <p:txBody>
           <a:bodyPr vert="horz" lIns="91440" tIns="45720" rIns="91440" bIns="45720" rtlCol="0" anchor="ctr"/>
           <a:lstStyle>
-            <a:lvl1pPr algn="l">
-              <a:defRPr sz="1200">
+            <a:lvl1pPr algn="r">
+              <a:defRPr sz="900">
                 <a:solidFill>
                   <a:schemeClr val="tx1">
                     <a:tint val="75000"/>
@@ -2909,7 +5307,7 @@
           <a:p>
             <a:fld id="{C02FA18B-CDC5-4D54-8389-595747D46EF2}" type="datetimeFigureOut">
               <a:rPr lang="de-DE" smtClean="0"/>
-              <a:t>01.06.2021</a:t>
+              <a:t>02.06.2021</a:t>
             </a:fld>
             <a:endParaRPr lang="de-DE"/>
           </a:p>
@@ -2917,13 +5315,7 @@
       </p:sp>
       <p:sp>
         <p:nvSpPr>
-          <p:cNvPr id="5" name="Fußzeilenplatzhalter 4">
-            <a:extLst>
-              <a:ext uri="{FF2B5EF4-FFF2-40B4-BE49-F238E27FC236}">
-                <a16:creationId xmlns:a16="http://schemas.microsoft.com/office/drawing/2014/main" id="{7169A026-701A-4031-9882-0D9607D7E07D}"/>
-              </a:ext>
-            </a:extLst>
-          </p:cNvPr>
+          <p:cNvPr id="5" name="Footer Placeholder 4"/>
           <p:cNvSpPr>
             <a:spLocks noGrp="1"/>
           </p:cNvSpPr>
@@ -2933,8 +5325,8 @@
         </p:nvSpPr>
         <p:spPr>
           <a:xfrm>
-            <a:off x="4038600" y="6356350"/>
-            <a:ext cx="4114800" cy="365125"/>
+            <a:off x="677334" y="6041362"/>
+            <a:ext cx="6297612" cy="365125"/>
           </a:xfrm>
           <a:prstGeom prst="rect">
             <a:avLst/>
@@ -2943,8 +5335,8 @@
         <p:txBody>
           <a:bodyPr vert="horz" lIns="91440" tIns="45720" rIns="91440" bIns="45720" rtlCol="0" anchor="ctr"/>
           <a:lstStyle>
-            <a:lvl1pPr algn="ctr">
-              <a:defRPr sz="1200">
+            <a:lvl1pPr algn="l">
+              <a:defRPr sz="900">
                 <a:solidFill>
                   <a:schemeClr val="tx1">
                     <a:tint val="75000"/>
@@ -2960,13 +5352,7 @@
       </p:sp>
       <p:sp>
         <p:nvSpPr>
-          <p:cNvPr id="6" name="Foliennummernplatzhalter 5">
-            <a:extLst>
-              <a:ext uri="{FF2B5EF4-FFF2-40B4-BE49-F238E27FC236}">
-                <a16:creationId xmlns:a16="http://schemas.microsoft.com/office/drawing/2014/main" id="{0F9C53FE-8026-4BCF-A7C4-A779A4992508}"/>
-              </a:ext>
-            </a:extLst>
-          </p:cNvPr>
+          <p:cNvPr id="6" name="Slide Number Placeholder 5"/>
           <p:cNvSpPr>
             <a:spLocks noGrp="1"/>
           </p:cNvSpPr>
@@ -2976,8 +5362,8 @@
         </p:nvSpPr>
         <p:spPr>
           <a:xfrm>
-            <a:off x="8610600" y="6356350"/>
-            <a:ext cx="2743200" cy="365125"/>
+            <a:off x="8590663" y="6041362"/>
+            <a:ext cx="683339" cy="365125"/>
           </a:xfrm>
           <a:prstGeom prst="rect">
             <a:avLst/>
@@ -2987,11 +5373,9 @@
           <a:bodyPr vert="horz" lIns="91440" tIns="45720" rIns="91440" bIns="45720" rtlCol="0" anchor="ctr"/>
           <a:lstStyle>
             <a:lvl1pPr algn="r">
-              <a:defRPr sz="1200">
-                <a:solidFill>
-                  <a:schemeClr val="tx1">
-                    <a:tint val="75000"/>
-                  </a:schemeClr>
+              <a:defRPr sz="900">
+                <a:solidFill>
+                  <a:schemeClr val="accent1"/>
                 </a:solidFill>
               </a:defRPr>
             </a:lvl1pPr>
@@ -3008,55 +5392,335 @@
     </p:spTree>
     <p:extLst>
       <p:ext uri="{BB962C8B-B14F-4D97-AF65-F5344CB8AC3E}">
-        <p14:creationId xmlns:p14="http://schemas.microsoft.com/office/powerpoint/2010/main" val="3000877005"/>
+        <p14:creationId xmlns:p14="http://schemas.microsoft.com/office/powerpoint/2010/main" val="3515378055"/>
       </p:ext>
     </p:extLst>
   </p:cSld>
   <p:clrMap bg1="lt1" tx1="dk1" bg2="lt2" tx2="dk2" accent1="accent1" accent2="accent2" accent3="accent3" accent4="accent4" accent5="accent5" accent6="accent6" hlink="hlink" folHlink="folHlink"/>
   <p:sldLayoutIdLst>
-    <p:sldLayoutId id="2147483649" r:id="rId1"/>
-    <p:sldLayoutId id="2147483650" r:id="rId2"/>
-    <p:sldLayoutId id="2147483651" r:id="rId3"/>
-    <p:sldLayoutId id="2147483652" r:id="rId4"/>
-    <p:sldLayoutId id="2147483653" r:id="rId5"/>
-    <p:sldLayoutId id="2147483654" r:id="rId6"/>
-    <p:sldLayoutId id="2147483655" r:id="rId7"/>
-    <p:sldLayoutId id="2147483656" r:id="rId8"/>
-    <p:sldLayoutId id="2147483657" r:id="rId9"/>
-    <p:sldLayoutId id="2147483658" r:id="rId10"/>
-    <p:sldLayoutId id="2147483659" r:id="rId11"/>
+    <p:sldLayoutId id="2147483661" r:id="rId1"/>
+    <p:sldLayoutId id="2147483662" r:id="rId2"/>
+    <p:sldLayoutId id="2147483663" r:id="rId3"/>
+    <p:sldLayoutId id="2147483664" r:id="rId4"/>
+    <p:sldLayoutId id="2147483665" r:id="rId5"/>
+    <p:sldLayoutId id="2147483666" r:id="rId6"/>
+    <p:sldLayoutId id="2147483667" r:id="rId7"/>
+    <p:sldLayoutId id="2147483668" r:id="rId8"/>
+    <p:sldLayoutId id="2147483669" r:id="rId9"/>
+    <p:sldLayoutId id="2147483670" r:id="rId10"/>
+    <p:sldLayoutId id="2147483671" r:id="rId11"/>
+    <p:sldLayoutId id="2147483672" r:id="rId12"/>
+    <p:sldLayoutId id="2147483673" r:id="rId13"/>
+    <p:sldLayoutId id="2147483674" r:id="rId14"/>
+    <p:sldLayoutId id="2147483675" r:id="rId15"/>
+    <p:sldLayoutId id="2147483676" r:id="rId16"/>
   </p:sldLayoutIdLst>
   <p:txStyles>
     <p:titleStyle>
-      <a:lvl1pPr algn="l" defTabSz="914400" rtl="0" eaLnBrk="1" latinLnBrk="0" hangingPunct="1">
-        <a:lnSpc>
-          <a:spcPct val="90000"/>
-        </a:lnSpc>
+      <a:lvl1pPr algn="l" defTabSz="457200" rtl="0" eaLnBrk="1" latinLnBrk="0" hangingPunct="1">
         <a:spcBef>
           <a:spcPct val="0"/>
         </a:spcBef>
         <a:buNone/>
-        <a:defRPr sz="4400" kern="1200">
+        <a:defRPr sz="3600" kern="1200">
           <a:solidFill>
-            <a:schemeClr val="tx1"/>
+            <a:schemeClr val="accent1"/>
           </a:solidFill>
           <a:latin typeface="+mj-lt"/>
           <a:ea typeface="+mj-ea"/>
           <a:cs typeface="+mj-cs"/>
         </a:defRPr>
       </a:lvl1pPr>
+      <a:lvl2pPr eaLnBrk="1" hangingPunct="1">
+        <a:defRPr>
+          <a:solidFill>
+            <a:schemeClr val="tx2"/>
+          </a:solidFill>
+        </a:defRPr>
+      </a:lvl2pPr>
+      <a:lvl3pPr eaLnBrk="1" hangingPunct="1">
+        <a:defRPr>
+          <a:solidFill>
+            <a:schemeClr val="tx2"/>
+          </a:solidFill>
+        </a:defRPr>
+      </a:lvl3pPr>
+      <a:lvl4pPr eaLnBrk="1" hangingPunct="1">
+        <a:defRPr>
+          <a:solidFill>
+            <a:schemeClr val="tx2"/>
+          </a:solidFill>
+        </a:defRPr>
+      </a:lvl4pPr>
+      <a:lvl5pPr eaLnBrk="1" hangingPunct="1">
+        <a:defRPr>
+          <a:solidFill>
+            <a:schemeClr val="tx2"/>
+          </a:solidFill>
+        </a:defRPr>
+      </a:lvl5pPr>
+      <a:lvl6pPr eaLnBrk="1" hangingPunct="1">
+        <a:defRPr>
+          <a:solidFill>
+            <a:schemeClr val="tx2"/>
+          </a:solidFill>
+        </a:defRPr>
+      </a:lvl6pPr>
+      <a:lvl7pPr eaLnBrk="1" hangingPunct="1">
+        <a:defRPr>
+          <a:solidFill>
+            <a:schemeClr val="tx2"/>
+          </a:solidFill>
+        </a:defRPr>
+      </a:lvl7pPr>
+      <a:lvl8pPr eaLnBrk="1" hangingPunct="1">
+        <a:defRPr>
+          <a:solidFill>
+            <a:schemeClr val="tx2"/>
+          </a:solidFill>
+        </a:defRPr>
+      </a:lvl8pPr>
+      <a:lvl9pPr eaLnBrk="1" hangingPunct="1">
+        <a:defRPr>
+          <a:solidFill>
+            <a:schemeClr val="tx2"/>
+          </a:solidFill>
+        </a:defRPr>
+      </a:lvl9pPr>
     </p:titleStyle>
     <p:bodyStyle>
-      <a:lvl1pPr marL="228600" indent="-228600" algn="l" defTabSz="914400" rtl="0" eaLnBrk="1" latinLnBrk="0" hangingPunct="1">
-        <a:lnSpc>
-          <a:spcPct val="90000"/>
-        </a:lnSpc>
+      <a:lvl1pPr marL="342900" indent="-342900" algn="l" defTabSz="457200" rtl="0" eaLnBrk="1" latinLnBrk="0" hangingPunct="1">
         <a:spcBef>
           <a:spcPts val="1000"/>
         </a:spcBef>
-        <a:buFont typeface="Arial" panose="020B0604020202020204" pitchFamily="34" charset="0"/>
-        <a:buChar char="•"/>
-        <a:defRPr sz="2800" kern="1200">
+        <a:spcAft>
+          <a:spcPts val="0"/>
+        </a:spcAft>
+        <a:buClr>
+          <a:schemeClr val="accent1"/>
+        </a:buClr>
+        <a:buSzPct val="80000"/>
+        <a:buFont typeface="Wingdings 3" charset="2"/>
+        <a:buChar char=""/>
+        <a:defRPr sz="1800" kern="1200">
+          <a:solidFill>
+            <a:schemeClr val="tx1">
+              <a:lumMod val="75000"/>
+              <a:lumOff val="25000"/>
+            </a:schemeClr>
+          </a:solidFill>
+          <a:latin typeface="+mn-lt"/>
+          <a:ea typeface="+mn-ea"/>
+          <a:cs typeface="+mn-cs"/>
+        </a:defRPr>
+      </a:lvl1pPr>
+      <a:lvl2pPr marL="742950" indent="-285750" algn="l" defTabSz="457200" rtl="0" eaLnBrk="1" latinLnBrk="0" hangingPunct="1">
+        <a:spcBef>
+          <a:spcPts val="1000"/>
+        </a:spcBef>
+        <a:spcAft>
+          <a:spcPts val="0"/>
+        </a:spcAft>
+        <a:buClr>
+          <a:schemeClr val="accent1"/>
+        </a:buClr>
+        <a:buSzPct val="80000"/>
+        <a:buFont typeface="Wingdings 3" charset="2"/>
+        <a:buChar char=""/>
+        <a:defRPr sz="1600" kern="1200">
+          <a:solidFill>
+            <a:schemeClr val="tx1">
+              <a:lumMod val="75000"/>
+              <a:lumOff val="25000"/>
+            </a:schemeClr>
+          </a:solidFill>
+          <a:latin typeface="+mn-lt"/>
+          <a:ea typeface="+mn-ea"/>
+          <a:cs typeface="+mn-cs"/>
+        </a:defRPr>
+      </a:lvl2pPr>
+      <a:lvl3pPr marL="1143000" indent="-228600" algn="l" defTabSz="457200" rtl="0" eaLnBrk="1" latinLnBrk="0" hangingPunct="1">
+        <a:spcBef>
+          <a:spcPts val="1000"/>
+        </a:spcBef>
+        <a:spcAft>
+          <a:spcPts val="0"/>
+        </a:spcAft>
+        <a:buClr>
+          <a:schemeClr val="accent1"/>
+        </a:buClr>
+        <a:buSzPct val="80000"/>
+        <a:buFont typeface="Wingdings 3" charset="2"/>
+        <a:buChar char=""/>
+        <a:defRPr sz="1400" kern="1200">
+          <a:solidFill>
+            <a:schemeClr val="tx1">
+              <a:lumMod val="75000"/>
+              <a:lumOff val="25000"/>
+            </a:schemeClr>
+          </a:solidFill>
+          <a:latin typeface="+mn-lt"/>
+          <a:ea typeface="+mn-ea"/>
+          <a:cs typeface="+mn-cs"/>
+        </a:defRPr>
+      </a:lvl3pPr>
+      <a:lvl4pPr marL="1600200" indent="-228600" algn="l" defTabSz="457200" rtl="0" eaLnBrk="1" latinLnBrk="0" hangingPunct="1">
+        <a:spcBef>
+          <a:spcPts val="1000"/>
+        </a:spcBef>
+        <a:spcAft>
+          <a:spcPts val="0"/>
+        </a:spcAft>
+        <a:buClr>
+          <a:schemeClr val="accent1"/>
+        </a:buClr>
+        <a:buSzPct val="80000"/>
+        <a:buFont typeface="Wingdings 3" charset="2"/>
+        <a:buChar char=""/>
+        <a:defRPr sz="1200" kern="1200">
+          <a:solidFill>
+            <a:schemeClr val="tx1">
+              <a:lumMod val="75000"/>
+              <a:lumOff val="25000"/>
+            </a:schemeClr>
+          </a:solidFill>
+          <a:latin typeface="+mn-lt"/>
+          <a:ea typeface="+mn-ea"/>
+          <a:cs typeface="+mn-cs"/>
+        </a:defRPr>
+      </a:lvl4pPr>
+      <a:lvl5pPr marL="2057400" indent="-228600" algn="l" defTabSz="457200" rtl="0" eaLnBrk="1" latinLnBrk="0" hangingPunct="1">
+        <a:spcBef>
+          <a:spcPts val="1000"/>
+        </a:spcBef>
+        <a:spcAft>
+          <a:spcPts val="0"/>
+        </a:spcAft>
+        <a:buClr>
+          <a:schemeClr val="accent1"/>
+        </a:buClr>
+        <a:buSzPct val="80000"/>
+        <a:buFont typeface="Wingdings 3" charset="2"/>
+        <a:buChar char=""/>
+        <a:defRPr sz="1200" kern="1200">
+          <a:solidFill>
+            <a:schemeClr val="tx1">
+              <a:lumMod val="75000"/>
+              <a:lumOff val="25000"/>
+            </a:schemeClr>
+          </a:solidFill>
+          <a:latin typeface="+mn-lt"/>
+          <a:ea typeface="+mn-ea"/>
+          <a:cs typeface="+mn-cs"/>
+        </a:defRPr>
+      </a:lvl5pPr>
+      <a:lvl6pPr marL="2514600" indent="-228600" algn="l" defTabSz="457200" rtl="0" eaLnBrk="1" latinLnBrk="0" hangingPunct="1">
+        <a:spcBef>
+          <a:spcPts val="1000"/>
+        </a:spcBef>
+        <a:spcAft>
+          <a:spcPts val="0"/>
+        </a:spcAft>
+        <a:buClr>
+          <a:schemeClr val="accent1"/>
+        </a:buClr>
+        <a:buSzPct val="80000"/>
+        <a:buFont typeface="Wingdings 3" charset="2"/>
+        <a:buChar char=""/>
+        <a:defRPr sz="1200" kern="1200">
+          <a:solidFill>
+            <a:schemeClr val="tx1">
+              <a:lumMod val="75000"/>
+              <a:lumOff val="25000"/>
+            </a:schemeClr>
+          </a:solidFill>
+          <a:latin typeface="+mn-lt"/>
+          <a:ea typeface="+mn-ea"/>
+          <a:cs typeface="+mn-cs"/>
+        </a:defRPr>
+      </a:lvl6pPr>
+      <a:lvl7pPr marL="2971800" indent="-228600" algn="l" defTabSz="457200" rtl="0" eaLnBrk="1" latinLnBrk="0" hangingPunct="1">
+        <a:spcBef>
+          <a:spcPts val="1000"/>
+        </a:spcBef>
+        <a:spcAft>
+          <a:spcPts val="0"/>
+        </a:spcAft>
+        <a:buClr>
+          <a:schemeClr val="accent1"/>
+        </a:buClr>
+        <a:buSzPct val="80000"/>
+        <a:buFont typeface="Wingdings 3" charset="2"/>
+        <a:buChar char=""/>
+        <a:defRPr sz="1200" kern="1200">
+          <a:solidFill>
+            <a:schemeClr val="tx1">
+              <a:lumMod val="75000"/>
+              <a:lumOff val="25000"/>
+            </a:schemeClr>
+          </a:solidFill>
+          <a:latin typeface="+mn-lt"/>
+          <a:ea typeface="+mn-ea"/>
+          <a:cs typeface="+mn-cs"/>
+        </a:defRPr>
+      </a:lvl7pPr>
+      <a:lvl8pPr marL="3429000" indent="-228600" algn="l" defTabSz="457200" rtl="0" eaLnBrk="1" latinLnBrk="0" hangingPunct="1">
+        <a:spcBef>
+          <a:spcPts val="1000"/>
+        </a:spcBef>
+        <a:spcAft>
+          <a:spcPts val="0"/>
+        </a:spcAft>
+        <a:buClr>
+          <a:schemeClr val="accent1"/>
+        </a:buClr>
+        <a:buSzPct val="80000"/>
+        <a:buFont typeface="Wingdings 3" charset="2"/>
+        <a:buChar char=""/>
+        <a:defRPr sz="1200" kern="1200">
+          <a:solidFill>
+            <a:schemeClr val="tx1">
+              <a:lumMod val="75000"/>
+              <a:lumOff val="25000"/>
+            </a:schemeClr>
+          </a:solidFill>
+          <a:latin typeface="+mn-lt"/>
+          <a:ea typeface="+mn-ea"/>
+          <a:cs typeface="+mn-cs"/>
+        </a:defRPr>
+      </a:lvl8pPr>
+      <a:lvl9pPr marL="3886200" indent="-228600" algn="l" defTabSz="457200" rtl="0" eaLnBrk="1" latinLnBrk="0" hangingPunct="1">
+        <a:spcBef>
+          <a:spcPts val="1000"/>
+        </a:spcBef>
+        <a:spcAft>
+          <a:spcPts val="0"/>
+        </a:spcAft>
+        <a:buClr>
+          <a:schemeClr val="accent1"/>
+        </a:buClr>
+        <a:buSzPct val="80000"/>
+        <a:buFont typeface="Wingdings 3" charset="2"/>
+        <a:buChar char=""/>
+        <a:defRPr sz="1200" kern="1200">
+          <a:solidFill>
+            <a:schemeClr val="tx1">
+              <a:lumMod val="75000"/>
+              <a:lumOff val="25000"/>
+            </a:schemeClr>
+          </a:solidFill>
+          <a:latin typeface="+mn-lt"/>
+          <a:ea typeface="+mn-ea"/>
+          <a:cs typeface="+mn-cs"/>
+        </a:defRPr>
+      </a:lvl9pPr>
+    </p:bodyStyle>
+    <p:otherStyle>
+      <a:defPPr>
+        <a:defRPr lang="en-US"/>
+      </a:defPPr>
+      <a:lvl1pPr marL="0" algn="l" defTabSz="457200" rtl="0" eaLnBrk="1" latinLnBrk="0" hangingPunct="1">
+        <a:defRPr sz="1800" kern="1200">
           <a:solidFill>
             <a:schemeClr val="tx1"/>
           </a:solidFill>
@@ -3065,16 +5729,8 @@
           <a:cs typeface="+mn-cs"/>
         </a:defRPr>
       </a:lvl1pPr>
-      <a:lvl2pPr marL="685800" indent="-228600" algn="l" defTabSz="914400" rtl="0" eaLnBrk="1" latinLnBrk="0" hangingPunct="1">
-        <a:lnSpc>
-          <a:spcPct val="90000"/>
-        </a:lnSpc>
-        <a:spcBef>
-          <a:spcPts val="500"/>
-        </a:spcBef>
-        <a:buFont typeface="Arial" panose="020B0604020202020204" pitchFamily="34" charset="0"/>
-        <a:buChar char="•"/>
-        <a:defRPr sz="2400" kern="1200">
+      <a:lvl2pPr marL="457200" algn="l" defTabSz="457200" rtl="0" eaLnBrk="1" latinLnBrk="0" hangingPunct="1">
+        <a:defRPr sz="1800" kern="1200">
           <a:solidFill>
             <a:schemeClr val="tx1"/>
           </a:solidFill>
@@ -3083,16 +5739,8 @@
           <a:cs typeface="+mn-cs"/>
         </a:defRPr>
       </a:lvl2pPr>
-      <a:lvl3pPr marL="1143000" indent="-228600" algn="l" defTabSz="914400" rtl="0" eaLnBrk="1" latinLnBrk="0" hangingPunct="1">
-        <a:lnSpc>
-          <a:spcPct val="90000"/>
-        </a:lnSpc>
-        <a:spcBef>
-          <a:spcPts val="500"/>
-        </a:spcBef>
-        <a:buFont typeface="Arial" panose="020B0604020202020204" pitchFamily="34" charset="0"/>
-        <a:buChar char="•"/>
-        <a:defRPr sz="2000" kern="1200">
+      <a:lvl3pPr marL="914400" algn="l" defTabSz="457200" rtl="0" eaLnBrk="1" latinLnBrk="0" hangingPunct="1">
+        <a:defRPr sz="1800" kern="1200">
           <a:solidFill>
             <a:schemeClr val="tx1"/>
           </a:solidFill>
@@ -3101,15 +5749,7 @@
           <a:cs typeface="+mn-cs"/>
         </a:defRPr>
       </a:lvl3pPr>
-      <a:lvl4pPr marL="1600200" indent="-228600" algn="l" defTabSz="914400" rtl="0" eaLnBrk="1" latinLnBrk="0" hangingPunct="1">
-        <a:lnSpc>
-          <a:spcPct val="90000"/>
-        </a:lnSpc>
-        <a:spcBef>
-          <a:spcPts val="500"/>
-        </a:spcBef>
-        <a:buFont typeface="Arial" panose="020B0604020202020204" pitchFamily="34" charset="0"/>
-        <a:buChar char="•"/>
+      <a:lvl4pPr marL="1371600" algn="l" defTabSz="457200" rtl="0" eaLnBrk="1" latinLnBrk="0" hangingPunct="1">
         <a:defRPr sz="1800" kern="1200">
           <a:solidFill>
             <a:schemeClr val="tx1"/>
@@ -3119,15 +5759,7 @@
           <a:cs typeface="+mn-cs"/>
         </a:defRPr>
       </a:lvl4pPr>
-      <a:lvl5pPr marL="2057400" indent="-228600" algn="l" defTabSz="914400" rtl="0" eaLnBrk="1" latinLnBrk="0" hangingPunct="1">
-        <a:lnSpc>
-          <a:spcPct val="90000"/>
-        </a:lnSpc>
-        <a:spcBef>
-          <a:spcPts val="500"/>
-        </a:spcBef>
-        <a:buFont typeface="Arial" panose="020B0604020202020204" pitchFamily="34" charset="0"/>
-        <a:buChar char="•"/>
+      <a:lvl5pPr marL="1828800" algn="l" defTabSz="457200" rtl="0" eaLnBrk="1" latinLnBrk="0" hangingPunct="1">
         <a:defRPr sz="1800" kern="1200">
           <a:solidFill>
             <a:schemeClr val="tx1"/>
@@ -3137,15 +5769,7 @@
           <a:cs typeface="+mn-cs"/>
         </a:defRPr>
       </a:lvl5pPr>
-      <a:lvl6pPr marL="2514600" indent="-228600" algn="l" defTabSz="914400" rtl="0" eaLnBrk="1" latinLnBrk="0" hangingPunct="1">
-        <a:lnSpc>
-          <a:spcPct val="90000"/>
-        </a:lnSpc>
-        <a:spcBef>
-          <a:spcPts val="500"/>
-        </a:spcBef>
-        <a:buFont typeface="Arial" panose="020B0604020202020204" pitchFamily="34" charset="0"/>
-        <a:buChar char="•"/>
+      <a:lvl6pPr marL="2286000" algn="l" defTabSz="457200" rtl="0" eaLnBrk="1" latinLnBrk="0" hangingPunct="1">
         <a:defRPr sz="1800" kern="1200">
           <a:solidFill>
             <a:schemeClr val="tx1"/>
@@ -3155,15 +5779,7 @@
           <a:cs typeface="+mn-cs"/>
         </a:defRPr>
       </a:lvl6pPr>
-      <a:lvl7pPr marL="2971800" indent="-228600" algn="l" defTabSz="914400" rtl="0" eaLnBrk="1" latinLnBrk="0" hangingPunct="1">
-        <a:lnSpc>
-          <a:spcPct val="90000"/>
-        </a:lnSpc>
-        <a:spcBef>
-          <a:spcPts val="500"/>
-        </a:spcBef>
-        <a:buFont typeface="Arial" panose="020B0604020202020204" pitchFamily="34" charset="0"/>
-        <a:buChar char="•"/>
+      <a:lvl7pPr marL="2743200" algn="l" defTabSz="457200" rtl="0" eaLnBrk="1" latinLnBrk="0" hangingPunct="1">
         <a:defRPr sz="1800" kern="1200">
           <a:solidFill>
             <a:schemeClr val="tx1"/>
@@ -3173,15 +5789,7 @@
           <a:cs typeface="+mn-cs"/>
         </a:defRPr>
       </a:lvl7pPr>
-      <a:lvl8pPr marL="3429000" indent="-228600" algn="l" defTabSz="914400" rtl="0" eaLnBrk="1" latinLnBrk="0" hangingPunct="1">
-        <a:lnSpc>
-          <a:spcPct val="90000"/>
-        </a:lnSpc>
-        <a:spcBef>
-          <a:spcPts val="500"/>
-        </a:spcBef>
-        <a:buFont typeface="Arial" panose="020B0604020202020204" pitchFamily="34" charset="0"/>
-        <a:buChar char="•"/>
+      <a:lvl8pPr marL="3200400" algn="l" defTabSz="457200" rtl="0" eaLnBrk="1" latinLnBrk="0" hangingPunct="1">
         <a:defRPr sz="1800" kern="1200">
           <a:solidFill>
             <a:schemeClr val="tx1"/>
@@ -3191,110 +5799,7 @@
           <a:cs typeface="+mn-cs"/>
         </a:defRPr>
       </a:lvl8pPr>
-      <a:lvl9pPr marL="3886200" indent="-228600" algn="l" defTabSz="914400" rtl="0" eaLnBrk="1" latinLnBrk="0" hangingPunct="1">
-        <a:lnSpc>
-          <a:spcPct val="90000"/>
-        </a:lnSpc>
-        <a:spcBef>
-          <a:spcPts val="500"/>
-        </a:spcBef>
-        <a:buFont typeface="Arial" panose="020B0604020202020204" pitchFamily="34" charset="0"/>
-        <a:buChar char="•"/>
-        <a:defRPr sz="1800" kern="1200">
-          <a:solidFill>
-            <a:schemeClr val="tx1"/>
-          </a:solidFill>
-          <a:latin typeface="+mn-lt"/>
-          <a:ea typeface="+mn-ea"/>
-          <a:cs typeface="+mn-cs"/>
-        </a:defRPr>
-      </a:lvl9pPr>
-    </p:bodyStyle>
-    <p:otherStyle>
-      <a:defPPr>
-        <a:defRPr lang="de-DE"/>
-      </a:defPPr>
-      <a:lvl1pPr marL="0" algn="l" defTabSz="914400" rtl="0" eaLnBrk="1" latinLnBrk="0" hangingPunct="1">
-        <a:defRPr sz="1800" kern="1200">
-          <a:solidFill>
-            <a:schemeClr val="tx1"/>
-          </a:solidFill>
-          <a:latin typeface="+mn-lt"/>
-          <a:ea typeface="+mn-ea"/>
-          <a:cs typeface="+mn-cs"/>
-        </a:defRPr>
-      </a:lvl1pPr>
-      <a:lvl2pPr marL="457200" algn="l" defTabSz="914400" rtl="0" eaLnBrk="1" latinLnBrk="0" hangingPunct="1">
-        <a:defRPr sz="1800" kern="1200">
-          <a:solidFill>
-            <a:schemeClr val="tx1"/>
-          </a:solidFill>
-          <a:latin typeface="+mn-lt"/>
-          <a:ea typeface="+mn-ea"/>
-          <a:cs typeface="+mn-cs"/>
-        </a:defRPr>
-      </a:lvl2pPr>
-      <a:lvl3pPr marL="914400" algn="l" defTabSz="914400" rtl="0" eaLnBrk="1" latinLnBrk="0" hangingPunct="1">
-        <a:defRPr sz="1800" kern="1200">
-          <a:solidFill>
-            <a:schemeClr val="tx1"/>
-          </a:solidFill>
-          <a:latin typeface="+mn-lt"/>
-          <a:ea typeface="+mn-ea"/>
-          <a:cs typeface="+mn-cs"/>
-        </a:defRPr>
-      </a:lvl3pPr>
-      <a:lvl4pPr marL="1371600" algn="l" defTabSz="914400" rtl="0" eaLnBrk="1" latinLnBrk="0" hangingPunct="1">
-        <a:defRPr sz="1800" kern="1200">
-          <a:solidFill>
-            <a:schemeClr val="tx1"/>
-          </a:solidFill>
-          <a:latin typeface="+mn-lt"/>
-          <a:ea typeface="+mn-ea"/>
-          <a:cs typeface="+mn-cs"/>
-        </a:defRPr>
-      </a:lvl4pPr>
-      <a:lvl5pPr marL="1828800" algn="l" defTabSz="914400" rtl="0" eaLnBrk="1" latinLnBrk="0" hangingPunct="1">
-        <a:defRPr sz="1800" kern="1200">
-          <a:solidFill>
-            <a:schemeClr val="tx1"/>
-          </a:solidFill>
-          <a:latin typeface="+mn-lt"/>
-          <a:ea typeface="+mn-ea"/>
-          <a:cs typeface="+mn-cs"/>
-        </a:defRPr>
-      </a:lvl5pPr>
-      <a:lvl6pPr marL="2286000" algn="l" defTabSz="914400" rtl="0" eaLnBrk="1" latinLnBrk="0" hangingPunct="1">
-        <a:defRPr sz="1800" kern="1200">
-          <a:solidFill>
-            <a:schemeClr val="tx1"/>
-          </a:solidFill>
-          <a:latin typeface="+mn-lt"/>
-          <a:ea typeface="+mn-ea"/>
-          <a:cs typeface="+mn-cs"/>
-        </a:defRPr>
-      </a:lvl6pPr>
-      <a:lvl7pPr marL="2743200" algn="l" defTabSz="914400" rtl="0" eaLnBrk="1" latinLnBrk="0" hangingPunct="1">
-        <a:defRPr sz="1800" kern="1200">
-          <a:solidFill>
-            <a:schemeClr val="tx1"/>
-          </a:solidFill>
-          <a:latin typeface="+mn-lt"/>
-          <a:ea typeface="+mn-ea"/>
-          <a:cs typeface="+mn-cs"/>
-        </a:defRPr>
-      </a:lvl7pPr>
-      <a:lvl8pPr marL="3200400" algn="l" defTabSz="914400" rtl="0" eaLnBrk="1" latinLnBrk="0" hangingPunct="1">
-        <a:defRPr sz="1800" kern="1200">
-          <a:solidFill>
-            <a:schemeClr val="tx1"/>
-          </a:solidFill>
-          <a:latin typeface="+mn-lt"/>
-          <a:ea typeface="+mn-ea"/>
-          <a:cs typeface="+mn-cs"/>
-        </a:defRPr>
-      </a:lvl8pPr>
-      <a:lvl9pPr marL="3657600" algn="l" defTabSz="914400" rtl="0" eaLnBrk="1" latinLnBrk="0" hangingPunct="1">
+      <a:lvl9pPr marL="3657600" algn="l" defTabSz="457200" rtl="0" eaLnBrk="1" latinLnBrk="0" hangingPunct="1">
         <a:defRPr sz="1800" kern="1200">
           <a:solidFill>
             <a:schemeClr val="tx1"/>
@@ -3355,7 +5860,7 @@
             <a:pPr algn="l"/>
             <a:r>
               <a:rPr lang="de-DE" sz="3600" dirty="0"/>
-              <a:t>Aufgaben für Sprint 3</a:t>
+              <a:t>Ziele</a:t>
             </a:r>
           </a:p>
           <a:p>
@@ -3363,55 +5868,53 @@
             <a:endParaRPr lang="de-DE" dirty="0"/>
           </a:p>
           <a:p>
-            <a:pPr marL="342900" indent="-342900" algn="l">
-              <a:buFont typeface="Wingdings" panose="05000000000000000000" pitchFamily="2" charset="2"/>
-              <a:buChar char="Ø"/>
-            </a:pPr>
+            <a:pPr algn="l"/>
             <a:r>
               <a:rPr lang="de-DE" dirty="0"/>
-              <a:t>Gewindelänge  (</a:t>
-            </a:r>
-            <a:r>
-              <a:rPr lang="de-DE" dirty="0" smtClean="0"/>
-              <a:t>Bedingungen/</a:t>
-            </a:r>
-            <a:r>
-              <a:rPr lang="de-DE" dirty="0" err="1" smtClean="0"/>
-              <a:t>Exelanbindung</a:t>
-            </a:r>
+              <a:t>Gewindelänge auswählbar				</a:t>
+            </a:r>
+          </a:p>
+          <a:p>
+            <a:pPr algn="l"/>
             <a:r>
               <a:rPr lang="de-DE" dirty="0"/>
-              <a:t>)</a:t>
-            </a:r>
-          </a:p>
-          <a:p>
-            <a:pPr marL="342900" indent="-342900" algn="l">
-              <a:buFont typeface="Wingdings" panose="05000000000000000000" pitchFamily="2" charset="2"/>
-              <a:buChar char="Ø"/>
-            </a:pPr>
+              <a:t>Schaftlängen hinzufügen</a:t>
+            </a:r>
+          </a:p>
+          <a:p>
+            <a:pPr algn="l"/>
             <a:r>
               <a:rPr lang="de-DE" dirty="0"/>
-              <a:t>Schaftlänge (Bedingungen/Exelanbindung)</a:t>
-            </a:r>
-          </a:p>
-          <a:p>
-            <a:pPr marL="342900" indent="-342900" algn="l">
-              <a:buFont typeface="Wingdings" panose="05000000000000000000" pitchFamily="2" charset="2"/>
-              <a:buChar char="Ø"/>
-            </a:pPr>
+              <a:t>Catia Modell erstellen</a:t>
+            </a:r>
+          </a:p>
+          <a:p>
+            <a:pPr algn="l"/>
             <a:r>
               <a:rPr lang="de-DE" dirty="0"/>
-              <a:t> Catia Modell erstellen</a:t>
-            </a:r>
-          </a:p>
-          <a:p>
-            <a:pPr marL="342900" indent="-342900" algn="l">
-              <a:buFont typeface="Wingdings" panose="05000000000000000000" pitchFamily="2" charset="2"/>
-              <a:buChar char="Ø"/>
-            </a:pPr>
+              <a:t>Catia &amp; </a:t>
+            </a:r>
+            <a:r>
+              <a:rPr lang="de-DE" dirty="0" err="1"/>
+              <a:t>Exel</a:t>
+            </a:r>
             <a:r>
               <a:rPr lang="de-DE" dirty="0"/>
-              <a:t>Catia Anbindung </a:t>
+              <a:t> Anbindung </a:t>
+            </a:r>
+          </a:p>
+          <a:p>
+            <a:pPr algn="l"/>
+            <a:r>
+              <a:rPr lang="de-DE" dirty="0"/>
+              <a:t>Preise erzeugen</a:t>
+            </a:r>
+          </a:p>
+          <a:p>
+            <a:pPr algn="l"/>
+            <a:r>
+              <a:rPr lang="de-DE" dirty="0"/>
+              <a:t>Unterschiedliche Materialien</a:t>
             </a:r>
           </a:p>
           <a:p>
@@ -3421,15 +5924,160 @@
             </a:pPr>
             <a:endParaRPr lang="de-DE" dirty="0"/>
           </a:p>
-          <a:p>
-            <a:pPr marL="342900" indent="-342900" algn="l">
-              <a:buFont typeface="Wingdings" panose="05000000000000000000" pitchFamily="2" charset="2"/>
-              <a:buChar char="Ø"/>
-            </a:pPr>
-            <a:endParaRPr lang="de-DE" dirty="0"/>
-          </a:p>
-        </p:txBody>
-      </p:sp>
+        </p:txBody>
+      </p:sp>
+      <p:sp>
+        <p:nvSpPr>
+          <p:cNvPr id="2" name="AutoShape 2" descr="GitHub Logo | Logo, zeichen, emblem, symbol. Geschichte und Bedeutung">
+            <a:extLst>
+              <a:ext uri="{FF2B5EF4-FFF2-40B4-BE49-F238E27FC236}">
+                <a16:creationId xmlns:a16="http://schemas.microsoft.com/office/drawing/2014/main" id="{D3E78CE8-4C8F-4801-8F63-DC610A801523}"/>
+              </a:ext>
+            </a:extLst>
+          </p:cNvPr>
+          <p:cNvSpPr>
+            <a:spLocks noChangeAspect="1" noChangeArrowheads="1"/>
+          </p:cNvSpPr>
+          <p:nvPr/>
+        </p:nvSpPr>
+        <p:spPr bwMode="auto">
+          <a:xfrm>
+            <a:off x="3417163" y="3327712"/>
+            <a:ext cx="2831237" cy="2831237"/>
+          </a:xfrm>
+          <a:prstGeom prst="rect">
+            <a:avLst/>
+          </a:prstGeom>
+          <a:noFill/>
+          <a:extLst>
+            <a:ext uri="{909E8E84-426E-40DD-AFC4-6F175D3DCCD1}">
+              <a14:hiddenFill xmlns:a14="http://schemas.microsoft.com/office/drawing/2010/main">
+                <a:solidFill>
+                  <a:srgbClr val="FFFFFF"/>
+                </a:solidFill>
+              </a14:hiddenFill>
+            </a:ext>
+          </a:extLst>
+        </p:spPr>
+        <p:txBody>
+          <a:bodyPr vert="horz" wrap="square" lIns="91440" tIns="45720" rIns="91440" bIns="45720" numCol="1" anchor="t" anchorCtr="0" compatLnSpc="1">
+            <a:prstTxWarp prst="textNoShape">
+              <a:avLst/>
+            </a:prstTxWarp>
+          </a:bodyPr>
+          <a:lstStyle/>
+          <a:p>
+            <a:endParaRPr lang="de-DE"/>
+          </a:p>
+        </p:txBody>
+      </p:sp>
+      <p:pic>
+        <p:nvPicPr>
+          <p:cNvPr id="5" name="Grafik 4">
+            <a:extLst>
+              <a:ext uri="{FF2B5EF4-FFF2-40B4-BE49-F238E27FC236}">
+                <a16:creationId xmlns:a16="http://schemas.microsoft.com/office/drawing/2014/main" id="{09B98391-3D4A-49CE-950C-B624C40A50D9}"/>
+              </a:ext>
+            </a:extLst>
+          </p:cNvPr>
+          <p:cNvPicPr>
+            <a:picLocks noChangeAspect="1"/>
+          </p:cNvPicPr>
+          <p:nvPr/>
+        </p:nvPicPr>
+        <p:blipFill>
+          <a:blip r:embed="rId2"/>
+          <a:stretch>
+            <a:fillRect/>
+          </a:stretch>
+        </p:blipFill>
+        <p:spPr>
+          <a:xfrm>
+            <a:off x="896194" y="5216117"/>
+            <a:ext cx="1885663" cy="942832"/>
+          </a:xfrm>
+          <a:prstGeom prst="rect">
+            <a:avLst/>
+          </a:prstGeom>
+        </p:spPr>
+      </p:pic>
+      <p:pic>
+        <p:nvPicPr>
+          <p:cNvPr id="6" name="Grafik 5">
+            <a:extLst>
+              <a:ext uri="{FF2B5EF4-FFF2-40B4-BE49-F238E27FC236}">
+                <a16:creationId xmlns:a16="http://schemas.microsoft.com/office/drawing/2014/main" id="{82682965-DE1B-48F8-9014-2A80DF992121}"/>
+              </a:ext>
+            </a:extLst>
+          </p:cNvPr>
+          <p:cNvPicPr>
+            <a:picLocks noChangeAspect="1"/>
+          </p:cNvPicPr>
+          <p:nvPr/>
+        </p:nvPicPr>
+        <p:blipFill>
+          <a:blip r:embed="rId3"/>
+          <a:stretch>
+            <a:fillRect/>
+          </a:stretch>
+        </p:blipFill>
+        <p:spPr>
+          <a:xfrm>
+            <a:off x="2479376" y="5077472"/>
+            <a:ext cx="2169111" cy="1220125"/>
+          </a:xfrm>
+          <a:prstGeom prst="rect">
+            <a:avLst/>
+          </a:prstGeom>
+        </p:spPr>
+      </p:pic>
+      <p:pic>
+        <p:nvPicPr>
+          <p:cNvPr id="1028" name="Picture 4">
+            <a:extLst>
+              <a:ext uri="{FF2B5EF4-FFF2-40B4-BE49-F238E27FC236}">
+                <a16:creationId xmlns:a16="http://schemas.microsoft.com/office/drawing/2014/main" id="{099D1CB7-E380-4BEA-863D-C4BC3AB8F456}"/>
+              </a:ext>
+            </a:extLst>
+          </p:cNvPr>
+          <p:cNvPicPr>
+            <a:picLocks noChangeAspect="1" noChangeArrowheads="1"/>
+          </p:cNvPicPr>
+          <p:nvPr/>
+        </p:nvPicPr>
+        <p:blipFill>
+          <a:blip r:embed="rId4">
+            <a:extLst>
+              <a:ext uri="{28A0092B-C50C-407E-A947-70E740481C1C}">
+                <a14:useLocalDpi xmlns:a14="http://schemas.microsoft.com/office/drawing/2010/main" val="0"/>
+              </a:ext>
+            </a:extLst>
+          </a:blip>
+          <a:srcRect/>
+          <a:stretch>
+            <a:fillRect/>
+          </a:stretch>
+        </p:blipFill>
+        <p:spPr bwMode="auto">
+          <a:xfrm>
+            <a:off x="4629257" y="5104465"/>
+            <a:ext cx="1162356" cy="1166135"/>
+          </a:xfrm>
+          <a:prstGeom prst="rect">
+            <a:avLst/>
+          </a:prstGeom>
+          <a:noFill/>
+          <a:extLst>
+            <a:ext uri="{909E8E84-426E-40DD-AFC4-6F175D3DCCD1}">
+              <a14:hiddenFill xmlns:a14="http://schemas.microsoft.com/office/drawing/2010/main">
+                <a:solidFill>
+                  <a:srgbClr val="FFFFFF"/>
+                </a:solidFill>
+              </a14:hiddenFill>
+            </a:ext>
+          </a:extLst>
+        </p:spPr>
+      </p:pic>
     </p:spTree>
     <p:extLst>
       <p:ext uri="{BB962C8B-B14F-4D97-AF65-F5344CB8AC3E}">
@@ -3443,10 +6091,897 @@
 </p:sld>
 </file>
 
+<file path=ppt/slides/slide2.xml><?xml version="1.0" encoding="utf-8"?>
+<p:sld xmlns:a="http://schemas.openxmlformats.org/drawingml/2006/main" xmlns:r="http://schemas.openxmlformats.org/officeDocument/2006/relationships" xmlns:p="http://schemas.openxmlformats.org/presentationml/2006/main">
+  <p:cSld>
+    <p:bg>
+      <p:bgPr>
+        <a:solidFill>
+          <a:schemeClr val="bg1"/>
+        </a:solidFill>
+        <a:effectLst/>
+      </p:bgPr>
+    </p:bg>
+    <p:spTree>
+      <p:nvGrpSpPr>
+        <p:cNvPr id="1" name=""/>
+        <p:cNvGrpSpPr/>
+        <p:nvPr/>
+      </p:nvGrpSpPr>
+      <p:grpSpPr>
+        <a:xfrm>
+          <a:off x="0" y="0"/>
+          <a:ext cx="0" cy="0"/>
+          <a:chOff x="0" y="0"/>
+          <a:chExt cx="0" cy="0"/>
+        </a:xfrm>
+      </p:grpSpPr>
+      <p:grpSp>
+        <p:nvGrpSpPr>
+          <p:cNvPr id="39" name="Group 38">
+            <a:extLst>
+              <a:ext uri="{FF2B5EF4-FFF2-40B4-BE49-F238E27FC236}">
+                <a16:creationId xmlns:a16="http://schemas.microsoft.com/office/drawing/2014/main" id="{90A61547-2555-4DE2-A37F-A53E54917441}"/>
+              </a:ext>
+              <a:ext uri="{C183D7F6-B498-43B3-948B-1728B52AA6E4}">
+                <adec:decorative xmlns:adec="http://schemas.microsoft.com/office/drawing/2017/decorative" val="1"/>
+              </a:ext>
+            </a:extLst>
+          </p:cNvPr>
+          <p:cNvGrpSpPr>
+            <a:grpSpLocks noGrp="1" noUngrp="1" noRot="1" noChangeAspect="1" noMove="1" noResize="1"/>
+          </p:cNvGrpSpPr>
+          <p:nvPr>
+            <p:extLst>
+              <p:ext uri="{386F3935-93C4-4BCD-93E2-E3B085C9AB24}">
+                <p16:designElem xmlns:p16="http://schemas.microsoft.com/office/powerpoint/2015/main" val="1"/>
+              </p:ext>
+            </p:extLst>
+          </p:nvPr>
+        </p:nvGrpSpPr>
+        <p:grpSpPr>
+          <a:xfrm>
+            <a:off x="0" y="-8467"/>
+            <a:ext cx="12192000" cy="6866467"/>
+            <a:chOff x="0" y="-8467"/>
+            <a:chExt cx="12192000" cy="6866467"/>
+          </a:xfrm>
+        </p:grpSpPr>
+        <p:cxnSp>
+          <p:nvCxnSpPr>
+            <p:cNvPr id="40" name="Straight Connector 39">
+              <a:extLst>
+                <a:ext uri="{FF2B5EF4-FFF2-40B4-BE49-F238E27FC236}">
+                  <a16:creationId xmlns:a16="http://schemas.microsoft.com/office/drawing/2014/main" id="{5C2447E0-8F0D-479C-94E4-82BC8EB68C0C}"/>
+                </a:ext>
+                <a:ext uri="{C183D7F6-B498-43B3-948B-1728B52AA6E4}">
+                  <adec:decorative xmlns:adec="http://schemas.microsoft.com/office/drawing/2017/decorative" val="1"/>
+                </a:ext>
+              </a:extLst>
+            </p:cNvPr>
+            <p:cNvCxnSpPr/>
+            <p:nvPr>
+              <p:extLst>
+                <p:ext uri="{386F3935-93C4-4BCD-93E2-E3B085C9AB24}">
+                  <p16:designElem xmlns:p16="http://schemas.microsoft.com/office/powerpoint/2015/main" val="1"/>
+                </p:ext>
+              </p:extLst>
+            </p:nvPr>
+          </p:nvCxnSpPr>
+          <p:spPr>
+            <a:xfrm>
+              <a:off x="9371012" y="0"/>
+              <a:ext cx="1219200" cy="6858000"/>
+            </a:xfrm>
+            <a:prstGeom prst="line">
+              <a:avLst/>
+            </a:prstGeom>
+            <a:ln w="9525">
+              <a:solidFill>
+                <a:schemeClr val="bg1">
+                  <a:lumMod val="75000"/>
+                </a:schemeClr>
+              </a:solidFill>
+            </a:ln>
+          </p:spPr>
+          <p:style>
+            <a:lnRef idx="2">
+              <a:schemeClr val="accent1"/>
+            </a:lnRef>
+            <a:fillRef idx="0">
+              <a:schemeClr val="accent1"/>
+            </a:fillRef>
+            <a:effectRef idx="1">
+              <a:schemeClr val="accent1"/>
+            </a:effectRef>
+            <a:fontRef idx="minor">
+              <a:schemeClr val="tx1"/>
+            </a:fontRef>
+          </p:style>
+        </p:cxnSp>
+        <p:cxnSp>
+          <p:nvCxnSpPr>
+            <p:cNvPr id="41" name="Straight Connector 40">
+              <a:extLst>
+                <a:ext uri="{FF2B5EF4-FFF2-40B4-BE49-F238E27FC236}">
+                  <a16:creationId xmlns:a16="http://schemas.microsoft.com/office/drawing/2014/main" id="{1F943397-DCDD-44CB-BBA9-9510B7698DD2}"/>
+                </a:ext>
+                <a:ext uri="{C183D7F6-B498-43B3-948B-1728B52AA6E4}">
+                  <adec:decorative xmlns:adec="http://schemas.microsoft.com/office/drawing/2017/decorative" val="1"/>
+                </a:ext>
+              </a:extLst>
+            </p:cNvPr>
+            <p:cNvCxnSpPr/>
+            <p:nvPr>
+              <p:extLst>
+                <p:ext uri="{386F3935-93C4-4BCD-93E2-E3B085C9AB24}">
+                  <p16:designElem xmlns:p16="http://schemas.microsoft.com/office/powerpoint/2015/main" val="1"/>
+                </p:ext>
+              </p:extLst>
+            </p:nvPr>
+          </p:nvCxnSpPr>
+          <p:spPr>
+            <a:xfrm flipH="1">
+              <a:off x="7425267" y="3681413"/>
+              <a:ext cx="4763558" cy="3176587"/>
+            </a:xfrm>
+            <a:prstGeom prst="line">
+              <a:avLst/>
+            </a:prstGeom>
+            <a:ln w="9525">
+              <a:solidFill>
+                <a:schemeClr val="bg1">
+                  <a:lumMod val="85000"/>
+                </a:schemeClr>
+              </a:solidFill>
+            </a:ln>
+          </p:spPr>
+          <p:style>
+            <a:lnRef idx="2">
+              <a:schemeClr val="accent1"/>
+            </a:lnRef>
+            <a:fillRef idx="0">
+              <a:schemeClr val="accent1"/>
+            </a:fillRef>
+            <a:effectRef idx="1">
+              <a:schemeClr val="accent1"/>
+            </a:effectRef>
+            <a:fontRef idx="minor">
+              <a:schemeClr val="tx1"/>
+            </a:fontRef>
+          </p:style>
+        </p:cxnSp>
+        <p:sp>
+          <p:nvSpPr>
+            <p:cNvPr id="42" name="Rectangle 23">
+              <a:extLst>
+                <a:ext uri="{FF2B5EF4-FFF2-40B4-BE49-F238E27FC236}">
+                  <a16:creationId xmlns:a16="http://schemas.microsoft.com/office/drawing/2014/main" id="{E2630ADC-31DB-4C48-AC4A-DAAE5A7B8EA6}"/>
+                </a:ext>
+                <a:ext uri="{C183D7F6-B498-43B3-948B-1728B52AA6E4}">
+                  <adec:decorative xmlns:adec="http://schemas.microsoft.com/office/drawing/2017/decorative" val="1"/>
+                </a:ext>
+              </a:extLst>
+            </p:cNvPr>
+            <p:cNvSpPr/>
+            <p:nvPr>
+              <p:extLst>
+                <p:ext uri="{386F3935-93C4-4BCD-93E2-E3B085C9AB24}">
+                  <p16:designElem xmlns:p16="http://schemas.microsoft.com/office/powerpoint/2015/main" val="1"/>
+                </p:ext>
+              </p:extLst>
+            </p:nvPr>
+          </p:nvSpPr>
+          <p:spPr>
+            <a:xfrm>
+              <a:off x="9181476" y="-8467"/>
+              <a:ext cx="3007349" cy="6866467"/>
+            </a:xfrm>
+            <a:custGeom>
+              <a:avLst/>
+              <a:gdLst/>
+              <a:ahLst/>
+              <a:cxnLst/>
+              <a:rect l="l" t="t" r="r" b="b"/>
+              <a:pathLst>
+                <a:path w="3007349" h="6866467">
+                  <a:moveTo>
+                    <a:pt x="2045532" y="0"/>
+                  </a:moveTo>
+                  <a:lnTo>
+                    <a:pt x="3007349" y="0"/>
+                  </a:lnTo>
+                  <a:lnTo>
+                    <a:pt x="3007349" y="6866467"/>
+                  </a:lnTo>
+                  <a:lnTo>
+                    <a:pt x="0" y="6866467"/>
+                  </a:lnTo>
+                  <a:lnTo>
+                    <a:pt x="2045532" y="0"/>
+                  </a:lnTo>
+                  <a:close/>
+                </a:path>
+              </a:pathLst>
+            </a:custGeom>
+            <a:solidFill>
+              <a:schemeClr val="accent1">
+                <a:alpha val="30000"/>
+              </a:schemeClr>
+            </a:solidFill>
+            <a:ln>
+              <a:noFill/>
+            </a:ln>
+            <a:effectLst/>
+          </p:spPr>
+          <p:style>
+            <a:lnRef idx="1">
+              <a:schemeClr val="accent1"/>
+            </a:lnRef>
+            <a:fillRef idx="3">
+              <a:schemeClr val="accent1"/>
+            </a:fillRef>
+            <a:effectRef idx="2">
+              <a:schemeClr val="accent1"/>
+            </a:effectRef>
+            <a:fontRef idx="minor">
+              <a:schemeClr val="lt1"/>
+            </a:fontRef>
+          </p:style>
+        </p:sp>
+        <p:sp>
+          <p:nvSpPr>
+            <p:cNvPr id="43" name="Rectangle 25">
+              <a:extLst>
+                <a:ext uri="{FF2B5EF4-FFF2-40B4-BE49-F238E27FC236}">
+                  <a16:creationId xmlns:a16="http://schemas.microsoft.com/office/drawing/2014/main" id="{2CA5C44E-F54E-47E0-8989-4D8686B33C80}"/>
+                </a:ext>
+                <a:ext uri="{C183D7F6-B498-43B3-948B-1728B52AA6E4}">
+                  <adec:decorative xmlns:adec="http://schemas.microsoft.com/office/drawing/2017/decorative" val="1"/>
+                </a:ext>
+              </a:extLst>
+            </p:cNvPr>
+            <p:cNvSpPr/>
+            <p:nvPr>
+              <p:extLst>
+                <p:ext uri="{386F3935-93C4-4BCD-93E2-E3B085C9AB24}">
+                  <p16:designElem xmlns:p16="http://schemas.microsoft.com/office/powerpoint/2015/main" val="1"/>
+                </p:ext>
+              </p:extLst>
+            </p:nvPr>
+          </p:nvSpPr>
+          <p:spPr>
+            <a:xfrm>
+              <a:off x="9603442" y="-8467"/>
+              <a:ext cx="2588558" cy="6866467"/>
+            </a:xfrm>
+            <a:custGeom>
+              <a:avLst/>
+              <a:gdLst/>
+              <a:ahLst/>
+              <a:cxnLst/>
+              <a:rect l="l" t="t" r="r" b="b"/>
+              <a:pathLst>
+                <a:path w="2573311" h="6866467">
+                  <a:moveTo>
+                    <a:pt x="0" y="0"/>
+                  </a:moveTo>
+                  <a:lnTo>
+                    <a:pt x="2573311" y="0"/>
+                  </a:lnTo>
+                  <a:lnTo>
+                    <a:pt x="2573311" y="6866467"/>
+                  </a:lnTo>
+                  <a:lnTo>
+                    <a:pt x="1202336" y="6866467"/>
+                  </a:lnTo>
+                  <a:lnTo>
+                    <a:pt x="0" y="0"/>
+                  </a:lnTo>
+                  <a:close/>
+                </a:path>
+              </a:pathLst>
+            </a:custGeom>
+            <a:solidFill>
+              <a:schemeClr val="accent1">
+                <a:alpha val="20000"/>
+              </a:schemeClr>
+            </a:solidFill>
+            <a:ln>
+              <a:noFill/>
+            </a:ln>
+            <a:effectLst/>
+          </p:spPr>
+          <p:style>
+            <a:lnRef idx="1">
+              <a:schemeClr val="accent1"/>
+            </a:lnRef>
+            <a:fillRef idx="3">
+              <a:schemeClr val="accent1"/>
+            </a:fillRef>
+            <a:effectRef idx="2">
+              <a:schemeClr val="accent1"/>
+            </a:effectRef>
+            <a:fontRef idx="minor">
+              <a:schemeClr val="lt1"/>
+            </a:fontRef>
+          </p:style>
+        </p:sp>
+        <p:sp>
+          <p:nvSpPr>
+            <p:cNvPr id="44" name="Isosceles Triangle 43">
+              <a:extLst>
+                <a:ext uri="{FF2B5EF4-FFF2-40B4-BE49-F238E27FC236}">
+                  <a16:creationId xmlns:a16="http://schemas.microsoft.com/office/drawing/2014/main" id="{FF54E15E-830B-4375-A239-4C51954DEAEC}"/>
+                </a:ext>
+                <a:ext uri="{C183D7F6-B498-43B3-948B-1728B52AA6E4}">
+                  <adec:decorative xmlns:adec="http://schemas.microsoft.com/office/drawing/2017/decorative" val="1"/>
+                </a:ext>
+              </a:extLst>
+            </p:cNvPr>
+            <p:cNvSpPr/>
+            <p:nvPr>
+              <p:extLst>
+                <p:ext uri="{386F3935-93C4-4BCD-93E2-E3B085C9AB24}">
+                  <p16:designElem xmlns:p16="http://schemas.microsoft.com/office/powerpoint/2015/main" val="1"/>
+                </p:ext>
+              </p:extLst>
+            </p:nvPr>
+          </p:nvSpPr>
+          <p:spPr>
+            <a:xfrm>
+              <a:off x="8932333" y="3048000"/>
+              <a:ext cx="3259667" cy="3810000"/>
+            </a:xfrm>
+            <a:prstGeom prst="triangle">
+              <a:avLst>
+                <a:gd name="adj" fmla="val 100000"/>
+              </a:avLst>
+            </a:prstGeom>
+            <a:solidFill>
+              <a:schemeClr val="accent2">
+                <a:alpha val="72000"/>
+              </a:schemeClr>
+            </a:solidFill>
+            <a:ln>
+              <a:noFill/>
+            </a:ln>
+            <a:effectLst/>
+          </p:spPr>
+          <p:style>
+            <a:lnRef idx="1">
+              <a:schemeClr val="accent1"/>
+            </a:lnRef>
+            <a:fillRef idx="3">
+              <a:schemeClr val="accent1"/>
+            </a:fillRef>
+            <a:effectRef idx="2">
+              <a:schemeClr val="accent1"/>
+            </a:effectRef>
+            <a:fontRef idx="minor">
+              <a:schemeClr val="lt1"/>
+            </a:fontRef>
+          </p:style>
+        </p:sp>
+        <p:sp>
+          <p:nvSpPr>
+            <p:cNvPr id="45" name="Rectangle 27">
+              <a:extLst>
+                <a:ext uri="{FF2B5EF4-FFF2-40B4-BE49-F238E27FC236}">
+                  <a16:creationId xmlns:a16="http://schemas.microsoft.com/office/drawing/2014/main" id="{CB37E322-FF7E-4872-BD6B-50A48CBEA5CE}"/>
+                </a:ext>
+                <a:ext uri="{C183D7F6-B498-43B3-948B-1728B52AA6E4}">
+                  <adec:decorative xmlns:adec="http://schemas.microsoft.com/office/drawing/2017/decorative" val="1"/>
+                </a:ext>
+              </a:extLst>
+            </p:cNvPr>
+            <p:cNvSpPr/>
+            <p:nvPr>
+              <p:extLst>
+                <p:ext uri="{386F3935-93C4-4BCD-93E2-E3B085C9AB24}">
+                  <p16:designElem xmlns:p16="http://schemas.microsoft.com/office/powerpoint/2015/main" val="1"/>
+                </p:ext>
+              </p:extLst>
+            </p:nvPr>
+          </p:nvSpPr>
+          <p:spPr>
+            <a:xfrm>
+              <a:off x="9334500" y="-8467"/>
+              <a:ext cx="2854326" cy="6866467"/>
+            </a:xfrm>
+            <a:custGeom>
+              <a:avLst/>
+              <a:gdLst/>
+              <a:ahLst/>
+              <a:cxnLst/>
+              <a:rect l="l" t="t" r="r" b="b"/>
+              <a:pathLst>
+                <a:path w="2858013" h="6866467">
+                  <a:moveTo>
+                    <a:pt x="0" y="0"/>
+                  </a:moveTo>
+                  <a:lnTo>
+                    <a:pt x="2858013" y="0"/>
+                  </a:lnTo>
+                  <a:lnTo>
+                    <a:pt x="2858013" y="6866467"/>
+                  </a:lnTo>
+                  <a:lnTo>
+                    <a:pt x="2473942" y="6866467"/>
+                  </a:lnTo>
+                  <a:lnTo>
+                    <a:pt x="0" y="0"/>
+                  </a:lnTo>
+                  <a:close/>
+                </a:path>
+              </a:pathLst>
+            </a:custGeom>
+            <a:solidFill>
+              <a:schemeClr val="accent2">
+                <a:lumMod val="75000"/>
+                <a:alpha val="70000"/>
+              </a:schemeClr>
+            </a:solidFill>
+            <a:ln>
+              <a:noFill/>
+            </a:ln>
+            <a:effectLst/>
+          </p:spPr>
+          <p:style>
+            <a:lnRef idx="1">
+              <a:schemeClr val="accent1"/>
+            </a:lnRef>
+            <a:fillRef idx="3">
+              <a:schemeClr val="accent1"/>
+            </a:fillRef>
+            <a:effectRef idx="2">
+              <a:schemeClr val="accent1"/>
+            </a:effectRef>
+            <a:fontRef idx="minor">
+              <a:schemeClr val="lt1"/>
+            </a:fontRef>
+          </p:style>
+        </p:sp>
+        <p:sp>
+          <p:nvSpPr>
+            <p:cNvPr id="46" name="Rectangle 28">
+              <a:extLst>
+                <a:ext uri="{FF2B5EF4-FFF2-40B4-BE49-F238E27FC236}">
+                  <a16:creationId xmlns:a16="http://schemas.microsoft.com/office/drawing/2014/main" id="{710D0C1E-D2F8-45B2-AE14-1AC8E976F7A2}"/>
+                </a:ext>
+                <a:ext uri="{C183D7F6-B498-43B3-948B-1728B52AA6E4}">
+                  <adec:decorative xmlns:adec="http://schemas.microsoft.com/office/drawing/2017/decorative" val="1"/>
+                </a:ext>
+              </a:extLst>
+            </p:cNvPr>
+            <p:cNvSpPr/>
+            <p:nvPr>
+              <p:extLst>
+                <p:ext uri="{386F3935-93C4-4BCD-93E2-E3B085C9AB24}">
+                  <p16:designElem xmlns:p16="http://schemas.microsoft.com/office/powerpoint/2015/main" val="1"/>
+                </p:ext>
+              </p:extLst>
+            </p:nvPr>
+          </p:nvSpPr>
+          <p:spPr>
+            <a:xfrm>
+              <a:off x="10898730" y="-8467"/>
+              <a:ext cx="1290094" cy="6866467"/>
+            </a:xfrm>
+            <a:custGeom>
+              <a:avLst/>
+              <a:gdLst/>
+              <a:ahLst/>
+              <a:cxnLst/>
+              <a:rect l="l" t="t" r="r" b="b"/>
+              <a:pathLst>
+                <a:path w="1290094" h="6858000">
+                  <a:moveTo>
+                    <a:pt x="1019735" y="0"/>
+                  </a:moveTo>
+                  <a:lnTo>
+                    <a:pt x="1290094" y="0"/>
+                  </a:lnTo>
+                  <a:lnTo>
+                    <a:pt x="1290094" y="6858000"/>
+                  </a:lnTo>
+                  <a:lnTo>
+                    <a:pt x="0" y="6858000"/>
+                  </a:lnTo>
+                  <a:lnTo>
+                    <a:pt x="1019735" y="0"/>
+                  </a:lnTo>
+                  <a:close/>
+                </a:path>
+              </a:pathLst>
+            </a:custGeom>
+            <a:solidFill>
+              <a:schemeClr val="accent1">
+                <a:lumMod val="60000"/>
+                <a:lumOff val="40000"/>
+                <a:alpha val="70000"/>
+              </a:schemeClr>
+            </a:solidFill>
+            <a:ln>
+              <a:noFill/>
+            </a:ln>
+            <a:effectLst/>
+          </p:spPr>
+          <p:style>
+            <a:lnRef idx="1">
+              <a:schemeClr val="accent1"/>
+            </a:lnRef>
+            <a:fillRef idx="3">
+              <a:schemeClr val="accent1"/>
+            </a:fillRef>
+            <a:effectRef idx="2">
+              <a:schemeClr val="accent1"/>
+            </a:effectRef>
+            <a:fontRef idx="minor">
+              <a:schemeClr val="lt1"/>
+            </a:fontRef>
+          </p:style>
+        </p:sp>
+        <p:sp>
+          <p:nvSpPr>
+            <p:cNvPr id="47" name="Rectangle 29">
+              <a:extLst>
+                <a:ext uri="{FF2B5EF4-FFF2-40B4-BE49-F238E27FC236}">
+                  <a16:creationId xmlns:a16="http://schemas.microsoft.com/office/drawing/2014/main" id="{3216331B-17D0-4167-ABD2-B2198058C2D2}"/>
+                </a:ext>
+                <a:ext uri="{C183D7F6-B498-43B3-948B-1728B52AA6E4}">
+                  <adec:decorative xmlns:adec="http://schemas.microsoft.com/office/drawing/2017/decorative" val="1"/>
+                </a:ext>
+              </a:extLst>
+            </p:cNvPr>
+            <p:cNvSpPr/>
+            <p:nvPr>
+              <p:extLst>
+                <p:ext uri="{386F3935-93C4-4BCD-93E2-E3B085C9AB24}">
+                  <p16:designElem xmlns:p16="http://schemas.microsoft.com/office/powerpoint/2015/main" val="1"/>
+                </p:ext>
+              </p:extLst>
+            </p:nvPr>
+          </p:nvSpPr>
+          <p:spPr>
+            <a:xfrm>
+              <a:off x="10938999" y="-8467"/>
+              <a:ext cx="1249825" cy="6866467"/>
+            </a:xfrm>
+            <a:custGeom>
+              <a:avLst/>
+              <a:gdLst/>
+              <a:ahLst/>
+              <a:cxnLst/>
+              <a:rect l="l" t="t" r="r" b="b"/>
+              <a:pathLst>
+                <a:path w="1249825" h="6858000">
+                  <a:moveTo>
+                    <a:pt x="0" y="0"/>
+                  </a:moveTo>
+                  <a:lnTo>
+                    <a:pt x="1249825" y="0"/>
+                  </a:lnTo>
+                  <a:lnTo>
+                    <a:pt x="1249825" y="6858000"/>
+                  </a:lnTo>
+                  <a:lnTo>
+                    <a:pt x="1109382" y="6858000"/>
+                  </a:lnTo>
+                  <a:lnTo>
+                    <a:pt x="0" y="0"/>
+                  </a:lnTo>
+                  <a:close/>
+                </a:path>
+              </a:pathLst>
+            </a:custGeom>
+            <a:solidFill>
+              <a:schemeClr val="accent1">
+                <a:alpha val="65000"/>
+              </a:schemeClr>
+            </a:solidFill>
+            <a:ln>
+              <a:noFill/>
+            </a:ln>
+            <a:effectLst/>
+          </p:spPr>
+          <p:style>
+            <a:lnRef idx="1">
+              <a:schemeClr val="accent1"/>
+            </a:lnRef>
+            <a:fillRef idx="3">
+              <a:schemeClr val="accent1"/>
+            </a:fillRef>
+            <a:effectRef idx="2">
+              <a:schemeClr val="accent1"/>
+            </a:effectRef>
+            <a:fontRef idx="minor">
+              <a:schemeClr val="lt1"/>
+            </a:fontRef>
+          </p:style>
+        </p:sp>
+        <p:sp>
+          <p:nvSpPr>
+            <p:cNvPr id="48" name="Isosceles Triangle 47">
+              <a:extLst>
+                <a:ext uri="{FF2B5EF4-FFF2-40B4-BE49-F238E27FC236}">
+                  <a16:creationId xmlns:a16="http://schemas.microsoft.com/office/drawing/2014/main" id="{A53A7A96-3806-4BB3-91DE-6EED48AC787E}"/>
+                </a:ext>
+                <a:ext uri="{C183D7F6-B498-43B3-948B-1728B52AA6E4}">
+                  <adec:decorative xmlns:adec="http://schemas.microsoft.com/office/drawing/2017/decorative" val="1"/>
+                </a:ext>
+              </a:extLst>
+            </p:cNvPr>
+            <p:cNvSpPr/>
+            <p:nvPr>
+              <p:extLst>
+                <p:ext uri="{386F3935-93C4-4BCD-93E2-E3B085C9AB24}">
+                  <p16:designElem xmlns:p16="http://schemas.microsoft.com/office/powerpoint/2015/main" val="1"/>
+                </p:ext>
+              </p:extLst>
+            </p:nvPr>
+          </p:nvSpPr>
+          <p:spPr>
+            <a:xfrm>
+              <a:off x="10371666" y="3589867"/>
+              <a:ext cx="1817159" cy="3268133"/>
+            </a:xfrm>
+            <a:prstGeom prst="triangle">
+              <a:avLst>
+                <a:gd name="adj" fmla="val 100000"/>
+              </a:avLst>
+            </a:prstGeom>
+            <a:solidFill>
+              <a:schemeClr val="accent1">
+                <a:alpha val="80000"/>
+              </a:schemeClr>
+            </a:solidFill>
+            <a:ln>
+              <a:noFill/>
+            </a:ln>
+            <a:effectLst/>
+          </p:spPr>
+          <p:style>
+            <a:lnRef idx="1">
+              <a:schemeClr val="accent1"/>
+            </a:lnRef>
+            <a:fillRef idx="3">
+              <a:schemeClr val="accent1"/>
+            </a:fillRef>
+            <a:effectRef idx="2">
+              <a:schemeClr val="accent1"/>
+            </a:effectRef>
+            <a:fontRef idx="minor">
+              <a:schemeClr val="lt1"/>
+            </a:fontRef>
+          </p:style>
+        </p:sp>
+        <p:sp>
+          <p:nvSpPr>
+            <p:cNvPr id="49" name="Isosceles Triangle 48">
+              <a:extLst>
+                <a:ext uri="{FF2B5EF4-FFF2-40B4-BE49-F238E27FC236}">
+                  <a16:creationId xmlns:a16="http://schemas.microsoft.com/office/drawing/2014/main" id="{F8C2B86C-EE71-466E-8991-503F9C9C1B22}"/>
+                </a:ext>
+                <a:ext uri="{C183D7F6-B498-43B3-948B-1728B52AA6E4}">
+                  <adec:decorative xmlns:adec="http://schemas.microsoft.com/office/drawing/2017/decorative" val="1"/>
+                </a:ext>
+              </a:extLst>
+            </p:cNvPr>
+            <p:cNvSpPr/>
+            <p:nvPr>
+              <p:extLst>
+                <p:ext uri="{386F3935-93C4-4BCD-93E2-E3B085C9AB24}">
+                  <p16:designElem xmlns:p16="http://schemas.microsoft.com/office/powerpoint/2015/main" val="1"/>
+                </p:ext>
+              </p:extLst>
+            </p:nvPr>
+          </p:nvSpPr>
+          <p:spPr>
+            <a:xfrm rot="10800000">
+              <a:off x="0" y="0"/>
+              <a:ext cx="842596" cy="5666154"/>
+            </a:xfrm>
+            <a:prstGeom prst="triangle">
+              <a:avLst>
+                <a:gd name="adj" fmla="val 100000"/>
+              </a:avLst>
+            </a:prstGeom>
+            <a:solidFill>
+              <a:schemeClr val="accent1">
+                <a:alpha val="85000"/>
+              </a:schemeClr>
+            </a:solidFill>
+            <a:ln>
+              <a:noFill/>
+            </a:ln>
+            <a:effectLst/>
+          </p:spPr>
+          <p:style>
+            <a:lnRef idx="1">
+              <a:schemeClr val="accent1"/>
+            </a:lnRef>
+            <a:fillRef idx="3">
+              <a:schemeClr val="accent1"/>
+            </a:fillRef>
+            <a:effectRef idx="2">
+              <a:schemeClr val="accent1"/>
+            </a:effectRef>
+            <a:fontRef idx="minor">
+              <a:schemeClr val="lt1"/>
+            </a:fontRef>
+          </p:style>
+        </p:sp>
+      </p:grpSp>
+      <p:pic>
+        <p:nvPicPr>
+          <p:cNvPr id="4" name="Inhaltsplatzhalter 3">
+            <a:extLst>
+              <a:ext uri="{FF2B5EF4-FFF2-40B4-BE49-F238E27FC236}">
+                <a16:creationId xmlns:a16="http://schemas.microsoft.com/office/drawing/2014/main" id="{18847A69-3A58-4361-B0F7-C4B1F5A90742}"/>
+              </a:ext>
+            </a:extLst>
+          </p:cNvPr>
+          <p:cNvPicPr>
+            <a:picLocks/>
+          </p:cNvPicPr>
+          <p:nvPr/>
+        </p:nvPicPr>
+        <p:blipFill rotWithShape="1">
+          <a:blip r:embed="rId2"/>
+          <a:srcRect t="4951" r="3" b="3"/>
+          <a:stretch/>
+        </p:blipFill>
+        <p:spPr bwMode="auto">
+          <a:xfrm>
+            <a:off x="1710204" y="201551"/>
+            <a:ext cx="6462151" cy="3163156"/>
+          </a:xfrm>
+          <a:prstGeom prst="rect">
+            <a:avLst/>
+          </a:prstGeom>
+          <a:scene3d>
+            <a:camera prst="orthographicFront"/>
+            <a:lightRig rig="twoPt" dir="t">
+              <a:rot lat="0" lon="0" rev="7200000"/>
+            </a:lightRig>
+          </a:scene3d>
+        </p:spPr>
+      </p:pic>
+      <p:pic>
+        <p:nvPicPr>
+          <p:cNvPr id="12" name="Grafik 11">
+            <a:extLst>
+              <a:ext uri="{FF2B5EF4-FFF2-40B4-BE49-F238E27FC236}">
+                <a16:creationId xmlns:a16="http://schemas.microsoft.com/office/drawing/2014/main" id="{75480DC9-7C04-49DB-84EB-743F429597ED}"/>
+              </a:ext>
+            </a:extLst>
+          </p:cNvPr>
+          <p:cNvPicPr/>
+          <p:nvPr/>
+        </p:nvPicPr>
+        <p:blipFill>
+          <a:blip r:embed="rId3"/>
+          <a:stretch>
+            <a:fillRect/>
+          </a:stretch>
+        </p:blipFill>
+        <p:spPr bwMode="auto">
+          <a:xfrm>
+            <a:off x="1710204" y="3364707"/>
+            <a:ext cx="6462150" cy="3182094"/>
+          </a:xfrm>
+          <a:prstGeom prst="rect">
+            <a:avLst/>
+          </a:prstGeom>
+          <a:scene3d>
+            <a:camera prst="orthographicFront"/>
+            <a:lightRig rig="twoPt" dir="t">
+              <a:rot lat="0" lon="0" rev="7200000"/>
+            </a:lightRig>
+          </a:scene3d>
+        </p:spPr>
+      </p:pic>
+    </p:spTree>
+    <p:extLst>
+      <p:ext uri="{BB962C8B-B14F-4D97-AF65-F5344CB8AC3E}">
+        <p14:creationId xmlns:p14="http://schemas.microsoft.com/office/powerpoint/2010/main" val="114051431"/>
+      </p:ext>
+    </p:extLst>
+  </p:cSld>
+  <p:clrMapOvr>
+    <a:masterClrMapping/>
+  </p:clrMapOvr>
+</p:sld>
+</file>
+
+<file path=ppt/slides/slide3.xml><?xml version="1.0" encoding="utf-8"?>
+<p:sld xmlns:a="http://schemas.openxmlformats.org/drawingml/2006/main" xmlns:r="http://schemas.openxmlformats.org/officeDocument/2006/relationships" xmlns:p="http://schemas.openxmlformats.org/presentationml/2006/main">
+  <p:cSld>
+    <p:spTree>
+      <p:nvGrpSpPr>
+        <p:cNvPr id="1" name=""/>
+        <p:cNvGrpSpPr/>
+        <p:nvPr/>
+      </p:nvGrpSpPr>
+      <p:grpSpPr>
+        <a:xfrm>
+          <a:off x="0" y="0"/>
+          <a:ext cx="0" cy="0"/>
+          <a:chOff x="0" y="0"/>
+          <a:chExt cx="0" cy="0"/>
+        </a:xfrm>
+      </p:grpSpPr>
+      <p:sp>
+        <p:nvSpPr>
+          <p:cNvPr id="2" name="Titel 1">
+            <a:extLst>
+              <a:ext uri="{FF2B5EF4-FFF2-40B4-BE49-F238E27FC236}">
+                <a16:creationId xmlns:a16="http://schemas.microsoft.com/office/drawing/2014/main" id="{9B4CC1F5-59B7-42DD-BC11-8FD61628EA4E}"/>
+              </a:ext>
+            </a:extLst>
+          </p:cNvPr>
+          <p:cNvSpPr>
+            <a:spLocks noGrp="1"/>
+          </p:cNvSpPr>
+          <p:nvPr>
+            <p:ph type="title"/>
+          </p:nvPr>
+        </p:nvSpPr>
+        <p:spPr/>
+        <p:txBody>
+          <a:bodyPr/>
+          <a:lstStyle/>
+          <a:p>
+            <a:r>
+              <a:rPr lang="de-DE" dirty="0"/>
+              <a:t>Catia Anbindung</a:t>
+            </a:r>
+          </a:p>
+        </p:txBody>
+      </p:sp>
+      <p:sp>
+        <p:nvSpPr>
+          <p:cNvPr id="3" name="Inhaltsplatzhalter 2">
+            <a:extLst>
+              <a:ext uri="{FF2B5EF4-FFF2-40B4-BE49-F238E27FC236}">
+                <a16:creationId xmlns:a16="http://schemas.microsoft.com/office/drawing/2014/main" id="{8FA540C7-4061-4722-B859-6B880FF404D5}"/>
+              </a:ext>
+            </a:extLst>
+          </p:cNvPr>
+          <p:cNvSpPr>
+            <a:spLocks noGrp="1"/>
+          </p:cNvSpPr>
+          <p:nvPr>
+            <p:ph idx="1"/>
+          </p:nvPr>
+        </p:nvSpPr>
+        <p:spPr/>
+        <p:txBody>
+          <a:bodyPr/>
+          <a:lstStyle/>
+          <a:p>
+            <a:endParaRPr lang="de-DE" dirty="0"/>
+          </a:p>
+        </p:txBody>
+      </p:sp>
+    </p:spTree>
+    <p:extLst>
+      <p:ext uri="{BB962C8B-B14F-4D97-AF65-F5344CB8AC3E}">
+        <p14:creationId xmlns:p14="http://schemas.microsoft.com/office/powerpoint/2010/main" val="644532853"/>
+      </p:ext>
+    </p:extLst>
+  </p:cSld>
+  <p:clrMapOvr>
+    <a:masterClrMapping/>
+  </p:clrMapOvr>
+</p:sld>
+</file>
+
 <file path=ppt/theme/theme1.xml><?xml version="1.0" encoding="utf-8"?>
-<a:theme xmlns:a="http://schemas.openxmlformats.org/drawingml/2006/main" name="Office">
+<a:theme xmlns:a="http://schemas.openxmlformats.org/drawingml/2006/main" name="Facette">
   <a:themeElements>
-    <a:clrScheme name="Office">
+    <a:clrScheme name="Facette">
       <a:dk1>
         <a:sysClr val="windowText" lastClr="000000"/>
       </a:dk1>
@@ -3454,52 +6989,52 @@
         <a:sysClr val="window" lastClr="FFFFFF"/>
       </a:lt1>
       <a:dk2>
-        <a:srgbClr val="44546A"/>
+        <a:srgbClr val="2C3C43"/>
       </a:dk2>
       <a:lt2>
-        <a:srgbClr val="E7E6E6"/>
+        <a:srgbClr val="EBEBEB"/>
       </a:lt2>
       <a:accent1>
-        <a:srgbClr val="4472C4"/>
+        <a:srgbClr val="90C226"/>
       </a:accent1>
       <a:accent2>
-        <a:srgbClr val="ED7D31"/>
+        <a:srgbClr val="54A021"/>
       </a:accent2>
       <a:accent3>
-        <a:srgbClr val="A5A5A5"/>
+        <a:srgbClr val="E6B91E"/>
       </a:accent3>
       <a:accent4>
-        <a:srgbClr val="FFC000"/>
+        <a:srgbClr val="E76618"/>
       </a:accent4>
       <a:accent5>
-        <a:srgbClr val="5B9BD5"/>
+        <a:srgbClr val="C42F1A"/>
       </a:accent5>
       <a:accent6>
-        <a:srgbClr val="70AD47"/>
+        <a:srgbClr val="918655"/>
       </a:accent6>
       <a:hlink>
-        <a:srgbClr val="0563C1"/>
+        <a:srgbClr val="99CA3C"/>
       </a:hlink>
       <a:folHlink>
-        <a:srgbClr val="954F72"/>
+        <a:srgbClr val="B9D181"/>
       </a:folHlink>
     </a:clrScheme>
-    <a:fontScheme name="Office">
+    <a:fontScheme name="Facette">
       <a:majorFont>
-        <a:latin typeface="Calibri Light" panose="020F0302020204030204"/>
+        <a:latin typeface="Trebuchet MS" panose="020B0603020202020204"/>
         <a:ea typeface=""/>
         <a:cs typeface=""/>
-        <a:font script="Jpan" typeface="游ゴシック Light"/>
+        <a:font script="Jpan" typeface="メイリオ"/>
         <a:font script="Hang" typeface="맑은 고딕"/>
-        <a:font script="Hans" typeface="等线 Light"/>
-        <a:font script="Hant" typeface="新細明體"/>
-        <a:font script="Arab" typeface="Times New Roman"/>
-        <a:font script="Hebr" typeface="Times New Roman"/>
-        <a:font script="Thai" typeface="Angsana New"/>
+        <a:font script="Hans" typeface="方正姚体"/>
+        <a:font script="Hant" typeface="微軟正黑體"/>
+        <a:font script="Arab" typeface="Tahoma"/>
+        <a:font script="Hebr" typeface="Arial"/>
+        <a:font script="Thai" typeface="Cordia New"/>
         <a:font script="Ethi" typeface="Nyala"/>
         <a:font script="Beng" typeface="Vrinda"/>
         <a:font script="Gujr" typeface="Shruti"/>
-        <a:font script="Khmr" typeface="MoolBoran"/>
+        <a:font script="Khmr" typeface="DaunPenh"/>
         <a:font script="Knda" typeface="Tunga"/>
         <a:font script="Guru" typeface="Raavi"/>
         <a:font script="Cans" typeface="Euphemia"/>
@@ -3516,38 +7051,21 @@
         <a:font script="Laoo" typeface="DokChampa"/>
         <a:font script="Sinh" typeface="Iskoola Pota"/>
         <a:font script="Mong" typeface="Mongolian Baiti"/>
-        <a:font script="Viet" typeface="Times New Roman"/>
+        <a:font script="Viet" typeface="Tahoma"/>
         <a:font script="Uigh" typeface="Microsoft Uighur"/>
         <a:font script="Geor" typeface="Sylfaen"/>
-        <a:font script="Armn" typeface="Arial"/>
-        <a:font script="Bugi" typeface="Leelawadee UI"/>
-        <a:font script="Bopo" typeface="Microsoft JhengHei"/>
-        <a:font script="Java" typeface="Javanese Text"/>
-        <a:font script="Lisu" typeface="Segoe UI"/>
-        <a:font script="Mymr" typeface="Myanmar Text"/>
-        <a:font script="Nkoo" typeface="Ebrima"/>
-        <a:font script="Olck" typeface="Nirmala UI"/>
-        <a:font script="Osma" typeface="Ebrima"/>
-        <a:font script="Phag" typeface="Phagspa"/>
-        <a:font script="Syrn" typeface="Estrangelo Edessa"/>
-        <a:font script="Syrj" typeface="Estrangelo Edessa"/>
-        <a:font script="Syre" typeface="Estrangelo Edessa"/>
-        <a:font script="Sora" typeface="Nirmala UI"/>
-        <a:font script="Tale" typeface="Microsoft Tai Le"/>
-        <a:font script="Talu" typeface="Microsoft New Tai Lue"/>
-        <a:font script="Tfng" typeface="Ebrima"/>
       </a:majorFont>
       <a:minorFont>
-        <a:latin typeface="Calibri" panose="020F0502020204030204"/>
+        <a:latin typeface="Trebuchet MS" panose="020B0603020202020204"/>
         <a:ea typeface=""/>
         <a:cs typeface=""/>
-        <a:font script="Jpan" typeface="游ゴシック"/>
-        <a:font script="Hang" typeface="맑은 고딕"/>
-        <a:font script="Hans" typeface="等线"/>
-        <a:font script="Hant" typeface="新細明體"/>
-        <a:font script="Arab" typeface="Arial"/>
-        <a:font script="Hebr" typeface="Arial"/>
-        <a:font script="Thai" typeface="Cordia New"/>
+        <a:font script="Jpan" typeface="メイリオ"/>
+        <a:font script="Hang" typeface="HY그래픽M"/>
+        <a:font script="Hans" typeface="华文新魏"/>
+        <a:font script="Hant" typeface="微軟正黑體"/>
+        <a:font script="Arab" typeface="Tahoma"/>
+        <a:font script="Hebr" typeface="Gisha"/>
+        <a:font script="Thai" typeface="IrisUPC"/>
         <a:font script="Ethi" typeface="Nyala"/>
         <a:font script="Beng" typeface="Vrinda"/>
         <a:font script="Gujr" typeface="Shruti"/>
@@ -3571,26 +7089,9 @@
         <a:font script="Viet" typeface="Arial"/>
         <a:font script="Uigh" typeface="Microsoft Uighur"/>
         <a:font script="Geor" typeface="Sylfaen"/>
-        <a:font script="Armn" typeface="Arial"/>
-        <a:font script="Bugi" typeface="Leelawadee UI"/>
-        <a:font script="Bopo" typeface="Microsoft JhengHei"/>
-        <a:font script="Java" typeface="Javanese Text"/>
-        <a:font script="Lisu" typeface="Segoe UI"/>
-        <a:font script="Mymr" typeface="Myanmar Text"/>
-        <a:font script="Nkoo" typeface="Ebrima"/>
-        <a:font script="Olck" typeface="Nirmala UI"/>
-        <a:font script="Osma" typeface="Ebrima"/>
-        <a:font script="Phag" typeface="Phagspa"/>
-        <a:font script="Syrn" typeface="Estrangelo Edessa"/>
-        <a:font script="Syrj" typeface="Estrangelo Edessa"/>
-        <a:font script="Syre" typeface="Estrangelo Edessa"/>
-        <a:font script="Sora" typeface="Nirmala UI"/>
-        <a:font script="Tale" typeface="Microsoft Tai Le"/>
-        <a:font script="Talu" typeface="Microsoft New Tai Lue"/>
-        <a:font script="Tfng" typeface="Ebrima"/>
       </a:minorFont>
     </a:fontScheme>
-    <a:fmtScheme name="Office">
+    <a:fmtScheme name="Facette">
       <a:fillStyleLst>
         <a:solidFill>
           <a:schemeClr val="phClr"/>
@@ -3599,23 +7100,13 @@
           <a:gsLst>
             <a:gs pos="0">
               <a:schemeClr val="phClr">
+                <a:tint val="65000"/>
                 <a:lumMod val="110000"/>
-                <a:satMod val="105000"/>
-                <a:tint val="67000"/>
               </a:schemeClr>
             </a:gs>
-            <a:gs pos="50000">
+            <a:gs pos="88000">
               <a:schemeClr val="phClr">
-                <a:lumMod val="105000"/>
-                <a:satMod val="103000"/>
-                <a:tint val="73000"/>
-              </a:schemeClr>
-            </a:gs>
-            <a:gs pos="100000">
-              <a:schemeClr val="phClr">
-                <a:lumMod val="105000"/>
-                <a:satMod val="109000"/>
-                <a:tint val="81000"/>
+                <a:tint val="90000"/>
               </a:schemeClr>
             </a:gs>
           </a:gsLst>
@@ -3625,23 +7116,14 @@
           <a:gsLst>
             <a:gs pos="0">
               <a:schemeClr val="phClr">
-                <a:satMod val="103000"/>
-                <a:lumMod val="102000"/>
-                <a:tint val="94000"/>
+                <a:tint val="96000"/>
+                <a:lumMod val="100000"/>
               </a:schemeClr>
             </a:gs>
-            <a:gs pos="50000">
+            <a:gs pos="78000">
               <a:schemeClr val="phClr">
-                <a:satMod val="110000"/>
-                <a:lumMod val="100000"/>
-                <a:shade val="100000"/>
-              </a:schemeClr>
-            </a:gs>
-            <a:gs pos="100000">
-              <a:schemeClr val="phClr">
-                <a:lumMod val="99000"/>
-                <a:satMod val="120000"/>
-                <a:shade val="78000"/>
+                <a:shade val="94000"/>
+                <a:lumMod val="94000"/>
               </a:schemeClr>
             </a:gs>
           </a:gsLst>
@@ -3649,26 +7131,23 @@
         </a:gradFill>
       </a:fillStyleLst>
       <a:lnStyleLst>
-        <a:ln w="6350" cap="flat" cmpd="sng" algn="ctr">
+        <a:ln w="12700" cap="rnd" cmpd="sng" algn="ctr">
           <a:solidFill>
             <a:schemeClr val="phClr"/>
           </a:solidFill>
           <a:prstDash val="solid"/>
-          <a:miter lim="800000"/>
         </a:ln>
-        <a:ln w="12700" cap="flat" cmpd="sng" algn="ctr">
+        <a:ln w="19050" cap="rnd" cmpd="sng" algn="ctr">
           <a:solidFill>
             <a:schemeClr val="phClr"/>
           </a:solidFill>
           <a:prstDash val="solid"/>
-          <a:miter lim="800000"/>
         </a:ln>
-        <a:ln w="19050" cap="flat" cmpd="sng" algn="ctr">
+        <a:ln w="25400" cap="rnd" cmpd="sng" algn="ctr">
           <a:solidFill>
             <a:schemeClr val="phClr"/>
           </a:solidFill>
           <a:prstDash val="solid"/>
-          <a:miter lim="800000"/>
         </a:ln>
       </a:lnStyleLst>
       <a:effectStyleLst>
@@ -3676,54 +7155,72 @@
           <a:effectLst/>
         </a:effectStyle>
         <a:effectStyle>
-          <a:effectLst/>
+          <a:effectLst>
+            <a:outerShdw blurRad="38100" dist="25400" dir="5400000" rotWithShape="0">
+              <a:srgbClr val="000000">
+                <a:alpha val="35000"/>
+              </a:srgbClr>
+            </a:outerShdw>
+          </a:effectLst>
         </a:effectStyle>
         <a:effectStyle>
           <a:effectLst>
-            <a:outerShdw blurRad="57150" dist="19050" dir="5400000" algn="ctr" rotWithShape="0">
+            <a:outerShdw blurRad="50800" dist="38100" dir="5400000" rotWithShape="0">
               <a:srgbClr val="000000">
-                <a:alpha val="63000"/>
+                <a:alpha val="35000"/>
               </a:srgbClr>
             </a:outerShdw>
           </a:effectLst>
+          <a:scene3d>
+            <a:camera prst="orthographicFront">
+              <a:rot lat="0" lon="0" rev="0"/>
+            </a:camera>
+            <a:lightRig rig="threePt" dir="tl"/>
+          </a:scene3d>
+          <a:sp3d prstMaterial="plastic">
+            <a:bevelT w="0" h="0"/>
+          </a:sp3d>
         </a:effectStyle>
       </a:effectStyleLst>
       <a:bgFillStyleLst>
         <a:solidFill>
           <a:schemeClr val="phClr"/>
         </a:solidFill>
-        <a:solidFill>
-          <a:schemeClr val="phClr">
-            <a:tint val="95000"/>
-            <a:satMod val="170000"/>
-          </a:schemeClr>
-        </a:solidFill>
         <a:gradFill rotWithShape="1">
           <a:gsLst>
             <a:gs pos="0">
               <a:schemeClr val="phClr">
-                <a:tint val="93000"/>
-                <a:satMod val="150000"/>
-                <a:shade val="98000"/>
-                <a:lumMod val="102000"/>
+                <a:tint val="90000"/>
+                <a:lumMod val="104000"/>
               </a:schemeClr>
             </a:gs>
-            <a:gs pos="50000">
+            <a:gs pos="94000">
               <a:schemeClr val="phClr">
-                <a:tint val="98000"/>
-                <a:satMod val="130000"/>
-                <a:shade val="90000"/>
-                <a:lumMod val="103000"/>
+                <a:shade val="96000"/>
+                <a:lumMod val="82000"/>
+              </a:schemeClr>
+            </a:gs>
+          </a:gsLst>
+          <a:lin ang="5400000" scaled="0"/>
+        </a:gradFill>
+        <a:gradFill rotWithShape="1">
+          <a:gsLst>
+            <a:gs pos="0">
+              <a:schemeClr val="phClr">
+                <a:tint val="90000"/>
+                <a:lumMod val="110000"/>
               </a:schemeClr>
             </a:gs>
             <a:gs pos="100000">
               <a:schemeClr val="phClr">
-                <a:shade val="63000"/>
-                <a:satMod val="120000"/>
+                <a:shade val="94000"/>
+                <a:lumMod val="96000"/>
               </a:schemeClr>
             </a:gs>
           </a:gsLst>
-          <a:lin ang="5400000" scaled="0"/>
+          <a:path path="circle">
+            <a:fillToRect l="50000" t="50000" r="100000" b="100000"/>
+          </a:path>
         </a:gradFill>
       </a:bgFillStyleLst>
     </a:fmtScheme>
@@ -3732,7 +7229,7 @@
   <a:extraClrSchemeLst/>
   <a:extLst>
     <a:ext uri="{05A4C25C-085E-4340-85A3-A5531E510DB2}">
-      <thm15:themeFamily xmlns:thm15="http://schemas.microsoft.com/office/thememl/2012/main" name="Office Theme" id="{62F939B6-93AF-4DB8-9C6B-D6C7DFDC589F}" vid="{4A3C46E8-61CC-4603-A589-7422A47A8E4A}"/>
+      <thm15:themeFamily xmlns:thm15="http://schemas.microsoft.com/office/thememl/2012/main" name="Facet" id="{C0C680CD-088A-49FC-A102-D699147F32B2}" vid="{CFBC31BA-B70F-4F30-BCAA-4F3011E16C4D}"/>
     </a:ext>
   </a:extLst>
 </a:theme>

--- a/Sprint 3/Abgabe-Dateien/Sptrint 3 Präsentation.pptx
+++ b/Sprint 3/Abgabe-Dateien/Sptrint 3 Präsentation.pptx
@@ -5,9 +5,10 @@
     <p:sldMasterId id="2147483660" r:id="rId1"/>
   </p:sldMasterIdLst>
   <p:sldIdLst>
-    <p:sldId id="256" r:id="rId2"/>
-    <p:sldId id="257" r:id="rId3"/>
-    <p:sldId id="258" r:id="rId4"/>
+    <p:sldId id="259" r:id="rId2"/>
+    <p:sldId id="256" r:id="rId3"/>
+    <p:sldId id="257" r:id="rId4"/>
+    <p:sldId id="258" r:id="rId5"/>
   </p:sldIdLst>
   <p:sldSz cx="12192000" cy="6858000"/>
   <p:notesSz cx="6858000" cy="9144000"/>
@@ -5833,6 +5834,186 @@
       </p:grpSpPr>
       <p:sp>
         <p:nvSpPr>
+          <p:cNvPr id="2" name="Titel 1"/>
+          <p:cNvSpPr>
+            <a:spLocks noGrp="1"/>
+          </p:cNvSpPr>
+          <p:nvPr>
+            <p:ph type="title"/>
+          </p:nvPr>
+        </p:nvSpPr>
+        <p:spPr>
+          <a:xfrm>
+            <a:off x="201846" y="161544"/>
+            <a:ext cx="8596668" cy="1320800"/>
+          </a:xfrm>
+        </p:spPr>
+        <p:txBody>
+          <a:bodyPr/>
+          <a:lstStyle/>
+          <a:p>
+            <a:r>
+              <a:rPr lang="de-DE" dirty="0" smtClean="0">
+                <a:solidFill>
+                  <a:schemeClr val="accent2"/>
+                </a:solidFill>
+              </a:rPr>
+              <a:t>Kommunikationskanäle</a:t>
+            </a:r>
+            <a:endParaRPr lang="de-DE" dirty="0">
+              <a:solidFill>
+                <a:schemeClr val="accent2"/>
+              </a:solidFill>
+            </a:endParaRPr>
+          </a:p>
+        </p:txBody>
+      </p:sp>
+      <p:pic>
+        <p:nvPicPr>
+          <p:cNvPr id="4" name="Picture 4">
+            <a:extLst>
+              <a:ext uri="{FF2B5EF4-FFF2-40B4-BE49-F238E27FC236}">
+                <a16:creationId xmlns:a16="http://schemas.microsoft.com/office/drawing/2014/main" id="{099D1CB7-E380-4BEA-863D-C4BC3AB8F456}"/>
+              </a:ext>
+            </a:extLst>
+          </p:cNvPr>
+          <p:cNvPicPr>
+            <a:picLocks noChangeAspect="1" noChangeArrowheads="1"/>
+          </p:cNvPicPr>
+          <p:nvPr/>
+        </p:nvPicPr>
+        <p:blipFill>
+          <a:blip r:embed="rId2" cstate="hqprint">
+            <a:extLst>
+              <a:ext uri="{28A0092B-C50C-407E-A947-70E740481C1C}">
+                <a14:useLocalDpi xmlns:a14="http://schemas.microsoft.com/office/drawing/2010/main" val="0"/>
+              </a:ext>
+            </a:extLst>
+          </a:blip>
+          <a:srcRect/>
+          <a:stretch>
+            <a:fillRect/>
+          </a:stretch>
+        </p:blipFill>
+        <p:spPr bwMode="auto">
+          <a:xfrm>
+            <a:off x="563688" y="4038992"/>
+            <a:ext cx="1010055" cy="1013339"/>
+          </a:xfrm>
+          <a:prstGeom prst="rect">
+            <a:avLst/>
+          </a:prstGeom>
+          <a:noFill/>
+          <a:extLst>
+            <a:ext uri="{909E8E84-426E-40DD-AFC4-6F175D3DCCD1}">
+              <a14:hiddenFill xmlns:a14="http://schemas.microsoft.com/office/drawing/2010/main">
+                <a:solidFill>
+                  <a:srgbClr val="FFFFFF"/>
+                </a:solidFill>
+              </a14:hiddenFill>
+            </a:ext>
+          </a:extLst>
+        </p:spPr>
+      </p:pic>
+      <p:pic>
+        <p:nvPicPr>
+          <p:cNvPr id="6" name="Grafik 5"/>
+          <p:cNvPicPr>
+            <a:picLocks noChangeAspect="1"/>
+          </p:cNvPicPr>
+          <p:nvPr/>
+        </p:nvPicPr>
+        <p:blipFill>
+          <a:blip r:embed="rId3">
+            <a:extLst>
+              <a:ext uri="{28A0092B-C50C-407E-A947-70E740481C1C}">
+                <a14:useLocalDpi xmlns:a14="http://schemas.microsoft.com/office/drawing/2010/main" val="0"/>
+              </a:ext>
+            </a:extLst>
+          </a:blip>
+          <a:stretch>
+            <a:fillRect/>
+          </a:stretch>
+        </p:blipFill>
+        <p:spPr>
+          <a:xfrm>
+            <a:off x="9840" y="1040701"/>
+            <a:ext cx="4198368" cy="1556195"/>
+          </a:xfrm>
+          <a:prstGeom prst="rect">
+            <a:avLst/>
+          </a:prstGeom>
+        </p:spPr>
+      </p:pic>
+      <p:pic>
+        <p:nvPicPr>
+          <p:cNvPr id="7" name="Grafik 6"/>
+          <p:cNvPicPr>
+            <a:picLocks noChangeAspect="1"/>
+          </p:cNvPicPr>
+          <p:nvPr/>
+        </p:nvPicPr>
+        <p:blipFill>
+          <a:blip r:embed="rId4" cstate="print">
+            <a:extLst>
+              <a:ext uri="{28A0092B-C50C-407E-A947-70E740481C1C}">
+                <a14:useLocalDpi xmlns:a14="http://schemas.microsoft.com/office/drawing/2010/main" val="0"/>
+              </a:ext>
+            </a:extLst>
+          </a:blip>
+          <a:stretch>
+            <a:fillRect/>
+          </a:stretch>
+        </p:blipFill>
+        <p:spPr>
+          <a:xfrm>
+            <a:off x="9840" y="1584917"/>
+            <a:ext cx="5055108" cy="3370072"/>
+          </a:xfrm>
+          <a:prstGeom prst="rect">
+            <a:avLst/>
+          </a:prstGeom>
+        </p:spPr>
+      </p:pic>
+    </p:spTree>
+    <p:extLst>
+      <p:ext uri="{BB962C8B-B14F-4D97-AF65-F5344CB8AC3E}">
+        <p14:creationId xmlns:p14="http://schemas.microsoft.com/office/powerpoint/2010/main" val="226354326"/>
+      </p:ext>
+    </p:extLst>
+  </p:cSld>
+  <p:clrMapOvr>
+    <a:masterClrMapping/>
+  </p:clrMapOvr>
+  <p:timing>
+    <p:tnLst>
+      <p:par>
+        <p:cTn id="1" dur="indefinite" restart="never" nodeType="tmRoot"/>
+      </p:par>
+    </p:tnLst>
+  </p:timing>
+</p:sld>
+</file>
+
+<file path=ppt/slides/slide2.xml><?xml version="1.0" encoding="utf-8"?>
+<p:sld xmlns:a="http://schemas.openxmlformats.org/drawingml/2006/main" xmlns:r="http://schemas.openxmlformats.org/officeDocument/2006/relationships" xmlns:p="http://schemas.openxmlformats.org/presentationml/2006/main">
+  <p:cSld>
+    <p:spTree>
+      <p:nvGrpSpPr>
+        <p:cNvPr id="1" name=""/>
+        <p:cNvGrpSpPr/>
+        <p:nvPr/>
+      </p:nvGrpSpPr>
+      <p:grpSpPr>
+        <a:xfrm>
+          <a:off x="0" y="0"/>
+          <a:ext cx="0" cy="0"/>
+          <a:chOff x="0" y="0"/>
+          <a:chExt cx="0" cy="0"/>
+        </a:xfrm>
+      </p:grpSpPr>
+      <p:sp>
+        <p:nvSpPr>
           <p:cNvPr id="3" name="Untertitel 2">
             <a:extLst>
               <a:ext uri="{FF2B5EF4-FFF2-40B4-BE49-F238E27FC236}">
@@ -5849,8 +6030,8 @@
         </p:nvSpPr>
         <p:spPr>
           <a:xfrm>
-            <a:off x="1524000" y="668383"/>
-            <a:ext cx="9144000" cy="5521234"/>
+            <a:off x="758218" y="961790"/>
+            <a:ext cx="3863229" cy="3292537"/>
           </a:xfrm>
         </p:spPr>
         <p:txBody>
@@ -5859,62 +6040,94 @@
           <a:p>
             <a:pPr algn="l"/>
             <a:r>
-              <a:rPr lang="de-DE" sz="3600" dirty="0"/>
-              <a:t>Ziele</a:t>
+              <a:rPr lang="de-DE" u="sng" dirty="0" smtClean="0">
+                <a:solidFill>
+                  <a:schemeClr val="tx1">
+                    <a:lumMod val="65000"/>
+                    <a:lumOff val="35000"/>
+                  </a:schemeClr>
+                </a:solidFill>
+              </a:rPr>
+              <a:t>Eingabe:</a:t>
             </a:r>
           </a:p>
           <a:p>
-            <a:pPr algn="l"/>
-            <a:endParaRPr lang="de-DE" dirty="0"/>
-          </a:p>
-          <a:p>
-            <a:pPr algn="l"/>
+            <a:pPr marL="285750" indent="-285750" algn="l">
+              <a:buFont typeface="Arial" panose="020B0604020202020204" pitchFamily="34" charset="0"/>
+              <a:buChar char="•"/>
+            </a:pPr>
             <a:r>
-              <a:rPr lang="de-DE" dirty="0"/>
-              <a:t>Gewindelänge auswählbar				</a:t>
+              <a:rPr lang="de-DE" sz="1600" dirty="0" smtClean="0"/>
+              <a:t>Versch. Schraubenarten</a:t>
             </a:r>
           </a:p>
           <a:p>
-            <a:pPr algn="l"/>
+            <a:pPr marL="285750" indent="-285750" algn="l">
+              <a:buFont typeface="Arial" panose="020B0604020202020204" pitchFamily="34" charset="0"/>
+              <a:buChar char="•"/>
+            </a:pPr>
             <a:r>
-              <a:rPr lang="de-DE" dirty="0"/>
-              <a:t>Schaftlängen hinzufügen</a:t>
+              <a:rPr lang="de-DE" sz="1600" dirty="0" smtClean="0"/>
+              <a:t>Versch. Gewindedurchmesser</a:t>
             </a:r>
-          </a:p>
-          <a:p>
-            <a:pPr algn="l"/>
+            <a:endParaRPr lang="de-DE" sz="1600" dirty="0"/>
+          </a:p>
+          <a:p>
+            <a:pPr marL="285750" indent="-285750" algn="l">
+              <a:buFont typeface="Arial" panose="020B0604020202020204" pitchFamily="34" charset="0"/>
+              <a:buChar char="•"/>
+            </a:pPr>
             <a:r>
-              <a:rPr lang="de-DE" dirty="0"/>
-              <a:t>Catia Modell erstellen</a:t>
-            </a:r>
-          </a:p>
-          <a:p>
-            <a:pPr algn="l"/>
-            <a:r>
-              <a:rPr lang="de-DE" dirty="0"/>
-              <a:t>Catia &amp; </a:t>
+              <a:rPr lang="de-DE" sz="1600" dirty="0" smtClean="0"/>
+              <a:t>Versch. Gewindelängen</a:t>
             </a:r>
             <a:r>
-              <a:rPr lang="de-DE" dirty="0" err="1"/>
-              <a:t>Exel</a:t>
+              <a:rPr lang="de-DE" sz="1600" dirty="0"/>
+              <a:t>	</a:t>
+            </a:r>
+          </a:p>
+          <a:p>
+            <a:pPr marL="285750" indent="-285750" algn="l">
+              <a:buFont typeface="Arial" panose="020B0604020202020204" pitchFamily="34" charset="0"/>
+              <a:buChar char="•"/>
+            </a:pPr>
+            <a:r>
+              <a:rPr lang="de-DE" sz="1600" dirty="0" smtClean="0"/>
+              <a:t>Versch. Schaftlängen</a:t>
+            </a:r>
+          </a:p>
+          <a:p>
+            <a:pPr marL="285750" indent="-285750" algn="l">
+              <a:buFont typeface="Arial" panose="020B0604020202020204" pitchFamily="34" charset="0"/>
+              <a:buChar char="•"/>
+            </a:pPr>
+            <a:r>
+              <a:rPr lang="de-DE" sz="1600" dirty="0" smtClean="0"/>
+              <a:t>Versch. Stückzahlen</a:t>
+            </a:r>
+          </a:p>
+          <a:p>
+            <a:pPr marL="285750" indent="-285750" algn="l">
+              <a:buFont typeface="Arial" panose="020B0604020202020204" pitchFamily="34" charset="0"/>
+              <a:buChar char="•"/>
+            </a:pPr>
+            <a:r>
+              <a:rPr lang="de-DE" sz="1600" dirty="0" smtClean="0"/>
+              <a:t>Versch. Festigkeitsklassen</a:t>
+            </a:r>
+          </a:p>
+          <a:p>
+            <a:pPr marL="285750" indent="-285750" algn="l">
+              <a:buFont typeface="Arial" panose="020B0604020202020204" pitchFamily="34" charset="0"/>
+              <a:buChar char="•"/>
+            </a:pPr>
+            <a:r>
+              <a:rPr lang="de-DE" sz="1600" dirty="0" smtClean="0"/>
+              <a:t>Unterschiedliche </a:t>
             </a:r>
             <a:r>
-              <a:rPr lang="de-DE" dirty="0"/>
-              <a:t> Anbindung </a:t>
-            </a:r>
-          </a:p>
-          <a:p>
-            <a:pPr algn="l"/>
-            <a:r>
-              <a:rPr lang="de-DE" dirty="0"/>
-              <a:t>Preise erzeugen</a:t>
-            </a:r>
-          </a:p>
-          <a:p>
-            <a:pPr algn="l"/>
-            <a:r>
-              <a:rPr lang="de-DE" dirty="0"/>
-              <a:t>Unterschiedliche Materialien</a:t>
+              <a:rPr lang="de-DE" sz="1600" dirty="0"/>
+              <a:t>Materialien</a:t>
             </a:r>
           </a:p>
           <a:p>
@@ -5971,113 +6184,1424 @@
           </a:p>
         </p:txBody>
       </p:sp>
-      <p:pic>
-        <p:nvPicPr>
-          <p:cNvPr id="5" name="Grafik 4">
+      <p:sp>
+        <p:nvSpPr>
+          <p:cNvPr id="7" name="L-Form 6"/>
+          <p:cNvSpPr/>
+          <p:nvPr/>
+        </p:nvSpPr>
+        <p:spPr>
+          <a:xfrm rot="18846658">
+            <a:off x="4140746" y="1323865"/>
+            <a:ext cx="371123" cy="198452"/>
+          </a:xfrm>
+          <a:prstGeom prst="corner">
+            <a:avLst/>
+          </a:prstGeom>
+        </p:spPr>
+        <p:style>
+          <a:lnRef idx="2">
+            <a:schemeClr val="accent1">
+              <a:shade val="50000"/>
+            </a:schemeClr>
+          </a:lnRef>
+          <a:fillRef idx="1">
+            <a:schemeClr val="accent1"/>
+          </a:fillRef>
+          <a:effectRef idx="0">
+            <a:schemeClr val="accent1"/>
+          </a:effectRef>
+          <a:fontRef idx="minor">
+            <a:schemeClr val="lt1"/>
+          </a:fontRef>
+        </p:style>
+        <p:txBody>
+          <a:bodyPr rtlCol="0" anchor="ctr"/>
+          <a:lstStyle/>
+          <a:p>
+            <a:pPr algn="ctr"/>
+            <a:endParaRPr lang="de-DE"/>
+          </a:p>
+        </p:txBody>
+      </p:sp>
+      <p:sp>
+        <p:nvSpPr>
+          <p:cNvPr id="8" name="Verbotsymbol 7"/>
+          <p:cNvSpPr/>
+          <p:nvPr/>
+        </p:nvSpPr>
+        <p:spPr>
+          <a:xfrm>
+            <a:off x="4091678" y="3588926"/>
+            <a:ext cx="356175" cy="360688"/>
+          </a:xfrm>
+          <a:prstGeom prst="noSmoking">
+            <a:avLst/>
+          </a:prstGeom>
+          <a:solidFill>
+            <a:schemeClr val="accent5">
+              <a:alpha val="50000"/>
+            </a:schemeClr>
+          </a:solidFill>
+          <a:ln>
+            <a:noFill/>
+          </a:ln>
+        </p:spPr>
+        <p:style>
+          <a:lnRef idx="0">
+            <a:scrgbClr r="0" g="0" b="0"/>
+          </a:lnRef>
+          <a:fillRef idx="0">
+            <a:scrgbClr r="0" g="0" b="0"/>
+          </a:fillRef>
+          <a:effectRef idx="0">
+            <a:scrgbClr r="0" g="0" b="0"/>
+          </a:effectRef>
+          <a:fontRef idx="minor">
+            <a:schemeClr val="lt1"/>
+          </a:fontRef>
+        </p:style>
+        <p:txBody>
+          <a:bodyPr rtlCol="0" anchor="ctr"/>
+          <a:lstStyle/>
+          <a:p>
+            <a:pPr algn="ctr"/>
+            <a:endParaRPr lang="de-DE">
+              <a:solidFill>
+                <a:schemeClr val="tx1"/>
+              </a:solidFill>
+            </a:endParaRPr>
+          </a:p>
+        </p:txBody>
+      </p:sp>
+      <p:sp>
+        <p:nvSpPr>
+          <p:cNvPr id="14" name="Textfeld 13"/>
+          <p:cNvSpPr txBox="1"/>
+          <p:nvPr/>
+        </p:nvSpPr>
+        <p:spPr>
+          <a:xfrm>
+            <a:off x="871022" y="33750"/>
+            <a:ext cx="4487362" cy="646331"/>
+          </a:xfrm>
+          <a:prstGeom prst="rect">
+            <a:avLst/>
+          </a:prstGeom>
+          <a:noFill/>
+        </p:spPr>
+        <p:txBody>
+          <a:bodyPr wrap="square" rtlCol="0">
+            <a:spAutoFit/>
+          </a:bodyPr>
+          <a:lstStyle/>
+          <a:p>
+            <a:r>
+              <a:rPr lang="de-DE" sz="3600" dirty="0" smtClean="0">
+                <a:solidFill>
+                  <a:schemeClr val="accent2"/>
+                </a:solidFill>
+              </a:rPr>
+              <a:t>Ziele im Programm</a:t>
+            </a:r>
+            <a:endParaRPr lang="de-DE" sz="3600" dirty="0">
+              <a:solidFill>
+                <a:schemeClr val="accent2"/>
+              </a:solidFill>
+            </a:endParaRPr>
+          </a:p>
+        </p:txBody>
+      </p:sp>
+      <p:sp>
+        <p:nvSpPr>
+          <p:cNvPr id="17" name="Untertitel 2">
             <a:extLst>
               <a:ext uri="{FF2B5EF4-FFF2-40B4-BE49-F238E27FC236}">
-                <a16:creationId xmlns:a16="http://schemas.microsoft.com/office/drawing/2014/main" id="{09B98391-3D4A-49CE-950C-B624C40A50D9}"/>
+                <a16:creationId xmlns:a16="http://schemas.microsoft.com/office/drawing/2014/main" id="{A1E2309B-BC7E-4F14-B20E-E7EFC42C7967}"/>
               </a:ext>
             </a:extLst>
           </p:cNvPr>
-          <p:cNvPicPr>
-            <a:picLocks noChangeAspect="1"/>
-          </p:cNvPicPr>
+          <p:cNvSpPr txBox="1">
+            <a:spLocks/>
+          </p:cNvSpPr>
           <p:nvPr/>
-        </p:nvPicPr>
-        <p:blipFill>
-          <a:blip r:embed="rId2"/>
-          <a:stretch>
-            <a:fillRect/>
-          </a:stretch>
-        </p:blipFill>
+        </p:nvSpPr>
         <p:spPr>
           <a:xfrm>
-            <a:off x="896194" y="5216117"/>
-            <a:ext cx="1885663" cy="942832"/>
+            <a:off x="4832780" y="961790"/>
+            <a:ext cx="3863229" cy="3495775"/>
           </a:xfrm>
           <a:prstGeom prst="rect">
             <a:avLst/>
           </a:prstGeom>
         </p:spPr>
-      </p:pic>
-      <p:pic>
-        <p:nvPicPr>
-          <p:cNvPr id="6" name="Grafik 5">
+        <p:txBody>
+          <a:bodyPr vert="horz" lIns="91440" tIns="45720" rIns="91440" bIns="45720" rtlCol="0" anchor="t">
+            <a:normAutofit lnSpcReduction="10000"/>
+          </a:bodyPr>
+          <a:lstStyle>
+            <a:lvl1pPr marL="0" indent="0" algn="r" defTabSz="457200" rtl="0" eaLnBrk="1" latinLnBrk="0" hangingPunct="1">
+              <a:spcBef>
+                <a:spcPts val="1000"/>
+              </a:spcBef>
+              <a:spcAft>
+                <a:spcPts val="0"/>
+              </a:spcAft>
+              <a:buClr>
+                <a:schemeClr val="accent1"/>
+              </a:buClr>
+              <a:buSzPct val="80000"/>
+              <a:buFont typeface="Wingdings 3" charset="2"/>
+              <a:buNone/>
+              <a:defRPr sz="1800" kern="1200">
+                <a:solidFill>
+                  <a:schemeClr val="tx1">
+                    <a:lumMod val="50000"/>
+                    <a:lumOff val="50000"/>
+                  </a:schemeClr>
+                </a:solidFill>
+                <a:latin typeface="+mn-lt"/>
+                <a:ea typeface="+mn-ea"/>
+                <a:cs typeface="+mn-cs"/>
+              </a:defRPr>
+            </a:lvl1pPr>
+            <a:lvl2pPr marL="457200" indent="0" algn="ctr" defTabSz="457200" rtl="0" eaLnBrk="1" latinLnBrk="0" hangingPunct="1">
+              <a:spcBef>
+                <a:spcPts val="1000"/>
+              </a:spcBef>
+              <a:spcAft>
+                <a:spcPts val="0"/>
+              </a:spcAft>
+              <a:buClr>
+                <a:schemeClr val="accent1"/>
+              </a:buClr>
+              <a:buSzPct val="80000"/>
+              <a:buFont typeface="Wingdings 3" charset="2"/>
+              <a:buNone/>
+              <a:defRPr sz="1600" kern="1200">
+                <a:solidFill>
+                  <a:schemeClr val="tx1">
+                    <a:tint val="75000"/>
+                  </a:schemeClr>
+                </a:solidFill>
+                <a:latin typeface="+mn-lt"/>
+                <a:ea typeface="+mn-ea"/>
+                <a:cs typeface="+mn-cs"/>
+              </a:defRPr>
+            </a:lvl2pPr>
+            <a:lvl3pPr marL="914400" indent="0" algn="ctr" defTabSz="457200" rtl="0" eaLnBrk="1" latinLnBrk="0" hangingPunct="1">
+              <a:spcBef>
+                <a:spcPts val="1000"/>
+              </a:spcBef>
+              <a:spcAft>
+                <a:spcPts val="0"/>
+              </a:spcAft>
+              <a:buClr>
+                <a:schemeClr val="accent1"/>
+              </a:buClr>
+              <a:buSzPct val="80000"/>
+              <a:buFont typeface="Wingdings 3" charset="2"/>
+              <a:buNone/>
+              <a:defRPr sz="1400" kern="1200">
+                <a:solidFill>
+                  <a:schemeClr val="tx1">
+                    <a:tint val="75000"/>
+                  </a:schemeClr>
+                </a:solidFill>
+                <a:latin typeface="+mn-lt"/>
+                <a:ea typeface="+mn-ea"/>
+                <a:cs typeface="+mn-cs"/>
+              </a:defRPr>
+            </a:lvl3pPr>
+            <a:lvl4pPr marL="1371600" indent="0" algn="ctr" defTabSz="457200" rtl="0" eaLnBrk="1" latinLnBrk="0" hangingPunct="1">
+              <a:spcBef>
+                <a:spcPts val="1000"/>
+              </a:spcBef>
+              <a:spcAft>
+                <a:spcPts val="0"/>
+              </a:spcAft>
+              <a:buClr>
+                <a:schemeClr val="accent1"/>
+              </a:buClr>
+              <a:buSzPct val="80000"/>
+              <a:buFont typeface="Wingdings 3" charset="2"/>
+              <a:buNone/>
+              <a:defRPr sz="1200" kern="1200">
+                <a:solidFill>
+                  <a:schemeClr val="tx1">
+                    <a:tint val="75000"/>
+                  </a:schemeClr>
+                </a:solidFill>
+                <a:latin typeface="+mn-lt"/>
+                <a:ea typeface="+mn-ea"/>
+                <a:cs typeface="+mn-cs"/>
+              </a:defRPr>
+            </a:lvl4pPr>
+            <a:lvl5pPr marL="1828800" indent="0" algn="ctr" defTabSz="457200" rtl="0" eaLnBrk="1" latinLnBrk="0" hangingPunct="1">
+              <a:spcBef>
+                <a:spcPts val="1000"/>
+              </a:spcBef>
+              <a:spcAft>
+                <a:spcPts val="0"/>
+              </a:spcAft>
+              <a:buClr>
+                <a:schemeClr val="accent1"/>
+              </a:buClr>
+              <a:buSzPct val="80000"/>
+              <a:buFont typeface="Wingdings 3" charset="2"/>
+              <a:buNone/>
+              <a:defRPr sz="1200" kern="1200">
+                <a:solidFill>
+                  <a:schemeClr val="tx1">
+                    <a:tint val="75000"/>
+                  </a:schemeClr>
+                </a:solidFill>
+                <a:latin typeface="+mn-lt"/>
+                <a:ea typeface="+mn-ea"/>
+                <a:cs typeface="+mn-cs"/>
+              </a:defRPr>
+            </a:lvl5pPr>
+            <a:lvl6pPr marL="2286000" indent="0" algn="ctr" defTabSz="457200" rtl="0" eaLnBrk="1" latinLnBrk="0" hangingPunct="1">
+              <a:spcBef>
+                <a:spcPts val="1000"/>
+              </a:spcBef>
+              <a:spcAft>
+                <a:spcPts val="0"/>
+              </a:spcAft>
+              <a:buClr>
+                <a:schemeClr val="accent1"/>
+              </a:buClr>
+              <a:buSzPct val="80000"/>
+              <a:buFont typeface="Wingdings 3" charset="2"/>
+              <a:buNone/>
+              <a:defRPr sz="1200" kern="1200">
+                <a:solidFill>
+                  <a:schemeClr val="tx1">
+                    <a:tint val="75000"/>
+                  </a:schemeClr>
+                </a:solidFill>
+                <a:latin typeface="+mn-lt"/>
+                <a:ea typeface="+mn-ea"/>
+                <a:cs typeface="+mn-cs"/>
+              </a:defRPr>
+            </a:lvl6pPr>
+            <a:lvl7pPr marL="2743200" indent="0" algn="ctr" defTabSz="457200" rtl="0" eaLnBrk="1" latinLnBrk="0" hangingPunct="1">
+              <a:spcBef>
+                <a:spcPts val="1000"/>
+              </a:spcBef>
+              <a:spcAft>
+                <a:spcPts val="0"/>
+              </a:spcAft>
+              <a:buClr>
+                <a:schemeClr val="accent1"/>
+              </a:buClr>
+              <a:buSzPct val="80000"/>
+              <a:buFont typeface="Wingdings 3" charset="2"/>
+              <a:buNone/>
+              <a:defRPr sz="1200" kern="1200">
+                <a:solidFill>
+                  <a:schemeClr val="tx1">
+                    <a:tint val="75000"/>
+                  </a:schemeClr>
+                </a:solidFill>
+                <a:latin typeface="+mn-lt"/>
+                <a:ea typeface="+mn-ea"/>
+                <a:cs typeface="+mn-cs"/>
+              </a:defRPr>
+            </a:lvl7pPr>
+            <a:lvl8pPr marL="3200400" indent="0" algn="ctr" defTabSz="457200" rtl="0" eaLnBrk="1" latinLnBrk="0" hangingPunct="1">
+              <a:spcBef>
+                <a:spcPts val="1000"/>
+              </a:spcBef>
+              <a:spcAft>
+                <a:spcPts val="0"/>
+              </a:spcAft>
+              <a:buClr>
+                <a:schemeClr val="accent1"/>
+              </a:buClr>
+              <a:buSzPct val="80000"/>
+              <a:buFont typeface="Wingdings 3" charset="2"/>
+              <a:buNone/>
+              <a:defRPr sz="1200" kern="1200">
+                <a:solidFill>
+                  <a:schemeClr val="tx1">
+                    <a:tint val="75000"/>
+                  </a:schemeClr>
+                </a:solidFill>
+                <a:latin typeface="+mn-lt"/>
+                <a:ea typeface="+mn-ea"/>
+                <a:cs typeface="+mn-cs"/>
+              </a:defRPr>
+            </a:lvl8pPr>
+            <a:lvl9pPr marL="3657600" indent="0" algn="ctr" defTabSz="457200" rtl="0" eaLnBrk="1" latinLnBrk="0" hangingPunct="1">
+              <a:spcBef>
+                <a:spcPts val="1000"/>
+              </a:spcBef>
+              <a:spcAft>
+                <a:spcPts val="0"/>
+              </a:spcAft>
+              <a:buClr>
+                <a:schemeClr val="accent1"/>
+              </a:buClr>
+              <a:buSzPct val="80000"/>
+              <a:buFont typeface="Wingdings 3" charset="2"/>
+              <a:buNone/>
+              <a:defRPr sz="1200" kern="1200">
+                <a:solidFill>
+                  <a:schemeClr val="tx1">
+                    <a:tint val="75000"/>
+                  </a:schemeClr>
+                </a:solidFill>
+                <a:latin typeface="+mn-lt"/>
+                <a:ea typeface="+mn-ea"/>
+                <a:cs typeface="+mn-cs"/>
+              </a:defRPr>
+            </a:lvl9pPr>
+          </a:lstStyle>
+          <a:p>
+            <a:pPr algn="l"/>
+            <a:r>
+              <a:rPr lang="de-DE" u="sng" dirty="0" smtClean="0">
+                <a:solidFill>
+                  <a:schemeClr val="tx1">
+                    <a:lumMod val="65000"/>
+                    <a:lumOff val="35000"/>
+                  </a:schemeClr>
+                </a:solidFill>
+              </a:rPr>
+              <a:t>Ausgabe:</a:t>
+            </a:r>
+            <a:endParaRPr lang="de-DE" dirty="0" smtClean="0">
+              <a:solidFill>
+                <a:schemeClr val="tx1">
+                  <a:lumMod val="65000"/>
+                  <a:lumOff val="35000"/>
+                </a:schemeClr>
+              </a:solidFill>
+            </a:endParaRPr>
+          </a:p>
+          <a:p>
+            <a:pPr marL="285750" indent="-285750" algn="l">
+              <a:buFont typeface="Arial" panose="020B0604020202020204" pitchFamily="34" charset="0"/>
+              <a:buChar char="•"/>
+            </a:pPr>
+            <a:r>
+              <a:rPr lang="de-DE" sz="1600" dirty="0" smtClean="0"/>
+              <a:t>Schraubenwerte aus der Eingabe</a:t>
+            </a:r>
+          </a:p>
+          <a:p>
+            <a:pPr marL="285750" indent="-285750" algn="l">
+              <a:buFont typeface="Arial" panose="020B0604020202020204" pitchFamily="34" charset="0"/>
+              <a:buChar char="•"/>
+            </a:pPr>
+            <a:r>
+              <a:rPr lang="de-DE" sz="1600" dirty="0" smtClean="0"/>
+              <a:t>Schraubenkopfwerte</a:t>
+            </a:r>
+          </a:p>
+          <a:p>
+            <a:pPr marL="285750" indent="-285750" algn="l">
+              <a:buFont typeface="Arial" panose="020B0604020202020204" pitchFamily="34" charset="0"/>
+              <a:buChar char="•"/>
+            </a:pPr>
+            <a:r>
+              <a:rPr lang="de-DE" sz="1600" dirty="0" smtClean="0"/>
+              <a:t>Zugfestigkeit &amp; Streckgrenze</a:t>
+            </a:r>
+          </a:p>
+          <a:p>
+            <a:pPr marL="285750" indent="-285750" algn="l">
+              <a:buFont typeface="Arial" panose="020B0604020202020204" pitchFamily="34" charset="0"/>
+              <a:buChar char="•"/>
+            </a:pPr>
+            <a:r>
+              <a:rPr lang="de-DE" sz="1600" dirty="0" smtClean="0"/>
+              <a:t>Materialausgabe &amp; Dichte</a:t>
+            </a:r>
+          </a:p>
+          <a:p>
+            <a:pPr marL="285750" indent="-285750" algn="l">
+              <a:buFont typeface="Arial" panose="020B0604020202020204" pitchFamily="34" charset="0"/>
+              <a:buChar char="•"/>
+            </a:pPr>
+            <a:r>
+              <a:rPr lang="de-DE" sz="1600" dirty="0" smtClean="0"/>
+              <a:t>Flächenträgheitsmoment</a:t>
+            </a:r>
+          </a:p>
+          <a:p>
+            <a:pPr marL="285750" indent="-285750" algn="l">
+              <a:buFont typeface="Arial" panose="020B0604020202020204" pitchFamily="34" charset="0"/>
+              <a:buChar char="•"/>
+            </a:pPr>
+            <a:r>
+              <a:rPr lang="de-DE" sz="1600" dirty="0" smtClean="0"/>
+              <a:t>Volumen</a:t>
+            </a:r>
+          </a:p>
+          <a:p>
+            <a:pPr marL="285750" indent="-285750" algn="l">
+              <a:buFont typeface="Arial" panose="020B0604020202020204" pitchFamily="34" charset="0"/>
+              <a:buChar char="•"/>
+            </a:pPr>
+            <a:r>
+              <a:rPr lang="de-DE" sz="1600" dirty="0" smtClean="0"/>
+              <a:t>Gewicht eines Paketes</a:t>
+            </a:r>
+          </a:p>
+          <a:p>
+            <a:pPr marL="285750" indent="-285750" algn="l">
+              <a:buFont typeface="Arial" panose="020B0604020202020204" pitchFamily="34" charset="0"/>
+              <a:buChar char="•"/>
+            </a:pPr>
+            <a:r>
+              <a:rPr lang="de-DE" sz="1600" dirty="0" smtClean="0"/>
+              <a:t>Preis</a:t>
+            </a:r>
+          </a:p>
+          <a:p>
+            <a:pPr marL="285750" indent="-285750" algn="l">
+              <a:buFont typeface="Arial" panose="020B0604020202020204" pitchFamily="34" charset="0"/>
+              <a:buChar char="•"/>
+            </a:pPr>
+            <a:r>
+              <a:rPr lang="de-DE" sz="1600" dirty="0" smtClean="0"/>
+              <a:t>Simples 3D Modell der Schraube</a:t>
+            </a:r>
+          </a:p>
+        </p:txBody>
+      </p:sp>
+      <p:sp>
+        <p:nvSpPr>
+          <p:cNvPr id="19" name="Untertitel 2">
             <a:extLst>
               <a:ext uri="{FF2B5EF4-FFF2-40B4-BE49-F238E27FC236}">
-                <a16:creationId xmlns:a16="http://schemas.microsoft.com/office/drawing/2014/main" id="{82682965-DE1B-48F8-9014-2A80DF992121}"/>
+                <a16:creationId xmlns:a16="http://schemas.microsoft.com/office/drawing/2014/main" id="{A1E2309B-BC7E-4F14-B20E-E7EFC42C7967}"/>
               </a:ext>
             </a:extLst>
           </p:cNvPr>
-          <p:cNvPicPr>
-            <a:picLocks noChangeAspect="1"/>
-          </p:cNvPicPr>
+          <p:cNvSpPr txBox="1">
+            <a:spLocks/>
+          </p:cNvSpPr>
           <p:nvPr/>
-        </p:nvPicPr>
-        <p:blipFill>
-          <a:blip r:embed="rId3"/>
-          <a:stretch>
-            <a:fillRect/>
-          </a:stretch>
-        </p:blipFill>
+        </p:nvSpPr>
         <p:spPr>
           <a:xfrm>
-            <a:off x="2479376" y="5077472"/>
-            <a:ext cx="2169111" cy="1220125"/>
+            <a:off x="821366" y="4668954"/>
+            <a:ext cx="3863229" cy="4096122"/>
           </a:xfrm>
           <a:prstGeom prst="rect">
             <a:avLst/>
           </a:prstGeom>
         </p:spPr>
-      </p:pic>
-      <p:pic>
-        <p:nvPicPr>
-          <p:cNvPr id="1028" name="Picture 4">
-            <a:extLst>
-              <a:ext uri="{FF2B5EF4-FFF2-40B4-BE49-F238E27FC236}">
-                <a16:creationId xmlns:a16="http://schemas.microsoft.com/office/drawing/2014/main" id="{099D1CB7-E380-4BEA-863D-C4BC3AB8F456}"/>
-              </a:ext>
-            </a:extLst>
-          </p:cNvPr>
-          <p:cNvPicPr>
-            <a:picLocks noChangeAspect="1" noChangeArrowheads="1"/>
-          </p:cNvPicPr>
+        <p:txBody>
+          <a:bodyPr vert="horz" lIns="91440" tIns="45720" rIns="91440" bIns="45720" rtlCol="0" anchor="t">
+            <a:normAutofit/>
+          </a:bodyPr>
+          <a:lstStyle>
+            <a:lvl1pPr marL="0" indent="0" algn="r" defTabSz="457200" rtl="0" eaLnBrk="1" latinLnBrk="0" hangingPunct="1">
+              <a:spcBef>
+                <a:spcPts val="1000"/>
+              </a:spcBef>
+              <a:spcAft>
+                <a:spcPts val="0"/>
+              </a:spcAft>
+              <a:buClr>
+                <a:schemeClr val="accent1"/>
+              </a:buClr>
+              <a:buSzPct val="80000"/>
+              <a:buFont typeface="Wingdings 3" charset="2"/>
+              <a:buNone/>
+              <a:defRPr sz="1800" kern="1200">
+                <a:solidFill>
+                  <a:schemeClr val="tx1">
+                    <a:lumMod val="50000"/>
+                    <a:lumOff val="50000"/>
+                  </a:schemeClr>
+                </a:solidFill>
+                <a:latin typeface="+mn-lt"/>
+                <a:ea typeface="+mn-ea"/>
+                <a:cs typeface="+mn-cs"/>
+              </a:defRPr>
+            </a:lvl1pPr>
+            <a:lvl2pPr marL="457200" indent="0" algn="ctr" defTabSz="457200" rtl="0" eaLnBrk="1" latinLnBrk="0" hangingPunct="1">
+              <a:spcBef>
+                <a:spcPts val="1000"/>
+              </a:spcBef>
+              <a:spcAft>
+                <a:spcPts val="0"/>
+              </a:spcAft>
+              <a:buClr>
+                <a:schemeClr val="accent1"/>
+              </a:buClr>
+              <a:buSzPct val="80000"/>
+              <a:buFont typeface="Wingdings 3" charset="2"/>
+              <a:buNone/>
+              <a:defRPr sz="1600" kern="1200">
+                <a:solidFill>
+                  <a:schemeClr val="tx1">
+                    <a:tint val="75000"/>
+                  </a:schemeClr>
+                </a:solidFill>
+                <a:latin typeface="+mn-lt"/>
+                <a:ea typeface="+mn-ea"/>
+                <a:cs typeface="+mn-cs"/>
+              </a:defRPr>
+            </a:lvl2pPr>
+            <a:lvl3pPr marL="914400" indent="0" algn="ctr" defTabSz="457200" rtl="0" eaLnBrk="1" latinLnBrk="0" hangingPunct="1">
+              <a:spcBef>
+                <a:spcPts val="1000"/>
+              </a:spcBef>
+              <a:spcAft>
+                <a:spcPts val="0"/>
+              </a:spcAft>
+              <a:buClr>
+                <a:schemeClr val="accent1"/>
+              </a:buClr>
+              <a:buSzPct val="80000"/>
+              <a:buFont typeface="Wingdings 3" charset="2"/>
+              <a:buNone/>
+              <a:defRPr sz="1400" kern="1200">
+                <a:solidFill>
+                  <a:schemeClr val="tx1">
+                    <a:tint val="75000"/>
+                  </a:schemeClr>
+                </a:solidFill>
+                <a:latin typeface="+mn-lt"/>
+                <a:ea typeface="+mn-ea"/>
+                <a:cs typeface="+mn-cs"/>
+              </a:defRPr>
+            </a:lvl3pPr>
+            <a:lvl4pPr marL="1371600" indent="0" algn="ctr" defTabSz="457200" rtl="0" eaLnBrk="1" latinLnBrk="0" hangingPunct="1">
+              <a:spcBef>
+                <a:spcPts val="1000"/>
+              </a:spcBef>
+              <a:spcAft>
+                <a:spcPts val="0"/>
+              </a:spcAft>
+              <a:buClr>
+                <a:schemeClr val="accent1"/>
+              </a:buClr>
+              <a:buSzPct val="80000"/>
+              <a:buFont typeface="Wingdings 3" charset="2"/>
+              <a:buNone/>
+              <a:defRPr sz="1200" kern="1200">
+                <a:solidFill>
+                  <a:schemeClr val="tx1">
+                    <a:tint val="75000"/>
+                  </a:schemeClr>
+                </a:solidFill>
+                <a:latin typeface="+mn-lt"/>
+                <a:ea typeface="+mn-ea"/>
+                <a:cs typeface="+mn-cs"/>
+              </a:defRPr>
+            </a:lvl4pPr>
+            <a:lvl5pPr marL="1828800" indent="0" algn="ctr" defTabSz="457200" rtl="0" eaLnBrk="1" latinLnBrk="0" hangingPunct="1">
+              <a:spcBef>
+                <a:spcPts val="1000"/>
+              </a:spcBef>
+              <a:spcAft>
+                <a:spcPts val="0"/>
+              </a:spcAft>
+              <a:buClr>
+                <a:schemeClr val="accent1"/>
+              </a:buClr>
+              <a:buSzPct val="80000"/>
+              <a:buFont typeface="Wingdings 3" charset="2"/>
+              <a:buNone/>
+              <a:defRPr sz="1200" kern="1200">
+                <a:solidFill>
+                  <a:schemeClr val="tx1">
+                    <a:tint val="75000"/>
+                  </a:schemeClr>
+                </a:solidFill>
+                <a:latin typeface="+mn-lt"/>
+                <a:ea typeface="+mn-ea"/>
+                <a:cs typeface="+mn-cs"/>
+              </a:defRPr>
+            </a:lvl5pPr>
+            <a:lvl6pPr marL="2286000" indent="0" algn="ctr" defTabSz="457200" rtl="0" eaLnBrk="1" latinLnBrk="0" hangingPunct="1">
+              <a:spcBef>
+                <a:spcPts val="1000"/>
+              </a:spcBef>
+              <a:spcAft>
+                <a:spcPts val="0"/>
+              </a:spcAft>
+              <a:buClr>
+                <a:schemeClr val="accent1"/>
+              </a:buClr>
+              <a:buSzPct val="80000"/>
+              <a:buFont typeface="Wingdings 3" charset="2"/>
+              <a:buNone/>
+              <a:defRPr sz="1200" kern="1200">
+                <a:solidFill>
+                  <a:schemeClr val="tx1">
+                    <a:tint val="75000"/>
+                  </a:schemeClr>
+                </a:solidFill>
+                <a:latin typeface="+mn-lt"/>
+                <a:ea typeface="+mn-ea"/>
+                <a:cs typeface="+mn-cs"/>
+              </a:defRPr>
+            </a:lvl6pPr>
+            <a:lvl7pPr marL="2743200" indent="0" algn="ctr" defTabSz="457200" rtl="0" eaLnBrk="1" latinLnBrk="0" hangingPunct="1">
+              <a:spcBef>
+                <a:spcPts val="1000"/>
+              </a:spcBef>
+              <a:spcAft>
+                <a:spcPts val="0"/>
+              </a:spcAft>
+              <a:buClr>
+                <a:schemeClr val="accent1"/>
+              </a:buClr>
+              <a:buSzPct val="80000"/>
+              <a:buFont typeface="Wingdings 3" charset="2"/>
+              <a:buNone/>
+              <a:defRPr sz="1200" kern="1200">
+                <a:solidFill>
+                  <a:schemeClr val="tx1">
+                    <a:tint val="75000"/>
+                  </a:schemeClr>
+                </a:solidFill>
+                <a:latin typeface="+mn-lt"/>
+                <a:ea typeface="+mn-ea"/>
+                <a:cs typeface="+mn-cs"/>
+              </a:defRPr>
+            </a:lvl7pPr>
+            <a:lvl8pPr marL="3200400" indent="0" algn="ctr" defTabSz="457200" rtl="0" eaLnBrk="1" latinLnBrk="0" hangingPunct="1">
+              <a:spcBef>
+                <a:spcPts val="1000"/>
+              </a:spcBef>
+              <a:spcAft>
+                <a:spcPts val="0"/>
+              </a:spcAft>
+              <a:buClr>
+                <a:schemeClr val="accent1"/>
+              </a:buClr>
+              <a:buSzPct val="80000"/>
+              <a:buFont typeface="Wingdings 3" charset="2"/>
+              <a:buNone/>
+              <a:defRPr sz="1200" kern="1200">
+                <a:solidFill>
+                  <a:schemeClr val="tx1">
+                    <a:tint val="75000"/>
+                  </a:schemeClr>
+                </a:solidFill>
+                <a:latin typeface="+mn-lt"/>
+                <a:ea typeface="+mn-ea"/>
+                <a:cs typeface="+mn-cs"/>
+              </a:defRPr>
+            </a:lvl8pPr>
+            <a:lvl9pPr marL="3657600" indent="0" algn="ctr" defTabSz="457200" rtl="0" eaLnBrk="1" latinLnBrk="0" hangingPunct="1">
+              <a:spcBef>
+                <a:spcPts val="1000"/>
+              </a:spcBef>
+              <a:spcAft>
+                <a:spcPts val="0"/>
+              </a:spcAft>
+              <a:buClr>
+                <a:schemeClr val="accent1"/>
+              </a:buClr>
+              <a:buSzPct val="80000"/>
+              <a:buFont typeface="Wingdings 3" charset="2"/>
+              <a:buNone/>
+              <a:defRPr sz="1200" kern="1200">
+                <a:solidFill>
+                  <a:schemeClr val="tx1">
+                    <a:tint val="75000"/>
+                  </a:schemeClr>
+                </a:solidFill>
+                <a:latin typeface="+mn-lt"/>
+                <a:ea typeface="+mn-ea"/>
+                <a:cs typeface="+mn-cs"/>
+              </a:defRPr>
+            </a:lvl9pPr>
+          </a:lstStyle>
+          <a:p>
+            <a:pPr algn="l"/>
+            <a:r>
+              <a:rPr lang="de-DE" u="sng" dirty="0" smtClean="0">
+                <a:solidFill>
+                  <a:schemeClr val="tx1">
+                    <a:lumMod val="65000"/>
+                    <a:lumOff val="35000"/>
+                  </a:schemeClr>
+                </a:solidFill>
+              </a:rPr>
+              <a:t>Anbindung:</a:t>
+            </a:r>
+            <a:endParaRPr lang="de-DE" dirty="0" smtClean="0">
+              <a:solidFill>
+                <a:schemeClr val="tx1">
+                  <a:lumMod val="65000"/>
+                  <a:lumOff val="35000"/>
+                </a:schemeClr>
+              </a:solidFill>
+            </a:endParaRPr>
+          </a:p>
+          <a:p>
+            <a:pPr marL="285750" indent="-285750" algn="l">
+              <a:buFont typeface="Arial" panose="020B0604020202020204" pitchFamily="34" charset="0"/>
+              <a:buChar char="•"/>
+            </a:pPr>
+            <a:r>
+              <a:rPr lang="de-DE" dirty="0" smtClean="0"/>
+              <a:t>Excel </a:t>
+            </a:r>
+          </a:p>
+          <a:p>
+            <a:pPr marL="285750" indent="-285750" algn="l">
+              <a:buFont typeface="Arial" panose="020B0604020202020204" pitchFamily="34" charset="0"/>
+              <a:buChar char="•"/>
+            </a:pPr>
+            <a:r>
+              <a:rPr lang="de-DE" dirty="0" smtClean="0"/>
+              <a:t>Catia</a:t>
+            </a:r>
+          </a:p>
+        </p:txBody>
+      </p:sp>
+      <p:sp>
+        <p:nvSpPr>
+          <p:cNvPr id="20" name="L-Form 19"/>
+          <p:cNvSpPr/>
           <p:nvPr/>
-        </p:nvPicPr>
-        <p:blipFill>
-          <a:blip r:embed="rId4">
-            <a:extLst>
-              <a:ext uri="{28A0092B-C50C-407E-A947-70E740481C1C}">
-                <a14:useLocalDpi xmlns:a14="http://schemas.microsoft.com/office/drawing/2010/main" val="0"/>
-              </a:ext>
-            </a:extLst>
-          </a:blip>
-          <a:srcRect/>
-          <a:stretch>
-            <a:fillRect/>
-          </a:stretch>
-        </p:blipFill>
-        <p:spPr bwMode="auto">
-          <a:xfrm>
-            <a:off x="4629257" y="5104465"/>
-            <a:ext cx="1162356" cy="1166135"/>
+        </p:nvSpPr>
+        <p:spPr>
+          <a:xfrm rot="18846658">
+            <a:off x="4140746" y="1719798"/>
+            <a:ext cx="371123" cy="198452"/>
           </a:xfrm>
-          <a:prstGeom prst="rect">
+          <a:prstGeom prst="corner">
             <a:avLst/>
           </a:prstGeom>
-          <a:noFill/>
-          <a:extLst>
-            <a:ext uri="{909E8E84-426E-40DD-AFC4-6F175D3DCCD1}">
-              <a14:hiddenFill xmlns:a14="http://schemas.microsoft.com/office/drawing/2010/main">
-                <a:solidFill>
-                  <a:srgbClr val="FFFFFF"/>
-                </a:solidFill>
-              </a14:hiddenFill>
-            </a:ext>
-          </a:extLst>
         </p:spPr>
-      </p:pic>
+        <p:style>
+          <a:lnRef idx="2">
+            <a:schemeClr val="accent1">
+              <a:shade val="50000"/>
+            </a:schemeClr>
+          </a:lnRef>
+          <a:fillRef idx="1">
+            <a:schemeClr val="accent1"/>
+          </a:fillRef>
+          <a:effectRef idx="0">
+            <a:schemeClr val="accent1"/>
+          </a:effectRef>
+          <a:fontRef idx="minor">
+            <a:schemeClr val="lt1"/>
+          </a:fontRef>
+        </p:style>
+        <p:txBody>
+          <a:bodyPr rtlCol="0" anchor="ctr"/>
+          <a:lstStyle/>
+          <a:p>
+            <a:pPr algn="ctr"/>
+            <a:endParaRPr lang="de-DE"/>
+          </a:p>
+        </p:txBody>
+      </p:sp>
+      <p:sp>
+        <p:nvSpPr>
+          <p:cNvPr id="21" name="L-Form 20"/>
+          <p:cNvSpPr/>
+          <p:nvPr/>
+        </p:nvSpPr>
+        <p:spPr>
+          <a:xfrm rot="18846658">
+            <a:off x="4113857" y="2098930"/>
+            <a:ext cx="371123" cy="198452"/>
+          </a:xfrm>
+          <a:prstGeom prst="corner">
+            <a:avLst/>
+          </a:prstGeom>
+        </p:spPr>
+        <p:style>
+          <a:lnRef idx="2">
+            <a:schemeClr val="accent1">
+              <a:shade val="50000"/>
+            </a:schemeClr>
+          </a:lnRef>
+          <a:fillRef idx="1">
+            <a:schemeClr val="accent1"/>
+          </a:fillRef>
+          <a:effectRef idx="0">
+            <a:schemeClr val="accent1"/>
+          </a:effectRef>
+          <a:fontRef idx="minor">
+            <a:schemeClr val="lt1"/>
+          </a:fontRef>
+        </p:style>
+        <p:txBody>
+          <a:bodyPr rtlCol="0" anchor="ctr"/>
+          <a:lstStyle/>
+          <a:p>
+            <a:pPr algn="ctr"/>
+            <a:endParaRPr lang="de-DE"/>
+          </a:p>
+        </p:txBody>
+      </p:sp>
+      <p:sp>
+        <p:nvSpPr>
+          <p:cNvPr id="22" name="L-Form 21"/>
+          <p:cNvSpPr/>
+          <p:nvPr/>
+        </p:nvSpPr>
+        <p:spPr>
+          <a:xfrm rot="18846658">
+            <a:off x="4114542" y="2452133"/>
+            <a:ext cx="371123" cy="198452"/>
+          </a:xfrm>
+          <a:prstGeom prst="corner">
+            <a:avLst/>
+          </a:prstGeom>
+        </p:spPr>
+        <p:style>
+          <a:lnRef idx="2">
+            <a:schemeClr val="accent1">
+              <a:shade val="50000"/>
+            </a:schemeClr>
+          </a:lnRef>
+          <a:fillRef idx="1">
+            <a:schemeClr val="accent1"/>
+          </a:fillRef>
+          <a:effectRef idx="0">
+            <a:schemeClr val="accent1"/>
+          </a:effectRef>
+          <a:fontRef idx="minor">
+            <a:schemeClr val="lt1"/>
+          </a:fontRef>
+        </p:style>
+        <p:txBody>
+          <a:bodyPr rtlCol="0" anchor="ctr"/>
+          <a:lstStyle/>
+          <a:p>
+            <a:pPr algn="ctr"/>
+            <a:endParaRPr lang="de-DE"/>
+          </a:p>
+        </p:txBody>
+      </p:sp>
+      <p:sp>
+        <p:nvSpPr>
+          <p:cNvPr id="23" name="L-Form 22"/>
+          <p:cNvSpPr/>
+          <p:nvPr/>
+        </p:nvSpPr>
+        <p:spPr>
+          <a:xfrm rot="18846658">
+            <a:off x="4106521" y="2840648"/>
+            <a:ext cx="371123" cy="198452"/>
+          </a:xfrm>
+          <a:prstGeom prst="corner">
+            <a:avLst/>
+          </a:prstGeom>
+        </p:spPr>
+        <p:style>
+          <a:lnRef idx="2">
+            <a:schemeClr val="accent1">
+              <a:shade val="50000"/>
+            </a:schemeClr>
+          </a:lnRef>
+          <a:fillRef idx="1">
+            <a:schemeClr val="accent1"/>
+          </a:fillRef>
+          <a:effectRef idx="0">
+            <a:schemeClr val="accent1"/>
+          </a:effectRef>
+          <a:fontRef idx="minor">
+            <a:schemeClr val="lt1"/>
+          </a:fontRef>
+        </p:style>
+        <p:txBody>
+          <a:bodyPr rtlCol="0" anchor="ctr"/>
+          <a:lstStyle/>
+          <a:p>
+            <a:pPr algn="ctr"/>
+            <a:endParaRPr lang="de-DE"/>
+          </a:p>
+        </p:txBody>
+      </p:sp>
+      <p:sp>
+        <p:nvSpPr>
+          <p:cNvPr id="24" name="L-Form 23"/>
+          <p:cNvSpPr/>
+          <p:nvPr/>
+        </p:nvSpPr>
+        <p:spPr>
+          <a:xfrm rot="18846658">
+            <a:off x="4106521" y="3226011"/>
+            <a:ext cx="371123" cy="198452"/>
+          </a:xfrm>
+          <a:prstGeom prst="corner">
+            <a:avLst/>
+          </a:prstGeom>
+        </p:spPr>
+        <p:style>
+          <a:lnRef idx="2">
+            <a:schemeClr val="accent1">
+              <a:shade val="50000"/>
+            </a:schemeClr>
+          </a:lnRef>
+          <a:fillRef idx="1">
+            <a:schemeClr val="accent1"/>
+          </a:fillRef>
+          <a:effectRef idx="0">
+            <a:schemeClr val="accent1"/>
+          </a:effectRef>
+          <a:fontRef idx="minor">
+            <a:schemeClr val="lt1"/>
+          </a:fontRef>
+        </p:style>
+        <p:txBody>
+          <a:bodyPr rtlCol="0" anchor="ctr"/>
+          <a:lstStyle/>
+          <a:p>
+            <a:pPr algn="ctr"/>
+            <a:endParaRPr lang="de-DE"/>
+          </a:p>
+        </p:txBody>
+      </p:sp>
+      <p:sp>
+        <p:nvSpPr>
+          <p:cNvPr id="25" name="L-Form 24"/>
+          <p:cNvSpPr/>
+          <p:nvPr/>
+        </p:nvSpPr>
+        <p:spPr>
+          <a:xfrm rot="18846658">
+            <a:off x="8399925" y="1331007"/>
+            <a:ext cx="371123" cy="198452"/>
+          </a:xfrm>
+          <a:prstGeom prst="corner">
+            <a:avLst/>
+          </a:prstGeom>
+        </p:spPr>
+        <p:style>
+          <a:lnRef idx="2">
+            <a:schemeClr val="accent1">
+              <a:shade val="50000"/>
+            </a:schemeClr>
+          </a:lnRef>
+          <a:fillRef idx="1">
+            <a:schemeClr val="accent1"/>
+          </a:fillRef>
+          <a:effectRef idx="0">
+            <a:schemeClr val="accent1"/>
+          </a:effectRef>
+          <a:fontRef idx="minor">
+            <a:schemeClr val="lt1"/>
+          </a:fontRef>
+        </p:style>
+        <p:txBody>
+          <a:bodyPr rtlCol="0" anchor="ctr"/>
+          <a:lstStyle/>
+          <a:p>
+            <a:pPr algn="ctr"/>
+            <a:endParaRPr lang="de-DE"/>
+          </a:p>
+        </p:txBody>
+      </p:sp>
+      <p:sp>
+        <p:nvSpPr>
+          <p:cNvPr id="26" name="L-Form 25"/>
+          <p:cNvSpPr/>
+          <p:nvPr/>
+        </p:nvSpPr>
+        <p:spPr>
+          <a:xfrm rot="18846658">
+            <a:off x="8399924" y="1694333"/>
+            <a:ext cx="371123" cy="198452"/>
+          </a:xfrm>
+          <a:prstGeom prst="corner">
+            <a:avLst/>
+          </a:prstGeom>
+        </p:spPr>
+        <p:style>
+          <a:lnRef idx="2">
+            <a:schemeClr val="accent1">
+              <a:shade val="50000"/>
+            </a:schemeClr>
+          </a:lnRef>
+          <a:fillRef idx="1">
+            <a:schemeClr val="accent1"/>
+          </a:fillRef>
+          <a:effectRef idx="0">
+            <a:schemeClr val="accent1"/>
+          </a:effectRef>
+          <a:fontRef idx="minor">
+            <a:schemeClr val="lt1"/>
+          </a:fontRef>
+        </p:style>
+        <p:txBody>
+          <a:bodyPr rtlCol="0" anchor="ctr"/>
+          <a:lstStyle/>
+          <a:p>
+            <a:pPr algn="ctr"/>
+            <a:endParaRPr lang="de-DE"/>
+          </a:p>
+        </p:txBody>
+      </p:sp>
+      <p:sp>
+        <p:nvSpPr>
+          <p:cNvPr id="27" name="L-Form 26"/>
+          <p:cNvSpPr/>
+          <p:nvPr/>
+        </p:nvSpPr>
+        <p:spPr>
+          <a:xfrm rot="18846658">
+            <a:off x="8399922" y="2021752"/>
+            <a:ext cx="371123" cy="198452"/>
+          </a:xfrm>
+          <a:prstGeom prst="corner">
+            <a:avLst/>
+          </a:prstGeom>
+        </p:spPr>
+        <p:style>
+          <a:lnRef idx="2">
+            <a:schemeClr val="accent1">
+              <a:shade val="50000"/>
+            </a:schemeClr>
+          </a:lnRef>
+          <a:fillRef idx="1">
+            <a:schemeClr val="accent1"/>
+          </a:fillRef>
+          <a:effectRef idx="0">
+            <a:schemeClr val="accent1"/>
+          </a:effectRef>
+          <a:fontRef idx="minor">
+            <a:schemeClr val="lt1"/>
+          </a:fontRef>
+        </p:style>
+        <p:txBody>
+          <a:bodyPr rtlCol="0" anchor="ctr"/>
+          <a:lstStyle/>
+          <a:p>
+            <a:pPr algn="ctr"/>
+            <a:endParaRPr lang="de-DE"/>
+          </a:p>
+        </p:txBody>
+      </p:sp>
+      <p:sp>
+        <p:nvSpPr>
+          <p:cNvPr id="28" name="L-Form 27"/>
+          <p:cNvSpPr/>
+          <p:nvPr/>
+        </p:nvSpPr>
+        <p:spPr>
+          <a:xfrm rot="18846658">
+            <a:off x="8399923" y="2349972"/>
+            <a:ext cx="371123" cy="198452"/>
+          </a:xfrm>
+          <a:prstGeom prst="corner">
+            <a:avLst/>
+          </a:prstGeom>
+        </p:spPr>
+        <p:style>
+          <a:lnRef idx="2">
+            <a:schemeClr val="accent1">
+              <a:shade val="50000"/>
+            </a:schemeClr>
+          </a:lnRef>
+          <a:fillRef idx="1">
+            <a:schemeClr val="accent1"/>
+          </a:fillRef>
+          <a:effectRef idx="0">
+            <a:schemeClr val="accent1"/>
+          </a:effectRef>
+          <a:fontRef idx="minor">
+            <a:schemeClr val="lt1"/>
+          </a:fontRef>
+        </p:style>
+        <p:txBody>
+          <a:bodyPr rtlCol="0" anchor="ctr"/>
+          <a:lstStyle/>
+          <a:p>
+            <a:pPr algn="ctr"/>
+            <a:endParaRPr lang="de-DE"/>
+          </a:p>
+        </p:txBody>
+      </p:sp>
+      <p:sp>
+        <p:nvSpPr>
+          <p:cNvPr id="29" name="L-Form 28"/>
+          <p:cNvSpPr/>
+          <p:nvPr/>
+        </p:nvSpPr>
+        <p:spPr>
+          <a:xfrm rot="18846658">
+            <a:off x="8399923" y="2711131"/>
+            <a:ext cx="371123" cy="198452"/>
+          </a:xfrm>
+          <a:prstGeom prst="corner">
+            <a:avLst/>
+          </a:prstGeom>
+        </p:spPr>
+        <p:style>
+          <a:lnRef idx="2">
+            <a:schemeClr val="accent1">
+              <a:shade val="50000"/>
+            </a:schemeClr>
+          </a:lnRef>
+          <a:fillRef idx="1">
+            <a:schemeClr val="accent1"/>
+          </a:fillRef>
+          <a:effectRef idx="0">
+            <a:schemeClr val="accent1"/>
+          </a:effectRef>
+          <a:fontRef idx="minor">
+            <a:schemeClr val="lt1"/>
+          </a:fontRef>
+        </p:style>
+        <p:txBody>
+          <a:bodyPr rtlCol="0" anchor="ctr"/>
+          <a:lstStyle/>
+          <a:p>
+            <a:pPr algn="ctr"/>
+            <a:endParaRPr lang="de-DE"/>
+          </a:p>
+        </p:txBody>
+      </p:sp>
+      <p:sp>
+        <p:nvSpPr>
+          <p:cNvPr id="30" name="L-Form 29"/>
+          <p:cNvSpPr/>
+          <p:nvPr/>
+        </p:nvSpPr>
+        <p:spPr>
+          <a:xfrm rot="18846658">
+            <a:off x="8399924" y="3031734"/>
+            <a:ext cx="371123" cy="198452"/>
+          </a:xfrm>
+          <a:prstGeom prst="corner">
+            <a:avLst/>
+          </a:prstGeom>
+        </p:spPr>
+        <p:style>
+          <a:lnRef idx="2">
+            <a:schemeClr val="accent1">
+              <a:shade val="50000"/>
+            </a:schemeClr>
+          </a:lnRef>
+          <a:fillRef idx="1">
+            <a:schemeClr val="accent1"/>
+          </a:fillRef>
+          <a:effectRef idx="0">
+            <a:schemeClr val="accent1"/>
+          </a:effectRef>
+          <a:fontRef idx="minor">
+            <a:schemeClr val="lt1"/>
+          </a:fontRef>
+        </p:style>
+        <p:txBody>
+          <a:bodyPr rtlCol="0" anchor="ctr"/>
+          <a:lstStyle/>
+          <a:p>
+            <a:pPr algn="ctr"/>
+            <a:endParaRPr lang="de-DE"/>
+          </a:p>
+        </p:txBody>
+      </p:sp>
+      <p:sp>
+        <p:nvSpPr>
+          <p:cNvPr id="31" name="L-Form 30"/>
+          <p:cNvSpPr/>
+          <p:nvPr/>
+        </p:nvSpPr>
+        <p:spPr>
+          <a:xfrm rot="18846658">
+            <a:off x="8399924" y="3383237"/>
+            <a:ext cx="371123" cy="198452"/>
+          </a:xfrm>
+          <a:prstGeom prst="corner">
+            <a:avLst/>
+          </a:prstGeom>
+        </p:spPr>
+        <p:style>
+          <a:lnRef idx="2">
+            <a:schemeClr val="accent1">
+              <a:shade val="50000"/>
+            </a:schemeClr>
+          </a:lnRef>
+          <a:fillRef idx="1">
+            <a:schemeClr val="accent1"/>
+          </a:fillRef>
+          <a:effectRef idx="0">
+            <a:schemeClr val="accent1"/>
+          </a:effectRef>
+          <a:fontRef idx="minor">
+            <a:schemeClr val="lt1"/>
+          </a:fontRef>
+        </p:style>
+        <p:txBody>
+          <a:bodyPr rtlCol="0" anchor="ctr"/>
+          <a:lstStyle/>
+          <a:p>
+            <a:pPr algn="ctr"/>
+            <a:endParaRPr lang="de-DE"/>
+          </a:p>
+        </p:txBody>
+      </p:sp>
+      <p:sp>
+        <p:nvSpPr>
+          <p:cNvPr id="32" name="L-Form 31"/>
+          <p:cNvSpPr/>
+          <p:nvPr/>
+        </p:nvSpPr>
+        <p:spPr>
+          <a:xfrm rot="18846658">
+            <a:off x="8399923" y="3738565"/>
+            <a:ext cx="371123" cy="198452"/>
+          </a:xfrm>
+          <a:prstGeom prst="corner">
+            <a:avLst/>
+          </a:prstGeom>
+        </p:spPr>
+        <p:style>
+          <a:lnRef idx="2">
+            <a:schemeClr val="accent1">
+              <a:shade val="50000"/>
+            </a:schemeClr>
+          </a:lnRef>
+          <a:fillRef idx="1">
+            <a:schemeClr val="accent1"/>
+          </a:fillRef>
+          <a:effectRef idx="0">
+            <a:schemeClr val="accent1"/>
+          </a:effectRef>
+          <a:fontRef idx="minor">
+            <a:schemeClr val="lt1"/>
+          </a:fontRef>
+        </p:style>
+        <p:txBody>
+          <a:bodyPr rtlCol="0" anchor="ctr"/>
+          <a:lstStyle/>
+          <a:p>
+            <a:pPr algn="ctr"/>
+            <a:endParaRPr lang="de-DE"/>
+          </a:p>
+        </p:txBody>
+      </p:sp>
+      <p:sp>
+        <p:nvSpPr>
+          <p:cNvPr id="33" name="L-Form 32"/>
+          <p:cNvSpPr/>
+          <p:nvPr/>
+        </p:nvSpPr>
+        <p:spPr>
+          <a:xfrm rot="18846658">
+            <a:off x="8399922" y="4104859"/>
+            <a:ext cx="371123" cy="198452"/>
+          </a:xfrm>
+          <a:prstGeom prst="corner">
+            <a:avLst/>
+          </a:prstGeom>
+        </p:spPr>
+        <p:style>
+          <a:lnRef idx="2">
+            <a:schemeClr val="accent1">
+              <a:shade val="50000"/>
+            </a:schemeClr>
+          </a:lnRef>
+          <a:fillRef idx="1">
+            <a:schemeClr val="accent1"/>
+          </a:fillRef>
+          <a:effectRef idx="0">
+            <a:schemeClr val="accent1"/>
+          </a:effectRef>
+          <a:fontRef idx="minor">
+            <a:schemeClr val="lt1"/>
+          </a:fontRef>
+        </p:style>
+        <p:txBody>
+          <a:bodyPr rtlCol="0" anchor="ctr"/>
+          <a:lstStyle/>
+          <a:p>
+            <a:pPr algn="ctr"/>
+            <a:endParaRPr lang="de-DE"/>
+          </a:p>
+        </p:txBody>
+      </p:sp>
+      <p:sp>
+        <p:nvSpPr>
+          <p:cNvPr id="34" name="L-Form 33"/>
+          <p:cNvSpPr/>
+          <p:nvPr/>
+        </p:nvSpPr>
+        <p:spPr>
+          <a:xfrm rot="18846658">
+            <a:off x="2025143" y="5129901"/>
+            <a:ext cx="371123" cy="198452"/>
+          </a:xfrm>
+          <a:prstGeom prst="corner">
+            <a:avLst/>
+          </a:prstGeom>
+        </p:spPr>
+        <p:style>
+          <a:lnRef idx="2">
+            <a:schemeClr val="accent1">
+              <a:shade val="50000"/>
+            </a:schemeClr>
+          </a:lnRef>
+          <a:fillRef idx="1">
+            <a:schemeClr val="accent1"/>
+          </a:fillRef>
+          <a:effectRef idx="0">
+            <a:schemeClr val="accent1"/>
+          </a:effectRef>
+          <a:fontRef idx="minor">
+            <a:schemeClr val="lt1"/>
+          </a:fontRef>
+        </p:style>
+        <p:txBody>
+          <a:bodyPr rtlCol="0" anchor="ctr"/>
+          <a:lstStyle/>
+          <a:p>
+            <a:pPr algn="ctr"/>
+            <a:endParaRPr lang="de-DE"/>
+          </a:p>
+        </p:txBody>
+      </p:sp>
+      <p:sp>
+        <p:nvSpPr>
+          <p:cNvPr id="35" name="L-Form 34"/>
+          <p:cNvSpPr/>
+          <p:nvPr/>
+        </p:nvSpPr>
+        <p:spPr>
+          <a:xfrm rot="18846658">
+            <a:off x="2025142" y="5544528"/>
+            <a:ext cx="371123" cy="198452"/>
+          </a:xfrm>
+          <a:prstGeom prst="corner">
+            <a:avLst/>
+          </a:prstGeom>
+        </p:spPr>
+        <p:style>
+          <a:lnRef idx="2">
+            <a:schemeClr val="accent1">
+              <a:shade val="50000"/>
+            </a:schemeClr>
+          </a:lnRef>
+          <a:fillRef idx="1">
+            <a:schemeClr val="accent1"/>
+          </a:fillRef>
+          <a:effectRef idx="0">
+            <a:schemeClr val="accent1"/>
+          </a:effectRef>
+          <a:fontRef idx="minor">
+            <a:schemeClr val="lt1"/>
+          </a:fontRef>
+        </p:style>
+        <p:txBody>
+          <a:bodyPr rtlCol="0" anchor="ctr"/>
+          <a:lstStyle/>
+          <a:p>
+            <a:pPr algn="ctr"/>
+            <a:endParaRPr lang="de-DE"/>
+          </a:p>
+        </p:txBody>
+      </p:sp>
     </p:spTree>
     <p:extLst>
       <p:ext uri="{BB962C8B-B14F-4D97-AF65-F5344CB8AC3E}">
@@ -6088,10 +7612,1904 @@
   <p:clrMapOvr>
     <a:masterClrMapping/>
   </p:clrMapOvr>
+  <p:timing>
+    <p:tnLst>
+      <p:par>
+        <p:cTn id="1" dur="indefinite" restart="never" nodeType="tmRoot">
+          <p:childTnLst>
+            <p:seq concurrent="1" nextAc="seek">
+              <p:cTn id="2" dur="indefinite" nodeType="mainSeq">
+                <p:childTnLst>
+                  <p:par>
+                    <p:cTn id="3" fill="hold">
+                      <p:stCondLst>
+                        <p:cond delay="indefinite"/>
+                      </p:stCondLst>
+                      <p:childTnLst>
+                        <p:par>
+                          <p:cTn id="4" fill="hold">
+                            <p:stCondLst>
+                              <p:cond delay="0"/>
+                            </p:stCondLst>
+                            <p:childTnLst>
+                              <p:par>
+                                <p:cTn id="5" presetID="1" presetClass="entr" presetSubtype="0" fill="hold" grpId="0" nodeType="clickEffect">
+                                  <p:stCondLst>
+                                    <p:cond delay="0"/>
+                                  </p:stCondLst>
+                                  <p:childTnLst>
+                                    <p:set>
+                                      <p:cBhvr>
+                                        <p:cTn id="6" dur="1" fill="hold">
+                                          <p:stCondLst>
+                                            <p:cond delay="0"/>
+                                          </p:stCondLst>
+                                        </p:cTn>
+                                        <p:tgtEl>
+                                          <p:spTgt spid="3">
+                                            <p:txEl>
+                                              <p:pRg st="0" end="0"/>
+                                            </p:txEl>
+                                          </p:spTgt>
+                                        </p:tgtEl>
+                                        <p:attrNameLst>
+                                          <p:attrName>style.visibility</p:attrName>
+                                        </p:attrNameLst>
+                                      </p:cBhvr>
+                                      <p:to>
+                                        <p:strVal val="visible"/>
+                                      </p:to>
+                                    </p:set>
+                                  </p:childTnLst>
+                                </p:cTn>
+                              </p:par>
+                              <p:par>
+                                <p:cTn id="7" presetID="1" presetClass="entr" presetSubtype="0" fill="hold" grpId="0" nodeType="withEffect">
+                                  <p:stCondLst>
+                                    <p:cond delay="0"/>
+                                  </p:stCondLst>
+                                  <p:childTnLst>
+                                    <p:set>
+                                      <p:cBhvr>
+                                        <p:cTn id="8" dur="1" fill="hold">
+                                          <p:stCondLst>
+                                            <p:cond delay="0"/>
+                                          </p:stCondLst>
+                                        </p:cTn>
+                                        <p:tgtEl>
+                                          <p:spTgt spid="3">
+                                            <p:txEl>
+                                              <p:pRg st="1" end="1"/>
+                                            </p:txEl>
+                                          </p:spTgt>
+                                        </p:tgtEl>
+                                        <p:attrNameLst>
+                                          <p:attrName>style.visibility</p:attrName>
+                                        </p:attrNameLst>
+                                      </p:cBhvr>
+                                      <p:to>
+                                        <p:strVal val="visible"/>
+                                      </p:to>
+                                    </p:set>
+                                  </p:childTnLst>
+                                </p:cTn>
+                              </p:par>
+                              <p:par>
+                                <p:cTn id="9" presetID="1" presetClass="entr" presetSubtype="0" fill="hold" grpId="0" nodeType="withEffect">
+                                  <p:stCondLst>
+                                    <p:cond delay="0"/>
+                                  </p:stCondLst>
+                                  <p:childTnLst>
+                                    <p:set>
+                                      <p:cBhvr>
+                                        <p:cTn id="10" dur="1" fill="hold">
+                                          <p:stCondLst>
+                                            <p:cond delay="0"/>
+                                          </p:stCondLst>
+                                        </p:cTn>
+                                        <p:tgtEl>
+                                          <p:spTgt spid="3">
+                                            <p:txEl>
+                                              <p:pRg st="2" end="2"/>
+                                            </p:txEl>
+                                          </p:spTgt>
+                                        </p:tgtEl>
+                                        <p:attrNameLst>
+                                          <p:attrName>style.visibility</p:attrName>
+                                        </p:attrNameLst>
+                                      </p:cBhvr>
+                                      <p:to>
+                                        <p:strVal val="visible"/>
+                                      </p:to>
+                                    </p:set>
+                                  </p:childTnLst>
+                                </p:cTn>
+                              </p:par>
+                              <p:par>
+                                <p:cTn id="11" presetID="1" presetClass="entr" presetSubtype="0" fill="hold" grpId="0" nodeType="withEffect">
+                                  <p:stCondLst>
+                                    <p:cond delay="0"/>
+                                  </p:stCondLst>
+                                  <p:childTnLst>
+                                    <p:set>
+                                      <p:cBhvr>
+                                        <p:cTn id="12" dur="1" fill="hold">
+                                          <p:stCondLst>
+                                            <p:cond delay="0"/>
+                                          </p:stCondLst>
+                                        </p:cTn>
+                                        <p:tgtEl>
+                                          <p:spTgt spid="3">
+                                            <p:txEl>
+                                              <p:pRg st="3" end="3"/>
+                                            </p:txEl>
+                                          </p:spTgt>
+                                        </p:tgtEl>
+                                        <p:attrNameLst>
+                                          <p:attrName>style.visibility</p:attrName>
+                                        </p:attrNameLst>
+                                      </p:cBhvr>
+                                      <p:to>
+                                        <p:strVal val="visible"/>
+                                      </p:to>
+                                    </p:set>
+                                  </p:childTnLst>
+                                </p:cTn>
+                              </p:par>
+                              <p:par>
+                                <p:cTn id="13" presetID="1" presetClass="entr" presetSubtype="0" fill="hold" grpId="0" nodeType="withEffect">
+                                  <p:stCondLst>
+                                    <p:cond delay="0"/>
+                                  </p:stCondLst>
+                                  <p:childTnLst>
+                                    <p:set>
+                                      <p:cBhvr>
+                                        <p:cTn id="14" dur="1" fill="hold">
+                                          <p:stCondLst>
+                                            <p:cond delay="0"/>
+                                          </p:stCondLst>
+                                        </p:cTn>
+                                        <p:tgtEl>
+                                          <p:spTgt spid="3">
+                                            <p:txEl>
+                                              <p:pRg st="4" end="4"/>
+                                            </p:txEl>
+                                          </p:spTgt>
+                                        </p:tgtEl>
+                                        <p:attrNameLst>
+                                          <p:attrName>style.visibility</p:attrName>
+                                        </p:attrNameLst>
+                                      </p:cBhvr>
+                                      <p:to>
+                                        <p:strVal val="visible"/>
+                                      </p:to>
+                                    </p:set>
+                                  </p:childTnLst>
+                                </p:cTn>
+                              </p:par>
+                              <p:par>
+                                <p:cTn id="15" presetID="1" presetClass="entr" presetSubtype="0" fill="hold" grpId="0" nodeType="withEffect">
+                                  <p:stCondLst>
+                                    <p:cond delay="0"/>
+                                  </p:stCondLst>
+                                  <p:childTnLst>
+                                    <p:set>
+                                      <p:cBhvr>
+                                        <p:cTn id="16" dur="1" fill="hold">
+                                          <p:stCondLst>
+                                            <p:cond delay="0"/>
+                                          </p:stCondLst>
+                                        </p:cTn>
+                                        <p:tgtEl>
+                                          <p:spTgt spid="3">
+                                            <p:txEl>
+                                              <p:pRg st="5" end="5"/>
+                                            </p:txEl>
+                                          </p:spTgt>
+                                        </p:tgtEl>
+                                        <p:attrNameLst>
+                                          <p:attrName>style.visibility</p:attrName>
+                                        </p:attrNameLst>
+                                      </p:cBhvr>
+                                      <p:to>
+                                        <p:strVal val="visible"/>
+                                      </p:to>
+                                    </p:set>
+                                  </p:childTnLst>
+                                </p:cTn>
+                              </p:par>
+                              <p:par>
+                                <p:cTn id="17" presetID="1" presetClass="entr" presetSubtype="0" fill="hold" grpId="0" nodeType="withEffect">
+                                  <p:stCondLst>
+                                    <p:cond delay="0"/>
+                                  </p:stCondLst>
+                                  <p:childTnLst>
+                                    <p:set>
+                                      <p:cBhvr>
+                                        <p:cTn id="18" dur="1" fill="hold">
+                                          <p:stCondLst>
+                                            <p:cond delay="0"/>
+                                          </p:stCondLst>
+                                        </p:cTn>
+                                        <p:tgtEl>
+                                          <p:spTgt spid="3">
+                                            <p:txEl>
+                                              <p:pRg st="6" end="6"/>
+                                            </p:txEl>
+                                          </p:spTgt>
+                                        </p:tgtEl>
+                                        <p:attrNameLst>
+                                          <p:attrName>style.visibility</p:attrName>
+                                        </p:attrNameLst>
+                                      </p:cBhvr>
+                                      <p:to>
+                                        <p:strVal val="visible"/>
+                                      </p:to>
+                                    </p:set>
+                                  </p:childTnLst>
+                                </p:cTn>
+                              </p:par>
+                              <p:par>
+                                <p:cTn id="19" presetID="1" presetClass="entr" presetSubtype="0" fill="hold" grpId="0" nodeType="withEffect">
+                                  <p:stCondLst>
+                                    <p:cond delay="0"/>
+                                  </p:stCondLst>
+                                  <p:childTnLst>
+                                    <p:set>
+                                      <p:cBhvr>
+                                        <p:cTn id="20" dur="1" fill="hold">
+                                          <p:stCondLst>
+                                            <p:cond delay="0"/>
+                                          </p:stCondLst>
+                                        </p:cTn>
+                                        <p:tgtEl>
+                                          <p:spTgt spid="3">
+                                            <p:txEl>
+                                              <p:pRg st="7" end="7"/>
+                                            </p:txEl>
+                                          </p:spTgt>
+                                        </p:tgtEl>
+                                        <p:attrNameLst>
+                                          <p:attrName>style.visibility</p:attrName>
+                                        </p:attrNameLst>
+                                      </p:cBhvr>
+                                      <p:to>
+                                        <p:strVal val="visible"/>
+                                      </p:to>
+                                    </p:set>
+                                  </p:childTnLst>
+                                </p:cTn>
+                              </p:par>
+                            </p:childTnLst>
+                          </p:cTn>
+                        </p:par>
+                      </p:childTnLst>
+                    </p:cTn>
+                  </p:par>
+                  <p:par>
+                    <p:cTn id="21" fill="hold">
+                      <p:stCondLst>
+                        <p:cond delay="indefinite"/>
+                      </p:stCondLst>
+                      <p:childTnLst>
+                        <p:par>
+                          <p:cTn id="22" fill="hold">
+                            <p:stCondLst>
+                              <p:cond delay="0"/>
+                            </p:stCondLst>
+                            <p:childTnLst>
+                              <p:par>
+                                <p:cTn id="23" presetID="1" presetClass="entr" presetSubtype="0" fill="hold" grpId="0" nodeType="clickEffect">
+                                  <p:stCondLst>
+                                    <p:cond delay="0"/>
+                                  </p:stCondLst>
+                                  <p:childTnLst>
+                                    <p:set>
+                                      <p:cBhvr>
+                                        <p:cTn id="24" dur="1" fill="hold">
+                                          <p:stCondLst>
+                                            <p:cond delay="0"/>
+                                          </p:stCondLst>
+                                        </p:cTn>
+                                        <p:tgtEl>
+                                          <p:spTgt spid="17"/>
+                                        </p:tgtEl>
+                                        <p:attrNameLst>
+                                          <p:attrName>style.visibility</p:attrName>
+                                        </p:attrNameLst>
+                                      </p:cBhvr>
+                                      <p:to>
+                                        <p:strVal val="visible"/>
+                                      </p:to>
+                                    </p:set>
+                                  </p:childTnLst>
+                                </p:cTn>
+                              </p:par>
+                            </p:childTnLst>
+                          </p:cTn>
+                        </p:par>
+                      </p:childTnLst>
+                    </p:cTn>
+                  </p:par>
+                  <p:par>
+                    <p:cTn id="25" fill="hold">
+                      <p:stCondLst>
+                        <p:cond delay="indefinite"/>
+                      </p:stCondLst>
+                      <p:childTnLst>
+                        <p:par>
+                          <p:cTn id="26" fill="hold">
+                            <p:stCondLst>
+                              <p:cond delay="0"/>
+                            </p:stCondLst>
+                            <p:childTnLst>
+                              <p:par>
+                                <p:cTn id="27" presetID="1" presetClass="entr" presetSubtype="0" fill="hold" grpId="0" nodeType="clickEffect">
+                                  <p:stCondLst>
+                                    <p:cond delay="0"/>
+                                  </p:stCondLst>
+                                  <p:childTnLst>
+                                    <p:set>
+                                      <p:cBhvr>
+                                        <p:cTn id="28" dur="1" fill="hold">
+                                          <p:stCondLst>
+                                            <p:cond delay="0"/>
+                                          </p:stCondLst>
+                                        </p:cTn>
+                                        <p:tgtEl>
+                                          <p:spTgt spid="19"/>
+                                        </p:tgtEl>
+                                        <p:attrNameLst>
+                                          <p:attrName>style.visibility</p:attrName>
+                                        </p:attrNameLst>
+                                      </p:cBhvr>
+                                      <p:to>
+                                        <p:strVal val="visible"/>
+                                      </p:to>
+                                    </p:set>
+                                  </p:childTnLst>
+                                </p:cTn>
+                              </p:par>
+                            </p:childTnLst>
+                          </p:cTn>
+                        </p:par>
+                      </p:childTnLst>
+                    </p:cTn>
+                  </p:par>
+                  <p:par>
+                    <p:cTn id="29" fill="hold">
+                      <p:stCondLst>
+                        <p:cond delay="indefinite"/>
+                      </p:stCondLst>
+                      <p:childTnLst>
+                        <p:par>
+                          <p:cTn id="30" fill="hold">
+                            <p:stCondLst>
+                              <p:cond delay="0"/>
+                            </p:stCondLst>
+                            <p:childTnLst>
+                              <p:par>
+                                <p:cTn id="31" presetID="42" presetClass="entr" presetSubtype="0" fill="hold" grpId="0" nodeType="clickEffect">
+                                  <p:stCondLst>
+                                    <p:cond delay="0"/>
+                                  </p:stCondLst>
+                                  <p:childTnLst>
+                                    <p:set>
+                                      <p:cBhvr>
+                                        <p:cTn id="32" dur="1" fill="hold">
+                                          <p:stCondLst>
+                                            <p:cond delay="0"/>
+                                          </p:stCondLst>
+                                        </p:cTn>
+                                        <p:tgtEl>
+                                          <p:spTgt spid="7"/>
+                                        </p:tgtEl>
+                                        <p:attrNameLst>
+                                          <p:attrName>style.visibility</p:attrName>
+                                        </p:attrNameLst>
+                                      </p:cBhvr>
+                                      <p:to>
+                                        <p:strVal val="visible"/>
+                                      </p:to>
+                                    </p:set>
+                                    <p:animEffect transition="in" filter="fade">
+                                      <p:cBhvr>
+                                        <p:cTn id="33" dur="500"/>
+                                        <p:tgtEl>
+                                          <p:spTgt spid="7"/>
+                                        </p:tgtEl>
+                                      </p:cBhvr>
+                                    </p:animEffect>
+                                    <p:anim calcmode="lin" valueType="num">
+                                      <p:cBhvr>
+                                        <p:cTn id="34" dur="500" fill="hold"/>
+                                        <p:tgtEl>
+                                          <p:spTgt spid="7"/>
+                                        </p:tgtEl>
+                                        <p:attrNameLst>
+                                          <p:attrName>ppt_x</p:attrName>
+                                        </p:attrNameLst>
+                                      </p:cBhvr>
+                                      <p:tavLst>
+                                        <p:tav tm="0">
+                                          <p:val>
+                                            <p:strVal val="#ppt_x"/>
+                                          </p:val>
+                                        </p:tav>
+                                        <p:tav tm="100000">
+                                          <p:val>
+                                            <p:strVal val="#ppt_x"/>
+                                          </p:val>
+                                        </p:tav>
+                                      </p:tavLst>
+                                    </p:anim>
+                                    <p:anim calcmode="lin" valueType="num">
+                                      <p:cBhvr>
+                                        <p:cTn id="35" dur="500" fill="hold"/>
+                                        <p:tgtEl>
+                                          <p:spTgt spid="7"/>
+                                        </p:tgtEl>
+                                        <p:attrNameLst>
+                                          <p:attrName>ppt_y</p:attrName>
+                                        </p:attrNameLst>
+                                      </p:cBhvr>
+                                      <p:tavLst>
+                                        <p:tav tm="0">
+                                          <p:val>
+                                            <p:strVal val="#ppt_y+.1"/>
+                                          </p:val>
+                                        </p:tav>
+                                        <p:tav tm="100000">
+                                          <p:val>
+                                            <p:strVal val="#ppt_y"/>
+                                          </p:val>
+                                        </p:tav>
+                                      </p:tavLst>
+                                    </p:anim>
+                                  </p:childTnLst>
+                                </p:cTn>
+                              </p:par>
+                              <p:par>
+                                <p:cTn id="36" presetID="42" presetClass="entr" presetSubtype="0" fill="hold" grpId="0" nodeType="withEffect">
+                                  <p:stCondLst>
+                                    <p:cond delay="0"/>
+                                  </p:stCondLst>
+                                  <p:childTnLst>
+                                    <p:set>
+                                      <p:cBhvr>
+                                        <p:cTn id="37" dur="1" fill="hold">
+                                          <p:stCondLst>
+                                            <p:cond delay="0"/>
+                                          </p:stCondLst>
+                                        </p:cTn>
+                                        <p:tgtEl>
+                                          <p:spTgt spid="20"/>
+                                        </p:tgtEl>
+                                        <p:attrNameLst>
+                                          <p:attrName>style.visibility</p:attrName>
+                                        </p:attrNameLst>
+                                      </p:cBhvr>
+                                      <p:to>
+                                        <p:strVal val="visible"/>
+                                      </p:to>
+                                    </p:set>
+                                    <p:animEffect transition="in" filter="fade">
+                                      <p:cBhvr>
+                                        <p:cTn id="38" dur="500"/>
+                                        <p:tgtEl>
+                                          <p:spTgt spid="20"/>
+                                        </p:tgtEl>
+                                      </p:cBhvr>
+                                    </p:animEffect>
+                                    <p:anim calcmode="lin" valueType="num">
+                                      <p:cBhvr>
+                                        <p:cTn id="39" dur="500" fill="hold"/>
+                                        <p:tgtEl>
+                                          <p:spTgt spid="20"/>
+                                        </p:tgtEl>
+                                        <p:attrNameLst>
+                                          <p:attrName>ppt_x</p:attrName>
+                                        </p:attrNameLst>
+                                      </p:cBhvr>
+                                      <p:tavLst>
+                                        <p:tav tm="0">
+                                          <p:val>
+                                            <p:strVal val="#ppt_x"/>
+                                          </p:val>
+                                        </p:tav>
+                                        <p:tav tm="100000">
+                                          <p:val>
+                                            <p:strVal val="#ppt_x"/>
+                                          </p:val>
+                                        </p:tav>
+                                      </p:tavLst>
+                                    </p:anim>
+                                    <p:anim calcmode="lin" valueType="num">
+                                      <p:cBhvr>
+                                        <p:cTn id="40" dur="500" fill="hold"/>
+                                        <p:tgtEl>
+                                          <p:spTgt spid="20"/>
+                                        </p:tgtEl>
+                                        <p:attrNameLst>
+                                          <p:attrName>ppt_y</p:attrName>
+                                        </p:attrNameLst>
+                                      </p:cBhvr>
+                                      <p:tavLst>
+                                        <p:tav tm="0">
+                                          <p:val>
+                                            <p:strVal val="#ppt_y+.1"/>
+                                          </p:val>
+                                        </p:tav>
+                                        <p:tav tm="100000">
+                                          <p:val>
+                                            <p:strVal val="#ppt_y"/>
+                                          </p:val>
+                                        </p:tav>
+                                      </p:tavLst>
+                                    </p:anim>
+                                  </p:childTnLst>
+                                </p:cTn>
+                              </p:par>
+                              <p:par>
+                                <p:cTn id="41" presetID="42" presetClass="entr" presetSubtype="0" fill="hold" grpId="0" nodeType="withEffect">
+                                  <p:stCondLst>
+                                    <p:cond delay="0"/>
+                                  </p:stCondLst>
+                                  <p:childTnLst>
+                                    <p:set>
+                                      <p:cBhvr>
+                                        <p:cTn id="42" dur="1" fill="hold">
+                                          <p:stCondLst>
+                                            <p:cond delay="0"/>
+                                          </p:stCondLst>
+                                        </p:cTn>
+                                        <p:tgtEl>
+                                          <p:spTgt spid="21"/>
+                                        </p:tgtEl>
+                                        <p:attrNameLst>
+                                          <p:attrName>style.visibility</p:attrName>
+                                        </p:attrNameLst>
+                                      </p:cBhvr>
+                                      <p:to>
+                                        <p:strVal val="visible"/>
+                                      </p:to>
+                                    </p:set>
+                                    <p:animEffect transition="in" filter="fade">
+                                      <p:cBhvr>
+                                        <p:cTn id="43" dur="500"/>
+                                        <p:tgtEl>
+                                          <p:spTgt spid="21"/>
+                                        </p:tgtEl>
+                                      </p:cBhvr>
+                                    </p:animEffect>
+                                    <p:anim calcmode="lin" valueType="num">
+                                      <p:cBhvr>
+                                        <p:cTn id="44" dur="500" fill="hold"/>
+                                        <p:tgtEl>
+                                          <p:spTgt spid="21"/>
+                                        </p:tgtEl>
+                                        <p:attrNameLst>
+                                          <p:attrName>ppt_x</p:attrName>
+                                        </p:attrNameLst>
+                                      </p:cBhvr>
+                                      <p:tavLst>
+                                        <p:tav tm="0">
+                                          <p:val>
+                                            <p:strVal val="#ppt_x"/>
+                                          </p:val>
+                                        </p:tav>
+                                        <p:tav tm="100000">
+                                          <p:val>
+                                            <p:strVal val="#ppt_x"/>
+                                          </p:val>
+                                        </p:tav>
+                                      </p:tavLst>
+                                    </p:anim>
+                                    <p:anim calcmode="lin" valueType="num">
+                                      <p:cBhvr>
+                                        <p:cTn id="45" dur="500" fill="hold"/>
+                                        <p:tgtEl>
+                                          <p:spTgt spid="21"/>
+                                        </p:tgtEl>
+                                        <p:attrNameLst>
+                                          <p:attrName>ppt_y</p:attrName>
+                                        </p:attrNameLst>
+                                      </p:cBhvr>
+                                      <p:tavLst>
+                                        <p:tav tm="0">
+                                          <p:val>
+                                            <p:strVal val="#ppt_y+.1"/>
+                                          </p:val>
+                                        </p:tav>
+                                        <p:tav tm="100000">
+                                          <p:val>
+                                            <p:strVal val="#ppt_y"/>
+                                          </p:val>
+                                        </p:tav>
+                                      </p:tavLst>
+                                    </p:anim>
+                                  </p:childTnLst>
+                                </p:cTn>
+                              </p:par>
+                              <p:par>
+                                <p:cTn id="46" presetID="42" presetClass="entr" presetSubtype="0" fill="hold" grpId="0" nodeType="withEffect">
+                                  <p:stCondLst>
+                                    <p:cond delay="0"/>
+                                  </p:stCondLst>
+                                  <p:childTnLst>
+                                    <p:set>
+                                      <p:cBhvr>
+                                        <p:cTn id="47" dur="1" fill="hold">
+                                          <p:stCondLst>
+                                            <p:cond delay="0"/>
+                                          </p:stCondLst>
+                                        </p:cTn>
+                                        <p:tgtEl>
+                                          <p:spTgt spid="22"/>
+                                        </p:tgtEl>
+                                        <p:attrNameLst>
+                                          <p:attrName>style.visibility</p:attrName>
+                                        </p:attrNameLst>
+                                      </p:cBhvr>
+                                      <p:to>
+                                        <p:strVal val="visible"/>
+                                      </p:to>
+                                    </p:set>
+                                    <p:animEffect transition="in" filter="fade">
+                                      <p:cBhvr>
+                                        <p:cTn id="48" dur="500"/>
+                                        <p:tgtEl>
+                                          <p:spTgt spid="22"/>
+                                        </p:tgtEl>
+                                      </p:cBhvr>
+                                    </p:animEffect>
+                                    <p:anim calcmode="lin" valueType="num">
+                                      <p:cBhvr>
+                                        <p:cTn id="49" dur="500" fill="hold"/>
+                                        <p:tgtEl>
+                                          <p:spTgt spid="22"/>
+                                        </p:tgtEl>
+                                        <p:attrNameLst>
+                                          <p:attrName>ppt_x</p:attrName>
+                                        </p:attrNameLst>
+                                      </p:cBhvr>
+                                      <p:tavLst>
+                                        <p:tav tm="0">
+                                          <p:val>
+                                            <p:strVal val="#ppt_x"/>
+                                          </p:val>
+                                        </p:tav>
+                                        <p:tav tm="100000">
+                                          <p:val>
+                                            <p:strVal val="#ppt_x"/>
+                                          </p:val>
+                                        </p:tav>
+                                      </p:tavLst>
+                                    </p:anim>
+                                    <p:anim calcmode="lin" valueType="num">
+                                      <p:cBhvr>
+                                        <p:cTn id="50" dur="500" fill="hold"/>
+                                        <p:tgtEl>
+                                          <p:spTgt spid="22"/>
+                                        </p:tgtEl>
+                                        <p:attrNameLst>
+                                          <p:attrName>ppt_y</p:attrName>
+                                        </p:attrNameLst>
+                                      </p:cBhvr>
+                                      <p:tavLst>
+                                        <p:tav tm="0">
+                                          <p:val>
+                                            <p:strVal val="#ppt_y+.1"/>
+                                          </p:val>
+                                        </p:tav>
+                                        <p:tav tm="100000">
+                                          <p:val>
+                                            <p:strVal val="#ppt_y"/>
+                                          </p:val>
+                                        </p:tav>
+                                      </p:tavLst>
+                                    </p:anim>
+                                  </p:childTnLst>
+                                </p:cTn>
+                              </p:par>
+                              <p:par>
+                                <p:cTn id="51" presetID="42" presetClass="entr" presetSubtype="0" fill="hold" grpId="0" nodeType="withEffect">
+                                  <p:stCondLst>
+                                    <p:cond delay="0"/>
+                                  </p:stCondLst>
+                                  <p:childTnLst>
+                                    <p:set>
+                                      <p:cBhvr>
+                                        <p:cTn id="52" dur="1" fill="hold">
+                                          <p:stCondLst>
+                                            <p:cond delay="0"/>
+                                          </p:stCondLst>
+                                        </p:cTn>
+                                        <p:tgtEl>
+                                          <p:spTgt spid="23"/>
+                                        </p:tgtEl>
+                                        <p:attrNameLst>
+                                          <p:attrName>style.visibility</p:attrName>
+                                        </p:attrNameLst>
+                                      </p:cBhvr>
+                                      <p:to>
+                                        <p:strVal val="visible"/>
+                                      </p:to>
+                                    </p:set>
+                                    <p:animEffect transition="in" filter="fade">
+                                      <p:cBhvr>
+                                        <p:cTn id="53" dur="500"/>
+                                        <p:tgtEl>
+                                          <p:spTgt spid="23"/>
+                                        </p:tgtEl>
+                                      </p:cBhvr>
+                                    </p:animEffect>
+                                    <p:anim calcmode="lin" valueType="num">
+                                      <p:cBhvr>
+                                        <p:cTn id="54" dur="500" fill="hold"/>
+                                        <p:tgtEl>
+                                          <p:spTgt spid="23"/>
+                                        </p:tgtEl>
+                                        <p:attrNameLst>
+                                          <p:attrName>ppt_x</p:attrName>
+                                        </p:attrNameLst>
+                                      </p:cBhvr>
+                                      <p:tavLst>
+                                        <p:tav tm="0">
+                                          <p:val>
+                                            <p:strVal val="#ppt_x"/>
+                                          </p:val>
+                                        </p:tav>
+                                        <p:tav tm="100000">
+                                          <p:val>
+                                            <p:strVal val="#ppt_x"/>
+                                          </p:val>
+                                        </p:tav>
+                                      </p:tavLst>
+                                    </p:anim>
+                                    <p:anim calcmode="lin" valueType="num">
+                                      <p:cBhvr>
+                                        <p:cTn id="55" dur="500" fill="hold"/>
+                                        <p:tgtEl>
+                                          <p:spTgt spid="23"/>
+                                        </p:tgtEl>
+                                        <p:attrNameLst>
+                                          <p:attrName>ppt_y</p:attrName>
+                                        </p:attrNameLst>
+                                      </p:cBhvr>
+                                      <p:tavLst>
+                                        <p:tav tm="0">
+                                          <p:val>
+                                            <p:strVal val="#ppt_y+.1"/>
+                                          </p:val>
+                                        </p:tav>
+                                        <p:tav tm="100000">
+                                          <p:val>
+                                            <p:strVal val="#ppt_y"/>
+                                          </p:val>
+                                        </p:tav>
+                                      </p:tavLst>
+                                    </p:anim>
+                                  </p:childTnLst>
+                                </p:cTn>
+                              </p:par>
+                              <p:par>
+                                <p:cTn id="56" presetID="42" presetClass="entr" presetSubtype="0" fill="hold" grpId="0" nodeType="withEffect">
+                                  <p:stCondLst>
+                                    <p:cond delay="0"/>
+                                  </p:stCondLst>
+                                  <p:childTnLst>
+                                    <p:set>
+                                      <p:cBhvr>
+                                        <p:cTn id="57" dur="1" fill="hold">
+                                          <p:stCondLst>
+                                            <p:cond delay="0"/>
+                                          </p:stCondLst>
+                                        </p:cTn>
+                                        <p:tgtEl>
+                                          <p:spTgt spid="24"/>
+                                        </p:tgtEl>
+                                        <p:attrNameLst>
+                                          <p:attrName>style.visibility</p:attrName>
+                                        </p:attrNameLst>
+                                      </p:cBhvr>
+                                      <p:to>
+                                        <p:strVal val="visible"/>
+                                      </p:to>
+                                    </p:set>
+                                    <p:animEffect transition="in" filter="fade">
+                                      <p:cBhvr>
+                                        <p:cTn id="58" dur="500"/>
+                                        <p:tgtEl>
+                                          <p:spTgt spid="24"/>
+                                        </p:tgtEl>
+                                      </p:cBhvr>
+                                    </p:animEffect>
+                                    <p:anim calcmode="lin" valueType="num">
+                                      <p:cBhvr>
+                                        <p:cTn id="59" dur="500" fill="hold"/>
+                                        <p:tgtEl>
+                                          <p:spTgt spid="24"/>
+                                        </p:tgtEl>
+                                        <p:attrNameLst>
+                                          <p:attrName>ppt_x</p:attrName>
+                                        </p:attrNameLst>
+                                      </p:cBhvr>
+                                      <p:tavLst>
+                                        <p:tav tm="0">
+                                          <p:val>
+                                            <p:strVal val="#ppt_x"/>
+                                          </p:val>
+                                        </p:tav>
+                                        <p:tav tm="100000">
+                                          <p:val>
+                                            <p:strVal val="#ppt_x"/>
+                                          </p:val>
+                                        </p:tav>
+                                      </p:tavLst>
+                                    </p:anim>
+                                    <p:anim calcmode="lin" valueType="num">
+                                      <p:cBhvr>
+                                        <p:cTn id="60" dur="500" fill="hold"/>
+                                        <p:tgtEl>
+                                          <p:spTgt spid="24"/>
+                                        </p:tgtEl>
+                                        <p:attrNameLst>
+                                          <p:attrName>ppt_y</p:attrName>
+                                        </p:attrNameLst>
+                                      </p:cBhvr>
+                                      <p:tavLst>
+                                        <p:tav tm="0">
+                                          <p:val>
+                                            <p:strVal val="#ppt_y+.1"/>
+                                          </p:val>
+                                        </p:tav>
+                                        <p:tav tm="100000">
+                                          <p:val>
+                                            <p:strVal val="#ppt_y"/>
+                                          </p:val>
+                                        </p:tav>
+                                      </p:tavLst>
+                                    </p:anim>
+                                  </p:childTnLst>
+                                </p:cTn>
+                              </p:par>
+                              <p:par>
+                                <p:cTn id="61" presetID="42" presetClass="entr" presetSubtype="0" fill="hold" grpId="0" nodeType="withEffect">
+                                  <p:stCondLst>
+                                    <p:cond delay="0"/>
+                                  </p:stCondLst>
+                                  <p:childTnLst>
+                                    <p:set>
+                                      <p:cBhvr>
+                                        <p:cTn id="62" dur="1" fill="hold">
+                                          <p:stCondLst>
+                                            <p:cond delay="0"/>
+                                          </p:stCondLst>
+                                        </p:cTn>
+                                        <p:tgtEl>
+                                          <p:spTgt spid="25"/>
+                                        </p:tgtEl>
+                                        <p:attrNameLst>
+                                          <p:attrName>style.visibility</p:attrName>
+                                        </p:attrNameLst>
+                                      </p:cBhvr>
+                                      <p:to>
+                                        <p:strVal val="visible"/>
+                                      </p:to>
+                                    </p:set>
+                                    <p:animEffect transition="in" filter="fade">
+                                      <p:cBhvr>
+                                        <p:cTn id="63" dur="500"/>
+                                        <p:tgtEl>
+                                          <p:spTgt spid="25"/>
+                                        </p:tgtEl>
+                                      </p:cBhvr>
+                                    </p:animEffect>
+                                    <p:anim calcmode="lin" valueType="num">
+                                      <p:cBhvr>
+                                        <p:cTn id="64" dur="500" fill="hold"/>
+                                        <p:tgtEl>
+                                          <p:spTgt spid="25"/>
+                                        </p:tgtEl>
+                                        <p:attrNameLst>
+                                          <p:attrName>ppt_x</p:attrName>
+                                        </p:attrNameLst>
+                                      </p:cBhvr>
+                                      <p:tavLst>
+                                        <p:tav tm="0">
+                                          <p:val>
+                                            <p:strVal val="#ppt_x"/>
+                                          </p:val>
+                                        </p:tav>
+                                        <p:tav tm="100000">
+                                          <p:val>
+                                            <p:strVal val="#ppt_x"/>
+                                          </p:val>
+                                        </p:tav>
+                                      </p:tavLst>
+                                    </p:anim>
+                                    <p:anim calcmode="lin" valueType="num">
+                                      <p:cBhvr>
+                                        <p:cTn id="65" dur="500" fill="hold"/>
+                                        <p:tgtEl>
+                                          <p:spTgt spid="25"/>
+                                        </p:tgtEl>
+                                        <p:attrNameLst>
+                                          <p:attrName>ppt_y</p:attrName>
+                                        </p:attrNameLst>
+                                      </p:cBhvr>
+                                      <p:tavLst>
+                                        <p:tav tm="0">
+                                          <p:val>
+                                            <p:strVal val="#ppt_y+.1"/>
+                                          </p:val>
+                                        </p:tav>
+                                        <p:tav tm="100000">
+                                          <p:val>
+                                            <p:strVal val="#ppt_y"/>
+                                          </p:val>
+                                        </p:tav>
+                                      </p:tavLst>
+                                    </p:anim>
+                                  </p:childTnLst>
+                                </p:cTn>
+                              </p:par>
+                              <p:par>
+                                <p:cTn id="66" presetID="42" presetClass="entr" presetSubtype="0" fill="hold" grpId="0" nodeType="withEffect">
+                                  <p:stCondLst>
+                                    <p:cond delay="0"/>
+                                  </p:stCondLst>
+                                  <p:childTnLst>
+                                    <p:set>
+                                      <p:cBhvr>
+                                        <p:cTn id="67" dur="1" fill="hold">
+                                          <p:stCondLst>
+                                            <p:cond delay="0"/>
+                                          </p:stCondLst>
+                                        </p:cTn>
+                                        <p:tgtEl>
+                                          <p:spTgt spid="26"/>
+                                        </p:tgtEl>
+                                        <p:attrNameLst>
+                                          <p:attrName>style.visibility</p:attrName>
+                                        </p:attrNameLst>
+                                      </p:cBhvr>
+                                      <p:to>
+                                        <p:strVal val="visible"/>
+                                      </p:to>
+                                    </p:set>
+                                    <p:animEffect transition="in" filter="fade">
+                                      <p:cBhvr>
+                                        <p:cTn id="68" dur="500"/>
+                                        <p:tgtEl>
+                                          <p:spTgt spid="26"/>
+                                        </p:tgtEl>
+                                      </p:cBhvr>
+                                    </p:animEffect>
+                                    <p:anim calcmode="lin" valueType="num">
+                                      <p:cBhvr>
+                                        <p:cTn id="69" dur="500" fill="hold"/>
+                                        <p:tgtEl>
+                                          <p:spTgt spid="26"/>
+                                        </p:tgtEl>
+                                        <p:attrNameLst>
+                                          <p:attrName>ppt_x</p:attrName>
+                                        </p:attrNameLst>
+                                      </p:cBhvr>
+                                      <p:tavLst>
+                                        <p:tav tm="0">
+                                          <p:val>
+                                            <p:strVal val="#ppt_x"/>
+                                          </p:val>
+                                        </p:tav>
+                                        <p:tav tm="100000">
+                                          <p:val>
+                                            <p:strVal val="#ppt_x"/>
+                                          </p:val>
+                                        </p:tav>
+                                      </p:tavLst>
+                                    </p:anim>
+                                    <p:anim calcmode="lin" valueType="num">
+                                      <p:cBhvr>
+                                        <p:cTn id="70" dur="500" fill="hold"/>
+                                        <p:tgtEl>
+                                          <p:spTgt spid="26"/>
+                                        </p:tgtEl>
+                                        <p:attrNameLst>
+                                          <p:attrName>ppt_y</p:attrName>
+                                        </p:attrNameLst>
+                                      </p:cBhvr>
+                                      <p:tavLst>
+                                        <p:tav tm="0">
+                                          <p:val>
+                                            <p:strVal val="#ppt_y+.1"/>
+                                          </p:val>
+                                        </p:tav>
+                                        <p:tav tm="100000">
+                                          <p:val>
+                                            <p:strVal val="#ppt_y"/>
+                                          </p:val>
+                                        </p:tav>
+                                      </p:tavLst>
+                                    </p:anim>
+                                  </p:childTnLst>
+                                </p:cTn>
+                              </p:par>
+                              <p:par>
+                                <p:cTn id="71" presetID="42" presetClass="entr" presetSubtype="0" fill="hold" grpId="0" nodeType="withEffect">
+                                  <p:stCondLst>
+                                    <p:cond delay="0"/>
+                                  </p:stCondLst>
+                                  <p:childTnLst>
+                                    <p:set>
+                                      <p:cBhvr>
+                                        <p:cTn id="72" dur="1" fill="hold">
+                                          <p:stCondLst>
+                                            <p:cond delay="0"/>
+                                          </p:stCondLst>
+                                        </p:cTn>
+                                        <p:tgtEl>
+                                          <p:spTgt spid="27"/>
+                                        </p:tgtEl>
+                                        <p:attrNameLst>
+                                          <p:attrName>style.visibility</p:attrName>
+                                        </p:attrNameLst>
+                                      </p:cBhvr>
+                                      <p:to>
+                                        <p:strVal val="visible"/>
+                                      </p:to>
+                                    </p:set>
+                                    <p:animEffect transition="in" filter="fade">
+                                      <p:cBhvr>
+                                        <p:cTn id="73" dur="500"/>
+                                        <p:tgtEl>
+                                          <p:spTgt spid="27"/>
+                                        </p:tgtEl>
+                                      </p:cBhvr>
+                                    </p:animEffect>
+                                    <p:anim calcmode="lin" valueType="num">
+                                      <p:cBhvr>
+                                        <p:cTn id="74" dur="500" fill="hold"/>
+                                        <p:tgtEl>
+                                          <p:spTgt spid="27"/>
+                                        </p:tgtEl>
+                                        <p:attrNameLst>
+                                          <p:attrName>ppt_x</p:attrName>
+                                        </p:attrNameLst>
+                                      </p:cBhvr>
+                                      <p:tavLst>
+                                        <p:tav tm="0">
+                                          <p:val>
+                                            <p:strVal val="#ppt_x"/>
+                                          </p:val>
+                                        </p:tav>
+                                        <p:tav tm="100000">
+                                          <p:val>
+                                            <p:strVal val="#ppt_x"/>
+                                          </p:val>
+                                        </p:tav>
+                                      </p:tavLst>
+                                    </p:anim>
+                                    <p:anim calcmode="lin" valueType="num">
+                                      <p:cBhvr>
+                                        <p:cTn id="75" dur="500" fill="hold"/>
+                                        <p:tgtEl>
+                                          <p:spTgt spid="27"/>
+                                        </p:tgtEl>
+                                        <p:attrNameLst>
+                                          <p:attrName>ppt_y</p:attrName>
+                                        </p:attrNameLst>
+                                      </p:cBhvr>
+                                      <p:tavLst>
+                                        <p:tav tm="0">
+                                          <p:val>
+                                            <p:strVal val="#ppt_y+.1"/>
+                                          </p:val>
+                                        </p:tav>
+                                        <p:tav tm="100000">
+                                          <p:val>
+                                            <p:strVal val="#ppt_y"/>
+                                          </p:val>
+                                        </p:tav>
+                                      </p:tavLst>
+                                    </p:anim>
+                                  </p:childTnLst>
+                                </p:cTn>
+                              </p:par>
+                              <p:par>
+                                <p:cTn id="76" presetID="42" presetClass="entr" presetSubtype="0" fill="hold" grpId="0" nodeType="withEffect">
+                                  <p:stCondLst>
+                                    <p:cond delay="0"/>
+                                  </p:stCondLst>
+                                  <p:childTnLst>
+                                    <p:set>
+                                      <p:cBhvr>
+                                        <p:cTn id="77" dur="1" fill="hold">
+                                          <p:stCondLst>
+                                            <p:cond delay="0"/>
+                                          </p:stCondLst>
+                                        </p:cTn>
+                                        <p:tgtEl>
+                                          <p:spTgt spid="28"/>
+                                        </p:tgtEl>
+                                        <p:attrNameLst>
+                                          <p:attrName>style.visibility</p:attrName>
+                                        </p:attrNameLst>
+                                      </p:cBhvr>
+                                      <p:to>
+                                        <p:strVal val="visible"/>
+                                      </p:to>
+                                    </p:set>
+                                    <p:animEffect transition="in" filter="fade">
+                                      <p:cBhvr>
+                                        <p:cTn id="78" dur="500"/>
+                                        <p:tgtEl>
+                                          <p:spTgt spid="28"/>
+                                        </p:tgtEl>
+                                      </p:cBhvr>
+                                    </p:animEffect>
+                                    <p:anim calcmode="lin" valueType="num">
+                                      <p:cBhvr>
+                                        <p:cTn id="79" dur="500" fill="hold"/>
+                                        <p:tgtEl>
+                                          <p:spTgt spid="28"/>
+                                        </p:tgtEl>
+                                        <p:attrNameLst>
+                                          <p:attrName>ppt_x</p:attrName>
+                                        </p:attrNameLst>
+                                      </p:cBhvr>
+                                      <p:tavLst>
+                                        <p:tav tm="0">
+                                          <p:val>
+                                            <p:strVal val="#ppt_x"/>
+                                          </p:val>
+                                        </p:tav>
+                                        <p:tav tm="100000">
+                                          <p:val>
+                                            <p:strVal val="#ppt_x"/>
+                                          </p:val>
+                                        </p:tav>
+                                      </p:tavLst>
+                                    </p:anim>
+                                    <p:anim calcmode="lin" valueType="num">
+                                      <p:cBhvr>
+                                        <p:cTn id="80" dur="500" fill="hold"/>
+                                        <p:tgtEl>
+                                          <p:spTgt spid="28"/>
+                                        </p:tgtEl>
+                                        <p:attrNameLst>
+                                          <p:attrName>ppt_y</p:attrName>
+                                        </p:attrNameLst>
+                                      </p:cBhvr>
+                                      <p:tavLst>
+                                        <p:tav tm="0">
+                                          <p:val>
+                                            <p:strVal val="#ppt_y+.1"/>
+                                          </p:val>
+                                        </p:tav>
+                                        <p:tav tm="100000">
+                                          <p:val>
+                                            <p:strVal val="#ppt_y"/>
+                                          </p:val>
+                                        </p:tav>
+                                      </p:tavLst>
+                                    </p:anim>
+                                  </p:childTnLst>
+                                </p:cTn>
+                              </p:par>
+                              <p:par>
+                                <p:cTn id="81" presetID="42" presetClass="entr" presetSubtype="0" fill="hold" grpId="0" nodeType="withEffect">
+                                  <p:stCondLst>
+                                    <p:cond delay="0"/>
+                                  </p:stCondLst>
+                                  <p:childTnLst>
+                                    <p:set>
+                                      <p:cBhvr>
+                                        <p:cTn id="82" dur="1" fill="hold">
+                                          <p:stCondLst>
+                                            <p:cond delay="0"/>
+                                          </p:stCondLst>
+                                        </p:cTn>
+                                        <p:tgtEl>
+                                          <p:spTgt spid="29"/>
+                                        </p:tgtEl>
+                                        <p:attrNameLst>
+                                          <p:attrName>style.visibility</p:attrName>
+                                        </p:attrNameLst>
+                                      </p:cBhvr>
+                                      <p:to>
+                                        <p:strVal val="visible"/>
+                                      </p:to>
+                                    </p:set>
+                                    <p:animEffect transition="in" filter="fade">
+                                      <p:cBhvr>
+                                        <p:cTn id="83" dur="500"/>
+                                        <p:tgtEl>
+                                          <p:spTgt spid="29"/>
+                                        </p:tgtEl>
+                                      </p:cBhvr>
+                                    </p:animEffect>
+                                    <p:anim calcmode="lin" valueType="num">
+                                      <p:cBhvr>
+                                        <p:cTn id="84" dur="500" fill="hold"/>
+                                        <p:tgtEl>
+                                          <p:spTgt spid="29"/>
+                                        </p:tgtEl>
+                                        <p:attrNameLst>
+                                          <p:attrName>ppt_x</p:attrName>
+                                        </p:attrNameLst>
+                                      </p:cBhvr>
+                                      <p:tavLst>
+                                        <p:tav tm="0">
+                                          <p:val>
+                                            <p:strVal val="#ppt_x"/>
+                                          </p:val>
+                                        </p:tav>
+                                        <p:tav tm="100000">
+                                          <p:val>
+                                            <p:strVal val="#ppt_x"/>
+                                          </p:val>
+                                        </p:tav>
+                                      </p:tavLst>
+                                    </p:anim>
+                                    <p:anim calcmode="lin" valueType="num">
+                                      <p:cBhvr>
+                                        <p:cTn id="85" dur="500" fill="hold"/>
+                                        <p:tgtEl>
+                                          <p:spTgt spid="29"/>
+                                        </p:tgtEl>
+                                        <p:attrNameLst>
+                                          <p:attrName>ppt_y</p:attrName>
+                                        </p:attrNameLst>
+                                      </p:cBhvr>
+                                      <p:tavLst>
+                                        <p:tav tm="0">
+                                          <p:val>
+                                            <p:strVal val="#ppt_y+.1"/>
+                                          </p:val>
+                                        </p:tav>
+                                        <p:tav tm="100000">
+                                          <p:val>
+                                            <p:strVal val="#ppt_y"/>
+                                          </p:val>
+                                        </p:tav>
+                                      </p:tavLst>
+                                    </p:anim>
+                                  </p:childTnLst>
+                                </p:cTn>
+                              </p:par>
+                              <p:par>
+                                <p:cTn id="86" presetID="42" presetClass="entr" presetSubtype="0" fill="hold" grpId="0" nodeType="withEffect">
+                                  <p:stCondLst>
+                                    <p:cond delay="0"/>
+                                  </p:stCondLst>
+                                  <p:childTnLst>
+                                    <p:set>
+                                      <p:cBhvr>
+                                        <p:cTn id="87" dur="1" fill="hold">
+                                          <p:stCondLst>
+                                            <p:cond delay="0"/>
+                                          </p:stCondLst>
+                                        </p:cTn>
+                                        <p:tgtEl>
+                                          <p:spTgt spid="30"/>
+                                        </p:tgtEl>
+                                        <p:attrNameLst>
+                                          <p:attrName>style.visibility</p:attrName>
+                                        </p:attrNameLst>
+                                      </p:cBhvr>
+                                      <p:to>
+                                        <p:strVal val="visible"/>
+                                      </p:to>
+                                    </p:set>
+                                    <p:animEffect transition="in" filter="fade">
+                                      <p:cBhvr>
+                                        <p:cTn id="88" dur="500"/>
+                                        <p:tgtEl>
+                                          <p:spTgt spid="30"/>
+                                        </p:tgtEl>
+                                      </p:cBhvr>
+                                    </p:animEffect>
+                                    <p:anim calcmode="lin" valueType="num">
+                                      <p:cBhvr>
+                                        <p:cTn id="89" dur="500" fill="hold"/>
+                                        <p:tgtEl>
+                                          <p:spTgt spid="30"/>
+                                        </p:tgtEl>
+                                        <p:attrNameLst>
+                                          <p:attrName>ppt_x</p:attrName>
+                                        </p:attrNameLst>
+                                      </p:cBhvr>
+                                      <p:tavLst>
+                                        <p:tav tm="0">
+                                          <p:val>
+                                            <p:strVal val="#ppt_x"/>
+                                          </p:val>
+                                        </p:tav>
+                                        <p:tav tm="100000">
+                                          <p:val>
+                                            <p:strVal val="#ppt_x"/>
+                                          </p:val>
+                                        </p:tav>
+                                      </p:tavLst>
+                                    </p:anim>
+                                    <p:anim calcmode="lin" valueType="num">
+                                      <p:cBhvr>
+                                        <p:cTn id="90" dur="500" fill="hold"/>
+                                        <p:tgtEl>
+                                          <p:spTgt spid="30"/>
+                                        </p:tgtEl>
+                                        <p:attrNameLst>
+                                          <p:attrName>ppt_y</p:attrName>
+                                        </p:attrNameLst>
+                                      </p:cBhvr>
+                                      <p:tavLst>
+                                        <p:tav tm="0">
+                                          <p:val>
+                                            <p:strVal val="#ppt_y+.1"/>
+                                          </p:val>
+                                        </p:tav>
+                                        <p:tav tm="100000">
+                                          <p:val>
+                                            <p:strVal val="#ppt_y"/>
+                                          </p:val>
+                                        </p:tav>
+                                      </p:tavLst>
+                                    </p:anim>
+                                  </p:childTnLst>
+                                </p:cTn>
+                              </p:par>
+                              <p:par>
+                                <p:cTn id="91" presetID="42" presetClass="entr" presetSubtype="0" fill="hold" grpId="0" nodeType="withEffect">
+                                  <p:stCondLst>
+                                    <p:cond delay="0"/>
+                                  </p:stCondLst>
+                                  <p:childTnLst>
+                                    <p:set>
+                                      <p:cBhvr>
+                                        <p:cTn id="92" dur="1" fill="hold">
+                                          <p:stCondLst>
+                                            <p:cond delay="0"/>
+                                          </p:stCondLst>
+                                        </p:cTn>
+                                        <p:tgtEl>
+                                          <p:spTgt spid="31"/>
+                                        </p:tgtEl>
+                                        <p:attrNameLst>
+                                          <p:attrName>style.visibility</p:attrName>
+                                        </p:attrNameLst>
+                                      </p:cBhvr>
+                                      <p:to>
+                                        <p:strVal val="visible"/>
+                                      </p:to>
+                                    </p:set>
+                                    <p:animEffect transition="in" filter="fade">
+                                      <p:cBhvr>
+                                        <p:cTn id="93" dur="500"/>
+                                        <p:tgtEl>
+                                          <p:spTgt spid="31"/>
+                                        </p:tgtEl>
+                                      </p:cBhvr>
+                                    </p:animEffect>
+                                    <p:anim calcmode="lin" valueType="num">
+                                      <p:cBhvr>
+                                        <p:cTn id="94" dur="500" fill="hold"/>
+                                        <p:tgtEl>
+                                          <p:spTgt spid="31"/>
+                                        </p:tgtEl>
+                                        <p:attrNameLst>
+                                          <p:attrName>ppt_x</p:attrName>
+                                        </p:attrNameLst>
+                                      </p:cBhvr>
+                                      <p:tavLst>
+                                        <p:tav tm="0">
+                                          <p:val>
+                                            <p:strVal val="#ppt_x"/>
+                                          </p:val>
+                                        </p:tav>
+                                        <p:tav tm="100000">
+                                          <p:val>
+                                            <p:strVal val="#ppt_x"/>
+                                          </p:val>
+                                        </p:tav>
+                                      </p:tavLst>
+                                    </p:anim>
+                                    <p:anim calcmode="lin" valueType="num">
+                                      <p:cBhvr>
+                                        <p:cTn id="95" dur="500" fill="hold"/>
+                                        <p:tgtEl>
+                                          <p:spTgt spid="31"/>
+                                        </p:tgtEl>
+                                        <p:attrNameLst>
+                                          <p:attrName>ppt_y</p:attrName>
+                                        </p:attrNameLst>
+                                      </p:cBhvr>
+                                      <p:tavLst>
+                                        <p:tav tm="0">
+                                          <p:val>
+                                            <p:strVal val="#ppt_y+.1"/>
+                                          </p:val>
+                                        </p:tav>
+                                        <p:tav tm="100000">
+                                          <p:val>
+                                            <p:strVal val="#ppt_y"/>
+                                          </p:val>
+                                        </p:tav>
+                                      </p:tavLst>
+                                    </p:anim>
+                                  </p:childTnLst>
+                                </p:cTn>
+                              </p:par>
+                              <p:par>
+                                <p:cTn id="96" presetID="42" presetClass="entr" presetSubtype="0" fill="hold" grpId="0" nodeType="withEffect">
+                                  <p:stCondLst>
+                                    <p:cond delay="0"/>
+                                  </p:stCondLst>
+                                  <p:childTnLst>
+                                    <p:set>
+                                      <p:cBhvr>
+                                        <p:cTn id="97" dur="1" fill="hold">
+                                          <p:stCondLst>
+                                            <p:cond delay="0"/>
+                                          </p:stCondLst>
+                                        </p:cTn>
+                                        <p:tgtEl>
+                                          <p:spTgt spid="32"/>
+                                        </p:tgtEl>
+                                        <p:attrNameLst>
+                                          <p:attrName>style.visibility</p:attrName>
+                                        </p:attrNameLst>
+                                      </p:cBhvr>
+                                      <p:to>
+                                        <p:strVal val="visible"/>
+                                      </p:to>
+                                    </p:set>
+                                    <p:animEffect transition="in" filter="fade">
+                                      <p:cBhvr>
+                                        <p:cTn id="98" dur="500"/>
+                                        <p:tgtEl>
+                                          <p:spTgt spid="32"/>
+                                        </p:tgtEl>
+                                      </p:cBhvr>
+                                    </p:animEffect>
+                                    <p:anim calcmode="lin" valueType="num">
+                                      <p:cBhvr>
+                                        <p:cTn id="99" dur="500" fill="hold"/>
+                                        <p:tgtEl>
+                                          <p:spTgt spid="32"/>
+                                        </p:tgtEl>
+                                        <p:attrNameLst>
+                                          <p:attrName>ppt_x</p:attrName>
+                                        </p:attrNameLst>
+                                      </p:cBhvr>
+                                      <p:tavLst>
+                                        <p:tav tm="0">
+                                          <p:val>
+                                            <p:strVal val="#ppt_x"/>
+                                          </p:val>
+                                        </p:tav>
+                                        <p:tav tm="100000">
+                                          <p:val>
+                                            <p:strVal val="#ppt_x"/>
+                                          </p:val>
+                                        </p:tav>
+                                      </p:tavLst>
+                                    </p:anim>
+                                    <p:anim calcmode="lin" valueType="num">
+                                      <p:cBhvr>
+                                        <p:cTn id="100" dur="500" fill="hold"/>
+                                        <p:tgtEl>
+                                          <p:spTgt spid="32"/>
+                                        </p:tgtEl>
+                                        <p:attrNameLst>
+                                          <p:attrName>ppt_y</p:attrName>
+                                        </p:attrNameLst>
+                                      </p:cBhvr>
+                                      <p:tavLst>
+                                        <p:tav tm="0">
+                                          <p:val>
+                                            <p:strVal val="#ppt_y+.1"/>
+                                          </p:val>
+                                        </p:tav>
+                                        <p:tav tm="100000">
+                                          <p:val>
+                                            <p:strVal val="#ppt_y"/>
+                                          </p:val>
+                                        </p:tav>
+                                      </p:tavLst>
+                                    </p:anim>
+                                  </p:childTnLst>
+                                </p:cTn>
+                              </p:par>
+                              <p:par>
+                                <p:cTn id="101" presetID="42" presetClass="entr" presetSubtype="0" fill="hold" grpId="0" nodeType="withEffect">
+                                  <p:stCondLst>
+                                    <p:cond delay="0"/>
+                                  </p:stCondLst>
+                                  <p:childTnLst>
+                                    <p:set>
+                                      <p:cBhvr>
+                                        <p:cTn id="102" dur="1" fill="hold">
+                                          <p:stCondLst>
+                                            <p:cond delay="0"/>
+                                          </p:stCondLst>
+                                        </p:cTn>
+                                        <p:tgtEl>
+                                          <p:spTgt spid="33"/>
+                                        </p:tgtEl>
+                                        <p:attrNameLst>
+                                          <p:attrName>style.visibility</p:attrName>
+                                        </p:attrNameLst>
+                                      </p:cBhvr>
+                                      <p:to>
+                                        <p:strVal val="visible"/>
+                                      </p:to>
+                                    </p:set>
+                                    <p:animEffect transition="in" filter="fade">
+                                      <p:cBhvr>
+                                        <p:cTn id="103" dur="500"/>
+                                        <p:tgtEl>
+                                          <p:spTgt spid="33"/>
+                                        </p:tgtEl>
+                                      </p:cBhvr>
+                                    </p:animEffect>
+                                    <p:anim calcmode="lin" valueType="num">
+                                      <p:cBhvr>
+                                        <p:cTn id="104" dur="500" fill="hold"/>
+                                        <p:tgtEl>
+                                          <p:spTgt spid="33"/>
+                                        </p:tgtEl>
+                                        <p:attrNameLst>
+                                          <p:attrName>ppt_x</p:attrName>
+                                        </p:attrNameLst>
+                                      </p:cBhvr>
+                                      <p:tavLst>
+                                        <p:tav tm="0">
+                                          <p:val>
+                                            <p:strVal val="#ppt_x"/>
+                                          </p:val>
+                                        </p:tav>
+                                        <p:tav tm="100000">
+                                          <p:val>
+                                            <p:strVal val="#ppt_x"/>
+                                          </p:val>
+                                        </p:tav>
+                                      </p:tavLst>
+                                    </p:anim>
+                                    <p:anim calcmode="lin" valueType="num">
+                                      <p:cBhvr>
+                                        <p:cTn id="105" dur="500" fill="hold"/>
+                                        <p:tgtEl>
+                                          <p:spTgt spid="33"/>
+                                        </p:tgtEl>
+                                        <p:attrNameLst>
+                                          <p:attrName>ppt_y</p:attrName>
+                                        </p:attrNameLst>
+                                      </p:cBhvr>
+                                      <p:tavLst>
+                                        <p:tav tm="0">
+                                          <p:val>
+                                            <p:strVal val="#ppt_y+.1"/>
+                                          </p:val>
+                                        </p:tav>
+                                        <p:tav tm="100000">
+                                          <p:val>
+                                            <p:strVal val="#ppt_y"/>
+                                          </p:val>
+                                        </p:tav>
+                                      </p:tavLst>
+                                    </p:anim>
+                                  </p:childTnLst>
+                                </p:cTn>
+                              </p:par>
+                              <p:par>
+                                <p:cTn id="106" presetID="42" presetClass="entr" presetSubtype="0" fill="hold" grpId="0" nodeType="withEffect">
+                                  <p:stCondLst>
+                                    <p:cond delay="0"/>
+                                  </p:stCondLst>
+                                  <p:childTnLst>
+                                    <p:set>
+                                      <p:cBhvr>
+                                        <p:cTn id="107" dur="1" fill="hold">
+                                          <p:stCondLst>
+                                            <p:cond delay="0"/>
+                                          </p:stCondLst>
+                                        </p:cTn>
+                                        <p:tgtEl>
+                                          <p:spTgt spid="35"/>
+                                        </p:tgtEl>
+                                        <p:attrNameLst>
+                                          <p:attrName>style.visibility</p:attrName>
+                                        </p:attrNameLst>
+                                      </p:cBhvr>
+                                      <p:to>
+                                        <p:strVal val="visible"/>
+                                      </p:to>
+                                    </p:set>
+                                    <p:animEffect transition="in" filter="fade">
+                                      <p:cBhvr>
+                                        <p:cTn id="108" dur="500"/>
+                                        <p:tgtEl>
+                                          <p:spTgt spid="35"/>
+                                        </p:tgtEl>
+                                      </p:cBhvr>
+                                    </p:animEffect>
+                                    <p:anim calcmode="lin" valueType="num">
+                                      <p:cBhvr>
+                                        <p:cTn id="109" dur="500" fill="hold"/>
+                                        <p:tgtEl>
+                                          <p:spTgt spid="35"/>
+                                        </p:tgtEl>
+                                        <p:attrNameLst>
+                                          <p:attrName>ppt_x</p:attrName>
+                                        </p:attrNameLst>
+                                      </p:cBhvr>
+                                      <p:tavLst>
+                                        <p:tav tm="0">
+                                          <p:val>
+                                            <p:strVal val="#ppt_x"/>
+                                          </p:val>
+                                        </p:tav>
+                                        <p:tav tm="100000">
+                                          <p:val>
+                                            <p:strVal val="#ppt_x"/>
+                                          </p:val>
+                                        </p:tav>
+                                      </p:tavLst>
+                                    </p:anim>
+                                    <p:anim calcmode="lin" valueType="num">
+                                      <p:cBhvr>
+                                        <p:cTn id="110" dur="500" fill="hold"/>
+                                        <p:tgtEl>
+                                          <p:spTgt spid="35"/>
+                                        </p:tgtEl>
+                                        <p:attrNameLst>
+                                          <p:attrName>ppt_y</p:attrName>
+                                        </p:attrNameLst>
+                                      </p:cBhvr>
+                                      <p:tavLst>
+                                        <p:tav tm="0">
+                                          <p:val>
+                                            <p:strVal val="#ppt_y+.1"/>
+                                          </p:val>
+                                        </p:tav>
+                                        <p:tav tm="100000">
+                                          <p:val>
+                                            <p:strVal val="#ppt_y"/>
+                                          </p:val>
+                                        </p:tav>
+                                      </p:tavLst>
+                                    </p:anim>
+                                  </p:childTnLst>
+                                </p:cTn>
+                              </p:par>
+                              <p:par>
+                                <p:cTn id="111" presetID="42" presetClass="entr" presetSubtype="0" fill="hold" grpId="0" nodeType="withEffect">
+                                  <p:stCondLst>
+                                    <p:cond delay="0"/>
+                                  </p:stCondLst>
+                                  <p:childTnLst>
+                                    <p:set>
+                                      <p:cBhvr>
+                                        <p:cTn id="112" dur="1" fill="hold">
+                                          <p:stCondLst>
+                                            <p:cond delay="0"/>
+                                          </p:stCondLst>
+                                        </p:cTn>
+                                        <p:tgtEl>
+                                          <p:spTgt spid="34"/>
+                                        </p:tgtEl>
+                                        <p:attrNameLst>
+                                          <p:attrName>style.visibility</p:attrName>
+                                        </p:attrNameLst>
+                                      </p:cBhvr>
+                                      <p:to>
+                                        <p:strVal val="visible"/>
+                                      </p:to>
+                                    </p:set>
+                                    <p:animEffect transition="in" filter="fade">
+                                      <p:cBhvr>
+                                        <p:cTn id="113" dur="500"/>
+                                        <p:tgtEl>
+                                          <p:spTgt spid="34"/>
+                                        </p:tgtEl>
+                                      </p:cBhvr>
+                                    </p:animEffect>
+                                    <p:anim calcmode="lin" valueType="num">
+                                      <p:cBhvr>
+                                        <p:cTn id="114" dur="500" fill="hold"/>
+                                        <p:tgtEl>
+                                          <p:spTgt spid="34"/>
+                                        </p:tgtEl>
+                                        <p:attrNameLst>
+                                          <p:attrName>ppt_x</p:attrName>
+                                        </p:attrNameLst>
+                                      </p:cBhvr>
+                                      <p:tavLst>
+                                        <p:tav tm="0">
+                                          <p:val>
+                                            <p:strVal val="#ppt_x"/>
+                                          </p:val>
+                                        </p:tav>
+                                        <p:tav tm="100000">
+                                          <p:val>
+                                            <p:strVal val="#ppt_x"/>
+                                          </p:val>
+                                        </p:tav>
+                                      </p:tavLst>
+                                    </p:anim>
+                                    <p:anim calcmode="lin" valueType="num">
+                                      <p:cBhvr>
+                                        <p:cTn id="115" dur="500" fill="hold"/>
+                                        <p:tgtEl>
+                                          <p:spTgt spid="34"/>
+                                        </p:tgtEl>
+                                        <p:attrNameLst>
+                                          <p:attrName>ppt_y</p:attrName>
+                                        </p:attrNameLst>
+                                      </p:cBhvr>
+                                      <p:tavLst>
+                                        <p:tav tm="0">
+                                          <p:val>
+                                            <p:strVal val="#ppt_y+.1"/>
+                                          </p:val>
+                                        </p:tav>
+                                        <p:tav tm="100000">
+                                          <p:val>
+                                            <p:strVal val="#ppt_y"/>
+                                          </p:val>
+                                        </p:tav>
+                                      </p:tavLst>
+                                    </p:anim>
+                                  </p:childTnLst>
+                                </p:cTn>
+                              </p:par>
+                            </p:childTnLst>
+                          </p:cTn>
+                        </p:par>
+                        <p:par>
+                          <p:cTn id="116" fill="hold">
+                            <p:stCondLst>
+                              <p:cond delay="500"/>
+                            </p:stCondLst>
+                            <p:childTnLst>
+                              <p:par>
+                                <p:cTn id="117" presetID="42" presetClass="entr" presetSubtype="0" fill="hold" grpId="0" nodeType="afterEffect">
+                                  <p:stCondLst>
+                                    <p:cond delay="0"/>
+                                  </p:stCondLst>
+                                  <p:childTnLst>
+                                    <p:set>
+                                      <p:cBhvr>
+                                        <p:cTn id="118" dur="1" fill="hold">
+                                          <p:stCondLst>
+                                            <p:cond delay="0"/>
+                                          </p:stCondLst>
+                                        </p:cTn>
+                                        <p:tgtEl>
+                                          <p:spTgt spid="8"/>
+                                        </p:tgtEl>
+                                        <p:attrNameLst>
+                                          <p:attrName>style.visibility</p:attrName>
+                                        </p:attrNameLst>
+                                      </p:cBhvr>
+                                      <p:to>
+                                        <p:strVal val="visible"/>
+                                      </p:to>
+                                    </p:set>
+                                    <p:animEffect transition="in" filter="fade">
+                                      <p:cBhvr>
+                                        <p:cTn id="119" dur="1000"/>
+                                        <p:tgtEl>
+                                          <p:spTgt spid="8"/>
+                                        </p:tgtEl>
+                                      </p:cBhvr>
+                                    </p:animEffect>
+                                    <p:anim calcmode="lin" valueType="num">
+                                      <p:cBhvr>
+                                        <p:cTn id="120" dur="1000" fill="hold"/>
+                                        <p:tgtEl>
+                                          <p:spTgt spid="8"/>
+                                        </p:tgtEl>
+                                        <p:attrNameLst>
+                                          <p:attrName>ppt_x</p:attrName>
+                                        </p:attrNameLst>
+                                      </p:cBhvr>
+                                      <p:tavLst>
+                                        <p:tav tm="0">
+                                          <p:val>
+                                            <p:strVal val="#ppt_x"/>
+                                          </p:val>
+                                        </p:tav>
+                                        <p:tav tm="100000">
+                                          <p:val>
+                                            <p:strVal val="#ppt_x"/>
+                                          </p:val>
+                                        </p:tav>
+                                      </p:tavLst>
+                                    </p:anim>
+                                    <p:anim calcmode="lin" valueType="num">
+                                      <p:cBhvr>
+                                        <p:cTn id="121" dur="1000" fill="hold"/>
+                                        <p:tgtEl>
+                                          <p:spTgt spid="8"/>
+                                        </p:tgtEl>
+                                        <p:attrNameLst>
+                                          <p:attrName>ppt_y</p:attrName>
+                                        </p:attrNameLst>
+                                      </p:cBhvr>
+                                      <p:tavLst>
+                                        <p:tav tm="0">
+                                          <p:val>
+                                            <p:strVal val="#ppt_y+.1"/>
+                                          </p:val>
+                                        </p:tav>
+                                        <p:tav tm="100000">
+                                          <p:val>
+                                            <p:strVal val="#ppt_y"/>
+                                          </p:val>
+                                        </p:tav>
+                                      </p:tavLst>
+                                    </p:anim>
+                                  </p:childTnLst>
+                                </p:cTn>
+                              </p:par>
+                            </p:childTnLst>
+                          </p:cTn>
+                        </p:par>
+                      </p:childTnLst>
+                    </p:cTn>
+                  </p:par>
+                </p:childTnLst>
+              </p:cTn>
+              <p:prevCondLst>
+                <p:cond evt="onPrev" delay="0">
+                  <p:tgtEl>
+                    <p:sldTgt/>
+                  </p:tgtEl>
+                </p:cond>
+              </p:prevCondLst>
+              <p:nextCondLst>
+                <p:cond evt="onNext" delay="0">
+                  <p:tgtEl>
+                    <p:sldTgt/>
+                  </p:tgtEl>
+                </p:cond>
+              </p:nextCondLst>
+            </p:seq>
+          </p:childTnLst>
+        </p:cTn>
+      </p:par>
+    </p:tnLst>
+    <p:bldLst>
+      <p:bldP spid="3" grpId="0" uiExpand="1" build="p"/>
+      <p:bldP spid="7" grpId="0" animBg="1"/>
+      <p:bldP spid="8" grpId="0" animBg="1"/>
+      <p:bldP spid="17" grpId="0"/>
+      <p:bldP spid="19" grpId="0"/>
+      <p:bldP spid="20" grpId="0" animBg="1"/>
+      <p:bldP spid="21" grpId="0" animBg="1"/>
+      <p:bldP spid="22" grpId="0" animBg="1"/>
+      <p:bldP spid="23" grpId="0" animBg="1"/>
+      <p:bldP spid="24" grpId="0" animBg="1"/>
+      <p:bldP spid="25" grpId="0" animBg="1"/>
+      <p:bldP spid="26" grpId="0" animBg="1"/>
+      <p:bldP spid="27" grpId="0" animBg="1"/>
+      <p:bldP spid="28" grpId="0" animBg="1"/>
+      <p:bldP spid="29" grpId="0" animBg="1"/>
+      <p:bldP spid="30" grpId="0" animBg="1"/>
+      <p:bldP spid="31" grpId="0" animBg="1"/>
+      <p:bldP spid="32" grpId="0" animBg="1"/>
+      <p:bldP spid="33" grpId="0" animBg="1"/>
+      <p:bldP spid="34" grpId="0" animBg="1"/>
+      <p:bldP spid="35" grpId="0" animBg="1"/>
+    </p:bldLst>
+  </p:timing>
 </p:sld>
 </file>
 
-<file path=ppt/slides/slide2.xml><?xml version="1.0" encoding="utf-8"?>
+<file path=ppt/slides/slide3.xml><?xml version="1.0" encoding="utf-8"?>
 <p:sld xmlns:a="http://schemas.openxmlformats.org/drawingml/2006/main" xmlns:r="http://schemas.openxmlformats.org/officeDocument/2006/relationships" xmlns:p="http://schemas.openxmlformats.org/presentationml/2006/main">
   <p:cSld>
     <p:bg>
@@ -6124,7 +9542,7 @@
                 <a16:creationId xmlns:a16="http://schemas.microsoft.com/office/drawing/2014/main" id="{90A61547-2555-4DE2-A37F-A53E54917441}"/>
               </a:ext>
               <a:ext uri="{C183D7F6-B498-43B3-948B-1728B52AA6E4}">
-                <adec:decorative xmlns:adec="http://schemas.microsoft.com/office/drawing/2017/decorative" val="1"/>
+                <adec:decorative xmlns:adec="http://schemas.microsoft.com/office/drawing/2017/decorative" xmlns="" val="1"/>
               </a:ext>
             </a:extLst>
           </p:cNvPr>
@@ -6155,7 +9573,7 @@
                   <a16:creationId xmlns:a16="http://schemas.microsoft.com/office/drawing/2014/main" id="{5C2447E0-8F0D-479C-94E4-82BC8EB68C0C}"/>
                 </a:ext>
                 <a:ext uri="{C183D7F6-B498-43B3-948B-1728B52AA6E4}">
-                  <adec:decorative xmlns:adec="http://schemas.microsoft.com/office/drawing/2017/decorative" val="1"/>
+                  <adec:decorative xmlns:adec="http://schemas.microsoft.com/office/drawing/2017/decorative" xmlns="" val="1"/>
                 </a:ext>
               </a:extLst>
             </p:cNvPr>
@@ -6207,7 +9625,7 @@
                   <a16:creationId xmlns:a16="http://schemas.microsoft.com/office/drawing/2014/main" id="{1F943397-DCDD-44CB-BBA9-9510B7698DD2}"/>
                 </a:ext>
                 <a:ext uri="{C183D7F6-B498-43B3-948B-1728B52AA6E4}">
-                  <adec:decorative xmlns:adec="http://schemas.microsoft.com/office/drawing/2017/decorative" val="1"/>
+                  <adec:decorative xmlns:adec="http://schemas.microsoft.com/office/drawing/2017/decorative" xmlns="" val="1"/>
                 </a:ext>
               </a:extLst>
             </p:cNvPr>
@@ -6259,7 +9677,7 @@
                   <a16:creationId xmlns:a16="http://schemas.microsoft.com/office/drawing/2014/main" id="{E2630ADC-31DB-4C48-AC4A-DAAE5A7B8EA6}"/>
                 </a:ext>
                 <a:ext uri="{C183D7F6-B498-43B3-948B-1728B52AA6E4}">
-                  <adec:decorative xmlns:adec="http://schemas.microsoft.com/office/drawing/2017/decorative" val="1"/>
+                  <adec:decorative xmlns:adec="http://schemas.microsoft.com/office/drawing/2017/decorative" xmlns="" val="1"/>
                 </a:ext>
               </a:extLst>
             </p:cNvPr>
@@ -6337,7 +9755,7 @@
                   <a16:creationId xmlns:a16="http://schemas.microsoft.com/office/drawing/2014/main" id="{2CA5C44E-F54E-47E0-8989-4D8686B33C80}"/>
                 </a:ext>
                 <a:ext uri="{C183D7F6-B498-43B3-948B-1728B52AA6E4}">
-                  <adec:decorative xmlns:adec="http://schemas.microsoft.com/office/drawing/2017/decorative" val="1"/>
+                  <adec:decorative xmlns:adec="http://schemas.microsoft.com/office/drawing/2017/decorative" xmlns="" val="1"/>
                 </a:ext>
               </a:extLst>
             </p:cNvPr>
@@ -6415,7 +9833,7 @@
                   <a16:creationId xmlns:a16="http://schemas.microsoft.com/office/drawing/2014/main" id="{FF54E15E-830B-4375-A239-4C51954DEAEC}"/>
                 </a:ext>
                 <a:ext uri="{C183D7F6-B498-43B3-948B-1728B52AA6E4}">
-                  <adec:decorative xmlns:adec="http://schemas.microsoft.com/office/drawing/2017/decorative" val="1"/>
+                  <adec:decorative xmlns:adec="http://schemas.microsoft.com/office/drawing/2017/decorative" xmlns="" val="1"/>
                 </a:ext>
               </a:extLst>
             </p:cNvPr>
@@ -6471,7 +9889,7 @@
                   <a16:creationId xmlns:a16="http://schemas.microsoft.com/office/drawing/2014/main" id="{CB37E322-FF7E-4872-BD6B-50A48CBEA5CE}"/>
                 </a:ext>
                 <a:ext uri="{C183D7F6-B498-43B3-948B-1728B52AA6E4}">
-                  <adec:decorative xmlns:adec="http://schemas.microsoft.com/office/drawing/2017/decorative" val="1"/>
+                  <adec:decorative xmlns:adec="http://schemas.microsoft.com/office/drawing/2017/decorative" xmlns="" val="1"/>
                 </a:ext>
               </a:extLst>
             </p:cNvPr>
@@ -6550,7 +9968,7 @@
                   <a16:creationId xmlns:a16="http://schemas.microsoft.com/office/drawing/2014/main" id="{710D0C1E-D2F8-45B2-AE14-1AC8E976F7A2}"/>
                 </a:ext>
                 <a:ext uri="{C183D7F6-B498-43B3-948B-1728B52AA6E4}">
-                  <adec:decorative xmlns:adec="http://schemas.microsoft.com/office/drawing/2017/decorative" val="1"/>
+                  <adec:decorative xmlns:adec="http://schemas.microsoft.com/office/drawing/2017/decorative" xmlns="" val="1"/>
                 </a:ext>
               </a:extLst>
             </p:cNvPr>
@@ -6630,7 +10048,7 @@
                   <a16:creationId xmlns:a16="http://schemas.microsoft.com/office/drawing/2014/main" id="{3216331B-17D0-4167-ABD2-B2198058C2D2}"/>
                 </a:ext>
                 <a:ext uri="{C183D7F6-B498-43B3-948B-1728B52AA6E4}">
-                  <adec:decorative xmlns:adec="http://schemas.microsoft.com/office/drawing/2017/decorative" val="1"/>
+                  <adec:decorative xmlns:adec="http://schemas.microsoft.com/office/drawing/2017/decorative" xmlns="" val="1"/>
                 </a:ext>
               </a:extLst>
             </p:cNvPr>
@@ -6708,7 +10126,7 @@
                   <a16:creationId xmlns:a16="http://schemas.microsoft.com/office/drawing/2014/main" id="{A53A7A96-3806-4BB3-91DE-6EED48AC787E}"/>
                 </a:ext>
                 <a:ext uri="{C183D7F6-B498-43B3-948B-1728B52AA6E4}">
-                  <adec:decorative xmlns:adec="http://schemas.microsoft.com/office/drawing/2017/decorative" val="1"/>
+                  <adec:decorative xmlns:adec="http://schemas.microsoft.com/office/drawing/2017/decorative" xmlns="" val="1"/>
                 </a:ext>
               </a:extLst>
             </p:cNvPr>
@@ -6764,7 +10182,7 @@
                   <a16:creationId xmlns:a16="http://schemas.microsoft.com/office/drawing/2014/main" id="{F8C2B86C-EE71-466E-8991-503F9C9C1B22}"/>
                 </a:ext>
                 <a:ext uri="{C183D7F6-B498-43B3-948B-1728B52AA6E4}">
-                  <adec:decorative xmlns:adec="http://schemas.microsoft.com/office/drawing/2017/decorative" val="1"/>
+                  <adec:decorative xmlns:adec="http://schemas.microsoft.com/office/drawing/2017/decorative" xmlns="" val="1"/>
                 </a:ext>
               </a:extLst>
             </p:cNvPr>
@@ -6892,10 +10310,17 @@
   <p:clrMapOvr>
     <a:masterClrMapping/>
   </p:clrMapOvr>
+  <p:timing>
+    <p:tnLst>
+      <p:par>
+        <p:cTn id="1" dur="indefinite" restart="never" nodeType="tmRoot"/>
+      </p:par>
+    </p:tnLst>
+  </p:timing>
 </p:sld>
 </file>
 
-<file path=ppt/slides/slide3.xml><?xml version="1.0" encoding="utf-8"?>
+<file path=ppt/slides/slide4.xml><?xml version="1.0" encoding="utf-8"?>
 <p:sld xmlns:a="http://schemas.openxmlformats.org/drawingml/2006/main" xmlns:r="http://schemas.openxmlformats.org/officeDocument/2006/relationships" xmlns:p="http://schemas.openxmlformats.org/presentationml/2006/main">
   <p:cSld>
     <p:spTree>
@@ -6975,6 +10400,13 @@
   <p:clrMapOvr>
     <a:masterClrMapping/>
   </p:clrMapOvr>
+  <p:timing>
+    <p:tnLst>
+      <p:par>
+        <p:cTn id="1" dur="indefinite" restart="never" nodeType="tmRoot"/>
+      </p:par>
+    </p:tnLst>
+  </p:timing>
 </p:sld>
 </file>
 

--- a/Sprint 3/Abgabe-Dateien/Sptrint 3 Präsentation.pptx
+++ b/Sprint 3/Abgabe-Dateien/Sptrint 3 Präsentation.pptx
@@ -5954,7 +5954,7 @@
           <p:nvPr/>
         </p:nvPicPr>
         <p:blipFill>
-          <a:blip r:embed="rId4" cstate="print">
+          <a:blip r:embed="rId4" cstate="hqprint">
             <a:extLst>
               <a:ext uri="{28A0092B-C50C-407E-A947-70E740481C1C}">
                 <a14:useLocalDpi xmlns:a14="http://schemas.microsoft.com/office/drawing/2010/main" val="0"/>
@@ -6688,7 +6688,7 @@
         </p:nvSpPr>
         <p:spPr>
           <a:xfrm>
-            <a:off x="821366" y="4668954"/>
+            <a:off x="758217" y="4650260"/>
             <a:ext cx="3863229" cy="4096122"/>
           </a:xfrm>
           <a:prstGeom prst="rect">
@@ -7571,6 +7571,476 @@
         <p:spPr>
           <a:xfrm rot="18846658">
             <a:off x="2025142" y="5544528"/>
+            <a:ext cx="371123" cy="198452"/>
+          </a:xfrm>
+          <a:prstGeom prst="corner">
+            <a:avLst/>
+          </a:prstGeom>
+        </p:spPr>
+        <p:style>
+          <a:lnRef idx="2">
+            <a:schemeClr val="accent1">
+              <a:shade val="50000"/>
+            </a:schemeClr>
+          </a:lnRef>
+          <a:fillRef idx="1">
+            <a:schemeClr val="accent1"/>
+          </a:fillRef>
+          <a:effectRef idx="0">
+            <a:schemeClr val="accent1"/>
+          </a:effectRef>
+          <a:fontRef idx="minor">
+            <a:schemeClr val="lt1"/>
+          </a:fontRef>
+        </p:style>
+        <p:txBody>
+          <a:bodyPr rtlCol="0" anchor="ctr"/>
+          <a:lstStyle/>
+          <a:p>
+            <a:pPr algn="ctr"/>
+            <a:endParaRPr lang="de-DE"/>
+          </a:p>
+        </p:txBody>
+      </p:sp>
+      <p:sp>
+        <p:nvSpPr>
+          <p:cNvPr id="36" name="Untertitel 2">
+            <a:extLst>
+              <a:ext uri="{FF2B5EF4-FFF2-40B4-BE49-F238E27FC236}">
+                <a16:creationId xmlns:a16="http://schemas.microsoft.com/office/drawing/2014/main" id="{A1E2309B-BC7E-4F14-B20E-E7EFC42C7967}"/>
+              </a:ext>
+            </a:extLst>
+          </p:cNvPr>
+          <p:cNvSpPr txBox="1">
+            <a:spLocks/>
+          </p:cNvSpPr>
+          <p:nvPr/>
+        </p:nvSpPr>
+        <p:spPr>
+          <a:xfrm>
+            <a:off x="4832779" y="4612019"/>
+            <a:ext cx="3863229" cy="4096122"/>
+          </a:xfrm>
+          <a:prstGeom prst="rect">
+            <a:avLst/>
+          </a:prstGeom>
+        </p:spPr>
+        <p:txBody>
+          <a:bodyPr vert="horz" lIns="91440" tIns="45720" rIns="91440" bIns="45720" rtlCol="0" anchor="t">
+            <a:normAutofit/>
+          </a:bodyPr>
+          <a:lstStyle>
+            <a:lvl1pPr marL="0" indent="0" algn="r" defTabSz="457200" rtl="0" eaLnBrk="1" latinLnBrk="0" hangingPunct="1">
+              <a:spcBef>
+                <a:spcPts val="1000"/>
+              </a:spcBef>
+              <a:spcAft>
+                <a:spcPts val="0"/>
+              </a:spcAft>
+              <a:buClr>
+                <a:schemeClr val="accent1"/>
+              </a:buClr>
+              <a:buSzPct val="80000"/>
+              <a:buFont typeface="Wingdings 3" charset="2"/>
+              <a:buNone/>
+              <a:defRPr sz="1800" kern="1200">
+                <a:solidFill>
+                  <a:schemeClr val="tx1">
+                    <a:lumMod val="50000"/>
+                    <a:lumOff val="50000"/>
+                  </a:schemeClr>
+                </a:solidFill>
+                <a:latin typeface="+mn-lt"/>
+                <a:ea typeface="+mn-ea"/>
+                <a:cs typeface="+mn-cs"/>
+              </a:defRPr>
+            </a:lvl1pPr>
+            <a:lvl2pPr marL="457200" indent="0" algn="ctr" defTabSz="457200" rtl="0" eaLnBrk="1" latinLnBrk="0" hangingPunct="1">
+              <a:spcBef>
+                <a:spcPts val="1000"/>
+              </a:spcBef>
+              <a:spcAft>
+                <a:spcPts val="0"/>
+              </a:spcAft>
+              <a:buClr>
+                <a:schemeClr val="accent1"/>
+              </a:buClr>
+              <a:buSzPct val="80000"/>
+              <a:buFont typeface="Wingdings 3" charset="2"/>
+              <a:buNone/>
+              <a:defRPr sz="1600" kern="1200">
+                <a:solidFill>
+                  <a:schemeClr val="tx1">
+                    <a:tint val="75000"/>
+                  </a:schemeClr>
+                </a:solidFill>
+                <a:latin typeface="+mn-lt"/>
+                <a:ea typeface="+mn-ea"/>
+                <a:cs typeface="+mn-cs"/>
+              </a:defRPr>
+            </a:lvl2pPr>
+            <a:lvl3pPr marL="914400" indent="0" algn="ctr" defTabSz="457200" rtl="0" eaLnBrk="1" latinLnBrk="0" hangingPunct="1">
+              <a:spcBef>
+                <a:spcPts val="1000"/>
+              </a:spcBef>
+              <a:spcAft>
+                <a:spcPts val="0"/>
+              </a:spcAft>
+              <a:buClr>
+                <a:schemeClr val="accent1"/>
+              </a:buClr>
+              <a:buSzPct val="80000"/>
+              <a:buFont typeface="Wingdings 3" charset="2"/>
+              <a:buNone/>
+              <a:defRPr sz="1400" kern="1200">
+                <a:solidFill>
+                  <a:schemeClr val="tx1">
+                    <a:tint val="75000"/>
+                  </a:schemeClr>
+                </a:solidFill>
+                <a:latin typeface="+mn-lt"/>
+                <a:ea typeface="+mn-ea"/>
+                <a:cs typeface="+mn-cs"/>
+              </a:defRPr>
+            </a:lvl3pPr>
+            <a:lvl4pPr marL="1371600" indent="0" algn="ctr" defTabSz="457200" rtl="0" eaLnBrk="1" latinLnBrk="0" hangingPunct="1">
+              <a:spcBef>
+                <a:spcPts val="1000"/>
+              </a:spcBef>
+              <a:spcAft>
+                <a:spcPts val="0"/>
+              </a:spcAft>
+              <a:buClr>
+                <a:schemeClr val="accent1"/>
+              </a:buClr>
+              <a:buSzPct val="80000"/>
+              <a:buFont typeface="Wingdings 3" charset="2"/>
+              <a:buNone/>
+              <a:defRPr sz="1200" kern="1200">
+                <a:solidFill>
+                  <a:schemeClr val="tx1">
+                    <a:tint val="75000"/>
+                  </a:schemeClr>
+                </a:solidFill>
+                <a:latin typeface="+mn-lt"/>
+                <a:ea typeface="+mn-ea"/>
+                <a:cs typeface="+mn-cs"/>
+              </a:defRPr>
+            </a:lvl4pPr>
+            <a:lvl5pPr marL="1828800" indent="0" algn="ctr" defTabSz="457200" rtl="0" eaLnBrk="1" latinLnBrk="0" hangingPunct="1">
+              <a:spcBef>
+                <a:spcPts val="1000"/>
+              </a:spcBef>
+              <a:spcAft>
+                <a:spcPts val="0"/>
+              </a:spcAft>
+              <a:buClr>
+                <a:schemeClr val="accent1"/>
+              </a:buClr>
+              <a:buSzPct val="80000"/>
+              <a:buFont typeface="Wingdings 3" charset="2"/>
+              <a:buNone/>
+              <a:defRPr sz="1200" kern="1200">
+                <a:solidFill>
+                  <a:schemeClr val="tx1">
+                    <a:tint val="75000"/>
+                  </a:schemeClr>
+                </a:solidFill>
+                <a:latin typeface="+mn-lt"/>
+                <a:ea typeface="+mn-ea"/>
+                <a:cs typeface="+mn-cs"/>
+              </a:defRPr>
+            </a:lvl5pPr>
+            <a:lvl6pPr marL="2286000" indent="0" algn="ctr" defTabSz="457200" rtl="0" eaLnBrk="1" latinLnBrk="0" hangingPunct="1">
+              <a:spcBef>
+                <a:spcPts val="1000"/>
+              </a:spcBef>
+              <a:spcAft>
+                <a:spcPts val="0"/>
+              </a:spcAft>
+              <a:buClr>
+                <a:schemeClr val="accent1"/>
+              </a:buClr>
+              <a:buSzPct val="80000"/>
+              <a:buFont typeface="Wingdings 3" charset="2"/>
+              <a:buNone/>
+              <a:defRPr sz="1200" kern="1200">
+                <a:solidFill>
+                  <a:schemeClr val="tx1">
+                    <a:tint val="75000"/>
+                  </a:schemeClr>
+                </a:solidFill>
+                <a:latin typeface="+mn-lt"/>
+                <a:ea typeface="+mn-ea"/>
+                <a:cs typeface="+mn-cs"/>
+              </a:defRPr>
+            </a:lvl6pPr>
+            <a:lvl7pPr marL="2743200" indent="0" algn="ctr" defTabSz="457200" rtl="0" eaLnBrk="1" latinLnBrk="0" hangingPunct="1">
+              <a:spcBef>
+                <a:spcPts val="1000"/>
+              </a:spcBef>
+              <a:spcAft>
+                <a:spcPts val="0"/>
+              </a:spcAft>
+              <a:buClr>
+                <a:schemeClr val="accent1"/>
+              </a:buClr>
+              <a:buSzPct val="80000"/>
+              <a:buFont typeface="Wingdings 3" charset="2"/>
+              <a:buNone/>
+              <a:defRPr sz="1200" kern="1200">
+                <a:solidFill>
+                  <a:schemeClr val="tx1">
+                    <a:tint val="75000"/>
+                  </a:schemeClr>
+                </a:solidFill>
+                <a:latin typeface="+mn-lt"/>
+                <a:ea typeface="+mn-ea"/>
+                <a:cs typeface="+mn-cs"/>
+              </a:defRPr>
+            </a:lvl7pPr>
+            <a:lvl8pPr marL="3200400" indent="0" algn="ctr" defTabSz="457200" rtl="0" eaLnBrk="1" latinLnBrk="0" hangingPunct="1">
+              <a:spcBef>
+                <a:spcPts val="1000"/>
+              </a:spcBef>
+              <a:spcAft>
+                <a:spcPts val="0"/>
+              </a:spcAft>
+              <a:buClr>
+                <a:schemeClr val="accent1"/>
+              </a:buClr>
+              <a:buSzPct val="80000"/>
+              <a:buFont typeface="Wingdings 3" charset="2"/>
+              <a:buNone/>
+              <a:defRPr sz="1200" kern="1200">
+                <a:solidFill>
+                  <a:schemeClr val="tx1">
+                    <a:tint val="75000"/>
+                  </a:schemeClr>
+                </a:solidFill>
+                <a:latin typeface="+mn-lt"/>
+                <a:ea typeface="+mn-ea"/>
+                <a:cs typeface="+mn-cs"/>
+              </a:defRPr>
+            </a:lvl8pPr>
+            <a:lvl9pPr marL="3657600" indent="0" algn="ctr" defTabSz="457200" rtl="0" eaLnBrk="1" latinLnBrk="0" hangingPunct="1">
+              <a:spcBef>
+                <a:spcPts val="1000"/>
+              </a:spcBef>
+              <a:spcAft>
+                <a:spcPts val="0"/>
+              </a:spcAft>
+              <a:buClr>
+                <a:schemeClr val="accent1"/>
+              </a:buClr>
+              <a:buSzPct val="80000"/>
+              <a:buFont typeface="Wingdings 3" charset="2"/>
+              <a:buNone/>
+              <a:defRPr sz="1200" kern="1200">
+                <a:solidFill>
+                  <a:schemeClr val="tx1">
+                    <a:tint val="75000"/>
+                  </a:schemeClr>
+                </a:solidFill>
+                <a:latin typeface="+mn-lt"/>
+                <a:ea typeface="+mn-ea"/>
+                <a:cs typeface="+mn-cs"/>
+              </a:defRPr>
+            </a:lvl9pPr>
+          </a:lstStyle>
+          <a:p>
+            <a:pPr algn="l"/>
+            <a:r>
+              <a:rPr lang="de-DE" u="sng" dirty="0" smtClean="0">
+                <a:solidFill>
+                  <a:schemeClr val="tx1">
+                    <a:lumMod val="65000"/>
+                    <a:lumOff val="35000"/>
+                  </a:schemeClr>
+                </a:solidFill>
+              </a:rPr>
+              <a:t>Button:</a:t>
+            </a:r>
+            <a:endParaRPr lang="de-DE" dirty="0" smtClean="0">
+              <a:solidFill>
+                <a:schemeClr val="tx1">
+                  <a:lumMod val="65000"/>
+                  <a:lumOff val="35000"/>
+                </a:schemeClr>
+              </a:solidFill>
+            </a:endParaRPr>
+          </a:p>
+          <a:p>
+            <a:pPr marL="285750" indent="-285750" algn="l">
+              <a:buFont typeface="Arial" panose="020B0604020202020204" pitchFamily="34" charset="0"/>
+              <a:buChar char="•"/>
+            </a:pPr>
+            <a:r>
+              <a:rPr lang="de-DE" dirty="0" smtClean="0"/>
+              <a:t>Exit</a:t>
+            </a:r>
+          </a:p>
+          <a:p>
+            <a:pPr marL="285750" indent="-285750" algn="l">
+              <a:buFont typeface="Arial" panose="020B0604020202020204" pitchFamily="34" charset="0"/>
+              <a:buChar char="•"/>
+            </a:pPr>
+            <a:r>
+              <a:rPr lang="de-DE" dirty="0" smtClean="0"/>
+              <a:t>Berechnen</a:t>
+            </a:r>
+          </a:p>
+          <a:p>
+            <a:pPr marL="285750" indent="-285750" algn="l">
+              <a:buFont typeface="Arial" panose="020B0604020202020204" pitchFamily="34" charset="0"/>
+              <a:buChar char="•"/>
+            </a:pPr>
+            <a:r>
+              <a:rPr lang="de-DE" dirty="0" smtClean="0"/>
+              <a:t>Zurück</a:t>
+            </a:r>
+          </a:p>
+          <a:p>
+            <a:pPr marL="285750" indent="-285750" algn="l">
+              <a:buFont typeface="Arial" panose="020B0604020202020204" pitchFamily="34" charset="0"/>
+              <a:buChar char="•"/>
+            </a:pPr>
+            <a:r>
+              <a:rPr lang="de-DE" dirty="0" smtClean="0"/>
+              <a:t>Catia-Part erzeugen</a:t>
+            </a:r>
+          </a:p>
+        </p:txBody>
+      </p:sp>
+      <p:sp>
+        <p:nvSpPr>
+          <p:cNvPr id="37" name="L-Form 36"/>
+          <p:cNvSpPr/>
+          <p:nvPr/>
+        </p:nvSpPr>
+        <p:spPr>
+          <a:xfrm rot="18846658">
+            <a:off x="7546482" y="5016212"/>
+            <a:ext cx="371123" cy="198452"/>
+          </a:xfrm>
+          <a:prstGeom prst="corner">
+            <a:avLst/>
+          </a:prstGeom>
+        </p:spPr>
+        <p:style>
+          <a:lnRef idx="2">
+            <a:schemeClr val="accent1">
+              <a:shade val="50000"/>
+            </a:schemeClr>
+          </a:lnRef>
+          <a:fillRef idx="1">
+            <a:schemeClr val="accent1"/>
+          </a:fillRef>
+          <a:effectRef idx="0">
+            <a:schemeClr val="accent1"/>
+          </a:effectRef>
+          <a:fontRef idx="minor">
+            <a:schemeClr val="lt1"/>
+          </a:fontRef>
+        </p:style>
+        <p:txBody>
+          <a:bodyPr rtlCol="0" anchor="ctr"/>
+          <a:lstStyle/>
+          <a:p>
+            <a:pPr algn="ctr"/>
+            <a:endParaRPr lang="de-DE"/>
+          </a:p>
+        </p:txBody>
+      </p:sp>
+      <p:sp>
+        <p:nvSpPr>
+          <p:cNvPr id="38" name="L-Form 37"/>
+          <p:cNvSpPr/>
+          <p:nvPr/>
+        </p:nvSpPr>
+        <p:spPr>
+          <a:xfrm rot="18846658">
+            <a:off x="7546480" y="5420810"/>
+            <a:ext cx="371123" cy="198452"/>
+          </a:xfrm>
+          <a:prstGeom prst="corner">
+            <a:avLst/>
+          </a:prstGeom>
+        </p:spPr>
+        <p:style>
+          <a:lnRef idx="2">
+            <a:schemeClr val="accent1">
+              <a:shade val="50000"/>
+            </a:schemeClr>
+          </a:lnRef>
+          <a:fillRef idx="1">
+            <a:schemeClr val="accent1"/>
+          </a:fillRef>
+          <a:effectRef idx="0">
+            <a:schemeClr val="accent1"/>
+          </a:effectRef>
+          <a:fontRef idx="minor">
+            <a:schemeClr val="lt1"/>
+          </a:fontRef>
+        </p:style>
+        <p:txBody>
+          <a:bodyPr rtlCol="0" anchor="ctr"/>
+          <a:lstStyle/>
+          <a:p>
+            <a:pPr algn="ctr"/>
+            <a:endParaRPr lang="de-DE"/>
+          </a:p>
+        </p:txBody>
+      </p:sp>
+      <p:sp>
+        <p:nvSpPr>
+          <p:cNvPr id="39" name="L-Form 38"/>
+          <p:cNvSpPr/>
+          <p:nvPr/>
+        </p:nvSpPr>
+        <p:spPr>
+          <a:xfrm rot="18846658">
+            <a:off x="7546479" y="5839375"/>
+            <a:ext cx="371123" cy="198452"/>
+          </a:xfrm>
+          <a:prstGeom prst="corner">
+            <a:avLst/>
+          </a:prstGeom>
+        </p:spPr>
+        <p:style>
+          <a:lnRef idx="2">
+            <a:schemeClr val="accent1">
+              <a:shade val="50000"/>
+            </a:schemeClr>
+          </a:lnRef>
+          <a:fillRef idx="1">
+            <a:schemeClr val="accent1"/>
+          </a:fillRef>
+          <a:effectRef idx="0">
+            <a:schemeClr val="accent1"/>
+          </a:effectRef>
+          <a:fontRef idx="minor">
+            <a:schemeClr val="lt1"/>
+          </a:fontRef>
+        </p:style>
+        <p:txBody>
+          <a:bodyPr rtlCol="0" anchor="ctr"/>
+          <a:lstStyle/>
+          <a:p>
+            <a:pPr algn="ctr"/>
+            <a:endParaRPr lang="de-DE"/>
+          </a:p>
+        </p:txBody>
+      </p:sp>
+      <p:sp>
+        <p:nvSpPr>
+          <p:cNvPr id="40" name="L-Form 39"/>
+          <p:cNvSpPr/>
+          <p:nvPr/>
+        </p:nvSpPr>
+        <p:spPr>
+          <a:xfrm rot="18846658">
+            <a:off x="7546480" y="6257942"/>
             <a:ext cx="371123" cy="198452"/>
           </a:xfrm>
           <a:prstGeom prst="corner">
@@ -7989,7 +8459,7 @@
                             </p:stCondLst>
                             <p:childTnLst>
                               <p:par>
-                                <p:cTn id="31" presetID="42" presetClass="entr" presetSubtype="0" fill="hold" grpId="0" nodeType="clickEffect">
+                                <p:cTn id="31" presetID="1" presetClass="entr" presetSubtype="0" fill="hold" grpId="0" nodeType="clickEffect">
                                   <p:stCondLst>
                                     <p:cond delay="0"/>
                                   </p:stCondLst>
@@ -7997,6 +8467,51 @@
                                     <p:set>
                                       <p:cBhvr>
                                         <p:cTn id="32" dur="1" fill="hold">
+                                          <p:stCondLst>
+                                            <p:cond delay="0"/>
+                                          </p:stCondLst>
+                                        </p:cTn>
+                                        <p:tgtEl>
+                                          <p:spTgt spid="36"/>
+                                        </p:tgtEl>
+                                        <p:attrNameLst>
+                                          <p:attrName>style.visibility</p:attrName>
+                                        </p:attrNameLst>
+                                      </p:cBhvr>
+                                      <p:to>
+                                        <p:strVal val="visible"/>
+                                      </p:to>
+                                    </p:set>
+                                  </p:childTnLst>
+                                </p:cTn>
+                              </p:par>
+                            </p:childTnLst>
+                          </p:cTn>
+                        </p:par>
+                      </p:childTnLst>
+                    </p:cTn>
+                  </p:par>
+                  <p:par>
+                    <p:cTn id="33" fill="hold">
+                      <p:stCondLst>
+                        <p:cond delay="indefinite"/>
+                      </p:stCondLst>
+                      <p:childTnLst>
+                        <p:par>
+                          <p:cTn id="34" fill="hold">
+                            <p:stCondLst>
+                              <p:cond delay="0"/>
+                            </p:stCondLst>
+                            <p:childTnLst>
+                              <p:par>
+                                <p:cTn id="35" presetID="42" presetClass="entr" presetSubtype="0" fill="hold" grpId="0" nodeType="clickEffect">
+                                  <p:stCondLst>
+                                    <p:cond delay="0"/>
+                                  </p:stCondLst>
+                                  <p:childTnLst>
+                                    <p:set>
+                                      <p:cBhvr>
+                                        <p:cTn id="36" dur="1" fill="hold">
                                           <p:stCondLst>
                                             <p:cond delay="0"/>
                                           </p:stCondLst>
@@ -8014,7 +8529,7 @@
                                     </p:set>
                                     <p:animEffect transition="in" filter="fade">
                                       <p:cBhvr>
-                                        <p:cTn id="33" dur="500"/>
+                                        <p:cTn id="37" dur="500"/>
                                         <p:tgtEl>
                                           <p:spTgt spid="7"/>
                                         </p:tgtEl>
@@ -8022,7 +8537,7 @@
                                     </p:animEffect>
                                     <p:anim calcmode="lin" valueType="num">
                                       <p:cBhvr>
-                                        <p:cTn id="34" dur="500" fill="hold"/>
+                                        <p:cTn id="38" dur="500" fill="hold"/>
                                         <p:tgtEl>
                                           <p:spTgt spid="7"/>
                                         </p:tgtEl>
@@ -8045,7 +8560,7 @@
                                     </p:anim>
                                     <p:anim calcmode="lin" valueType="num">
                                       <p:cBhvr>
-                                        <p:cTn id="35" dur="500" fill="hold"/>
+                                        <p:cTn id="39" dur="500" fill="hold"/>
                                         <p:tgtEl>
                                           <p:spTgt spid="7"/>
                                         </p:tgtEl>
@@ -8070,14 +8585,14 @@
                                 </p:cTn>
                               </p:par>
                               <p:par>
-                                <p:cTn id="36" presetID="42" presetClass="entr" presetSubtype="0" fill="hold" grpId="0" nodeType="withEffect">
+                                <p:cTn id="40" presetID="42" presetClass="entr" presetSubtype="0" fill="hold" grpId="0" nodeType="withEffect">
                                   <p:stCondLst>
                                     <p:cond delay="0"/>
                                   </p:stCondLst>
                                   <p:childTnLst>
                                     <p:set>
                                       <p:cBhvr>
-                                        <p:cTn id="37" dur="1" fill="hold">
+                                        <p:cTn id="41" dur="1" fill="hold">
                                           <p:stCondLst>
                                             <p:cond delay="0"/>
                                           </p:stCondLst>
@@ -8095,7 +8610,7 @@
                                     </p:set>
                                     <p:animEffect transition="in" filter="fade">
                                       <p:cBhvr>
-                                        <p:cTn id="38" dur="500"/>
+                                        <p:cTn id="42" dur="500"/>
                                         <p:tgtEl>
                                           <p:spTgt spid="20"/>
                                         </p:tgtEl>
@@ -8103,7 +8618,7 @@
                                     </p:animEffect>
                                     <p:anim calcmode="lin" valueType="num">
                                       <p:cBhvr>
-                                        <p:cTn id="39" dur="500" fill="hold"/>
+                                        <p:cTn id="43" dur="500" fill="hold"/>
                                         <p:tgtEl>
                                           <p:spTgt spid="20"/>
                                         </p:tgtEl>
@@ -8126,7 +8641,7 @@
                                     </p:anim>
                                     <p:anim calcmode="lin" valueType="num">
                                       <p:cBhvr>
-                                        <p:cTn id="40" dur="500" fill="hold"/>
+                                        <p:cTn id="44" dur="500" fill="hold"/>
                                         <p:tgtEl>
                                           <p:spTgt spid="20"/>
                                         </p:tgtEl>
@@ -8151,14 +8666,14 @@
                                 </p:cTn>
                               </p:par>
                               <p:par>
-                                <p:cTn id="41" presetID="42" presetClass="entr" presetSubtype="0" fill="hold" grpId="0" nodeType="withEffect">
+                                <p:cTn id="45" presetID="42" presetClass="entr" presetSubtype="0" fill="hold" grpId="0" nodeType="withEffect">
                                   <p:stCondLst>
                                     <p:cond delay="0"/>
                                   </p:stCondLst>
                                   <p:childTnLst>
                                     <p:set>
                                       <p:cBhvr>
-                                        <p:cTn id="42" dur="1" fill="hold">
+                                        <p:cTn id="46" dur="1" fill="hold">
                                           <p:stCondLst>
                                             <p:cond delay="0"/>
                                           </p:stCondLst>
@@ -8176,7 +8691,7 @@
                                     </p:set>
                                     <p:animEffect transition="in" filter="fade">
                                       <p:cBhvr>
-                                        <p:cTn id="43" dur="500"/>
+                                        <p:cTn id="47" dur="500"/>
                                         <p:tgtEl>
                                           <p:spTgt spid="21"/>
                                         </p:tgtEl>
@@ -8184,7 +8699,7 @@
                                     </p:animEffect>
                                     <p:anim calcmode="lin" valueType="num">
                                       <p:cBhvr>
-                                        <p:cTn id="44" dur="500" fill="hold"/>
+                                        <p:cTn id="48" dur="500" fill="hold"/>
                                         <p:tgtEl>
                                           <p:spTgt spid="21"/>
                                         </p:tgtEl>
@@ -8207,7 +8722,7 @@
                                     </p:anim>
                                     <p:anim calcmode="lin" valueType="num">
                                       <p:cBhvr>
-                                        <p:cTn id="45" dur="500" fill="hold"/>
+                                        <p:cTn id="49" dur="500" fill="hold"/>
                                         <p:tgtEl>
                                           <p:spTgt spid="21"/>
                                         </p:tgtEl>
@@ -8232,14 +8747,14 @@
                                 </p:cTn>
                               </p:par>
                               <p:par>
-                                <p:cTn id="46" presetID="42" presetClass="entr" presetSubtype="0" fill="hold" grpId="0" nodeType="withEffect">
+                                <p:cTn id="50" presetID="42" presetClass="entr" presetSubtype="0" fill="hold" grpId="0" nodeType="withEffect">
                                   <p:stCondLst>
                                     <p:cond delay="0"/>
                                   </p:stCondLst>
                                   <p:childTnLst>
                                     <p:set>
                                       <p:cBhvr>
-                                        <p:cTn id="47" dur="1" fill="hold">
+                                        <p:cTn id="51" dur="1" fill="hold">
                                           <p:stCondLst>
                                             <p:cond delay="0"/>
                                           </p:stCondLst>
@@ -8257,7 +8772,7 @@
                                     </p:set>
                                     <p:animEffect transition="in" filter="fade">
                                       <p:cBhvr>
-                                        <p:cTn id="48" dur="500"/>
+                                        <p:cTn id="52" dur="500"/>
                                         <p:tgtEl>
                                           <p:spTgt spid="22"/>
                                         </p:tgtEl>
@@ -8265,7 +8780,7 @@
                                     </p:animEffect>
                                     <p:anim calcmode="lin" valueType="num">
                                       <p:cBhvr>
-                                        <p:cTn id="49" dur="500" fill="hold"/>
+                                        <p:cTn id="53" dur="500" fill="hold"/>
                                         <p:tgtEl>
                                           <p:spTgt spid="22"/>
                                         </p:tgtEl>
@@ -8288,7 +8803,7 @@
                                     </p:anim>
                                     <p:anim calcmode="lin" valueType="num">
                                       <p:cBhvr>
-                                        <p:cTn id="50" dur="500" fill="hold"/>
+                                        <p:cTn id="54" dur="500" fill="hold"/>
                                         <p:tgtEl>
                                           <p:spTgt spid="22"/>
                                         </p:tgtEl>
@@ -8313,14 +8828,14 @@
                                 </p:cTn>
                               </p:par>
                               <p:par>
-                                <p:cTn id="51" presetID="42" presetClass="entr" presetSubtype="0" fill="hold" grpId="0" nodeType="withEffect">
+                                <p:cTn id="55" presetID="42" presetClass="entr" presetSubtype="0" fill="hold" grpId="0" nodeType="withEffect">
                                   <p:stCondLst>
                                     <p:cond delay="0"/>
                                   </p:stCondLst>
                                   <p:childTnLst>
                                     <p:set>
                                       <p:cBhvr>
-                                        <p:cTn id="52" dur="1" fill="hold">
+                                        <p:cTn id="56" dur="1" fill="hold">
                                           <p:stCondLst>
                                             <p:cond delay="0"/>
                                           </p:stCondLst>
@@ -8338,7 +8853,7 @@
                                     </p:set>
                                     <p:animEffect transition="in" filter="fade">
                                       <p:cBhvr>
-                                        <p:cTn id="53" dur="500"/>
+                                        <p:cTn id="57" dur="500"/>
                                         <p:tgtEl>
                                           <p:spTgt spid="23"/>
                                         </p:tgtEl>
@@ -8346,7 +8861,7 @@
                                     </p:animEffect>
                                     <p:anim calcmode="lin" valueType="num">
                                       <p:cBhvr>
-                                        <p:cTn id="54" dur="500" fill="hold"/>
+                                        <p:cTn id="58" dur="500" fill="hold"/>
                                         <p:tgtEl>
                                           <p:spTgt spid="23"/>
                                         </p:tgtEl>
@@ -8369,7 +8884,7 @@
                                     </p:anim>
                                     <p:anim calcmode="lin" valueType="num">
                                       <p:cBhvr>
-                                        <p:cTn id="55" dur="500" fill="hold"/>
+                                        <p:cTn id="59" dur="500" fill="hold"/>
                                         <p:tgtEl>
                                           <p:spTgt spid="23"/>
                                         </p:tgtEl>
@@ -8394,14 +8909,14 @@
                                 </p:cTn>
                               </p:par>
                               <p:par>
-                                <p:cTn id="56" presetID="42" presetClass="entr" presetSubtype="0" fill="hold" grpId="0" nodeType="withEffect">
+                                <p:cTn id="60" presetID="42" presetClass="entr" presetSubtype="0" fill="hold" grpId="0" nodeType="withEffect">
                                   <p:stCondLst>
                                     <p:cond delay="0"/>
                                   </p:stCondLst>
                                   <p:childTnLst>
                                     <p:set>
                                       <p:cBhvr>
-                                        <p:cTn id="57" dur="1" fill="hold">
+                                        <p:cTn id="61" dur="1" fill="hold">
                                           <p:stCondLst>
                                             <p:cond delay="0"/>
                                           </p:stCondLst>
@@ -8419,7 +8934,7 @@
                                     </p:set>
                                     <p:animEffect transition="in" filter="fade">
                                       <p:cBhvr>
-                                        <p:cTn id="58" dur="500"/>
+                                        <p:cTn id="62" dur="500"/>
                                         <p:tgtEl>
                                           <p:spTgt spid="24"/>
                                         </p:tgtEl>
@@ -8427,7 +8942,7 @@
                                     </p:animEffect>
                                     <p:anim calcmode="lin" valueType="num">
                                       <p:cBhvr>
-                                        <p:cTn id="59" dur="500" fill="hold"/>
+                                        <p:cTn id="63" dur="500" fill="hold"/>
                                         <p:tgtEl>
                                           <p:spTgt spid="24"/>
                                         </p:tgtEl>
@@ -8450,7 +8965,7 @@
                                     </p:anim>
                                     <p:anim calcmode="lin" valueType="num">
                                       <p:cBhvr>
-                                        <p:cTn id="60" dur="500" fill="hold"/>
+                                        <p:cTn id="64" dur="500" fill="hold"/>
                                         <p:tgtEl>
                                           <p:spTgt spid="24"/>
                                         </p:tgtEl>
@@ -8475,14 +8990,14 @@
                                 </p:cTn>
                               </p:par>
                               <p:par>
-                                <p:cTn id="61" presetID="42" presetClass="entr" presetSubtype="0" fill="hold" grpId="0" nodeType="withEffect">
+                                <p:cTn id="65" presetID="42" presetClass="entr" presetSubtype="0" fill="hold" grpId="0" nodeType="withEffect">
                                   <p:stCondLst>
                                     <p:cond delay="0"/>
                                   </p:stCondLst>
                                   <p:childTnLst>
                                     <p:set>
                                       <p:cBhvr>
-                                        <p:cTn id="62" dur="1" fill="hold">
+                                        <p:cTn id="66" dur="1" fill="hold">
                                           <p:stCondLst>
                                             <p:cond delay="0"/>
                                           </p:stCondLst>
@@ -8500,7 +9015,7 @@
                                     </p:set>
                                     <p:animEffect transition="in" filter="fade">
                                       <p:cBhvr>
-                                        <p:cTn id="63" dur="500"/>
+                                        <p:cTn id="67" dur="500"/>
                                         <p:tgtEl>
                                           <p:spTgt spid="25"/>
                                         </p:tgtEl>
@@ -8508,7 +9023,7 @@
                                     </p:animEffect>
                                     <p:anim calcmode="lin" valueType="num">
                                       <p:cBhvr>
-                                        <p:cTn id="64" dur="500" fill="hold"/>
+                                        <p:cTn id="68" dur="500" fill="hold"/>
                                         <p:tgtEl>
                                           <p:spTgt spid="25"/>
                                         </p:tgtEl>
@@ -8531,7 +9046,7 @@
                                     </p:anim>
                                     <p:anim calcmode="lin" valueType="num">
                                       <p:cBhvr>
-                                        <p:cTn id="65" dur="500" fill="hold"/>
+                                        <p:cTn id="69" dur="500" fill="hold"/>
                                         <p:tgtEl>
                                           <p:spTgt spid="25"/>
                                         </p:tgtEl>
@@ -8556,14 +9071,14 @@
                                 </p:cTn>
                               </p:par>
                               <p:par>
-                                <p:cTn id="66" presetID="42" presetClass="entr" presetSubtype="0" fill="hold" grpId="0" nodeType="withEffect">
+                                <p:cTn id="70" presetID="42" presetClass="entr" presetSubtype="0" fill="hold" grpId="0" nodeType="withEffect">
                                   <p:stCondLst>
                                     <p:cond delay="0"/>
                                   </p:stCondLst>
                                   <p:childTnLst>
                                     <p:set>
                                       <p:cBhvr>
-                                        <p:cTn id="67" dur="1" fill="hold">
+                                        <p:cTn id="71" dur="1" fill="hold">
                                           <p:stCondLst>
                                             <p:cond delay="0"/>
                                           </p:stCondLst>
@@ -8581,7 +9096,7 @@
                                     </p:set>
                                     <p:animEffect transition="in" filter="fade">
                                       <p:cBhvr>
-                                        <p:cTn id="68" dur="500"/>
+                                        <p:cTn id="72" dur="500"/>
                                         <p:tgtEl>
                                           <p:spTgt spid="26"/>
                                         </p:tgtEl>
@@ -8589,7 +9104,7 @@
                                     </p:animEffect>
                                     <p:anim calcmode="lin" valueType="num">
                                       <p:cBhvr>
-                                        <p:cTn id="69" dur="500" fill="hold"/>
+                                        <p:cTn id="73" dur="500" fill="hold"/>
                                         <p:tgtEl>
                                           <p:spTgt spid="26"/>
                                         </p:tgtEl>
@@ -8612,7 +9127,7 @@
                                     </p:anim>
                                     <p:anim calcmode="lin" valueType="num">
                                       <p:cBhvr>
-                                        <p:cTn id="70" dur="500" fill="hold"/>
+                                        <p:cTn id="74" dur="500" fill="hold"/>
                                         <p:tgtEl>
                                           <p:spTgt spid="26"/>
                                         </p:tgtEl>
@@ -8637,14 +9152,14 @@
                                 </p:cTn>
                               </p:par>
                               <p:par>
-                                <p:cTn id="71" presetID="42" presetClass="entr" presetSubtype="0" fill="hold" grpId="0" nodeType="withEffect">
+                                <p:cTn id="75" presetID="42" presetClass="entr" presetSubtype="0" fill="hold" grpId="0" nodeType="withEffect">
                                   <p:stCondLst>
                                     <p:cond delay="0"/>
                                   </p:stCondLst>
                                   <p:childTnLst>
                                     <p:set>
                                       <p:cBhvr>
-                                        <p:cTn id="72" dur="1" fill="hold">
+                                        <p:cTn id="76" dur="1" fill="hold">
                                           <p:stCondLst>
                                             <p:cond delay="0"/>
                                           </p:stCondLst>
@@ -8662,7 +9177,7 @@
                                     </p:set>
                                     <p:animEffect transition="in" filter="fade">
                                       <p:cBhvr>
-                                        <p:cTn id="73" dur="500"/>
+                                        <p:cTn id="77" dur="500"/>
                                         <p:tgtEl>
                                           <p:spTgt spid="27"/>
                                         </p:tgtEl>
@@ -8670,7 +9185,7 @@
                                     </p:animEffect>
                                     <p:anim calcmode="lin" valueType="num">
                                       <p:cBhvr>
-                                        <p:cTn id="74" dur="500" fill="hold"/>
+                                        <p:cTn id="78" dur="500" fill="hold"/>
                                         <p:tgtEl>
                                           <p:spTgt spid="27"/>
                                         </p:tgtEl>
@@ -8693,7 +9208,7 @@
                                     </p:anim>
                                     <p:anim calcmode="lin" valueType="num">
                                       <p:cBhvr>
-                                        <p:cTn id="75" dur="500" fill="hold"/>
+                                        <p:cTn id="79" dur="500" fill="hold"/>
                                         <p:tgtEl>
                                           <p:spTgt spid="27"/>
                                         </p:tgtEl>
@@ -8718,14 +9233,14 @@
                                 </p:cTn>
                               </p:par>
                               <p:par>
-                                <p:cTn id="76" presetID="42" presetClass="entr" presetSubtype="0" fill="hold" grpId="0" nodeType="withEffect">
+                                <p:cTn id="80" presetID="42" presetClass="entr" presetSubtype="0" fill="hold" grpId="0" nodeType="withEffect">
                                   <p:stCondLst>
                                     <p:cond delay="0"/>
                                   </p:stCondLst>
                                   <p:childTnLst>
                                     <p:set>
                                       <p:cBhvr>
-                                        <p:cTn id="77" dur="1" fill="hold">
+                                        <p:cTn id="81" dur="1" fill="hold">
                                           <p:stCondLst>
                                             <p:cond delay="0"/>
                                           </p:stCondLst>
@@ -8743,7 +9258,7 @@
                                     </p:set>
                                     <p:animEffect transition="in" filter="fade">
                                       <p:cBhvr>
-                                        <p:cTn id="78" dur="500"/>
+                                        <p:cTn id="82" dur="500"/>
                                         <p:tgtEl>
                                           <p:spTgt spid="28"/>
                                         </p:tgtEl>
@@ -8751,7 +9266,7 @@
                                     </p:animEffect>
                                     <p:anim calcmode="lin" valueType="num">
                                       <p:cBhvr>
-                                        <p:cTn id="79" dur="500" fill="hold"/>
+                                        <p:cTn id="83" dur="500" fill="hold"/>
                                         <p:tgtEl>
                                           <p:spTgt spid="28"/>
                                         </p:tgtEl>
@@ -8774,7 +9289,7 @@
                                     </p:anim>
                                     <p:anim calcmode="lin" valueType="num">
                                       <p:cBhvr>
-                                        <p:cTn id="80" dur="500" fill="hold"/>
+                                        <p:cTn id="84" dur="500" fill="hold"/>
                                         <p:tgtEl>
                                           <p:spTgt spid="28"/>
                                         </p:tgtEl>
@@ -8799,14 +9314,14 @@
                                 </p:cTn>
                               </p:par>
                               <p:par>
-                                <p:cTn id="81" presetID="42" presetClass="entr" presetSubtype="0" fill="hold" grpId="0" nodeType="withEffect">
+                                <p:cTn id="85" presetID="42" presetClass="entr" presetSubtype="0" fill="hold" grpId="0" nodeType="withEffect">
                                   <p:stCondLst>
                                     <p:cond delay="0"/>
                                   </p:stCondLst>
                                   <p:childTnLst>
                                     <p:set>
                                       <p:cBhvr>
-                                        <p:cTn id="82" dur="1" fill="hold">
+                                        <p:cTn id="86" dur="1" fill="hold">
                                           <p:stCondLst>
                                             <p:cond delay="0"/>
                                           </p:stCondLst>
@@ -8824,7 +9339,7 @@
                                     </p:set>
                                     <p:animEffect transition="in" filter="fade">
                                       <p:cBhvr>
-                                        <p:cTn id="83" dur="500"/>
+                                        <p:cTn id="87" dur="500"/>
                                         <p:tgtEl>
                                           <p:spTgt spid="29"/>
                                         </p:tgtEl>
@@ -8832,7 +9347,7 @@
                                     </p:animEffect>
                                     <p:anim calcmode="lin" valueType="num">
                                       <p:cBhvr>
-                                        <p:cTn id="84" dur="500" fill="hold"/>
+                                        <p:cTn id="88" dur="500" fill="hold"/>
                                         <p:tgtEl>
                                           <p:spTgt spid="29"/>
                                         </p:tgtEl>
@@ -8855,7 +9370,7 @@
                                     </p:anim>
                                     <p:anim calcmode="lin" valueType="num">
                                       <p:cBhvr>
-                                        <p:cTn id="85" dur="500" fill="hold"/>
+                                        <p:cTn id="89" dur="500" fill="hold"/>
                                         <p:tgtEl>
                                           <p:spTgt spid="29"/>
                                         </p:tgtEl>
@@ -8880,14 +9395,14 @@
                                 </p:cTn>
                               </p:par>
                               <p:par>
-                                <p:cTn id="86" presetID="42" presetClass="entr" presetSubtype="0" fill="hold" grpId="0" nodeType="withEffect">
+                                <p:cTn id="90" presetID="42" presetClass="entr" presetSubtype="0" fill="hold" grpId="0" nodeType="withEffect">
                                   <p:stCondLst>
                                     <p:cond delay="0"/>
                                   </p:stCondLst>
                                   <p:childTnLst>
                                     <p:set>
                                       <p:cBhvr>
-                                        <p:cTn id="87" dur="1" fill="hold">
+                                        <p:cTn id="91" dur="1" fill="hold">
                                           <p:stCondLst>
                                             <p:cond delay="0"/>
                                           </p:stCondLst>
@@ -8905,7 +9420,7 @@
                                     </p:set>
                                     <p:animEffect transition="in" filter="fade">
                                       <p:cBhvr>
-                                        <p:cTn id="88" dur="500"/>
+                                        <p:cTn id="92" dur="500"/>
                                         <p:tgtEl>
                                           <p:spTgt spid="30"/>
                                         </p:tgtEl>
@@ -8913,7 +9428,7 @@
                                     </p:animEffect>
                                     <p:anim calcmode="lin" valueType="num">
                                       <p:cBhvr>
-                                        <p:cTn id="89" dur="500" fill="hold"/>
+                                        <p:cTn id="93" dur="500" fill="hold"/>
                                         <p:tgtEl>
                                           <p:spTgt spid="30"/>
                                         </p:tgtEl>
@@ -8936,7 +9451,7 @@
                                     </p:anim>
                                     <p:anim calcmode="lin" valueType="num">
                                       <p:cBhvr>
-                                        <p:cTn id="90" dur="500" fill="hold"/>
+                                        <p:cTn id="94" dur="500" fill="hold"/>
                                         <p:tgtEl>
                                           <p:spTgt spid="30"/>
                                         </p:tgtEl>
@@ -8961,14 +9476,14 @@
                                 </p:cTn>
                               </p:par>
                               <p:par>
-                                <p:cTn id="91" presetID="42" presetClass="entr" presetSubtype="0" fill="hold" grpId="0" nodeType="withEffect">
+                                <p:cTn id="95" presetID="42" presetClass="entr" presetSubtype="0" fill="hold" grpId="0" nodeType="withEffect">
                                   <p:stCondLst>
                                     <p:cond delay="0"/>
                                   </p:stCondLst>
                                   <p:childTnLst>
                                     <p:set>
                                       <p:cBhvr>
-                                        <p:cTn id="92" dur="1" fill="hold">
+                                        <p:cTn id="96" dur="1" fill="hold">
                                           <p:stCondLst>
                                             <p:cond delay="0"/>
                                           </p:stCondLst>
@@ -8986,7 +9501,7 @@
                                     </p:set>
                                     <p:animEffect transition="in" filter="fade">
                                       <p:cBhvr>
-                                        <p:cTn id="93" dur="500"/>
+                                        <p:cTn id="97" dur="500"/>
                                         <p:tgtEl>
                                           <p:spTgt spid="31"/>
                                         </p:tgtEl>
@@ -8994,7 +9509,7 @@
                                     </p:animEffect>
                                     <p:anim calcmode="lin" valueType="num">
                                       <p:cBhvr>
-                                        <p:cTn id="94" dur="500" fill="hold"/>
+                                        <p:cTn id="98" dur="500" fill="hold"/>
                                         <p:tgtEl>
                                           <p:spTgt spid="31"/>
                                         </p:tgtEl>
@@ -9017,7 +9532,7 @@
                                     </p:anim>
                                     <p:anim calcmode="lin" valueType="num">
                                       <p:cBhvr>
-                                        <p:cTn id="95" dur="500" fill="hold"/>
+                                        <p:cTn id="99" dur="500" fill="hold"/>
                                         <p:tgtEl>
                                           <p:spTgt spid="31"/>
                                         </p:tgtEl>
@@ -9042,14 +9557,14 @@
                                 </p:cTn>
                               </p:par>
                               <p:par>
-                                <p:cTn id="96" presetID="42" presetClass="entr" presetSubtype="0" fill="hold" grpId="0" nodeType="withEffect">
+                                <p:cTn id="100" presetID="42" presetClass="entr" presetSubtype="0" fill="hold" grpId="0" nodeType="withEffect">
                                   <p:stCondLst>
                                     <p:cond delay="0"/>
                                   </p:stCondLst>
                                   <p:childTnLst>
                                     <p:set>
                                       <p:cBhvr>
-                                        <p:cTn id="97" dur="1" fill="hold">
+                                        <p:cTn id="101" dur="1" fill="hold">
                                           <p:stCondLst>
                                             <p:cond delay="0"/>
                                           </p:stCondLst>
@@ -9067,7 +9582,7 @@
                                     </p:set>
                                     <p:animEffect transition="in" filter="fade">
                                       <p:cBhvr>
-                                        <p:cTn id="98" dur="500"/>
+                                        <p:cTn id="102" dur="500"/>
                                         <p:tgtEl>
                                           <p:spTgt spid="32"/>
                                         </p:tgtEl>
@@ -9075,7 +9590,7 @@
                                     </p:animEffect>
                                     <p:anim calcmode="lin" valueType="num">
                                       <p:cBhvr>
-                                        <p:cTn id="99" dur="500" fill="hold"/>
+                                        <p:cTn id="103" dur="500" fill="hold"/>
                                         <p:tgtEl>
                                           <p:spTgt spid="32"/>
                                         </p:tgtEl>
@@ -9098,7 +9613,7 @@
                                     </p:anim>
                                     <p:anim calcmode="lin" valueType="num">
                                       <p:cBhvr>
-                                        <p:cTn id="100" dur="500" fill="hold"/>
+                                        <p:cTn id="104" dur="500" fill="hold"/>
                                         <p:tgtEl>
                                           <p:spTgt spid="32"/>
                                         </p:tgtEl>
@@ -9123,14 +9638,14 @@
                                 </p:cTn>
                               </p:par>
                               <p:par>
-                                <p:cTn id="101" presetID="42" presetClass="entr" presetSubtype="0" fill="hold" grpId="0" nodeType="withEffect">
+                                <p:cTn id="105" presetID="42" presetClass="entr" presetSubtype="0" fill="hold" grpId="0" nodeType="withEffect">
                                   <p:stCondLst>
                                     <p:cond delay="0"/>
                                   </p:stCondLst>
                                   <p:childTnLst>
                                     <p:set>
                                       <p:cBhvr>
-                                        <p:cTn id="102" dur="1" fill="hold">
+                                        <p:cTn id="106" dur="1" fill="hold">
                                           <p:stCondLst>
                                             <p:cond delay="0"/>
                                           </p:stCondLst>
@@ -9148,7 +9663,7 @@
                                     </p:set>
                                     <p:animEffect transition="in" filter="fade">
                                       <p:cBhvr>
-                                        <p:cTn id="103" dur="500"/>
+                                        <p:cTn id="107" dur="500"/>
                                         <p:tgtEl>
                                           <p:spTgt spid="33"/>
                                         </p:tgtEl>
@@ -9156,7 +9671,7 @@
                                     </p:animEffect>
                                     <p:anim calcmode="lin" valueType="num">
                                       <p:cBhvr>
-                                        <p:cTn id="104" dur="500" fill="hold"/>
+                                        <p:cTn id="108" dur="500" fill="hold"/>
                                         <p:tgtEl>
                                           <p:spTgt spid="33"/>
                                         </p:tgtEl>
@@ -9179,7 +9694,7 @@
                                     </p:anim>
                                     <p:anim calcmode="lin" valueType="num">
                                       <p:cBhvr>
-                                        <p:cTn id="105" dur="500" fill="hold"/>
+                                        <p:cTn id="109" dur="500" fill="hold"/>
                                         <p:tgtEl>
                                           <p:spTgt spid="33"/>
                                         </p:tgtEl>
@@ -9204,14 +9719,14 @@
                                 </p:cTn>
                               </p:par>
                               <p:par>
-                                <p:cTn id="106" presetID="42" presetClass="entr" presetSubtype="0" fill="hold" grpId="0" nodeType="withEffect">
+                                <p:cTn id="110" presetID="42" presetClass="entr" presetSubtype="0" fill="hold" grpId="0" nodeType="withEffect">
                                   <p:stCondLst>
                                     <p:cond delay="0"/>
                                   </p:stCondLst>
                                   <p:childTnLst>
                                     <p:set>
                                       <p:cBhvr>
-                                        <p:cTn id="107" dur="1" fill="hold">
+                                        <p:cTn id="111" dur="1" fill="hold">
                                           <p:stCondLst>
                                             <p:cond delay="0"/>
                                           </p:stCondLst>
@@ -9229,7 +9744,7 @@
                                     </p:set>
                                     <p:animEffect transition="in" filter="fade">
                                       <p:cBhvr>
-                                        <p:cTn id="108" dur="500"/>
+                                        <p:cTn id="112" dur="500"/>
                                         <p:tgtEl>
                                           <p:spTgt spid="35"/>
                                         </p:tgtEl>
@@ -9237,7 +9752,7 @@
                                     </p:animEffect>
                                     <p:anim calcmode="lin" valueType="num">
                                       <p:cBhvr>
-                                        <p:cTn id="109" dur="500" fill="hold"/>
+                                        <p:cTn id="113" dur="500" fill="hold"/>
                                         <p:tgtEl>
                                           <p:spTgt spid="35"/>
                                         </p:tgtEl>
@@ -9260,7 +9775,7 @@
                                     </p:anim>
                                     <p:anim calcmode="lin" valueType="num">
                                       <p:cBhvr>
-                                        <p:cTn id="110" dur="500" fill="hold"/>
+                                        <p:cTn id="114" dur="500" fill="hold"/>
                                         <p:tgtEl>
                                           <p:spTgt spid="35"/>
                                         </p:tgtEl>
@@ -9285,14 +9800,14 @@
                                 </p:cTn>
                               </p:par>
                               <p:par>
-                                <p:cTn id="111" presetID="42" presetClass="entr" presetSubtype="0" fill="hold" grpId="0" nodeType="withEffect">
+                                <p:cTn id="115" presetID="42" presetClass="entr" presetSubtype="0" fill="hold" grpId="0" nodeType="withEffect">
                                   <p:stCondLst>
                                     <p:cond delay="0"/>
                                   </p:stCondLst>
                                   <p:childTnLst>
                                     <p:set>
                                       <p:cBhvr>
-                                        <p:cTn id="112" dur="1" fill="hold">
+                                        <p:cTn id="116" dur="1" fill="hold">
                                           <p:stCondLst>
                                             <p:cond delay="0"/>
                                           </p:stCondLst>
@@ -9310,7 +9825,7 @@
                                     </p:set>
                                     <p:animEffect transition="in" filter="fade">
                                       <p:cBhvr>
-                                        <p:cTn id="113" dur="500"/>
+                                        <p:cTn id="117" dur="500"/>
                                         <p:tgtEl>
                                           <p:spTgt spid="34"/>
                                         </p:tgtEl>
@@ -9318,7 +9833,7 @@
                                     </p:animEffect>
                                     <p:anim calcmode="lin" valueType="num">
                                       <p:cBhvr>
-                                        <p:cTn id="114" dur="500" fill="hold"/>
+                                        <p:cTn id="118" dur="500" fill="hold"/>
                                         <p:tgtEl>
                                           <p:spTgt spid="34"/>
                                         </p:tgtEl>
@@ -9341,9 +9856,333 @@
                                     </p:anim>
                                     <p:anim calcmode="lin" valueType="num">
                                       <p:cBhvr>
-                                        <p:cTn id="115" dur="500" fill="hold"/>
+                                        <p:cTn id="119" dur="500" fill="hold"/>
                                         <p:tgtEl>
                                           <p:spTgt spid="34"/>
+                                        </p:tgtEl>
+                                        <p:attrNameLst>
+                                          <p:attrName>ppt_y</p:attrName>
+                                        </p:attrNameLst>
+                                      </p:cBhvr>
+                                      <p:tavLst>
+                                        <p:tav tm="0">
+                                          <p:val>
+                                            <p:strVal val="#ppt_y+.1"/>
+                                          </p:val>
+                                        </p:tav>
+                                        <p:tav tm="100000">
+                                          <p:val>
+                                            <p:strVal val="#ppt_y"/>
+                                          </p:val>
+                                        </p:tav>
+                                      </p:tavLst>
+                                    </p:anim>
+                                  </p:childTnLst>
+                                </p:cTn>
+                              </p:par>
+                              <p:par>
+                                <p:cTn id="120" presetID="42" presetClass="entr" presetSubtype="0" fill="hold" grpId="0" nodeType="withEffect">
+                                  <p:stCondLst>
+                                    <p:cond delay="0"/>
+                                  </p:stCondLst>
+                                  <p:childTnLst>
+                                    <p:set>
+                                      <p:cBhvr>
+                                        <p:cTn id="121" dur="1" fill="hold">
+                                          <p:stCondLst>
+                                            <p:cond delay="0"/>
+                                          </p:stCondLst>
+                                        </p:cTn>
+                                        <p:tgtEl>
+                                          <p:spTgt spid="37"/>
+                                        </p:tgtEl>
+                                        <p:attrNameLst>
+                                          <p:attrName>style.visibility</p:attrName>
+                                        </p:attrNameLst>
+                                      </p:cBhvr>
+                                      <p:to>
+                                        <p:strVal val="visible"/>
+                                      </p:to>
+                                    </p:set>
+                                    <p:animEffect transition="in" filter="fade">
+                                      <p:cBhvr>
+                                        <p:cTn id="122" dur="500"/>
+                                        <p:tgtEl>
+                                          <p:spTgt spid="37"/>
+                                        </p:tgtEl>
+                                      </p:cBhvr>
+                                    </p:animEffect>
+                                    <p:anim calcmode="lin" valueType="num">
+                                      <p:cBhvr>
+                                        <p:cTn id="123" dur="500" fill="hold"/>
+                                        <p:tgtEl>
+                                          <p:spTgt spid="37"/>
+                                        </p:tgtEl>
+                                        <p:attrNameLst>
+                                          <p:attrName>ppt_x</p:attrName>
+                                        </p:attrNameLst>
+                                      </p:cBhvr>
+                                      <p:tavLst>
+                                        <p:tav tm="0">
+                                          <p:val>
+                                            <p:strVal val="#ppt_x"/>
+                                          </p:val>
+                                        </p:tav>
+                                        <p:tav tm="100000">
+                                          <p:val>
+                                            <p:strVal val="#ppt_x"/>
+                                          </p:val>
+                                        </p:tav>
+                                      </p:tavLst>
+                                    </p:anim>
+                                    <p:anim calcmode="lin" valueType="num">
+                                      <p:cBhvr>
+                                        <p:cTn id="124" dur="500" fill="hold"/>
+                                        <p:tgtEl>
+                                          <p:spTgt spid="37"/>
+                                        </p:tgtEl>
+                                        <p:attrNameLst>
+                                          <p:attrName>ppt_y</p:attrName>
+                                        </p:attrNameLst>
+                                      </p:cBhvr>
+                                      <p:tavLst>
+                                        <p:tav tm="0">
+                                          <p:val>
+                                            <p:strVal val="#ppt_y+.1"/>
+                                          </p:val>
+                                        </p:tav>
+                                        <p:tav tm="100000">
+                                          <p:val>
+                                            <p:strVal val="#ppt_y"/>
+                                          </p:val>
+                                        </p:tav>
+                                      </p:tavLst>
+                                    </p:anim>
+                                  </p:childTnLst>
+                                </p:cTn>
+                              </p:par>
+                              <p:par>
+                                <p:cTn id="125" presetID="42" presetClass="entr" presetSubtype="0" fill="hold" grpId="0" nodeType="withEffect">
+                                  <p:stCondLst>
+                                    <p:cond delay="0"/>
+                                  </p:stCondLst>
+                                  <p:childTnLst>
+                                    <p:set>
+                                      <p:cBhvr>
+                                        <p:cTn id="126" dur="1" fill="hold">
+                                          <p:stCondLst>
+                                            <p:cond delay="0"/>
+                                          </p:stCondLst>
+                                        </p:cTn>
+                                        <p:tgtEl>
+                                          <p:spTgt spid="38"/>
+                                        </p:tgtEl>
+                                        <p:attrNameLst>
+                                          <p:attrName>style.visibility</p:attrName>
+                                        </p:attrNameLst>
+                                      </p:cBhvr>
+                                      <p:to>
+                                        <p:strVal val="visible"/>
+                                      </p:to>
+                                    </p:set>
+                                    <p:animEffect transition="in" filter="fade">
+                                      <p:cBhvr>
+                                        <p:cTn id="127" dur="500"/>
+                                        <p:tgtEl>
+                                          <p:spTgt spid="38"/>
+                                        </p:tgtEl>
+                                      </p:cBhvr>
+                                    </p:animEffect>
+                                    <p:anim calcmode="lin" valueType="num">
+                                      <p:cBhvr>
+                                        <p:cTn id="128" dur="500" fill="hold"/>
+                                        <p:tgtEl>
+                                          <p:spTgt spid="38"/>
+                                        </p:tgtEl>
+                                        <p:attrNameLst>
+                                          <p:attrName>ppt_x</p:attrName>
+                                        </p:attrNameLst>
+                                      </p:cBhvr>
+                                      <p:tavLst>
+                                        <p:tav tm="0">
+                                          <p:val>
+                                            <p:strVal val="#ppt_x"/>
+                                          </p:val>
+                                        </p:tav>
+                                        <p:tav tm="100000">
+                                          <p:val>
+                                            <p:strVal val="#ppt_x"/>
+                                          </p:val>
+                                        </p:tav>
+                                      </p:tavLst>
+                                    </p:anim>
+                                    <p:anim calcmode="lin" valueType="num">
+                                      <p:cBhvr>
+                                        <p:cTn id="129" dur="500" fill="hold"/>
+                                        <p:tgtEl>
+                                          <p:spTgt spid="38"/>
+                                        </p:tgtEl>
+                                        <p:attrNameLst>
+                                          <p:attrName>ppt_y</p:attrName>
+                                        </p:attrNameLst>
+                                      </p:cBhvr>
+                                      <p:tavLst>
+                                        <p:tav tm="0">
+                                          <p:val>
+                                            <p:strVal val="#ppt_y+.1"/>
+                                          </p:val>
+                                        </p:tav>
+                                        <p:tav tm="100000">
+                                          <p:val>
+                                            <p:strVal val="#ppt_y"/>
+                                          </p:val>
+                                        </p:tav>
+                                      </p:tavLst>
+                                    </p:anim>
+                                  </p:childTnLst>
+                                </p:cTn>
+                              </p:par>
+                              <p:par>
+                                <p:cTn id="130" presetID="42" presetClass="entr" presetSubtype="0" fill="hold" grpId="0" nodeType="withEffect">
+                                  <p:stCondLst>
+                                    <p:cond delay="0"/>
+                                  </p:stCondLst>
+                                  <p:childTnLst>
+                                    <p:set>
+                                      <p:cBhvr>
+                                        <p:cTn id="131" dur="1" fill="hold">
+                                          <p:stCondLst>
+                                            <p:cond delay="0"/>
+                                          </p:stCondLst>
+                                        </p:cTn>
+                                        <p:tgtEl>
+                                          <p:spTgt spid="39"/>
+                                        </p:tgtEl>
+                                        <p:attrNameLst>
+                                          <p:attrName>style.visibility</p:attrName>
+                                        </p:attrNameLst>
+                                      </p:cBhvr>
+                                      <p:to>
+                                        <p:strVal val="visible"/>
+                                      </p:to>
+                                    </p:set>
+                                    <p:animEffect transition="in" filter="fade">
+                                      <p:cBhvr>
+                                        <p:cTn id="132" dur="500"/>
+                                        <p:tgtEl>
+                                          <p:spTgt spid="39"/>
+                                        </p:tgtEl>
+                                      </p:cBhvr>
+                                    </p:animEffect>
+                                    <p:anim calcmode="lin" valueType="num">
+                                      <p:cBhvr>
+                                        <p:cTn id="133" dur="500" fill="hold"/>
+                                        <p:tgtEl>
+                                          <p:spTgt spid="39"/>
+                                        </p:tgtEl>
+                                        <p:attrNameLst>
+                                          <p:attrName>ppt_x</p:attrName>
+                                        </p:attrNameLst>
+                                      </p:cBhvr>
+                                      <p:tavLst>
+                                        <p:tav tm="0">
+                                          <p:val>
+                                            <p:strVal val="#ppt_x"/>
+                                          </p:val>
+                                        </p:tav>
+                                        <p:tav tm="100000">
+                                          <p:val>
+                                            <p:strVal val="#ppt_x"/>
+                                          </p:val>
+                                        </p:tav>
+                                      </p:tavLst>
+                                    </p:anim>
+                                    <p:anim calcmode="lin" valueType="num">
+                                      <p:cBhvr>
+                                        <p:cTn id="134" dur="500" fill="hold"/>
+                                        <p:tgtEl>
+                                          <p:spTgt spid="39"/>
+                                        </p:tgtEl>
+                                        <p:attrNameLst>
+                                          <p:attrName>ppt_y</p:attrName>
+                                        </p:attrNameLst>
+                                      </p:cBhvr>
+                                      <p:tavLst>
+                                        <p:tav tm="0">
+                                          <p:val>
+                                            <p:strVal val="#ppt_y+.1"/>
+                                          </p:val>
+                                        </p:tav>
+                                        <p:tav tm="100000">
+                                          <p:val>
+                                            <p:strVal val="#ppt_y"/>
+                                          </p:val>
+                                        </p:tav>
+                                      </p:tavLst>
+                                    </p:anim>
+                                  </p:childTnLst>
+                                </p:cTn>
+                              </p:par>
+                              <p:par>
+                                <p:cTn id="135" presetID="42" presetClass="entr" presetSubtype="0" fill="hold" grpId="0" nodeType="withEffect">
+                                  <p:stCondLst>
+                                    <p:cond delay="0"/>
+                                  </p:stCondLst>
+                                  <p:childTnLst>
+                                    <p:set>
+                                      <p:cBhvr>
+                                        <p:cTn id="136" dur="1" fill="hold">
+                                          <p:stCondLst>
+                                            <p:cond delay="0"/>
+                                          </p:stCondLst>
+                                        </p:cTn>
+                                        <p:tgtEl>
+                                          <p:spTgt spid="40"/>
+                                        </p:tgtEl>
+                                        <p:attrNameLst>
+                                          <p:attrName>style.visibility</p:attrName>
+                                        </p:attrNameLst>
+                                      </p:cBhvr>
+                                      <p:to>
+                                        <p:strVal val="visible"/>
+                                      </p:to>
+                                    </p:set>
+                                    <p:animEffect transition="in" filter="fade">
+                                      <p:cBhvr>
+                                        <p:cTn id="137" dur="500"/>
+                                        <p:tgtEl>
+                                          <p:spTgt spid="40"/>
+                                        </p:tgtEl>
+                                      </p:cBhvr>
+                                    </p:animEffect>
+                                    <p:anim calcmode="lin" valueType="num">
+                                      <p:cBhvr>
+                                        <p:cTn id="138" dur="500" fill="hold"/>
+                                        <p:tgtEl>
+                                          <p:spTgt spid="40"/>
+                                        </p:tgtEl>
+                                        <p:attrNameLst>
+                                          <p:attrName>ppt_x</p:attrName>
+                                        </p:attrNameLst>
+                                      </p:cBhvr>
+                                      <p:tavLst>
+                                        <p:tav tm="0">
+                                          <p:val>
+                                            <p:strVal val="#ppt_x"/>
+                                          </p:val>
+                                        </p:tav>
+                                        <p:tav tm="100000">
+                                          <p:val>
+                                            <p:strVal val="#ppt_x"/>
+                                          </p:val>
+                                        </p:tav>
+                                      </p:tavLst>
+                                    </p:anim>
+                                    <p:anim calcmode="lin" valueType="num">
+                                      <p:cBhvr>
+                                        <p:cTn id="139" dur="500" fill="hold"/>
+                                        <p:tgtEl>
+                                          <p:spTgt spid="40"/>
                                         </p:tgtEl>
                                         <p:attrNameLst>
                                           <p:attrName>ppt_y</p:attrName>
@@ -9369,20 +10208,20 @@
                           </p:cTn>
                         </p:par>
                         <p:par>
-                          <p:cTn id="116" fill="hold">
+                          <p:cTn id="140" fill="hold">
                             <p:stCondLst>
                               <p:cond delay="500"/>
                             </p:stCondLst>
                             <p:childTnLst>
                               <p:par>
-                                <p:cTn id="117" presetID="42" presetClass="entr" presetSubtype="0" fill="hold" grpId="0" nodeType="afterEffect">
+                                <p:cTn id="141" presetID="42" presetClass="entr" presetSubtype="0" fill="hold" grpId="0" nodeType="afterEffect">
                                   <p:stCondLst>
                                     <p:cond delay="0"/>
                                   </p:stCondLst>
                                   <p:childTnLst>
                                     <p:set>
                                       <p:cBhvr>
-                                        <p:cTn id="118" dur="1" fill="hold">
+                                        <p:cTn id="142" dur="1" fill="hold">
                                           <p:stCondLst>
                                             <p:cond delay="0"/>
                                           </p:stCondLst>
@@ -9400,7 +10239,7 @@
                                     </p:set>
                                     <p:animEffect transition="in" filter="fade">
                                       <p:cBhvr>
-                                        <p:cTn id="119" dur="1000"/>
+                                        <p:cTn id="143" dur="1000"/>
                                         <p:tgtEl>
                                           <p:spTgt spid="8"/>
                                         </p:tgtEl>
@@ -9408,7 +10247,7 @@
                                     </p:animEffect>
                                     <p:anim calcmode="lin" valueType="num">
                                       <p:cBhvr>
-                                        <p:cTn id="120" dur="1000" fill="hold"/>
+                                        <p:cTn id="144" dur="1000" fill="hold"/>
                                         <p:tgtEl>
                                           <p:spTgt spid="8"/>
                                         </p:tgtEl>
@@ -9431,7 +10270,7 @@
                                     </p:anim>
                                     <p:anim calcmode="lin" valueType="num">
                                       <p:cBhvr>
-                                        <p:cTn id="121" dur="1000" fill="hold"/>
+                                        <p:cTn id="145" dur="1000" fill="hold"/>
                                         <p:tgtEl>
                                           <p:spTgt spid="8"/>
                                         </p:tgtEl>
@@ -9504,6 +10343,11 @@
       <p:bldP spid="33" grpId="0" animBg="1"/>
       <p:bldP spid="34" grpId="0" animBg="1"/>
       <p:bldP spid="35" grpId="0" animBg="1"/>
+      <p:bldP spid="36" grpId="0"/>
+      <p:bldP spid="37" grpId="0" animBg="1"/>
+      <p:bldP spid="38" grpId="0" animBg="1"/>
+      <p:bldP spid="39" grpId="0" animBg="1"/>
+      <p:bldP spid="40" grpId="0" animBg="1"/>
     </p:bldLst>
   </p:timing>
 </p:sld>

--- a/Sprint 3/Abgabe-Dateien/Sptrint 3 Präsentation.pptx
+++ b/Sprint 3/Abgabe-Dateien/Sptrint 3 Präsentation.pptx
@@ -5,10 +5,10 @@
     <p:sldMasterId id="2147483660" r:id="rId1"/>
   </p:sldMasterIdLst>
   <p:sldIdLst>
-    <p:sldId id="259" r:id="rId2"/>
-    <p:sldId id="256" r:id="rId3"/>
-    <p:sldId id="257" r:id="rId4"/>
-    <p:sldId id="258" r:id="rId5"/>
+    <p:sldId id="260" r:id="rId2"/>
+    <p:sldId id="259" r:id="rId3"/>
+    <p:sldId id="256" r:id="rId4"/>
+    <p:sldId id="257" r:id="rId5"/>
   </p:sldIdLst>
   <p:sldSz cx="12192000" cy="6858000"/>
   <p:notesSz cx="6858000" cy="9144000"/>
@@ -5834,6 +5834,176 @@
       </p:grpSpPr>
       <p:sp>
         <p:nvSpPr>
+          <p:cNvPr id="2" name="Titel 1">
+            <a:extLst>
+              <a:ext uri="{FF2B5EF4-FFF2-40B4-BE49-F238E27FC236}">
+                <a16:creationId xmlns:a16="http://schemas.microsoft.com/office/drawing/2014/main" id="{42FDD21E-BF43-4D5A-9EAF-651B9E005945}"/>
+              </a:ext>
+            </a:extLst>
+          </p:cNvPr>
+          <p:cNvSpPr>
+            <a:spLocks noGrp="1"/>
+          </p:cNvSpPr>
+          <p:nvPr>
+            <p:ph type="title"/>
+          </p:nvPr>
+        </p:nvSpPr>
+        <p:spPr/>
+        <p:txBody>
+          <a:bodyPr/>
+          <a:lstStyle/>
+          <a:p>
+            <a:r>
+              <a:rPr lang="de-DE" dirty="0"/>
+              <a:t>Ziele der Gruppe nach </a:t>
+            </a:r>
+            <a:r>
+              <a:rPr lang="de-DE" dirty="0"/>
+              <a:t>S</a:t>
+            </a:r>
+            <a:r>
+              <a:rPr lang="de-DE" dirty="0" smtClean="0"/>
+              <a:t>print </a:t>
+            </a:r>
+            <a:r>
+              <a:rPr lang="de-DE" dirty="0"/>
+              <a:t>2 </a:t>
+            </a:r>
+          </a:p>
+        </p:txBody>
+      </p:sp>
+      <p:sp>
+        <p:nvSpPr>
+          <p:cNvPr id="3" name="Inhaltsplatzhalter 2">
+            <a:extLst>
+              <a:ext uri="{FF2B5EF4-FFF2-40B4-BE49-F238E27FC236}">
+                <a16:creationId xmlns:a16="http://schemas.microsoft.com/office/drawing/2014/main" id="{60075F46-014C-40F5-8935-31EE919B1998}"/>
+              </a:ext>
+            </a:extLst>
+          </p:cNvPr>
+          <p:cNvSpPr>
+            <a:spLocks noGrp="1"/>
+          </p:cNvSpPr>
+          <p:nvPr>
+            <p:ph idx="1"/>
+          </p:nvPr>
+        </p:nvSpPr>
+        <p:spPr/>
+        <p:txBody>
+          <a:bodyPr/>
+          <a:lstStyle/>
+          <a:p>
+            <a:r>
+              <a:rPr lang="de-DE" sz="2000" dirty="0"/>
+              <a:t>Strukturierter Arbeiten </a:t>
+            </a:r>
+          </a:p>
+          <a:p>
+            <a:r>
+              <a:rPr lang="de-DE" sz="2000" dirty="0"/>
+              <a:t>Visualisierung der </a:t>
+            </a:r>
+            <a:r>
+              <a:rPr lang="de-DE" sz="2000" dirty="0" smtClean="0"/>
+              <a:t>ist/soll </a:t>
+            </a:r>
+            <a:r>
+              <a:rPr lang="de-DE" sz="2000" dirty="0"/>
+              <a:t>Situation (Präsentation)</a:t>
+            </a:r>
+          </a:p>
+          <a:p>
+            <a:r>
+              <a:rPr lang="de-DE" sz="2000" dirty="0"/>
+              <a:t>Bessere Teamarbeit </a:t>
+            </a:r>
+          </a:p>
+          <a:p>
+            <a:pPr marL="0" indent="0">
+              <a:buNone/>
+            </a:pPr>
+            <a:endParaRPr lang="de-DE" dirty="0"/>
+          </a:p>
+          <a:p>
+            <a:endParaRPr lang="de-DE" dirty="0"/>
+          </a:p>
+          <a:p>
+            <a:endParaRPr lang="de-DE" dirty="0"/>
+          </a:p>
+          <a:p>
+            <a:endParaRPr lang="de-DE" dirty="0"/>
+          </a:p>
+        </p:txBody>
+      </p:sp>
+      <p:pic>
+        <p:nvPicPr>
+          <p:cNvPr id="4" name="Grafik 3"/>
+          <p:cNvPicPr>
+            <a:picLocks noChangeAspect="1"/>
+          </p:cNvPicPr>
+          <p:nvPr/>
+        </p:nvPicPr>
+        <p:blipFill>
+          <a:blip r:embed="rId2">
+            <a:extLst>
+              <a:ext uri="{28A0092B-C50C-407E-A947-70E740481C1C}">
+                <a14:useLocalDpi xmlns:a14="http://schemas.microsoft.com/office/drawing/2010/main" val="0"/>
+              </a:ext>
+            </a:extLst>
+          </a:blip>
+          <a:stretch>
+            <a:fillRect/>
+          </a:stretch>
+        </p:blipFill>
+        <p:spPr>
+          <a:xfrm>
+            <a:off x="1127093" y="3502560"/>
+            <a:ext cx="4527749" cy="2828012"/>
+          </a:xfrm>
+          <a:prstGeom prst="rect">
+            <a:avLst/>
+          </a:prstGeom>
+        </p:spPr>
+      </p:pic>
+    </p:spTree>
+    <p:extLst>
+      <p:ext uri="{BB962C8B-B14F-4D97-AF65-F5344CB8AC3E}">
+        <p14:creationId xmlns:p14="http://schemas.microsoft.com/office/powerpoint/2010/main" val="4176311415"/>
+      </p:ext>
+    </p:extLst>
+  </p:cSld>
+  <p:clrMapOvr>
+    <a:masterClrMapping/>
+  </p:clrMapOvr>
+  <p:timing>
+    <p:tnLst>
+      <p:par>
+        <p:cTn id="1" dur="indefinite" restart="never" nodeType="tmRoot"/>
+      </p:par>
+    </p:tnLst>
+  </p:timing>
+</p:sld>
+</file>
+
+<file path=ppt/slides/slide2.xml><?xml version="1.0" encoding="utf-8"?>
+<p:sld xmlns:a="http://schemas.openxmlformats.org/drawingml/2006/main" xmlns:r="http://schemas.openxmlformats.org/officeDocument/2006/relationships" xmlns:p="http://schemas.openxmlformats.org/presentationml/2006/main">
+  <p:cSld>
+    <p:spTree>
+      <p:nvGrpSpPr>
+        <p:cNvPr id="1" name=""/>
+        <p:cNvGrpSpPr/>
+        <p:nvPr/>
+      </p:nvGrpSpPr>
+      <p:grpSpPr>
+        <a:xfrm>
+          <a:off x="0" y="0"/>
+          <a:ext cx="0" cy="0"/>
+          <a:chOff x="0" y="0"/>
+          <a:chExt cx="0" cy="0"/>
+        </a:xfrm>
+      </p:grpSpPr>
+      <p:sp>
+        <p:nvSpPr>
           <p:cNvPr id="2" name="Titel 1"/>
           <p:cNvSpPr>
             <a:spLocks noGrp="1"/>
@@ -5897,8 +6067,8 @@
         </p:blipFill>
         <p:spPr bwMode="auto">
           <a:xfrm>
-            <a:off x="563688" y="4038992"/>
-            <a:ext cx="1010055" cy="1013339"/>
+            <a:off x="8321434" y="972145"/>
+            <a:ext cx="1017091" cy="1020398"/>
           </a:xfrm>
           <a:prstGeom prst="rect">
             <a:avLst/>
@@ -5937,7 +6107,7 @@
         </p:blipFill>
         <p:spPr>
           <a:xfrm>
-            <a:off x="9840" y="1040701"/>
+            <a:off x="233312" y="704246"/>
             <a:ext cx="4198368" cy="1556195"/>
           </a:xfrm>
           <a:prstGeom prst="rect">
@@ -5967,8 +6137,38 @@
         </p:blipFill>
         <p:spPr>
           <a:xfrm>
-            <a:off x="9840" y="1584917"/>
-            <a:ext cx="5055108" cy="3370072"/>
+            <a:off x="4150808" y="220420"/>
+            <a:ext cx="3984075" cy="2656050"/>
+          </a:xfrm>
+          <a:prstGeom prst="rect">
+            <a:avLst/>
+          </a:prstGeom>
+        </p:spPr>
+      </p:pic>
+      <p:pic>
+        <p:nvPicPr>
+          <p:cNvPr id="3" name="Grafik 2"/>
+          <p:cNvPicPr>
+            <a:picLocks noChangeAspect="1"/>
+          </p:cNvPicPr>
+          <p:nvPr/>
+        </p:nvPicPr>
+        <p:blipFill>
+          <a:blip r:embed="rId5">
+            <a:extLst>
+              <a:ext uri="{28A0092B-C50C-407E-A947-70E740481C1C}">
+                <a14:useLocalDpi xmlns:a14="http://schemas.microsoft.com/office/drawing/2010/main" val="0"/>
+              </a:ext>
+            </a:extLst>
+          </a:blip>
+          <a:stretch>
+            <a:fillRect/>
+          </a:stretch>
+        </p:blipFill>
+        <p:spPr>
+          <a:xfrm>
+            <a:off x="803488" y="2260441"/>
+            <a:ext cx="6694639" cy="4186393"/>
           </a:xfrm>
           <a:prstGeom prst="rect">
             <a:avLst/>
@@ -5995,7 +6195,7 @@
 </p:sld>
 </file>
 
-<file path=ppt/slides/slide2.xml><?xml version="1.0" encoding="utf-8"?>
+<file path=ppt/slides/slide3.xml><?xml version="1.0" encoding="utf-8"?>
 <p:sld xmlns:a="http://schemas.openxmlformats.org/drawingml/2006/main" xmlns:r="http://schemas.openxmlformats.org/officeDocument/2006/relationships" xmlns:p="http://schemas.openxmlformats.org/presentationml/2006/main">
   <p:cSld>
     <p:spTree>
@@ -10353,7 +10553,7 @@
 </p:sld>
 </file>
 
-<file path=ppt/slides/slide3.xml><?xml version="1.0" encoding="utf-8"?>
+<file path=ppt/slides/slide4.xml><?xml version="1.0" encoding="utf-8"?>
 <p:sld xmlns:a="http://schemas.openxmlformats.org/drawingml/2006/main" xmlns:r="http://schemas.openxmlformats.org/officeDocument/2006/relationships" xmlns:p="http://schemas.openxmlformats.org/presentationml/2006/main">
   <p:cSld>
     <p:bg>
@@ -10386,7 +10586,7 @@
                 <a16:creationId xmlns:a16="http://schemas.microsoft.com/office/drawing/2014/main" id="{90A61547-2555-4DE2-A37F-A53E54917441}"/>
               </a:ext>
               <a:ext uri="{C183D7F6-B498-43B3-948B-1728B52AA6E4}">
-                <adec:decorative xmlns:adec="http://schemas.microsoft.com/office/drawing/2017/decorative" xmlns="" val="1"/>
+                <adec:decorative xmlns="" xmlns:adec="http://schemas.microsoft.com/office/drawing/2017/decorative" val="1"/>
               </a:ext>
             </a:extLst>
           </p:cNvPr>
@@ -10417,7 +10617,7 @@
                   <a16:creationId xmlns:a16="http://schemas.microsoft.com/office/drawing/2014/main" id="{5C2447E0-8F0D-479C-94E4-82BC8EB68C0C}"/>
                 </a:ext>
                 <a:ext uri="{C183D7F6-B498-43B3-948B-1728B52AA6E4}">
-                  <adec:decorative xmlns:adec="http://schemas.microsoft.com/office/drawing/2017/decorative" xmlns="" val="1"/>
+                  <adec:decorative xmlns="" xmlns:adec="http://schemas.microsoft.com/office/drawing/2017/decorative" val="1"/>
                 </a:ext>
               </a:extLst>
             </p:cNvPr>
@@ -10469,7 +10669,7 @@
                   <a16:creationId xmlns:a16="http://schemas.microsoft.com/office/drawing/2014/main" id="{1F943397-DCDD-44CB-BBA9-9510B7698DD2}"/>
                 </a:ext>
                 <a:ext uri="{C183D7F6-B498-43B3-948B-1728B52AA6E4}">
-                  <adec:decorative xmlns:adec="http://schemas.microsoft.com/office/drawing/2017/decorative" xmlns="" val="1"/>
+                  <adec:decorative xmlns="" xmlns:adec="http://schemas.microsoft.com/office/drawing/2017/decorative" val="1"/>
                 </a:ext>
               </a:extLst>
             </p:cNvPr>
@@ -10521,7 +10721,7 @@
                   <a16:creationId xmlns:a16="http://schemas.microsoft.com/office/drawing/2014/main" id="{E2630ADC-31DB-4C48-AC4A-DAAE5A7B8EA6}"/>
                 </a:ext>
                 <a:ext uri="{C183D7F6-B498-43B3-948B-1728B52AA6E4}">
-                  <adec:decorative xmlns:adec="http://schemas.microsoft.com/office/drawing/2017/decorative" xmlns="" val="1"/>
+                  <adec:decorative xmlns="" xmlns:adec="http://schemas.microsoft.com/office/drawing/2017/decorative" val="1"/>
                 </a:ext>
               </a:extLst>
             </p:cNvPr>
@@ -10599,7 +10799,7 @@
                   <a16:creationId xmlns:a16="http://schemas.microsoft.com/office/drawing/2014/main" id="{2CA5C44E-F54E-47E0-8989-4D8686B33C80}"/>
                 </a:ext>
                 <a:ext uri="{C183D7F6-B498-43B3-948B-1728B52AA6E4}">
-                  <adec:decorative xmlns:adec="http://schemas.microsoft.com/office/drawing/2017/decorative" xmlns="" val="1"/>
+                  <adec:decorative xmlns="" xmlns:adec="http://schemas.microsoft.com/office/drawing/2017/decorative" val="1"/>
                 </a:ext>
               </a:extLst>
             </p:cNvPr>
@@ -10677,7 +10877,7 @@
                   <a16:creationId xmlns:a16="http://schemas.microsoft.com/office/drawing/2014/main" id="{FF54E15E-830B-4375-A239-4C51954DEAEC}"/>
                 </a:ext>
                 <a:ext uri="{C183D7F6-B498-43B3-948B-1728B52AA6E4}">
-                  <adec:decorative xmlns:adec="http://schemas.microsoft.com/office/drawing/2017/decorative" xmlns="" val="1"/>
+                  <adec:decorative xmlns="" xmlns:adec="http://schemas.microsoft.com/office/drawing/2017/decorative" val="1"/>
                 </a:ext>
               </a:extLst>
             </p:cNvPr>
@@ -10733,7 +10933,7 @@
                   <a16:creationId xmlns:a16="http://schemas.microsoft.com/office/drawing/2014/main" id="{CB37E322-FF7E-4872-BD6B-50A48CBEA5CE}"/>
                 </a:ext>
                 <a:ext uri="{C183D7F6-B498-43B3-948B-1728B52AA6E4}">
-                  <adec:decorative xmlns:adec="http://schemas.microsoft.com/office/drawing/2017/decorative" xmlns="" val="1"/>
+                  <adec:decorative xmlns="" xmlns:adec="http://schemas.microsoft.com/office/drawing/2017/decorative" val="1"/>
                 </a:ext>
               </a:extLst>
             </p:cNvPr>
@@ -10812,7 +11012,7 @@
                   <a16:creationId xmlns:a16="http://schemas.microsoft.com/office/drawing/2014/main" id="{710D0C1E-D2F8-45B2-AE14-1AC8E976F7A2}"/>
                 </a:ext>
                 <a:ext uri="{C183D7F6-B498-43B3-948B-1728B52AA6E4}">
-                  <adec:decorative xmlns:adec="http://schemas.microsoft.com/office/drawing/2017/decorative" xmlns="" val="1"/>
+                  <adec:decorative xmlns="" xmlns:adec="http://schemas.microsoft.com/office/drawing/2017/decorative" val="1"/>
                 </a:ext>
               </a:extLst>
             </p:cNvPr>
@@ -10892,7 +11092,7 @@
                   <a16:creationId xmlns:a16="http://schemas.microsoft.com/office/drawing/2014/main" id="{3216331B-17D0-4167-ABD2-B2198058C2D2}"/>
                 </a:ext>
                 <a:ext uri="{C183D7F6-B498-43B3-948B-1728B52AA6E4}">
-                  <adec:decorative xmlns:adec="http://schemas.microsoft.com/office/drawing/2017/decorative" xmlns="" val="1"/>
+                  <adec:decorative xmlns="" xmlns:adec="http://schemas.microsoft.com/office/drawing/2017/decorative" val="1"/>
                 </a:ext>
               </a:extLst>
             </p:cNvPr>
@@ -10970,7 +11170,7 @@
                   <a16:creationId xmlns:a16="http://schemas.microsoft.com/office/drawing/2014/main" id="{A53A7A96-3806-4BB3-91DE-6EED48AC787E}"/>
                 </a:ext>
                 <a:ext uri="{C183D7F6-B498-43B3-948B-1728B52AA6E4}">
-                  <adec:decorative xmlns:adec="http://schemas.microsoft.com/office/drawing/2017/decorative" xmlns="" val="1"/>
+                  <adec:decorative xmlns="" xmlns:adec="http://schemas.microsoft.com/office/drawing/2017/decorative" val="1"/>
                 </a:ext>
               </a:extLst>
             </p:cNvPr>
@@ -11026,7 +11226,7 @@
                   <a16:creationId xmlns:a16="http://schemas.microsoft.com/office/drawing/2014/main" id="{F8C2B86C-EE71-466E-8991-503F9C9C1B22}"/>
                 </a:ext>
                 <a:ext uri="{C183D7F6-B498-43B3-948B-1728B52AA6E4}">
-                  <adec:decorative xmlns:adec="http://schemas.microsoft.com/office/drawing/2017/decorative" xmlns="" val="1"/>
+                  <adec:decorative xmlns="" xmlns:adec="http://schemas.microsoft.com/office/drawing/2017/decorative" val="1"/>
                 </a:ext>
               </a:extLst>
             </p:cNvPr>
@@ -11148,96 +11348,6 @@
     <p:extLst>
       <p:ext uri="{BB962C8B-B14F-4D97-AF65-F5344CB8AC3E}">
         <p14:creationId xmlns:p14="http://schemas.microsoft.com/office/powerpoint/2010/main" val="114051431"/>
-      </p:ext>
-    </p:extLst>
-  </p:cSld>
-  <p:clrMapOvr>
-    <a:masterClrMapping/>
-  </p:clrMapOvr>
-  <p:timing>
-    <p:tnLst>
-      <p:par>
-        <p:cTn id="1" dur="indefinite" restart="never" nodeType="tmRoot"/>
-      </p:par>
-    </p:tnLst>
-  </p:timing>
-</p:sld>
-</file>
-
-<file path=ppt/slides/slide4.xml><?xml version="1.0" encoding="utf-8"?>
-<p:sld xmlns:a="http://schemas.openxmlformats.org/drawingml/2006/main" xmlns:r="http://schemas.openxmlformats.org/officeDocument/2006/relationships" xmlns:p="http://schemas.openxmlformats.org/presentationml/2006/main">
-  <p:cSld>
-    <p:spTree>
-      <p:nvGrpSpPr>
-        <p:cNvPr id="1" name=""/>
-        <p:cNvGrpSpPr/>
-        <p:nvPr/>
-      </p:nvGrpSpPr>
-      <p:grpSpPr>
-        <a:xfrm>
-          <a:off x="0" y="0"/>
-          <a:ext cx="0" cy="0"/>
-          <a:chOff x="0" y="0"/>
-          <a:chExt cx="0" cy="0"/>
-        </a:xfrm>
-      </p:grpSpPr>
-      <p:sp>
-        <p:nvSpPr>
-          <p:cNvPr id="2" name="Titel 1">
-            <a:extLst>
-              <a:ext uri="{FF2B5EF4-FFF2-40B4-BE49-F238E27FC236}">
-                <a16:creationId xmlns:a16="http://schemas.microsoft.com/office/drawing/2014/main" id="{9B4CC1F5-59B7-42DD-BC11-8FD61628EA4E}"/>
-              </a:ext>
-            </a:extLst>
-          </p:cNvPr>
-          <p:cNvSpPr>
-            <a:spLocks noGrp="1"/>
-          </p:cNvSpPr>
-          <p:nvPr>
-            <p:ph type="title"/>
-          </p:nvPr>
-        </p:nvSpPr>
-        <p:spPr/>
-        <p:txBody>
-          <a:bodyPr/>
-          <a:lstStyle/>
-          <a:p>
-            <a:r>
-              <a:rPr lang="de-DE" dirty="0"/>
-              <a:t>Catia Anbindung</a:t>
-            </a:r>
-          </a:p>
-        </p:txBody>
-      </p:sp>
-      <p:sp>
-        <p:nvSpPr>
-          <p:cNvPr id="3" name="Inhaltsplatzhalter 2">
-            <a:extLst>
-              <a:ext uri="{FF2B5EF4-FFF2-40B4-BE49-F238E27FC236}">
-                <a16:creationId xmlns:a16="http://schemas.microsoft.com/office/drawing/2014/main" id="{8FA540C7-4061-4722-B859-6B880FF404D5}"/>
-              </a:ext>
-            </a:extLst>
-          </p:cNvPr>
-          <p:cNvSpPr>
-            <a:spLocks noGrp="1"/>
-          </p:cNvSpPr>
-          <p:nvPr>
-            <p:ph idx="1"/>
-          </p:nvPr>
-        </p:nvSpPr>
-        <p:spPr/>
-        <p:txBody>
-          <a:bodyPr/>
-          <a:lstStyle/>
-          <a:p>
-            <a:endParaRPr lang="de-DE" dirty="0"/>
-          </a:p>
-        </p:txBody>
-      </p:sp>
-    </p:spTree>
-    <p:extLst>
-      <p:ext uri="{BB962C8B-B14F-4D97-AF65-F5344CB8AC3E}">
-        <p14:creationId xmlns:p14="http://schemas.microsoft.com/office/powerpoint/2010/main" val="644532853"/>
       </p:ext>
     </p:extLst>
   </p:cSld>

--- a/Sprint 3/Abgabe-Dateien/Sptrint 3 Präsentation.pptx
+++ b/Sprint 3/Abgabe-Dateien/Sptrint 3 Präsentation.pptx
@@ -5855,11 +5855,7 @@
           <a:p>
             <a:r>
               <a:rPr lang="de-DE" dirty="0"/>
-              <a:t>Ziele der Gruppe nach </a:t>
-            </a:r>
-            <a:r>
-              <a:rPr lang="de-DE" dirty="0"/>
-              <a:t>S</a:t>
+              <a:t>Ziele der Gruppe nach S</a:t>
             </a:r>
             <a:r>
               <a:rPr lang="de-DE" dirty="0" smtClean="0"/>
@@ -6847,8 +6843,13 @@
             </a:pPr>
             <a:r>
               <a:rPr lang="de-DE" sz="1600" dirty="0" smtClean="0"/>
-              <a:t>Gewicht eines Paketes</a:t>
-            </a:r>
+              <a:t>Gewicht </a:t>
+            </a:r>
+            <a:r>
+              <a:rPr lang="de-DE" sz="1600" dirty="0" smtClean="0"/>
+              <a:t>pro Packung</a:t>
+            </a:r>
+            <a:endParaRPr lang="de-DE" sz="1600" dirty="0" smtClean="0"/>
           </a:p>
           <a:p>
             <a:pPr marL="285750" indent="-285750" algn="l">
@@ -6857,8 +6858,13 @@
             </a:pPr>
             <a:r>
               <a:rPr lang="de-DE" sz="1600" dirty="0" smtClean="0"/>
-              <a:t>Preis</a:t>
-            </a:r>
+              <a:t>Preis </a:t>
+            </a:r>
+            <a:r>
+              <a:rPr lang="de-DE" sz="1600" smtClean="0"/>
+              <a:t>pro Packung</a:t>
+            </a:r>
+            <a:endParaRPr lang="de-DE" sz="1600" dirty="0" smtClean="0"/>
           </a:p>
           <a:p>
             <a:pPr marL="285750" indent="-285750" algn="l">
@@ -10586,7 +10592,7 @@
                 <a16:creationId xmlns:a16="http://schemas.microsoft.com/office/drawing/2014/main" id="{90A61547-2555-4DE2-A37F-A53E54917441}"/>
               </a:ext>
               <a:ext uri="{C183D7F6-B498-43B3-948B-1728B52AA6E4}">
-                <adec:decorative xmlns="" xmlns:adec="http://schemas.microsoft.com/office/drawing/2017/decorative" val="1"/>
+                <adec:decorative xmlns:adec="http://schemas.microsoft.com/office/drawing/2017/decorative" xmlns="" val="1"/>
               </a:ext>
             </a:extLst>
           </p:cNvPr>
@@ -10617,7 +10623,7 @@
                   <a16:creationId xmlns:a16="http://schemas.microsoft.com/office/drawing/2014/main" id="{5C2447E0-8F0D-479C-94E4-82BC8EB68C0C}"/>
                 </a:ext>
                 <a:ext uri="{C183D7F6-B498-43B3-948B-1728B52AA6E4}">
-                  <adec:decorative xmlns="" xmlns:adec="http://schemas.microsoft.com/office/drawing/2017/decorative" val="1"/>
+                  <adec:decorative xmlns:adec="http://schemas.microsoft.com/office/drawing/2017/decorative" xmlns="" val="1"/>
                 </a:ext>
               </a:extLst>
             </p:cNvPr>
@@ -10669,7 +10675,7 @@
                   <a16:creationId xmlns:a16="http://schemas.microsoft.com/office/drawing/2014/main" id="{1F943397-DCDD-44CB-BBA9-9510B7698DD2}"/>
                 </a:ext>
                 <a:ext uri="{C183D7F6-B498-43B3-948B-1728B52AA6E4}">
-                  <adec:decorative xmlns="" xmlns:adec="http://schemas.microsoft.com/office/drawing/2017/decorative" val="1"/>
+                  <adec:decorative xmlns:adec="http://schemas.microsoft.com/office/drawing/2017/decorative" xmlns="" val="1"/>
                 </a:ext>
               </a:extLst>
             </p:cNvPr>
@@ -10721,7 +10727,7 @@
                   <a16:creationId xmlns:a16="http://schemas.microsoft.com/office/drawing/2014/main" id="{E2630ADC-31DB-4C48-AC4A-DAAE5A7B8EA6}"/>
                 </a:ext>
                 <a:ext uri="{C183D7F6-B498-43B3-948B-1728B52AA6E4}">
-                  <adec:decorative xmlns="" xmlns:adec="http://schemas.microsoft.com/office/drawing/2017/decorative" val="1"/>
+                  <adec:decorative xmlns:adec="http://schemas.microsoft.com/office/drawing/2017/decorative" xmlns="" val="1"/>
                 </a:ext>
               </a:extLst>
             </p:cNvPr>
@@ -10799,7 +10805,7 @@
                   <a16:creationId xmlns:a16="http://schemas.microsoft.com/office/drawing/2014/main" id="{2CA5C44E-F54E-47E0-8989-4D8686B33C80}"/>
                 </a:ext>
                 <a:ext uri="{C183D7F6-B498-43B3-948B-1728B52AA6E4}">
-                  <adec:decorative xmlns="" xmlns:adec="http://schemas.microsoft.com/office/drawing/2017/decorative" val="1"/>
+                  <adec:decorative xmlns:adec="http://schemas.microsoft.com/office/drawing/2017/decorative" xmlns="" val="1"/>
                 </a:ext>
               </a:extLst>
             </p:cNvPr>
@@ -10877,7 +10883,7 @@
                   <a16:creationId xmlns:a16="http://schemas.microsoft.com/office/drawing/2014/main" id="{FF54E15E-830B-4375-A239-4C51954DEAEC}"/>
                 </a:ext>
                 <a:ext uri="{C183D7F6-B498-43B3-948B-1728B52AA6E4}">
-                  <adec:decorative xmlns="" xmlns:adec="http://schemas.microsoft.com/office/drawing/2017/decorative" val="1"/>
+                  <adec:decorative xmlns:adec="http://schemas.microsoft.com/office/drawing/2017/decorative" xmlns="" val="1"/>
                 </a:ext>
               </a:extLst>
             </p:cNvPr>
@@ -10933,7 +10939,7 @@
                   <a16:creationId xmlns:a16="http://schemas.microsoft.com/office/drawing/2014/main" id="{CB37E322-FF7E-4872-BD6B-50A48CBEA5CE}"/>
                 </a:ext>
                 <a:ext uri="{C183D7F6-B498-43B3-948B-1728B52AA6E4}">
-                  <adec:decorative xmlns="" xmlns:adec="http://schemas.microsoft.com/office/drawing/2017/decorative" val="1"/>
+                  <adec:decorative xmlns:adec="http://schemas.microsoft.com/office/drawing/2017/decorative" xmlns="" val="1"/>
                 </a:ext>
               </a:extLst>
             </p:cNvPr>
@@ -11012,7 +11018,7 @@
                   <a16:creationId xmlns:a16="http://schemas.microsoft.com/office/drawing/2014/main" id="{710D0C1E-D2F8-45B2-AE14-1AC8E976F7A2}"/>
                 </a:ext>
                 <a:ext uri="{C183D7F6-B498-43B3-948B-1728B52AA6E4}">
-                  <adec:decorative xmlns="" xmlns:adec="http://schemas.microsoft.com/office/drawing/2017/decorative" val="1"/>
+                  <adec:decorative xmlns:adec="http://schemas.microsoft.com/office/drawing/2017/decorative" xmlns="" val="1"/>
                 </a:ext>
               </a:extLst>
             </p:cNvPr>
@@ -11092,7 +11098,7 @@
                   <a16:creationId xmlns:a16="http://schemas.microsoft.com/office/drawing/2014/main" id="{3216331B-17D0-4167-ABD2-B2198058C2D2}"/>
                 </a:ext>
                 <a:ext uri="{C183D7F6-B498-43B3-948B-1728B52AA6E4}">
-                  <adec:decorative xmlns="" xmlns:adec="http://schemas.microsoft.com/office/drawing/2017/decorative" val="1"/>
+                  <adec:decorative xmlns:adec="http://schemas.microsoft.com/office/drawing/2017/decorative" xmlns="" val="1"/>
                 </a:ext>
               </a:extLst>
             </p:cNvPr>
@@ -11170,7 +11176,7 @@
                   <a16:creationId xmlns:a16="http://schemas.microsoft.com/office/drawing/2014/main" id="{A53A7A96-3806-4BB3-91DE-6EED48AC787E}"/>
                 </a:ext>
                 <a:ext uri="{C183D7F6-B498-43B3-948B-1728B52AA6E4}">
-                  <adec:decorative xmlns="" xmlns:adec="http://schemas.microsoft.com/office/drawing/2017/decorative" val="1"/>
+                  <adec:decorative xmlns:adec="http://schemas.microsoft.com/office/drawing/2017/decorative" xmlns="" val="1"/>
                 </a:ext>
               </a:extLst>
             </p:cNvPr>
@@ -11226,7 +11232,7 @@
                   <a16:creationId xmlns:a16="http://schemas.microsoft.com/office/drawing/2014/main" id="{F8C2B86C-EE71-466E-8991-503F9C9C1B22}"/>
                 </a:ext>
                 <a:ext uri="{C183D7F6-B498-43B3-948B-1728B52AA6E4}">
-                  <adec:decorative xmlns="" xmlns:adec="http://schemas.microsoft.com/office/drawing/2017/decorative" val="1"/>
+                  <adec:decorative xmlns:adec="http://schemas.microsoft.com/office/drawing/2017/decorative" xmlns="" val="1"/>
                 </a:ext>
               </a:extLst>
             </p:cNvPr>
